--- a/Prototype-kyun.pptx
+++ b/Prototype-kyun.pptx
@@ -7,7 +7,10 @@
   <p:sldIdLst>
     <p:sldId id="256" r:id="rId2"/>
     <p:sldId id="257" r:id="rId3"/>
-    <p:sldId id="258" r:id="rId4"/>
+    <p:sldId id="259" r:id="rId4"/>
+    <p:sldId id="260" r:id="rId5"/>
+    <p:sldId id="258" r:id="rId6"/>
+    <p:sldId id="261" r:id="rId7"/>
   </p:sldIdLst>
   <p:sldSz cx="12192000" cy="6858000"/>
   <p:notesSz cx="6858000" cy="9144000"/>
@@ -106,7 +109,2937 @@
       </a:defRPr>
     </a:lvl9pPr>
   </p:defaultTextStyle>
+  <p:extLst>
+    <p:ext uri="{EFAFB233-063F-42B5-8137-9DF3F51BA10A}">
+      <p15:sldGuideLst xmlns:p15="http://schemas.microsoft.com/office/powerpoint/2012/main"/>
+    </p:ext>
+  </p:extLst>
 </p:presentation>
+</file>
+
+<file path=ppt/diagrams/colors1.xml><?xml version="1.0" encoding="utf-8"?>
+<dgm:colorsDef xmlns:dgm="http://schemas.openxmlformats.org/drawingml/2006/diagram" xmlns:a="http://schemas.openxmlformats.org/drawingml/2006/main" uniqueId="urn:microsoft.com/office/officeart/2005/8/colors/colorful2">
+  <dgm:title val=""/>
+  <dgm:desc val=""/>
+  <dgm:catLst>
+    <dgm:cat type="colorful" pri="10200"/>
+  </dgm:catLst>
+  <dgm:styleLbl name="node0">
+    <dgm:fillClrLst meth="repeat">
+      <a:schemeClr val="accent1"/>
+    </dgm:fillClrLst>
+    <dgm:linClrLst meth="repeat">
+      <a:schemeClr val="lt1"/>
+    </dgm:linClrLst>
+    <dgm:effectClrLst/>
+    <dgm:txLinClrLst/>
+    <dgm:txFillClrLst/>
+    <dgm:txEffectClrLst/>
+  </dgm:styleLbl>
+  <dgm:styleLbl name="node1">
+    <dgm:fillClrLst>
+      <a:schemeClr val="accent2"/>
+      <a:schemeClr val="accent3"/>
+    </dgm:fillClrLst>
+    <dgm:linClrLst meth="repeat">
+      <a:schemeClr val="lt1"/>
+    </dgm:linClrLst>
+    <dgm:effectClrLst/>
+    <dgm:txLinClrLst/>
+    <dgm:txFillClrLst/>
+    <dgm:txEffectClrLst/>
+  </dgm:styleLbl>
+  <dgm:styleLbl name="alignNode1">
+    <dgm:fillClrLst>
+      <a:schemeClr val="accent2"/>
+      <a:schemeClr val="accent3"/>
+    </dgm:fillClrLst>
+    <dgm:linClrLst>
+      <a:schemeClr val="accent2"/>
+      <a:schemeClr val="accent3"/>
+    </dgm:linClrLst>
+    <dgm:effectClrLst/>
+    <dgm:txLinClrLst/>
+    <dgm:txFillClrLst/>
+    <dgm:txEffectClrLst/>
+  </dgm:styleLbl>
+  <dgm:styleLbl name="lnNode1">
+    <dgm:fillClrLst>
+      <a:schemeClr val="accent2"/>
+      <a:schemeClr val="accent3"/>
+    </dgm:fillClrLst>
+    <dgm:linClrLst meth="repeat">
+      <a:schemeClr val="lt1"/>
+    </dgm:linClrLst>
+    <dgm:effectClrLst/>
+    <dgm:txLinClrLst/>
+    <dgm:txFillClrLst/>
+    <dgm:txEffectClrLst/>
+  </dgm:styleLbl>
+  <dgm:styleLbl name="vennNode1">
+    <dgm:fillClrLst>
+      <a:schemeClr val="accent2">
+        <a:alpha val="50000"/>
+      </a:schemeClr>
+      <a:schemeClr val="accent3">
+        <a:alpha val="50000"/>
+      </a:schemeClr>
+    </dgm:fillClrLst>
+    <dgm:linClrLst meth="repeat">
+      <a:schemeClr val="lt1"/>
+    </dgm:linClrLst>
+    <dgm:effectClrLst/>
+    <dgm:txLinClrLst/>
+    <dgm:txFillClrLst/>
+    <dgm:txEffectClrLst/>
+  </dgm:styleLbl>
+  <dgm:styleLbl name="node2">
+    <dgm:fillClrLst>
+      <a:schemeClr val="accent3"/>
+    </dgm:fillClrLst>
+    <dgm:linClrLst meth="repeat">
+      <a:schemeClr val="lt1"/>
+    </dgm:linClrLst>
+    <dgm:effectClrLst/>
+    <dgm:txLinClrLst/>
+    <dgm:txFillClrLst/>
+    <dgm:txEffectClrLst/>
+  </dgm:styleLbl>
+  <dgm:styleLbl name="node3">
+    <dgm:fillClrLst>
+      <a:schemeClr val="accent4"/>
+    </dgm:fillClrLst>
+    <dgm:linClrLst meth="repeat">
+      <a:schemeClr val="lt1"/>
+    </dgm:linClrLst>
+    <dgm:effectClrLst/>
+    <dgm:txLinClrLst/>
+    <dgm:txFillClrLst/>
+    <dgm:txEffectClrLst/>
+  </dgm:styleLbl>
+  <dgm:styleLbl name="node4">
+    <dgm:fillClrLst>
+      <a:schemeClr val="accent5"/>
+    </dgm:fillClrLst>
+    <dgm:linClrLst meth="repeat">
+      <a:schemeClr val="lt1"/>
+    </dgm:linClrLst>
+    <dgm:effectClrLst/>
+    <dgm:txLinClrLst/>
+    <dgm:txFillClrLst/>
+    <dgm:txEffectClrLst/>
+  </dgm:styleLbl>
+  <dgm:styleLbl name="fgImgPlace1">
+    <dgm:fillClrLst>
+      <a:schemeClr val="accent2">
+        <a:tint val="50000"/>
+      </a:schemeClr>
+      <a:schemeClr val="accent3">
+        <a:tint val="50000"/>
+      </a:schemeClr>
+    </dgm:fillClrLst>
+    <dgm:linClrLst meth="repeat">
+      <a:schemeClr val="lt1"/>
+    </dgm:linClrLst>
+    <dgm:effectClrLst/>
+    <dgm:txLinClrLst/>
+    <dgm:txFillClrLst meth="repeat">
+      <a:schemeClr val="lt1"/>
+    </dgm:txFillClrLst>
+    <dgm:txEffectClrLst/>
+  </dgm:styleLbl>
+  <dgm:styleLbl name="alignImgPlace1">
+    <dgm:fillClrLst>
+      <a:schemeClr val="accent2">
+        <a:tint val="50000"/>
+      </a:schemeClr>
+      <a:schemeClr val="accent3">
+        <a:tint val="20000"/>
+      </a:schemeClr>
+    </dgm:fillClrLst>
+    <dgm:linClrLst meth="repeat">
+      <a:schemeClr val="lt1"/>
+    </dgm:linClrLst>
+    <dgm:effectClrLst/>
+    <dgm:txLinClrLst/>
+    <dgm:txFillClrLst meth="repeat">
+      <a:schemeClr val="lt1"/>
+    </dgm:txFillClrLst>
+    <dgm:txEffectClrLst/>
+  </dgm:styleLbl>
+  <dgm:styleLbl name="bgImgPlace1">
+    <dgm:fillClrLst>
+      <a:schemeClr val="accent2">
+        <a:tint val="50000"/>
+      </a:schemeClr>
+      <a:schemeClr val="accent3">
+        <a:tint val="20000"/>
+      </a:schemeClr>
+    </dgm:fillClrLst>
+    <dgm:linClrLst meth="repeat">
+      <a:schemeClr val="lt1"/>
+    </dgm:linClrLst>
+    <dgm:effectClrLst/>
+    <dgm:txLinClrLst/>
+    <dgm:txFillClrLst meth="repeat">
+      <a:schemeClr val="lt1"/>
+    </dgm:txFillClrLst>
+    <dgm:txEffectClrLst/>
+  </dgm:styleLbl>
+  <dgm:styleLbl name="sibTrans2D1">
+    <dgm:fillClrLst>
+      <a:schemeClr val="accent2"/>
+      <a:schemeClr val="accent3"/>
+    </dgm:fillClrLst>
+    <dgm:linClrLst meth="repeat">
+      <a:schemeClr val="lt1"/>
+    </dgm:linClrLst>
+    <dgm:effectClrLst/>
+    <dgm:txLinClrLst/>
+    <dgm:txFillClrLst/>
+    <dgm:txEffectClrLst/>
+  </dgm:styleLbl>
+  <dgm:styleLbl name="fgSibTrans2D1">
+    <dgm:fillClrLst>
+      <a:schemeClr val="accent2"/>
+      <a:schemeClr val="accent3"/>
+    </dgm:fillClrLst>
+    <dgm:linClrLst meth="repeat">
+      <a:schemeClr val="lt1"/>
+    </dgm:linClrLst>
+    <dgm:effectClrLst/>
+    <dgm:txLinClrLst/>
+    <dgm:txFillClrLst meth="repeat">
+      <a:schemeClr val="lt1"/>
+    </dgm:txFillClrLst>
+    <dgm:txEffectClrLst/>
+  </dgm:styleLbl>
+  <dgm:styleLbl name="bgSibTrans2D1">
+    <dgm:fillClrLst>
+      <a:schemeClr val="accent2"/>
+      <a:schemeClr val="accent3"/>
+    </dgm:fillClrLst>
+    <dgm:linClrLst meth="repeat">
+      <a:schemeClr val="lt1"/>
+    </dgm:linClrLst>
+    <dgm:effectClrLst/>
+    <dgm:txLinClrLst/>
+    <dgm:txFillClrLst meth="repeat">
+      <a:schemeClr val="lt1"/>
+    </dgm:txFillClrLst>
+    <dgm:txEffectClrLst/>
+  </dgm:styleLbl>
+  <dgm:styleLbl name="sibTrans1D1">
+    <dgm:fillClrLst/>
+    <dgm:linClrLst>
+      <a:schemeClr val="accent2"/>
+      <a:schemeClr val="accent3"/>
+    </dgm:linClrLst>
+    <dgm:effectClrLst/>
+    <dgm:txLinClrLst/>
+    <dgm:txFillClrLst meth="repeat">
+      <a:schemeClr val="tx1"/>
+    </dgm:txFillClrLst>
+    <dgm:txEffectClrLst/>
+  </dgm:styleLbl>
+  <dgm:styleLbl name="callout">
+    <dgm:fillClrLst meth="repeat">
+      <a:schemeClr val="accent2"/>
+    </dgm:fillClrLst>
+    <dgm:linClrLst meth="repeat">
+      <a:schemeClr val="accent2">
+        <a:tint val="50000"/>
+      </a:schemeClr>
+    </dgm:linClrLst>
+    <dgm:effectClrLst/>
+    <dgm:txLinClrLst/>
+    <dgm:txFillClrLst meth="repeat">
+      <a:schemeClr val="tx1"/>
+    </dgm:txFillClrLst>
+    <dgm:txEffectClrLst/>
+  </dgm:styleLbl>
+  <dgm:styleLbl name="asst0">
+    <dgm:fillClrLst meth="repeat">
+      <a:schemeClr val="accent2"/>
+    </dgm:fillClrLst>
+    <dgm:linClrLst meth="repeat">
+      <a:schemeClr val="lt1">
+        <a:shade val="80000"/>
+      </a:schemeClr>
+    </dgm:linClrLst>
+    <dgm:effectClrLst/>
+    <dgm:txLinClrLst/>
+    <dgm:txFillClrLst/>
+    <dgm:txEffectClrLst/>
+  </dgm:styleLbl>
+  <dgm:styleLbl name="asst1">
+    <dgm:fillClrLst meth="repeat">
+      <a:schemeClr val="accent3"/>
+    </dgm:fillClrLst>
+    <dgm:linClrLst meth="repeat">
+      <a:schemeClr val="lt1">
+        <a:shade val="80000"/>
+      </a:schemeClr>
+    </dgm:linClrLst>
+    <dgm:effectClrLst/>
+    <dgm:txLinClrLst/>
+    <dgm:txFillClrLst/>
+    <dgm:txEffectClrLst/>
+  </dgm:styleLbl>
+  <dgm:styleLbl name="asst2">
+    <dgm:fillClrLst>
+      <a:schemeClr val="accent4"/>
+    </dgm:fillClrLst>
+    <dgm:linClrLst meth="repeat">
+      <a:schemeClr val="lt1"/>
+    </dgm:linClrLst>
+    <dgm:effectClrLst/>
+    <dgm:txLinClrLst/>
+    <dgm:txFillClrLst/>
+    <dgm:txEffectClrLst/>
+  </dgm:styleLbl>
+  <dgm:styleLbl name="asst3">
+    <dgm:fillClrLst>
+      <a:schemeClr val="accent5"/>
+    </dgm:fillClrLst>
+    <dgm:linClrLst meth="repeat">
+      <a:schemeClr val="lt1"/>
+    </dgm:linClrLst>
+    <dgm:effectClrLst/>
+    <dgm:txLinClrLst/>
+    <dgm:txFillClrLst/>
+    <dgm:txEffectClrLst/>
+  </dgm:styleLbl>
+  <dgm:styleLbl name="asst4">
+    <dgm:fillClrLst>
+      <a:schemeClr val="accent6"/>
+    </dgm:fillClrLst>
+    <dgm:linClrLst meth="repeat">
+      <a:schemeClr val="lt1"/>
+    </dgm:linClrLst>
+    <dgm:effectClrLst/>
+    <dgm:txLinClrLst/>
+    <dgm:txFillClrLst/>
+    <dgm:txEffectClrLst/>
+  </dgm:styleLbl>
+  <dgm:styleLbl name="parChTrans2D1">
+    <dgm:fillClrLst meth="repeat">
+      <a:schemeClr val="accent2"/>
+    </dgm:fillClrLst>
+    <dgm:linClrLst meth="repeat">
+      <a:schemeClr val="lt1"/>
+    </dgm:linClrLst>
+    <dgm:effectClrLst/>
+    <dgm:txLinClrLst/>
+    <dgm:txFillClrLst meth="repeat">
+      <a:schemeClr val="lt1"/>
+    </dgm:txFillClrLst>
+    <dgm:txEffectClrLst/>
+  </dgm:styleLbl>
+  <dgm:styleLbl name="parChTrans2D2">
+    <dgm:fillClrLst meth="repeat">
+      <a:schemeClr val="accent3"/>
+    </dgm:fillClrLst>
+    <dgm:linClrLst meth="repeat">
+      <a:schemeClr val="lt1"/>
+    </dgm:linClrLst>
+    <dgm:effectClrLst/>
+    <dgm:txLinClrLst/>
+    <dgm:txFillClrLst/>
+    <dgm:txEffectClrLst/>
+  </dgm:styleLbl>
+  <dgm:styleLbl name="parChTrans2D3">
+    <dgm:fillClrLst meth="repeat">
+      <a:schemeClr val="accent4"/>
+    </dgm:fillClrLst>
+    <dgm:linClrLst meth="repeat">
+      <a:schemeClr val="lt1"/>
+    </dgm:linClrLst>
+    <dgm:effectClrLst/>
+    <dgm:txLinClrLst/>
+    <dgm:txFillClrLst/>
+    <dgm:txEffectClrLst/>
+  </dgm:styleLbl>
+  <dgm:styleLbl name="parChTrans2D4">
+    <dgm:fillClrLst meth="repeat">
+      <a:schemeClr val="accent5"/>
+    </dgm:fillClrLst>
+    <dgm:linClrLst meth="repeat">
+      <a:schemeClr val="lt1"/>
+    </dgm:linClrLst>
+    <dgm:effectClrLst/>
+    <dgm:txLinClrLst/>
+    <dgm:txFillClrLst meth="repeat">
+      <a:schemeClr val="lt1"/>
+    </dgm:txFillClrLst>
+    <dgm:txEffectClrLst/>
+  </dgm:styleLbl>
+  <dgm:styleLbl name="parChTrans1D1">
+    <dgm:fillClrLst meth="repeat">
+      <a:schemeClr val="accent2"/>
+    </dgm:fillClrLst>
+    <dgm:linClrLst meth="repeat">
+      <a:schemeClr val="accent2"/>
+    </dgm:linClrLst>
+    <dgm:effectClrLst/>
+    <dgm:txLinClrLst/>
+    <dgm:txFillClrLst meth="repeat">
+      <a:schemeClr val="tx1"/>
+    </dgm:txFillClrLst>
+    <dgm:txEffectClrLst/>
+  </dgm:styleLbl>
+  <dgm:styleLbl name="parChTrans1D2">
+    <dgm:fillClrLst meth="repeat">
+      <a:schemeClr val="accent2">
+        <a:tint val="90000"/>
+      </a:schemeClr>
+    </dgm:fillClrLst>
+    <dgm:linClrLst meth="repeat">
+      <a:schemeClr val="accent3"/>
+    </dgm:linClrLst>
+    <dgm:effectClrLst/>
+    <dgm:txLinClrLst/>
+    <dgm:txFillClrLst meth="repeat">
+      <a:schemeClr val="tx1"/>
+    </dgm:txFillClrLst>
+    <dgm:txEffectClrLst/>
+  </dgm:styleLbl>
+  <dgm:styleLbl name="parChTrans1D3">
+    <dgm:fillClrLst meth="repeat">
+      <a:schemeClr val="accent2">
+        <a:tint val="70000"/>
+      </a:schemeClr>
+    </dgm:fillClrLst>
+    <dgm:linClrLst meth="repeat">
+      <a:schemeClr val="accent4"/>
+    </dgm:linClrLst>
+    <dgm:effectClrLst/>
+    <dgm:txLinClrLst/>
+    <dgm:txFillClrLst meth="repeat">
+      <a:schemeClr val="tx1"/>
+    </dgm:txFillClrLst>
+    <dgm:txEffectClrLst/>
+  </dgm:styleLbl>
+  <dgm:styleLbl name="parChTrans1D4">
+    <dgm:fillClrLst meth="repeat">
+      <a:schemeClr val="accent2">
+        <a:tint val="50000"/>
+      </a:schemeClr>
+    </dgm:fillClrLst>
+    <dgm:linClrLst meth="repeat">
+      <a:schemeClr val="accent5"/>
+    </dgm:linClrLst>
+    <dgm:effectClrLst/>
+    <dgm:txLinClrLst/>
+    <dgm:txFillClrLst meth="repeat">
+      <a:schemeClr val="tx1"/>
+    </dgm:txFillClrLst>
+    <dgm:txEffectClrLst/>
+  </dgm:styleLbl>
+  <dgm:styleLbl name="fgAcc1">
+    <dgm:fillClrLst meth="repeat">
+      <a:schemeClr val="lt1">
+        <a:alpha val="90000"/>
+      </a:schemeClr>
+    </dgm:fillClrLst>
+    <dgm:linClrLst>
+      <a:schemeClr val="accent2"/>
+      <a:schemeClr val="accent3"/>
+    </dgm:linClrLst>
+    <dgm:effectClrLst/>
+    <dgm:txLinClrLst/>
+    <dgm:txFillClrLst meth="repeat">
+      <a:schemeClr val="dk1"/>
+    </dgm:txFillClrLst>
+    <dgm:txEffectClrLst/>
+  </dgm:styleLbl>
+  <dgm:styleLbl name="conFgAcc1">
+    <dgm:fillClrLst meth="repeat">
+      <a:schemeClr val="lt1">
+        <a:alpha val="90000"/>
+      </a:schemeClr>
+    </dgm:fillClrLst>
+    <dgm:linClrLst>
+      <a:schemeClr val="accent2"/>
+      <a:schemeClr val="accent3"/>
+    </dgm:linClrLst>
+    <dgm:effectClrLst/>
+    <dgm:txLinClrLst/>
+    <dgm:txFillClrLst meth="repeat">
+      <a:schemeClr val="dk1"/>
+    </dgm:txFillClrLst>
+    <dgm:txEffectClrLst/>
+  </dgm:styleLbl>
+  <dgm:styleLbl name="alignAcc1">
+    <dgm:fillClrLst meth="repeat">
+      <a:schemeClr val="lt1">
+        <a:alpha val="90000"/>
+      </a:schemeClr>
+    </dgm:fillClrLst>
+    <dgm:linClrLst>
+      <a:schemeClr val="accent2"/>
+      <a:schemeClr val="accent3"/>
+    </dgm:linClrLst>
+    <dgm:effectClrLst/>
+    <dgm:txLinClrLst/>
+    <dgm:txFillClrLst meth="repeat">
+      <a:schemeClr val="dk1"/>
+    </dgm:txFillClrLst>
+    <dgm:txEffectClrLst/>
+  </dgm:styleLbl>
+  <dgm:styleLbl name="trAlignAcc1">
+    <dgm:fillClrLst meth="repeat">
+      <a:schemeClr val="lt1">
+        <a:alpha val="40000"/>
+      </a:schemeClr>
+    </dgm:fillClrLst>
+    <dgm:linClrLst meth="repeat">
+      <a:schemeClr val="accent2"/>
+    </dgm:linClrLst>
+    <dgm:effectClrLst/>
+    <dgm:txLinClrLst/>
+    <dgm:txFillClrLst meth="repeat">
+      <a:schemeClr val="dk1"/>
+    </dgm:txFillClrLst>
+    <dgm:txEffectClrLst/>
+  </dgm:styleLbl>
+  <dgm:styleLbl name="bgAcc1">
+    <dgm:fillClrLst meth="repeat">
+      <a:schemeClr val="lt1">
+        <a:alpha val="90000"/>
+      </a:schemeClr>
+    </dgm:fillClrLst>
+    <dgm:linClrLst>
+      <a:schemeClr val="accent2"/>
+      <a:schemeClr val="accent3"/>
+    </dgm:linClrLst>
+    <dgm:effectClrLst/>
+    <dgm:txLinClrLst/>
+    <dgm:txFillClrLst meth="repeat">
+      <a:schemeClr val="dk1"/>
+    </dgm:txFillClrLst>
+    <dgm:txEffectClrLst/>
+  </dgm:styleLbl>
+  <dgm:styleLbl name="solidFgAcc1">
+    <dgm:fillClrLst meth="repeat">
+      <a:schemeClr val="lt1"/>
+    </dgm:fillClrLst>
+    <dgm:linClrLst>
+      <a:schemeClr val="accent2"/>
+      <a:schemeClr val="accent3"/>
+    </dgm:linClrLst>
+    <dgm:effectClrLst/>
+    <dgm:txLinClrLst/>
+    <dgm:txFillClrLst meth="repeat">
+      <a:schemeClr val="dk1"/>
+    </dgm:txFillClrLst>
+    <dgm:txEffectClrLst/>
+  </dgm:styleLbl>
+  <dgm:styleLbl name="solidAlignAcc1">
+    <dgm:fillClrLst meth="repeat">
+      <a:schemeClr val="lt1"/>
+    </dgm:fillClrLst>
+    <dgm:linClrLst>
+      <a:schemeClr val="accent2"/>
+      <a:schemeClr val="accent3"/>
+    </dgm:linClrLst>
+    <dgm:effectClrLst/>
+    <dgm:txLinClrLst/>
+    <dgm:txFillClrLst meth="repeat">
+      <a:schemeClr val="dk1"/>
+    </dgm:txFillClrLst>
+    <dgm:txEffectClrLst/>
+  </dgm:styleLbl>
+  <dgm:styleLbl name="solidBgAcc1">
+    <dgm:fillClrLst meth="repeat">
+      <a:schemeClr val="lt1"/>
+    </dgm:fillClrLst>
+    <dgm:linClrLst>
+      <a:schemeClr val="accent2"/>
+      <a:schemeClr val="accent3"/>
+    </dgm:linClrLst>
+    <dgm:effectClrLst/>
+    <dgm:txLinClrLst/>
+    <dgm:txFillClrLst meth="repeat">
+      <a:schemeClr val="dk1"/>
+    </dgm:txFillClrLst>
+    <dgm:txEffectClrLst/>
+  </dgm:styleLbl>
+  <dgm:styleLbl name="fgAccFollowNode1">
+    <dgm:fillClrLst>
+      <a:schemeClr val="accent2">
+        <a:tint val="40000"/>
+        <a:alpha val="90000"/>
+      </a:schemeClr>
+      <a:schemeClr val="accent3">
+        <a:tint val="40000"/>
+        <a:alpha val="90000"/>
+      </a:schemeClr>
+    </dgm:fillClrLst>
+    <dgm:linClrLst>
+      <a:schemeClr val="accent2">
+        <a:tint val="40000"/>
+        <a:alpha val="90000"/>
+      </a:schemeClr>
+      <a:schemeClr val="accent3">
+        <a:tint val="40000"/>
+        <a:alpha val="90000"/>
+      </a:schemeClr>
+    </dgm:linClrLst>
+    <dgm:effectClrLst/>
+    <dgm:txLinClrLst/>
+    <dgm:txFillClrLst meth="repeat">
+      <a:schemeClr val="dk1"/>
+    </dgm:txFillClrLst>
+    <dgm:txEffectClrLst/>
+  </dgm:styleLbl>
+  <dgm:styleLbl name="alignAccFollowNode1">
+    <dgm:fillClrLst>
+      <a:schemeClr val="accent2">
+        <a:tint val="40000"/>
+        <a:alpha val="90000"/>
+      </a:schemeClr>
+      <a:schemeClr val="accent3">
+        <a:tint val="40000"/>
+        <a:alpha val="90000"/>
+      </a:schemeClr>
+    </dgm:fillClrLst>
+    <dgm:linClrLst>
+      <a:schemeClr val="accent2">
+        <a:tint val="40000"/>
+        <a:alpha val="90000"/>
+      </a:schemeClr>
+      <a:schemeClr val="accent3">
+        <a:tint val="40000"/>
+        <a:alpha val="90000"/>
+      </a:schemeClr>
+    </dgm:linClrLst>
+    <dgm:effectClrLst/>
+    <dgm:txLinClrLst/>
+    <dgm:txFillClrLst meth="repeat">
+      <a:schemeClr val="dk1"/>
+    </dgm:txFillClrLst>
+    <dgm:txEffectClrLst/>
+  </dgm:styleLbl>
+  <dgm:styleLbl name="bgAccFollowNode1">
+    <dgm:fillClrLst>
+      <a:schemeClr val="accent2">
+        <a:tint val="40000"/>
+        <a:alpha val="90000"/>
+      </a:schemeClr>
+      <a:schemeClr val="accent3">
+        <a:tint val="40000"/>
+        <a:alpha val="90000"/>
+      </a:schemeClr>
+    </dgm:fillClrLst>
+    <dgm:linClrLst>
+      <a:schemeClr val="accent2">
+        <a:tint val="40000"/>
+        <a:alpha val="90000"/>
+      </a:schemeClr>
+      <a:schemeClr val="accent3">
+        <a:tint val="40000"/>
+        <a:alpha val="90000"/>
+      </a:schemeClr>
+    </dgm:linClrLst>
+    <dgm:effectClrLst/>
+    <dgm:txLinClrLst/>
+    <dgm:txFillClrLst meth="repeat">
+      <a:schemeClr val="dk1"/>
+    </dgm:txFillClrLst>
+    <dgm:txEffectClrLst/>
+  </dgm:styleLbl>
+  <dgm:styleLbl name="fgAcc0">
+    <dgm:fillClrLst meth="repeat">
+      <a:schemeClr val="lt1">
+        <a:alpha val="90000"/>
+      </a:schemeClr>
+    </dgm:fillClrLst>
+    <dgm:linClrLst>
+      <a:schemeClr val="accent1"/>
+    </dgm:linClrLst>
+    <dgm:effectClrLst/>
+    <dgm:txLinClrLst/>
+    <dgm:txFillClrLst meth="repeat">
+      <a:schemeClr val="dk1"/>
+    </dgm:txFillClrLst>
+    <dgm:txEffectClrLst/>
+  </dgm:styleLbl>
+  <dgm:styleLbl name="fgAcc2">
+    <dgm:fillClrLst meth="repeat">
+      <a:schemeClr val="lt1">
+        <a:alpha val="90000"/>
+      </a:schemeClr>
+    </dgm:fillClrLst>
+    <dgm:linClrLst>
+      <a:schemeClr val="accent3"/>
+    </dgm:linClrLst>
+    <dgm:effectClrLst/>
+    <dgm:txLinClrLst/>
+    <dgm:txFillClrLst meth="repeat">
+      <a:schemeClr val="dk1"/>
+    </dgm:txFillClrLst>
+    <dgm:txEffectClrLst/>
+  </dgm:styleLbl>
+  <dgm:styleLbl name="fgAcc3">
+    <dgm:fillClrLst meth="repeat">
+      <a:schemeClr val="lt1">
+        <a:alpha val="90000"/>
+      </a:schemeClr>
+    </dgm:fillClrLst>
+    <dgm:linClrLst>
+      <a:schemeClr val="accent4"/>
+    </dgm:linClrLst>
+    <dgm:effectClrLst/>
+    <dgm:txLinClrLst/>
+    <dgm:txFillClrLst meth="repeat">
+      <a:schemeClr val="dk1"/>
+    </dgm:txFillClrLst>
+    <dgm:txEffectClrLst/>
+  </dgm:styleLbl>
+  <dgm:styleLbl name="fgAcc4">
+    <dgm:fillClrLst meth="repeat">
+      <a:schemeClr val="lt1">
+        <a:alpha val="90000"/>
+      </a:schemeClr>
+    </dgm:fillClrLst>
+    <dgm:linClrLst>
+      <a:schemeClr val="accent5"/>
+    </dgm:linClrLst>
+    <dgm:effectClrLst/>
+    <dgm:txLinClrLst/>
+    <dgm:txFillClrLst meth="repeat">
+      <a:schemeClr val="dk1"/>
+    </dgm:txFillClrLst>
+    <dgm:txEffectClrLst/>
+  </dgm:styleLbl>
+  <dgm:styleLbl name="bgShp">
+    <dgm:fillClrLst meth="repeat">
+      <a:schemeClr val="accent2">
+        <a:tint val="40000"/>
+      </a:schemeClr>
+    </dgm:fillClrLst>
+    <dgm:linClrLst meth="repeat">
+      <a:schemeClr val="dk1"/>
+    </dgm:linClrLst>
+    <dgm:effectClrLst/>
+    <dgm:txLinClrLst/>
+    <dgm:txFillClrLst meth="repeat">
+      <a:schemeClr val="dk1"/>
+    </dgm:txFillClrLst>
+    <dgm:txEffectClrLst/>
+  </dgm:styleLbl>
+  <dgm:styleLbl name="dkBgShp">
+    <dgm:fillClrLst meth="repeat">
+      <a:schemeClr val="accent2">
+        <a:shade val="90000"/>
+      </a:schemeClr>
+    </dgm:fillClrLst>
+    <dgm:linClrLst meth="repeat">
+      <a:schemeClr val="dk1"/>
+    </dgm:linClrLst>
+    <dgm:effectClrLst/>
+    <dgm:txLinClrLst/>
+    <dgm:txFillClrLst meth="repeat">
+      <a:schemeClr val="lt1"/>
+    </dgm:txFillClrLst>
+    <dgm:txEffectClrLst/>
+  </dgm:styleLbl>
+  <dgm:styleLbl name="trBgShp">
+    <dgm:fillClrLst meth="repeat">
+      <a:schemeClr val="accent2">
+        <a:tint val="50000"/>
+        <a:alpha val="40000"/>
+      </a:schemeClr>
+    </dgm:fillClrLst>
+    <dgm:linClrLst meth="repeat">
+      <a:schemeClr val="accent2"/>
+    </dgm:linClrLst>
+    <dgm:effectClrLst/>
+    <dgm:txLinClrLst/>
+    <dgm:txFillClrLst meth="repeat">
+      <a:schemeClr val="lt1"/>
+    </dgm:txFillClrLst>
+    <dgm:txEffectClrLst/>
+  </dgm:styleLbl>
+  <dgm:styleLbl name="fgShp">
+    <dgm:fillClrLst meth="repeat">
+      <a:schemeClr val="accent2">
+        <a:tint val="40000"/>
+      </a:schemeClr>
+    </dgm:fillClrLst>
+    <dgm:linClrLst meth="repeat">
+      <a:schemeClr val="lt1"/>
+    </dgm:linClrLst>
+    <dgm:effectClrLst/>
+    <dgm:txLinClrLst/>
+    <dgm:txFillClrLst meth="repeat">
+      <a:schemeClr val="dk1"/>
+    </dgm:txFillClrLst>
+    <dgm:txEffectClrLst/>
+  </dgm:styleLbl>
+  <dgm:styleLbl name="revTx">
+    <dgm:fillClrLst meth="repeat">
+      <a:schemeClr val="lt1">
+        <a:alpha val="0"/>
+      </a:schemeClr>
+    </dgm:fillClrLst>
+    <dgm:linClrLst meth="repeat">
+      <a:schemeClr val="dk1">
+        <a:alpha val="0"/>
+      </a:schemeClr>
+    </dgm:linClrLst>
+    <dgm:effectClrLst/>
+    <dgm:txLinClrLst/>
+    <dgm:txFillClrLst meth="repeat">
+      <a:schemeClr val="tx1"/>
+    </dgm:txFillClrLst>
+    <dgm:txEffectClrLst/>
+  </dgm:styleLbl>
+</dgm:colorsDef>
+</file>
+
+<file path=ppt/diagrams/data1.xml><?xml version="1.0" encoding="utf-8"?>
+<dgm:dataModel xmlns:dgm="http://schemas.openxmlformats.org/drawingml/2006/diagram" xmlns:a="http://schemas.openxmlformats.org/drawingml/2006/main">
+  <dgm:ptLst>
+    <dgm:pt modelId="{EE2C5244-ED42-4B53-8BE9-7700BF10BFBC}" type="doc">
+      <dgm:prSet loTypeId="urn:microsoft.com/office/officeart/2005/8/layout/vList2" loCatId="list" qsTypeId="urn:microsoft.com/office/officeart/2005/8/quickstyle/simple4" qsCatId="simple" csTypeId="urn:microsoft.com/office/officeart/2005/8/colors/colorful2" csCatId="colorful"/>
+      <dgm:spPr/>
+      <dgm:t>
+        <a:bodyPr/>
+        <a:lstStyle/>
+        <a:p>
+          <a:endParaRPr lang="en-US"/>
+        </a:p>
+      </dgm:t>
+    </dgm:pt>
+    <dgm:pt modelId="{58A5EE24-FE3D-426F-B2DA-48B4290928E4}">
+      <dgm:prSet/>
+      <dgm:spPr/>
+      <dgm:t>
+        <a:bodyPr/>
+        <a:lstStyle/>
+        <a:p>
+          <a:r>
+            <a:rPr lang="fr-FR"/>
+            <a:t>Soit un éditeur de Partition de musique utilisant un framework graphique.</a:t>
+          </a:r>
+          <a:endParaRPr lang="en-US"/>
+        </a:p>
+      </dgm:t>
+    </dgm:pt>
+    <dgm:pt modelId="{206FA24C-06F7-4337-B322-3603A26EAB4A}" type="parTrans" cxnId="{88A1934D-0342-4885-A4C7-141E406D6592}">
+      <dgm:prSet/>
+      <dgm:spPr/>
+      <dgm:t>
+        <a:bodyPr/>
+        <a:lstStyle/>
+        <a:p>
+          <a:endParaRPr lang="en-US"/>
+        </a:p>
+      </dgm:t>
+    </dgm:pt>
+    <dgm:pt modelId="{D98E67D3-080A-4068-9083-18EA0B1A56AB}" type="sibTrans" cxnId="{88A1934D-0342-4885-A4C7-141E406D6592}">
+      <dgm:prSet/>
+      <dgm:spPr/>
+      <dgm:t>
+        <a:bodyPr/>
+        <a:lstStyle/>
+        <a:p>
+          <a:endParaRPr lang="en-US"/>
+        </a:p>
+      </dgm:t>
+    </dgm:pt>
+    <dgm:pt modelId="{61009E4A-0498-4716-819B-DA33F7C4E373}">
+      <dgm:prSet/>
+      <dgm:spPr/>
+      <dgm:t>
+        <a:bodyPr/>
+        <a:lstStyle/>
+        <a:p>
+          <a:r>
+            <a:rPr lang="fr-FR"/>
+            <a:t>Le framework prévois une classe abstraite (GraphicTool) pour créer des objets “Graphic” </a:t>
+          </a:r>
+          <a:endParaRPr lang="en-US"/>
+        </a:p>
+      </dgm:t>
+    </dgm:pt>
+    <dgm:pt modelId="{E07CBF14-17F8-4C05-A6D1-5BCBE6C301FD}" type="parTrans" cxnId="{BFDDE9AC-E954-41B4-A6A8-4AEFBDD600BB}">
+      <dgm:prSet/>
+      <dgm:spPr/>
+      <dgm:t>
+        <a:bodyPr/>
+        <a:lstStyle/>
+        <a:p>
+          <a:endParaRPr lang="en-US"/>
+        </a:p>
+      </dgm:t>
+    </dgm:pt>
+    <dgm:pt modelId="{ACCA9F52-8003-46F8-BF57-BA23658A761F}" type="sibTrans" cxnId="{BFDDE9AC-E954-41B4-A6A8-4AEFBDD600BB}">
+      <dgm:prSet/>
+      <dgm:spPr/>
+      <dgm:t>
+        <a:bodyPr/>
+        <a:lstStyle/>
+        <a:p>
+          <a:endParaRPr lang="en-US"/>
+        </a:p>
+      </dgm:t>
+    </dgm:pt>
+    <dgm:pt modelId="{0FDF810E-D25B-4604-A0D6-01EAADF89595}">
+      <dgm:prSet/>
+      <dgm:spPr/>
+      <dgm:t>
+        <a:bodyPr/>
+        <a:lstStyle/>
+        <a:p>
+          <a:r>
+            <a:rPr lang="fr-FR"/>
+            <a:t>Problème : la classe abstraite du framework ne peux pas créer des objets spécifique a notre application (des notes ou des portées)</a:t>
+          </a:r>
+          <a:endParaRPr lang="en-US"/>
+        </a:p>
+      </dgm:t>
+    </dgm:pt>
+    <dgm:pt modelId="{E8587991-BB58-41D6-A9FD-5B9F9E9F9119}" type="parTrans" cxnId="{7FD1BB04-F308-4DC5-9837-F40A3B62774C}">
+      <dgm:prSet/>
+      <dgm:spPr/>
+      <dgm:t>
+        <a:bodyPr/>
+        <a:lstStyle/>
+        <a:p>
+          <a:endParaRPr lang="en-US"/>
+        </a:p>
+      </dgm:t>
+    </dgm:pt>
+    <dgm:pt modelId="{B8071820-B238-4793-95D6-0A6F06FBAECF}" type="sibTrans" cxnId="{7FD1BB04-F308-4DC5-9837-F40A3B62774C}">
+      <dgm:prSet/>
+      <dgm:spPr/>
+      <dgm:t>
+        <a:bodyPr/>
+        <a:lstStyle/>
+        <a:p>
+          <a:endParaRPr lang="en-US"/>
+        </a:p>
+      </dgm:t>
+    </dgm:pt>
+    <dgm:pt modelId="{099201AD-BCF9-4436-9909-5997AB123EA3}">
+      <dgm:prSet/>
+      <dgm:spPr/>
+      <dgm:t>
+        <a:bodyPr/>
+        <a:lstStyle/>
+        <a:p>
+          <a:r>
+            <a:rPr lang="fr-FR"/>
+            <a:t>On pourrai créer des sous-classes de GraphicTool mais cela nécessitarai trop de classes</a:t>
+          </a:r>
+          <a:endParaRPr lang="en-US"/>
+        </a:p>
+      </dgm:t>
+    </dgm:pt>
+    <dgm:pt modelId="{33FB7A83-DDF2-44C4-BAFE-579F5024B0EB}" type="parTrans" cxnId="{3D2C3CF2-D196-4191-909E-6181AB0A8B14}">
+      <dgm:prSet/>
+      <dgm:spPr/>
+      <dgm:t>
+        <a:bodyPr/>
+        <a:lstStyle/>
+        <a:p>
+          <a:endParaRPr lang="en-US"/>
+        </a:p>
+      </dgm:t>
+    </dgm:pt>
+    <dgm:pt modelId="{D7FCBB30-1596-460E-8C99-3D41456989E5}" type="sibTrans" cxnId="{3D2C3CF2-D196-4191-909E-6181AB0A8B14}">
+      <dgm:prSet/>
+      <dgm:spPr/>
+      <dgm:t>
+        <a:bodyPr/>
+        <a:lstStyle/>
+        <a:p>
+          <a:endParaRPr lang="en-US"/>
+        </a:p>
+      </dgm:t>
+    </dgm:pt>
+    <dgm:pt modelId="{FC9745F2-6026-4914-9734-FC6D2483C9DF}">
+      <dgm:prSet/>
+      <dgm:spPr/>
+      <dgm:t>
+        <a:bodyPr/>
+        <a:lstStyle/>
+        <a:p>
+          <a:r>
+            <a:rPr lang="fr-FR"/>
+            <a:t>Solution : GraphicTool crée un nouveau Graphic en clonant une instance d’une sous-classe de Graphic</a:t>
+          </a:r>
+          <a:endParaRPr lang="en-US"/>
+        </a:p>
+      </dgm:t>
+    </dgm:pt>
+    <dgm:pt modelId="{5969D1A2-C128-4C18-A74B-EA325D970D60}" type="parTrans" cxnId="{FAD53FD2-987C-4AED-AC69-637D3C6A623F}">
+      <dgm:prSet/>
+      <dgm:spPr/>
+      <dgm:t>
+        <a:bodyPr/>
+        <a:lstStyle/>
+        <a:p>
+          <a:endParaRPr lang="en-US"/>
+        </a:p>
+      </dgm:t>
+    </dgm:pt>
+    <dgm:pt modelId="{39E81F40-839F-49D7-B6DF-D19C6BE52603}" type="sibTrans" cxnId="{FAD53FD2-987C-4AED-AC69-637D3C6A623F}">
+      <dgm:prSet/>
+      <dgm:spPr/>
+      <dgm:t>
+        <a:bodyPr/>
+        <a:lstStyle/>
+        <a:p>
+          <a:endParaRPr lang="en-US"/>
+        </a:p>
+      </dgm:t>
+    </dgm:pt>
+    <dgm:pt modelId="{E359260F-34A7-491B-81FE-B2885182322E}">
+      <dgm:prSet/>
+      <dgm:spPr/>
+      <dgm:t>
+        <a:bodyPr/>
+        <a:lstStyle/>
+        <a:p>
+          <a:r>
+            <a:rPr lang="fr-FR"/>
+            <a:t>On appel la classe Graphic le </a:t>
+          </a:r>
+          <a:r>
+            <a:rPr lang="fr-FR" b="1"/>
+            <a:t>PROTOTYPE</a:t>
+          </a:r>
+          <a:r>
+            <a:rPr lang="fr-FR"/>
+            <a:t> ^^</a:t>
+          </a:r>
+          <a:endParaRPr lang="en-US"/>
+        </a:p>
+      </dgm:t>
+    </dgm:pt>
+    <dgm:pt modelId="{0C7DE9AC-C223-4DD3-949A-0FDAE0752CFE}" type="parTrans" cxnId="{57A46589-403C-4A21-9C3C-D4BB78ADAA6E}">
+      <dgm:prSet/>
+      <dgm:spPr/>
+      <dgm:t>
+        <a:bodyPr/>
+        <a:lstStyle/>
+        <a:p>
+          <a:endParaRPr lang="en-US"/>
+        </a:p>
+      </dgm:t>
+    </dgm:pt>
+    <dgm:pt modelId="{D2424C5E-B58F-471F-A6C4-B4DF241D2208}" type="sibTrans" cxnId="{57A46589-403C-4A21-9C3C-D4BB78ADAA6E}">
+      <dgm:prSet/>
+      <dgm:spPr/>
+      <dgm:t>
+        <a:bodyPr/>
+        <a:lstStyle/>
+        <a:p>
+          <a:endParaRPr lang="en-US"/>
+        </a:p>
+      </dgm:t>
+    </dgm:pt>
+    <dgm:pt modelId="{5223BB6B-9A67-4404-AE47-2D9D9A73853E}" type="pres">
+      <dgm:prSet presAssocID="{EE2C5244-ED42-4B53-8BE9-7700BF10BFBC}" presName="linear" presStyleCnt="0">
+        <dgm:presLayoutVars>
+          <dgm:animLvl val="lvl"/>
+          <dgm:resizeHandles val="exact"/>
+        </dgm:presLayoutVars>
+      </dgm:prSet>
+      <dgm:spPr/>
+    </dgm:pt>
+    <dgm:pt modelId="{61340AAD-BD36-4374-9C5C-F2457B6CB73A}" type="pres">
+      <dgm:prSet presAssocID="{58A5EE24-FE3D-426F-B2DA-48B4290928E4}" presName="parentText" presStyleLbl="node1" presStyleIdx="0" presStyleCnt="6">
+        <dgm:presLayoutVars>
+          <dgm:chMax val="0"/>
+          <dgm:bulletEnabled val="1"/>
+        </dgm:presLayoutVars>
+      </dgm:prSet>
+      <dgm:spPr/>
+    </dgm:pt>
+    <dgm:pt modelId="{334BFFD2-F565-4676-A724-6BB93F26B899}" type="pres">
+      <dgm:prSet presAssocID="{D98E67D3-080A-4068-9083-18EA0B1A56AB}" presName="spacer" presStyleCnt="0"/>
+      <dgm:spPr/>
+    </dgm:pt>
+    <dgm:pt modelId="{48C580D0-BFC8-4A71-92EE-C898EFEDA26A}" type="pres">
+      <dgm:prSet presAssocID="{61009E4A-0498-4716-819B-DA33F7C4E373}" presName="parentText" presStyleLbl="node1" presStyleIdx="1" presStyleCnt="6">
+        <dgm:presLayoutVars>
+          <dgm:chMax val="0"/>
+          <dgm:bulletEnabled val="1"/>
+        </dgm:presLayoutVars>
+      </dgm:prSet>
+      <dgm:spPr/>
+    </dgm:pt>
+    <dgm:pt modelId="{83B3DEC3-A1B5-4928-B768-183209A72A6B}" type="pres">
+      <dgm:prSet presAssocID="{ACCA9F52-8003-46F8-BF57-BA23658A761F}" presName="spacer" presStyleCnt="0"/>
+      <dgm:spPr/>
+    </dgm:pt>
+    <dgm:pt modelId="{07875843-60D9-42D1-8AED-101AFA41916B}" type="pres">
+      <dgm:prSet presAssocID="{0FDF810E-D25B-4604-A0D6-01EAADF89595}" presName="parentText" presStyleLbl="node1" presStyleIdx="2" presStyleCnt="6">
+        <dgm:presLayoutVars>
+          <dgm:chMax val="0"/>
+          <dgm:bulletEnabled val="1"/>
+        </dgm:presLayoutVars>
+      </dgm:prSet>
+      <dgm:spPr/>
+    </dgm:pt>
+    <dgm:pt modelId="{E157CF18-2370-457A-8AC3-8BFC7F5B0B71}" type="pres">
+      <dgm:prSet presAssocID="{B8071820-B238-4793-95D6-0A6F06FBAECF}" presName="spacer" presStyleCnt="0"/>
+      <dgm:spPr/>
+    </dgm:pt>
+    <dgm:pt modelId="{246B2A94-A1E4-4DB3-B730-1182E0E80618}" type="pres">
+      <dgm:prSet presAssocID="{099201AD-BCF9-4436-9909-5997AB123EA3}" presName="parentText" presStyleLbl="node1" presStyleIdx="3" presStyleCnt="6">
+        <dgm:presLayoutVars>
+          <dgm:chMax val="0"/>
+          <dgm:bulletEnabled val="1"/>
+        </dgm:presLayoutVars>
+      </dgm:prSet>
+      <dgm:spPr/>
+    </dgm:pt>
+    <dgm:pt modelId="{1436111F-E87B-42DF-B547-B326D4E00951}" type="pres">
+      <dgm:prSet presAssocID="{D7FCBB30-1596-460E-8C99-3D41456989E5}" presName="spacer" presStyleCnt="0"/>
+      <dgm:spPr/>
+    </dgm:pt>
+    <dgm:pt modelId="{F54D4252-EEE8-4EAD-8CE8-5A64A3D7508E}" type="pres">
+      <dgm:prSet presAssocID="{FC9745F2-6026-4914-9734-FC6D2483C9DF}" presName="parentText" presStyleLbl="node1" presStyleIdx="4" presStyleCnt="6">
+        <dgm:presLayoutVars>
+          <dgm:chMax val="0"/>
+          <dgm:bulletEnabled val="1"/>
+        </dgm:presLayoutVars>
+      </dgm:prSet>
+      <dgm:spPr/>
+    </dgm:pt>
+    <dgm:pt modelId="{F662AD80-B8B4-4F96-86EE-C1B775C63D10}" type="pres">
+      <dgm:prSet presAssocID="{39E81F40-839F-49D7-B6DF-D19C6BE52603}" presName="spacer" presStyleCnt="0"/>
+      <dgm:spPr/>
+    </dgm:pt>
+    <dgm:pt modelId="{BF9E4EC6-B1E8-4974-8DE3-45326E139A94}" type="pres">
+      <dgm:prSet presAssocID="{E359260F-34A7-491B-81FE-B2885182322E}" presName="parentText" presStyleLbl="node1" presStyleIdx="5" presStyleCnt="6">
+        <dgm:presLayoutVars>
+          <dgm:chMax val="0"/>
+          <dgm:bulletEnabled val="1"/>
+        </dgm:presLayoutVars>
+      </dgm:prSet>
+      <dgm:spPr/>
+    </dgm:pt>
+  </dgm:ptLst>
+  <dgm:cxnLst>
+    <dgm:cxn modelId="{7FD1BB04-F308-4DC5-9837-F40A3B62774C}" srcId="{EE2C5244-ED42-4B53-8BE9-7700BF10BFBC}" destId="{0FDF810E-D25B-4604-A0D6-01EAADF89595}" srcOrd="2" destOrd="0" parTransId="{E8587991-BB58-41D6-A9FD-5B9F9E9F9119}" sibTransId="{B8071820-B238-4793-95D6-0A6F06FBAECF}"/>
+    <dgm:cxn modelId="{99B9AE21-FBA4-4E5B-A6C6-BBFD04421F7B}" type="presOf" srcId="{61009E4A-0498-4716-819B-DA33F7C4E373}" destId="{48C580D0-BFC8-4A71-92EE-C898EFEDA26A}" srcOrd="0" destOrd="0" presId="urn:microsoft.com/office/officeart/2005/8/layout/vList2"/>
+    <dgm:cxn modelId="{B4CA5D36-FC29-4653-B572-8F3378A8F8B8}" type="presOf" srcId="{FC9745F2-6026-4914-9734-FC6D2483C9DF}" destId="{F54D4252-EEE8-4EAD-8CE8-5A64A3D7508E}" srcOrd="0" destOrd="0" presId="urn:microsoft.com/office/officeart/2005/8/layout/vList2"/>
+    <dgm:cxn modelId="{3B58DB48-ED0E-47D0-950B-C3D0AE0A1CB1}" type="presOf" srcId="{0FDF810E-D25B-4604-A0D6-01EAADF89595}" destId="{07875843-60D9-42D1-8AED-101AFA41916B}" srcOrd="0" destOrd="0" presId="urn:microsoft.com/office/officeart/2005/8/layout/vList2"/>
+    <dgm:cxn modelId="{88A1934D-0342-4885-A4C7-141E406D6592}" srcId="{EE2C5244-ED42-4B53-8BE9-7700BF10BFBC}" destId="{58A5EE24-FE3D-426F-B2DA-48B4290928E4}" srcOrd="0" destOrd="0" parTransId="{206FA24C-06F7-4337-B322-3603A26EAB4A}" sibTransId="{D98E67D3-080A-4068-9083-18EA0B1A56AB}"/>
+    <dgm:cxn modelId="{B1B17271-C1A8-49B2-95E1-0FCFF949CCBC}" type="presOf" srcId="{EE2C5244-ED42-4B53-8BE9-7700BF10BFBC}" destId="{5223BB6B-9A67-4404-AE47-2D9D9A73853E}" srcOrd="0" destOrd="0" presId="urn:microsoft.com/office/officeart/2005/8/layout/vList2"/>
+    <dgm:cxn modelId="{57A46589-403C-4A21-9C3C-D4BB78ADAA6E}" srcId="{EE2C5244-ED42-4B53-8BE9-7700BF10BFBC}" destId="{E359260F-34A7-491B-81FE-B2885182322E}" srcOrd="5" destOrd="0" parTransId="{0C7DE9AC-C223-4DD3-949A-0FDAE0752CFE}" sibTransId="{D2424C5E-B58F-471F-A6C4-B4DF241D2208}"/>
+    <dgm:cxn modelId="{BFDDE9AC-E954-41B4-A6A8-4AEFBDD600BB}" srcId="{EE2C5244-ED42-4B53-8BE9-7700BF10BFBC}" destId="{61009E4A-0498-4716-819B-DA33F7C4E373}" srcOrd="1" destOrd="0" parTransId="{E07CBF14-17F8-4C05-A6D1-5BCBE6C301FD}" sibTransId="{ACCA9F52-8003-46F8-BF57-BA23658A761F}"/>
+    <dgm:cxn modelId="{DBDEB2B7-FABE-46D9-A964-3C3A19D6E4B5}" type="presOf" srcId="{E359260F-34A7-491B-81FE-B2885182322E}" destId="{BF9E4EC6-B1E8-4974-8DE3-45326E139A94}" srcOrd="0" destOrd="0" presId="urn:microsoft.com/office/officeart/2005/8/layout/vList2"/>
+    <dgm:cxn modelId="{FF90AAC7-4E9C-4F55-98CB-30D8477F4C71}" type="presOf" srcId="{099201AD-BCF9-4436-9909-5997AB123EA3}" destId="{246B2A94-A1E4-4DB3-B730-1182E0E80618}" srcOrd="0" destOrd="0" presId="urn:microsoft.com/office/officeart/2005/8/layout/vList2"/>
+    <dgm:cxn modelId="{FAD53FD2-987C-4AED-AC69-637D3C6A623F}" srcId="{EE2C5244-ED42-4B53-8BE9-7700BF10BFBC}" destId="{FC9745F2-6026-4914-9734-FC6D2483C9DF}" srcOrd="4" destOrd="0" parTransId="{5969D1A2-C128-4C18-A74B-EA325D970D60}" sibTransId="{39E81F40-839F-49D7-B6DF-D19C6BE52603}"/>
+    <dgm:cxn modelId="{0EE52FE3-D0E6-47F3-91EF-E138F1A98D2B}" type="presOf" srcId="{58A5EE24-FE3D-426F-B2DA-48B4290928E4}" destId="{61340AAD-BD36-4374-9C5C-F2457B6CB73A}" srcOrd="0" destOrd="0" presId="urn:microsoft.com/office/officeart/2005/8/layout/vList2"/>
+    <dgm:cxn modelId="{3D2C3CF2-D196-4191-909E-6181AB0A8B14}" srcId="{EE2C5244-ED42-4B53-8BE9-7700BF10BFBC}" destId="{099201AD-BCF9-4436-9909-5997AB123EA3}" srcOrd="3" destOrd="0" parTransId="{33FB7A83-DDF2-44C4-BAFE-579F5024B0EB}" sibTransId="{D7FCBB30-1596-460E-8C99-3D41456989E5}"/>
+    <dgm:cxn modelId="{178A1AAE-79F4-4423-AB6A-2FB4C5D41EAE}" type="presParOf" srcId="{5223BB6B-9A67-4404-AE47-2D9D9A73853E}" destId="{61340AAD-BD36-4374-9C5C-F2457B6CB73A}" srcOrd="0" destOrd="0" presId="urn:microsoft.com/office/officeart/2005/8/layout/vList2"/>
+    <dgm:cxn modelId="{3DB947CA-9D39-45E8-9034-995A218C7357}" type="presParOf" srcId="{5223BB6B-9A67-4404-AE47-2D9D9A73853E}" destId="{334BFFD2-F565-4676-A724-6BB93F26B899}" srcOrd="1" destOrd="0" presId="urn:microsoft.com/office/officeart/2005/8/layout/vList2"/>
+    <dgm:cxn modelId="{64AC3CA0-D5BC-454D-9E49-6CFC423CA9A6}" type="presParOf" srcId="{5223BB6B-9A67-4404-AE47-2D9D9A73853E}" destId="{48C580D0-BFC8-4A71-92EE-C898EFEDA26A}" srcOrd="2" destOrd="0" presId="urn:microsoft.com/office/officeart/2005/8/layout/vList2"/>
+    <dgm:cxn modelId="{DF4BBF5C-0968-4A49-B0FA-07F4BDECD397}" type="presParOf" srcId="{5223BB6B-9A67-4404-AE47-2D9D9A73853E}" destId="{83B3DEC3-A1B5-4928-B768-183209A72A6B}" srcOrd="3" destOrd="0" presId="urn:microsoft.com/office/officeart/2005/8/layout/vList2"/>
+    <dgm:cxn modelId="{E1E42CA6-7E8F-4D73-8A2C-FEEDD4B9D4A5}" type="presParOf" srcId="{5223BB6B-9A67-4404-AE47-2D9D9A73853E}" destId="{07875843-60D9-42D1-8AED-101AFA41916B}" srcOrd="4" destOrd="0" presId="urn:microsoft.com/office/officeart/2005/8/layout/vList2"/>
+    <dgm:cxn modelId="{091AC6B4-4BC7-4022-BD15-41A93203BC21}" type="presParOf" srcId="{5223BB6B-9A67-4404-AE47-2D9D9A73853E}" destId="{E157CF18-2370-457A-8AC3-8BFC7F5B0B71}" srcOrd="5" destOrd="0" presId="urn:microsoft.com/office/officeart/2005/8/layout/vList2"/>
+    <dgm:cxn modelId="{87C53A6F-18A4-48A8-A791-123A674EABED}" type="presParOf" srcId="{5223BB6B-9A67-4404-AE47-2D9D9A73853E}" destId="{246B2A94-A1E4-4DB3-B730-1182E0E80618}" srcOrd="6" destOrd="0" presId="urn:microsoft.com/office/officeart/2005/8/layout/vList2"/>
+    <dgm:cxn modelId="{5ADB4B47-238F-4B48-9F39-D4FC0C3E6CB5}" type="presParOf" srcId="{5223BB6B-9A67-4404-AE47-2D9D9A73853E}" destId="{1436111F-E87B-42DF-B547-B326D4E00951}" srcOrd="7" destOrd="0" presId="urn:microsoft.com/office/officeart/2005/8/layout/vList2"/>
+    <dgm:cxn modelId="{7927AC00-AD3E-4DE6-BDA3-EF1C595FA848}" type="presParOf" srcId="{5223BB6B-9A67-4404-AE47-2D9D9A73853E}" destId="{F54D4252-EEE8-4EAD-8CE8-5A64A3D7508E}" srcOrd="8" destOrd="0" presId="urn:microsoft.com/office/officeart/2005/8/layout/vList2"/>
+    <dgm:cxn modelId="{221DB8E0-B900-4A65-8C33-04810D12843D}" type="presParOf" srcId="{5223BB6B-9A67-4404-AE47-2D9D9A73853E}" destId="{F662AD80-B8B4-4F96-86EE-C1B775C63D10}" srcOrd="9" destOrd="0" presId="urn:microsoft.com/office/officeart/2005/8/layout/vList2"/>
+    <dgm:cxn modelId="{80A28E5B-68E3-4095-AFFD-8D0177727695}" type="presParOf" srcId="{5223BB6B-9A67-4404-AE47-2D9D9A73853E}" destId="{BF9E4EC6-B1E8-4974-8DE3-45326E139A94}" srcOrd="10" destOrd="0" presId="urn:microsoft.com/office/officeart/2005/8/layout/vList2"/>
+  </dgm:cxnLst>
+  <dgm:bg/>
+  <dgm:whole/>
+  <dgm:extLst>
+    <a:ext uri="http://schemas.microsoft.com/office/drawing/2008/diagram">
+      <dsp:dataModelExt xmlns:dsp="http://schemas.microsoft.com/office/drawing/2008/diagram" relId="rId6" minVer="http://schemas.openxmlformats.org/drawingml/2006/diagram"/>
+    </a:ext>
+  </dgm:extLst>
+</dgm:dataModel>
+</file>
+
+<file path=ppt/diagrams/drawing1.xml><?xml version="1.0" encoding="utf-8"?>
+<dsp:drawing xmlns:dgm="http://schemas.openxmlformats.org/drawingml/2006/diagram" xmlns:dsp="http://schemas.microsoft.com/office/drawing/2008/diagram" xmlns:a="http://schemas.openxmlformats.org/drawingml/2006/main">
+  <dsp:spTree>
+    <dsp:nvGrpSpPr>
+      <dsp:cNvPr id="0" name=""/>
+      <dsp:cNvGrpSpPr/>
+    </dsp:nvGrpSpPr>
+    <dsp:grpSpPr/>
+    <dsp:sp modelId="{61340AAD-BD36-4374-9C5C-F2457B6CB73A}">
+      <dsp:nvSpPr>
+        <dsp:cNvPr id="0" name=""/>
+        <dsp:cNvSpPr/>
+      </dsp:nvSpPr>
+      <dsp:spPr>
+        <a:xfrm>
+          <a:off x="0" y="320084"/>
+          <a:ext cx="6692813" cy="656370"/>
+        </a:xfrm>
+        <a:prstGeom prst="roundRect">
+          <a:avLst/>
+        </a:prstGeom>
+        <a:gradFill rotWithShape="0">
+          <a:gsLst>
+            <a:gs pos="0">
+              <a:schemeClr val="accent2">
+                <a:hueOff val="0"/>
+                <a:satOff val="0"/>
+                <a:lumOff val="0"/>
+                <a:alphaOff val="0"/>
+                <a:tint val="96000"/>
+                <a:lumMod val="100000"/>
+              </a:schemeClr>
+            </a:gs>
+            <a:gs pos="78000">
+              <a:schemeClr val="accent2">
+                <a:hueOff val="0"/>
+                <a:satOff val="0"/>
+                <a:lumOff val="0"/>
+                <a:alphaOff val="0"/>
+                <a:shade val="94000"/>
+                <a:lumMod val="94000"/>
+              </a:schemeClr>
+            </a:gs>
+          </a:gsLst>
+          <a:lin ang="5400000" scaled="0"/>
+        </a:gradFill>
+        <a:ln>
+          <a:noFill/>
+        </a:ln>
+        <a:effectLst>
+          <a:outerShdw blurRad="38100" dist="25400" dir="5400000" rotWithShape="0">
+            <a:srgbClr val="000000">
+              <a:alpha val="35000"/>
+            </a:srgbClr>
+          </a:outerShdw>
+        </a:effectLst>
+      </dsp:spPr>
+      <dsp:style>
+        <a:lnRef idx="0">
+          <a:scrgbClr r="0" g="0" b="0"/>
+        </a:lnRef>
+        <a:fillRef idx="3">
+          <a:scrgbClr r="0" g="0" b="0"/>
+        </a:fillRef>
+        <a:effectRef idx="2">
+          <a:scrgbClr r="0" g="0" b="0"/>
+        </a:effectRef>
+        <a:fontRef idx="minor">
+          <a:schemeClr val="lt1"/>
+        </a:fontRef>
+      </dsp:style>
+      <dsp:txBody>
+        <a:bodyPr spcFirstLastPara="0" vert="horz" wrap="square" lIns="64770" tIns="64770" rIns="64770" bIns="64770" numCol="1" spcCol="1270" anchor="ctr" anchorCtr="0">
+          <a:noAutofit/>
+        </a:bodyPr>
+        <a:lstStyle/>
+        <a:p>
+          <a:pPr marL="0" lvl="0" indent="0" algn="l" defTabSz="755650">
+            <a:lnSpc>
+              <a:spcPct val="90000"/>
+            </a:lnSpc>
+            <a:spcBef>
+              <a:spcPct val="0"/>
+            </a:spcBef>
+            <a:spcAft>
+              <a:spcPct val="35000"/>
+            </a:spcAft>
+            <a:buNone/>
+          </a:pPr>
+          <a:r>
+            <a:rPr lang="fr-FR" sz="1700" kern="1200"/>
+            <a:t>Soit un éditeur de Partition de musique utilisant un framework graphique.</a:t>
+          </a:r>
+          <a:endParaRPr lang="en-US" sz="1700" kern="1200"/>
+        </a:p>
+      </dsp:txBody>
+      <dsp:txXfrm>
+        <a:off x="32041" y="352125"/>
+        <a:ext cx="6628731" cy="592288"/>
+      </dsp:txXfrm>
+    </dsp:sp>
+    <dsp:sp modelId="{48C580D0-BFC8-4A71-92EE-C898EFEDA26A}">
+      <dsp:nvSpPr>
+        <dsp:cNvPr id="0" name=""/>
+        <dsp:cNvSpPr/>
+      </dsp:nvSpPr>
+      <dsp:spPr>
+        <a:xfrm>
+          <a:off x="0" y="1025414"/>
+          <a:ext cx="6692813" cy="656370"/>
+        </a:xfrm>
+        <a:prstGeom prst="roundRect">
+          <a:avLst/>
+        </a:prstGeom>
+        <a:gradFill rotWithShape="0">
+          <a:gsLst>
+            <a:gs pos="0">
+              <a:schemeClr val="accent2">
+                <a:hueOff val="-3875409"/>
+                <a:satOff val="4468"/>
+                <a:lumOff val="1490"/>
+                <a:alphaOff val="0"/>
+                <a:tint val="96000"/>
+                <a:lumMod val="100000"/>
+              </a:schemeClr>
+            </a:gs>
+            <a:gs pos="78000">
+              <a:schemeClr val="accent2">
+                <a:hueOff val="-3875409"/>
+                <a:satOff val="4468"/>
+                <a:lumOff val="1490"/>
+                <a:alphaOff val="0"/>
+                <a:shade val="94000"/>
+                <a:lumMod val="94000"/>
+              </a:schemeClr>
+            </a:gs>
+          </a:gsLst>
+          <a:lin ang="5400000" scaled="0"/>
+        </a:gradFill>
+        <a:ln>
+          <a:noFill/>
+        </a:ln>
+        <a:effectLst>
+          <a:outerShdw blurRad="38100" dist="25400" dir="5400000" rotWithShape="0">
+            <a:srgbClr val="000000">
+              <a:alpha val="35000"/>
+            </a:srgbClr>
+          </a:outerShdw>
+        </a:effectLst>
+      </dsp:spPr>
+      <dsp:style>
+        <a:lnRef idx="0">
+          <a:scrgbClr r="0" g="0" b="0"/>
+        </a:lnRef>
+        <a:fillRef idx="3">
+          <a:scrgbClr r="0" g="0" b="0"/>
+        </a:fillRef>
+        <a:effectRef idx="2">
+          <a:scrgbClr r="0" g="0" b="0"/>
+        </a:effectRef>
+        <a:fontRef idx="minor">
+          <a:schemeClr val="lt1"/>
+        </a:fontRef>
+      </dsp:style>
+      <dsp:txBody>
+        <a:bodyPr spcFirstLastPara="0" vert="horz" wrap="square" lIns="64770" tIns="64770" rIns="64770" bIns="64770" numCol="1" spcCol="1270" anchor="ctr" anchorCtr="0">
+          <a:noAutofit/>
+        </a:bodyPr>
+        <a:lstStyle/>
+        <a:p>
+          <a:pPr marL="0" lvl="0" indent="0" algn="l" defTabSz="755650">
+            <a:lnSpc>
+              <a:spcPct val="90000"/>
+            </a:lnSpc>
+            <a:spcBef>
+              <a:spcPct val="0"/>
+            </a:spcBef>
+            <a:spcAft>
+              <a:spcPct val="35000"/>
+            </a:spcAft>
+            <a:buNone/>
+          </a:pPr>
+          <a:r>
+            <a:rPr lang="fr-FR" sz="1700" kern="1200"/>
+            <a:t>Le framework prévois une classe abstraite (GraphicTool) pour créer des objets “Graphic” </a:t>
+          </a:r>
+          <a:endParaRPr lang="en-US" sz="1700" kern="1200"/>
+        </a:p>
+      </dsp:txBody>
+      <dsp:txXfrm>
+        <a:off x="32041" y="1057455"/>
+        <a:ext cx="6628731" cy="592288"/>
+      </dsp:txXfrm>
+    </dsp:sp>
+    <dsp:sp modelId="{07875843-60D9-42D1-8AED-101AFA41916B}">
+      <dsp:nvSpPr>
+        <dsp:cNvPr id="0" name=""/>
+        <dsp:cNvSpPr/>
+      </dsp:nvSpPr>
+      <dsp:spPr>
+        <a:xfrm>
+          <a:off x="0" y="1730744"/>
+          <a:ext cx="6692813" cy="656370"/>
+        </a:xfrm>
+        <a:prstGeom prst="roundRect">
+          <a:avLst/>
+        </a:prstGeom>
+        <a:gradFill rotWithShape="0">
+          <a:gsLst>
+            <a:gs pos="0">
+              <a:schemeClr val="accent2">
+                <a:hueOff val="-7750819"/>
+                <a:satOff val="8935"/>
+                <a:lumOff val="2980"/>
+                <a:alphaOff val="0"/>
+                <a:tint val="96000"/>
+                <a:lumMod val="100000"/>
+              </a:schemeClr>
+            </a:gs>
+            <a:gs pos="78000">
+              <a:schemeClr val="accent2">
+                <a:hueOff val="-7750819"/>
+                <a:satOff val="8935"/>
+                <a:lumOff val="2980"/>
+                <a:alphaOff val="0"/>
+                <a:shade val="94000"/>
+                <a:lumMod val="94000"/>
+              </a:schemeClr>
+            </a:gs>
+          </a:gsLst>
+          <a:lin ang="5400000" scaled="0"/>
+        </a:gradFill>
+        <a:ln>
+          <a:noFill/>
+        </a:ln>
+        <a:effectLst>
+          <a:outerShdw blurRad="38100" dist="25400" dir="5400000" rotWithShape="0">
+            <a:srgbClr val="000000">
+              <a:alpha val="35000"/>
+            </a:srgbClr>
+          </a:outerShdw>
+        </a:effectLst>
+      </dsp:spPr>
+      <dsp:style>
+        <a:lnRef idx="0">
+          <a:scrgbClr r="0" g="0" b="0"/>
+        </a:lnRef>
+        <a:fillRef idx="3">
+          <a:scrgbClr r="0" g="0" b="0"/>
+        </a:fillRef>
+        <a:effectRef idx="2">
+          <a:scrgbClr r="0" g="0" b="0"/>
+        </a:effectRef>
+        <a:fontRef idx="minor">
+          <a:schemeClr val="lt1"/>
+        </a:fontRef>
+      </dsp:style>
+      <dsp:txBody>
+        <a:bodyPr spcFirstLastPara="0" vert="horz" wrap="square" lIns="64770" tIns="64770" rIns="64770" bIns="64770" numCol="1" spcCol="1270" anchor="ctr" anchorCtr="0">
+          <a:noAutofit/>
+        </a:bodyPr>
+        <a:lstStyle/>
+        <a:p>
+          <a:pPr marL="0" lvl="0" indent="0" algn="l" defTabSz="755650">
+            <a:lnSpc>
+              <a:spcPct val="90000"/>
+            </a:lnSpc>
+            <a:spcBef>
+              <a:spcPct val="0"/>
+            </a:spcBef>
+            <a:spcAft>
+              <a:spcPct val="35000"/>
+            </a:spcAft>
+            <a:buNone/>
+          </a:pPr>
+          <a:r>
+            <a:rPr lang="fr-FR" sz="1700" kern="1200"/>
+            <a:t>Problème : la classe abstraite du framework ne peux pas créer des objets spécifique a notre application (des notes ou des portées)</a:t>
+          </a:r>
+          <a:endParaRPr lang="en-US" sz="1700" kern="1200"/>
+        </a:p>
+      </dsp:txBody>
+      <dsp:txXfrm>
+        <a:off x="32041" y="1762785"/>
+        <a:ext cx="6628731" cy="592288"/>
+      </dsp:txXfrm>
+    </dsp:sp>
+    <dsp:sp modelId="{246B2A94-A1E4-4DB3-B730-1182E0E80618}">
+      <dsp:nvSpPr>
+        <dsp:cNvPr id="0" name=""/>
+        <dsp:cNvSpPr/>
+      </dsp:nvSpPr>
+      <dsp:spPr>
+        <a:xfrm>
+          <a:off x="0" y="2436074"/>
+          <a:ext cx="6692813" cy="656370"/>
+        </a:xfrm>
+        <a:prstGeom prst="roundRect">
+          <a:avLst/>
+        </a:prstGeom>
+        <a:gradFill rotWithShape="0">
+          <a:gsLst>
+            <a:gs pos="0">
+              <a:schemeClr val="accent2">
+                <a:hueOff val="-11626229"/>
+                <a:satOff val="13403"/>
+                <a:lumOff val="4470"/>
+                <a:alphaOff val="0"/>
+                <a:tint val="96000"/>
+                <a:lumMod val="100000"/>
+              </a:schemeClr>
+            </a:gs>
+            <a:gs pos="78000">
+              <a:schemeClr val="accent2">
+                <a:hueOff val="-11626229"/>
+                <a:satOff val="13403"/>
+                <a:lumOff val="4470"/>
+                <a:alphaOff val="0"/>
+                <a:shade val="94000"/>
+                <a:lumMod val="94000"/>
+              </a:schemeClr>
+            </a:gs>
+          </a:gsLst>
+          <a:lin ang="5400000" scaled="0"/>
+        </a:gradFill>
+        <a:ln>
+          <a:noFill/>
+        </a:ln>
+        <a:effectLst>
+          <a:outerShdw blurRad="38100" dist="25400" dir="5400000" rotWithShape="0">
+            <a:srgbClr val="000000">
+              <a:alpha val="35000"/>
+            </a:srgbClr>
+          </a:outerShdw>
+        </a:effectLst>
+      </dsp:spPr>
+      <dsp:style>
+        <a:lnRef idx="0">
+          <a:scrgbClr r="0" g="0" b="0"/>
+        </a:lnRef>
+        <a:fillRef idx="3">
+          <a:scrgbClr r="0" g="0" b="0"/>
+        </a:fillRef>
+        <a:effectRef idx="2">
+          <a:scrgbClr r="0" g="0" b="0"/>
+        </a:effectRef>
+        <a:fontRef idx="minor">
+          <a:schemeClr val="lt1"/>
+        </a:fontRef>
+      </dsp:style>
+      <dsp:txBody>
+        <a:bodyPr spcFirstLastPara="0" vert="horz" wrap="square" lIns="64770" tIns="64770" rIns="64770" bIns="64770" numCol="1" spcCol="1270" anchor="ctr" anchorCtr="0">
+          <a:noAutofit/>
+        </a:bodyPr>
+        <a:lstStyle/>
+        <a:p>
+          <a:pPr marL="0" lvl="0" indent="0" algn="l" defTabSz="755650">
+            <a:lnSpc>
+              <a:spcPct val="90000"/>
+            </a:lnSpc>
+            <a:spcBef>
+              <a:spcPct val="0"/>
+            </a:spcBef>
+            <a:spcAft>
+              <a:spcPct val="35000"/>
+            </a:spcAft>
+            <a:buNone/>
+          </a:pPr>
+          <a:r>
+            <a:rPr lang="fr-FR" sz="1700" kern="1200"/>
+            <a:t>On pourrai créer des sous-classes de GraphicTool mais cela nécessitarai trop de classes</a:t>
+          </a:r>
+          <a:endParaRPr lang="en-US" sz="1700" kern="1200"/>
+        </a:p>
+      </dsp:txBody>
+      <dsp:txXfrm>
+        <a:off x="32041" y="2468115"/>
+        <a:ext cx="6628731" cy="592288"/>
+      </dsp:txXfrm>
+    </dsp:sp>
+    <dsp:sp modelId="{F54D4252-EEE8-4EAD-8CE8-5A64A3D7508E}">
+      <dsp:nvSpPr>
+        <dsp:cNvPr id="0" name=""/>
+        <dsp:cNvSpPr/>
+      </dsp:nvSpPr>
+      <dsp:spPr>
+        <a:xfrm>
+          <a:off x="0" y="3141404"/>
+          <a:ext cx="6692813" cy="656370"/>
+        </a:xfrm>
+        <a:prstGeom prst="roundRect">
+          <a:avLst/>
+        </a:prstGeom>
+        <a:gradFill rotWithShape="0">
+          <a:gsLst>
+            <a:gs pos="0">
+              <a:schemeClr val="accent2">
+                <a:hueOff val="-15501638"/>
+                <a:satOff val="17870"/>
+                <a:lumOff val="5960"/>
+                <a:alphaOff val="0"/>
+                <a:tint val="96000"/>
+                <a:lumMod val="100000"/>
+              </a:schemeClr>
+            </a:gs>
+            <a:gs pos="78000">
+              <a:schemeClr val="accent2">
+                <a:hueOff val="-15501638"/>
+                <a:satOff val="17870"/>
+                <a:lumOff val="5960"/>
+                <a:alphaOff val="0"/>
+                <a:shade val="94000"/>
+                <a:lumMod val="94000"/>
+              </a:schemeClr>
+            </a:gs>
+          </a:gsLst>
+          <a:lin ang="5400000" scaled="0"/>
+        </a:gradFill>
+        <a:ln>
+          <a:noFill/>
+        </a:ln>
+        <a:effectLst>
+          <a:outerShdw blurRad="38100" dist="25400" dir="5400000" rotWithShape="0">
+            <a:srgbClr val="000000">
+              <a:alpha val="35000"/>
+            </a:srgbClr>
+          </a:outerShdw>
+        </a:effectLst>
+      </dsp:spPr>
+      <dsp:style>
+        <a:lnRef idx="0">
+          <a:scrgbClr r="0" g="0" b="0"/>
+        </a:lnRef>
+        <a:fillRef idx="3">
+          <a:scrgbClr r="0" g="0" b="0"/>
+        </a:fillRef>
+        <a:effectRef idx="2">
+          <a:scrgbClr r="0" g="0" b="0"/>
+        </a:effectRef>
+        <a:fontRef idx="minor">
+          <a:schemeClr val="lt1"/>
+        </a:fontRef>
+      </dsp:style>
+      <dsp:txBody>
+        <a:bodyPr spcFirstLastPara="0" vert="horz" wrap="square" lIns="64770" tIns="64770" rIns="64770" bIns="64770" numCol="1" spcCol="1270" anchor="ctr" anchorCtr="0">
+          <a:noAutofit/>
+        </a:bodyPr>
+        <a:lstStyle/>
+        <a:p>
+          <a:pPr marL="0" lvl="0" indent="0" algn="l" defTabSz="755650">
+            <a:lnSpc>
+              <a:spcPct val="90000"/>
+            </a:lnSpc>
+            <a:spcBef>
+              <a:spcPct val="0"/>
+            </a:spcBef>
+            <a:spcAft>
+              <a:spcPct val="35000"/>
+            </a:spcAft>
+            <a:buNone/>
+          </a:pPr>
+          <a:r>
+            <a:rPr lang="fr-FR" sz="1700" kern="1200"/>
+            <a:t>Solution : GraphicTool crée un nouveau Graphic en clonant une instance d’une sous-classe de Graphic</a:t>
+          </a:r>
+          <a:endParaRPr lang="en-US" sz="1700" kern="1200"/>
+        </a:p>
+      </dsp:txBody>
+      <dsp:txXfrm>
+        <a:off x="32041" y="3173445"/>
+        <a:ext cx="6628731" cy="592288"/>
+      </dsp:txXfrm>
+    </dsp:sp>
+    <dsp:sp modelId="{BF9E4EC6-B1E8-4974-8DE3-45326E139A94}">
+      <dsp:nvSpPr>
+        <dsp:cNvPr id="0" name=""/>
+        <dsp:cNvSpPr/>
+      </dsp:nvSpPr>
+      <dsp:spPr>
+        <a:xfrm>
+          <a:off x="0" y="3846735"/>
+          <a:ext cx="6692813" cy="656370"/>
+        </a:xfrm>
+        <a:prstGeom prst="roundRect">
+          <a:avLst/>
+        </a:prstGeom>
+        <a:gradFill rotWithShape="0">
+          <a:gsLst>
+            <a:gs pos="0">
+              <a:schemeClr val="accent2">
+                <a:hueOff val="-19377047"/>
+                <a:satOff val="22338"/>
+                <a:lumOff val="7450"/>
+                <a:alphaOff val="0"/>
+                <a:tint val="96000"/>
+                <a:lumMod val="100000"/>
+              </a:schemeClr>
+            </a:gs>
+            <a:gs pos="78000">
+              <a:schemeClr val="accent2">
+                <a:hueOff val="-19377047"/>
+                <a:satOff val="22338"/>
+                <a:lumOff val="7450"/>
+                <a:alphaOff val="0"/>
+                <a:shade val="94000"/>
+                <a:lumMod val="94000"/>
+              </a:schemeClr>
+            </a:gs>
+          </a:gsLst>
+          <a:lin ang="5400000" scaled="0"/>
+        </a:gradFill>
+        <a:ln>
+          <a:noFill/>
+        </a:ln>
+        <a:effectLst>
+          <a:outerShdw blurRad="38100" dist="25400" dir="5400000" rotWithShape="0">
+            <a:srgbClr val="000000">
+              <a:alpha val="35000"/>
+            </a:srgbClr>
+          </a:outerShdw>
+        </a:effectLst>
+      </dsp:spPr>
+      <dsp:style>
+        <a:lnRef idx="0">
+          <a:scrgbClr r="0" g="0" b="0"/>
+        </a:lnRef>
+        <a:fillRef idx="3">
+          <a:scrgbClr r="0" g="0" b="0"/>
+        </a:fillRef>
+        <a:effectRef idx="2">
+          <a:scrgbClr r="0" g="0" b="0"/>
+        </a:effectRef>
+        <a:fontRef idx="minor">
+          <a:schemeClr val="lt1"/>
+        </a:fontRef>
+      </dsp:style>
+      <dsp:txBody>
+        <a:bodyPr spcFirstLastPara="0" vert="horz" wrap="square" lIns="64770" tIns="64770" rIns="64770" bIns="64770" numCol="1" spcCol="1270" anchor="ctr" anchorCtr="0">
+          <a:noAutofit/>
+        </a:bodyPr>
+        <a:lstStyle/>
+        <a:p>
+          <a:pPr marL="0" lvl="0" indent="0" algn="l" defTabSz="755650">
+            <a:lnSpc>
+              <a:spcPct val="90000"/>
+            </a:lnSpc>
+            <a:spcBef>
+              <a:spcPct val="0"/>
+            </a:spcBef>
+            <a:spcAft>
+              <a:spcPct val="35000"/>
+            </a:spcAft>
+            <a:buNone/>
+          </a:pPr>
+          <a:r>
+            <a:rPr lang="fr-FR" sz="1700" kern="1200"/>
+            <a:t>On appel la classe Graphic le </a:t>
+          </a:r>
+          <a:r>
+            <a:rPr lang="fr-FR" sz="1700" b="1" kern="1200"/>
+            <a:t>PROTOTYPE</a:t>
+          </a:r>
+          <a:r>
+            <a:rPr lang="fr-FR" sz="1700" kern="1200"/>
+            <a:t> ^^</a:t>
+          </a:r>
+          <a:endParaRPr lang="en-US" sz="1700" kern="1200"/>
+        </a:p>
+      </dsp:txBody>
+      <dsp:txXfrm>
+        <a:off x="32041" y="3878776"/>
+        <a:ext cx="6628731" cy="592288"/>
+      </dsp:txXfrm>
+    </dsp:sp>
+  </dsp:spTree>
+</dsp:drawing>
+</file>
+
+<file path=ppt/diagrams/layout1.xml><?xml version="1.0" encoding="utf-8"?>
+<dgm:layoutDef xmlns:dgm="http://schemas.openxmlformats.org/drawingml/2006/diagram" xmlns:a="http://schemas.openxmlformats.org/drawingml/2006/main" uniqueId="urn:microsoft.com/office/officeart/2005/8/layout/vList2">
+  <dgm:title val=""/>
+  <dgm:desc val=""/>
+  <dgm:catLst>
+    <dgm:cat type="list" pri="3000"/>
+    <dgm:cat type="convert" pri="1000"/>
+  </dgm:catLst>
+  <dgm:sampData>
+    <dgm:dataModel>
+      <dgm:ptLst>
+        <dgm:pt modelId="0" type="doc"/>
+        <dgm:pt modelId="1">
+          <dgm:prSet phldr="1"/>
+        </dgm:pt>
+        <dgm:pt modelId="11">
+          <dgm:prSet phldr="1"/>
+        </dgm:pt>
+        <dgm:pt modelId="2">
+          <dgm:prSet phldr="1"/>
+        </dgm:pt>
+        <dgm:pt modelId="21">
+          <dgm:prSet phldr="1"/>
+        </dgm:pt>
+      </dgm:ptLst>
+      <dgm:cxnLst>
+        <dgm:cxn modelId="4" srcId="0" destId="1" srcOrd="0" destOrd="0"/>
+        <dgm:cxn modelId="5" srcId="0" destId="2" srcOrd="1" destOrd="0"/>
+        <dgm:cxn modelId="12" srcId="1" destId="11" srcOrd="0" destOrd="0"/>
+        <dgm:cxn modelId="23" srcId="2" destId="21" srcOrd="0" destOrd="0"/>
+      </dgm:cxnLst>
+      <dgm:bg/>
+      <dgm:whole/>
+    </dgm:dataModel>
+  </dgm:sampData>
+  <dgm:styleData>
+    <dgm:dataModel>
+      <dgm:ptLst>
+        <dgm:pt modelId="0" type="doc"/>
+        <dgm:pt modelId="1"/>
+        <dgm:pt modelId="2"/>
+      </dgm:ptLst>
+      <dgm:cxnLst>
+        <dgm:cxn modelId="3" srcId="0" destId="1" srcOrd="0" destOrd="0"/>
+        <dgm:cxn modelId="4" srcId="0" destId="2" srcOrd="1" destOrd="0"/>
+      </dgm:cxnLst>
+      <dgm:bg/>
+      <dgm:whole/>
+    </dgm:dataModel>
+  </dgm:styleData>
+  <dgm:clrData>
+    <dgm:dataModel>
+      <dgm:ptLst>
+        <dgm:pt modelId="0" type="doc"/>
+        <dgm:pt modelId="1"/>
+        <dgm:pt modelId="2"/>
+        <dgm:pt modelId="3"/>
+        <dgm:pt modelId="4"/>
+      </dgm:ptLst>
+      <dgm:cxnLst>
+        <dgm:cxn modelId="5" srcId="0" destId="1" srcOrd="0" destOrd="0"/>
+        <dgm:cxn modelId="6" srcId="0" destId="2" srcOrd="1" destOrd="0"/>
+        <dgm:cxn modelId="7" srcId="0" destId="3" srcOrd="2" destOrd="0"/>
+        <dgm:cxn modelId="8" srcId="0" destId="4" srcOrd="3" destOrd="0"/>
+      </dgm:cxnLst>
+      <dgm:bg/>
+      <dgm:whole/>
+    </dgm:dataModel>
+  </dgm:clrData>
+  <dgm:layoutNode name="linear">
+    <dgm:varLst>
+      <dgm:animLvl val="lvl"/>
+      <dgm:resizeHandles val="exact"/>
+    </dgm:varLst>
+    <dgm:alg type="lin">
+      <dgm:param type="linDir" val="fromT"/>
+      <dgm:param type="vertAlign" val="mid"/>
+    </dgm:alg>
+    <dgm:shape xmlns:r="http://schemas.openxmlformats.org/officeDocument/2006/relationships" r:blip="">
+      <dgm:adjLst/>
+    </dgm:shape>
+    <dgm:presOf/>
+    <dgm:constrLst>
+      <dgm:constr type="w" for="ch" forName="parentText" refType="w"/>
+      <dgm:constr type="h" for="ch" forName="parentText" refType="primFontSz" refFor="ch" refForName="parentText" fact="0.52"/>
+      <dgm:constr type="w" for="ch" forName="childText" refType="w"/>
+      <dgm:constr type="h" for="ch" forName="childText" refType="primFontSz" refFor="ch" refForName="parentText" fact="0.46"/>
+      <dgm:constr type="h" for="ch" forName="parentText" op="equ"/>
+      <dgm:constr type="primFontSz" for="ch" forName="parentText" op="equ" val="65"/>
+      <dgm:constr type="primFontSz" for="ch" forName="childText" refType="primFontSz" refFor="ch" refForName="parentText" op="equ"/>
+      <dgm:constr type="h" for="ch" forName="spacer" refType="primFontSz" refFor="ch" refForName="parentText" fact="0.08"/>
+    </dgm:constrLst>
+    <dgm:ruleLst>
+      <dgm:rule type="primFontSz" for="ch" forName="parentText" val="5" fact="NaN" max="NaN"/>
+    </dgm:ruleLst>
+    <dgm:forEach name="Name0" axis="ch" ptType="node">
+      <dgm:layoutNode name="parentText" styleLbl="node1">
+        <dgm:varLst>
+          <dgm:chMax val="0"/>
+          <dgm:bulletEnabled val="1"/>
+        </dgm:varLst>
+        <dgm:alg type="tx">
+          <dgm:param type="parTxLTRAlign" val="l"/>
+          <dgm:param type="parTxRTLAlign" val="r"/>
+        </dgm:alg>
+        <dgm:shape xmlns:r="http://schemas.openxmlformats.org/officeDocument/2006/relationships" type="roundRect" r:blip="">
+          <dgm:adjLst/>
+        </dgm:shape>
+        <dgm:presOf axis="self"/>
+        <dgm:constrLst>
+          <dgm:constr type="tMarg" refType="primFontSz" fact="0.3"/>
+          <dgm:constr type="bMarg" refType="primFontSz" fact="0.3"/>
+          <dgm:constr type="lMarg" refType="primFontSz" fact="0.3"/>
+          <dgm:constr type="rMarg" refType="primFontSz" fact="0.3"/>
+        </dgm:constrLst>
+        <dgm:ruleLst>
+          <dgm:rule type="h" val="INF" fact="NaN" max="NaN"/>
+        </dgm:ruleLst>
+      </dgm:layoutNode>
+      <dgm:choose name="Name1">
+        <dgm:if name="Name2" axis="ch" ptType="node" func="cnt" op="gte" val="1">
+          <dgm:layoutNode name="childText" styleLbl="revTx">
+            <dgm:varLst>
+              <dgm:bulletEnabled val="1"/>
+            </dgm:varLst>
+            <dgm:alg type="tx">
+              <dgm:param type="stBulletLvl" val="1"/>
+              <dgm:param type="lnSpAfChP" val="20"/>
+            </dgm:alg>
+            <dgm:shape xmlns:r="http://schemas.openxmlformats.org/officeDocument/2006/relationships" type="rect" r:blip="">
+              <dgm:adjLst/>
+            </dgm:shape>
+            <dgm:presOf axis="des" ptType="node"/>
+            <dgm:constrLst>
+              <dgm:constr type="tMarg" refType="primFontSz" fact="0.1"/>
+              <dgm:constr type="bMarg" refType="primFontSz" fact="0.1"/>
+              <dgm:constr type="lMarg" refType="w" fact="0.09"/>
+            </dgm:constrLst>
+            <dgm:ruleLst>
+              <dgm:rule type="h" val="INF" fact="NaN" max="NaN"/>
+            </dgm:ruleLst>
+          </dgm:layoutNode>
+        </dgm:if>
+        <dgm:else name="Name3">
+          <dgm:choose name="Name4">
+            <dgm:if name="Name5" axis="par ch" ptType="doc node" func="cnt" op="gte" val="2">
+              <dgm:forEach name="Name6" axis="followSib" ptType="sibTrans" cnt="1">
+                <dgm:layoutNode name="spacer">
+                  <dgm:alg type="sp"/>
+                  <dgm:shape xmlns:r="http://schemas.openxmlformats.org/officeDocument/2006/relationships" r:blip="">
+                    <dgm:adjLst/>
+                  </dgm:shape>
+                  <dgm:presOf/>
+                  <dgm:constrLst/>
+                  <dgm:ruleLst/>
+                </dgm:layoutNode>
+              </dgm:forEach>
+            </dgm:if>
+            <dgm:else name="Name7"/>
+          </dgm:choose>
+        </dgm:else>
+      </dgm:choose>
+    </dgm:forEach>
+  </dgm:layoutNode>
+</dgm:layoutDef>
+</file>
+
+<file path=ppt/diagrams/quickStyle1.xml><?xml version="1.0" encoding="utf-8"?>
+<dgm:styleDef xmlns:dgm="http://schemas.openxmlformats.org/drawingml/2006/diagram" xmlns:a="http://schemas.openxmlformats.org/drawingml/2006/main" uniqueId="urn:microsoft.com/office/officeart/2005/8/quickstyle/simple4">
+  <dgm:title val=""/>
+  <dgm:desc val=""/>
+  <dgm:catLst>
+    <dgm:cat type="simple" pri="10400"/>
+  </dgm:catLst>
+  <dgm:scene3d>
+    <a:camera prst="orthographicFront"/>
+    <a:lightRig rig="threePt" dir="t"/>
+  </dgm:scene3d>
+  <dgm:styleLbl name="node0">
+    <dgm:scene3d>
+      <a:camera prst="orthographicFront"/>
+      <a:lightRig rig="threePt" dir="t"/>
+    </dgm:scene3d>
+    <dgm:sp3d/>
+    <dgm:txPr/>
+    <dgm:style>
+      <a:lnRef idx="0">
+        <a:scrgbClr r="0" g="0" b="0"/>
+      </a:lnRef>
+      <a:fillRef idx="3">
+        <a:scrgbClr r="0" g="0" b="0"/>
+      </a:fillRef>
+      <a:effectRef idx="2">
+        <a:scrgbClr r="0" g="0" b="0"/>
+      </a:effectRef>
+      <a:fontRef idx="minor">
+        <a:schemeClr val="lt1"/>
+      </a:fontRef>
+    </dgm:style>
+  </dgm:styleLbl>
+  <dgm:styleLbl name="lnNode1">
+    <dgm:scene3d>
+      <a:camera prst="orthographicFront"/>
+      <a:lightRig rig="threePt" dir="t"/>
+    </dgm:scene3d>
+    <dgm:sp3d/>
+    <dgm:txPr/>
+    <dgm:style>
+      <a:lnRef idx="1">
+        <a:scrgbClr r="0" g="0" b="0"/>
+      </a:lnRef>
+      <a:fillRef idx="3">
+        <a:scrgbClr r="0" g="0" b="0"/>
+      </a:fillRef>
+      <a:effectRef idx="2">
+        <a:scrgbClr r="0" g="0" b="0"/>
+      </a:effectRef>
+      <a:fontRef idx="minor">
+        <a:schemeClr val="lt1"/>
+      </a:fontRef>
+    </dgm:style>
+  </dgm:styleLbl>
+  <dgm:styleLbl name="vennNode1">
+    <dgm:scene3d>
+      <a:camera prst="orthographicFront"/>
+      <a:lightRig rig="threePt" dir="t"/>
+    </dgm:scene3d>
+    <dgm:sp3d/>
+    <dgm:txPr/>
+    <dgm:style>
+      <a:lnRef idx="0">
+        <a:scrgbClr r="0" g="0" b="0"/>
+      </a:lnRef>
+      <a:fillRef idx="3">
+        <a:scrgbClr r="0" g="0" b="0"/>
+      </a:fillRef>
+      <a:effectRef idx="0">
+        <a:scrgbClr r="0" g="0" b="0"/>
+      </a:effectRef>
+      <a:fontRef idx="minor">
+        <a:schemeClr val="tx1"/>
+      </a:fontRef>
+    </dgm:style>
+  </dgm:styleLbl>
+  <dgm:styleLbl name="alignNode1">
+    <dgm:scene3d>
+      <a:camera prst="orthographicFront"/>
+      <a:lightRig rig="threePt" dir="t"/>
+    </dgm:scene3d>
+    <dgm:sp3d/>
+    <dgm:txPr/>
+    <dgm:style>
+      <a:lnRef idx="1">
+        <a:scrgbClr r="0" g="0" b="0"/>
+      </a:lnRef>
+      <a:fillRef idx="3">
+        <a:scrgbClr r="0" g="0" b="0"/>
+      </a:fillRef>
+      <a:effectRef idx="2">
+        <a:scrgbClr r="0" g="0" b="0"/>
+      </a:effectRef>
+      <a:fontRef idx="minor">
+        <a:schemeClr val="lt1"/>
+      </a:fontRef>
+    </dgm:style>
+  </dgm:styleLbl>
+  <dgm:styleLbl name="node1">
+    <dgm:scene3d>
+      <a:camera prst="orthographicFront"/>
+      <a:lightRig rig="threePt" dir="t"/>
+    </dgm:scene3d>
+    <dgm:sp3d/>
+    <dgm:txPr/>
+    <dgm:style>
+      <a:lnRef idx="0">
+        <a:scrgbClr r="0" g="0" b="0"/>
+      </a:lnRef>
+      <a:fillRef idx="3">
+        <a:scrgbClr r="0" g="0" b="0"/>
+      </a:fillRef>
+      <a:effectRef idx="2">
+        <a:scrgbClr r="0" g="0" b="0"/>
+      </a:effectRef>
+      <a:fontRef idx="minor">
+        <a:schemeClr val="lt1"/>
+      </a:fontRef>
+    </dgm:style>
+  </dgm:styleLbl>
+  <dgm:styleLbl name="node2">
+    <dgm:scene3d>
+      <a:camera prst="orthographicFront"/>
+      <a:lightRig rig="threePt" dir="t"/>
+    </dgm:scene3d>
+    <dgm:sp3d/>
+    <dgm:txPr/>
+    <dgm:style>
+      <a:lnRef idx="0">
+        <a:scrgbClr r="0" g="0" b="0"/>
+      </a:lnRef>
+      <a:fillRef idx="3">
+        <a:scrgbClr r="0" g="0" b="0"/>
+      </a:fillRef>
+      <a:effectRef idx="2">
+        <a:scrgbClr r="0" g="0" b="0"/>
+      </a:effectRef>
+      <a:fontRef idx="minor">
+        <a:schemeClr val="lt1"/>
+      </a:fontRef>
+    </dgm:style>
+  </dgm:styleLbl>
+  <dgm:styleLbl name="node3">
+    <dgm:scene3d>
+      <a:camera prst="orthographicFront"/>
+      <a:lightRig rig="threePt" dir="t"/>
+    </dgm:scene3d>
+    <dgm:sp3d/>
+    <dgm:txPr/>
+    <dgm:style>
+      <a:lnRef idx="0">
+        <a:scrgbClr r="0" g="0" b="0"/>
+      </a:lnRef>
+      <a:fillRef idx="3">
+        <a:scrgbClr r="0" g="0" b="0"/>
+      </a:fillRef>
+      <a:effectRef idx="2">
+        <a:scrgbClr r="0" g="0" b="0"/>
+      </a:effectRef>
+      <a:fontRef idx="minor">
+        <a:schemeClr val="lt1"/>
+      </a:fontRef>
+    </dgm:style>
+  </dgm:styleLbl>
+  <dgm:styleLbl name="node4">
+    <dgm:scene3d>
+      <a:camera prst="orthographicFront"/>
+      <a:lightRig rig="threePt" dir="t"/>
+    </dgm:scene3d>
+    <dgm:sp3d/>
+    <dgm:txPr/>
+    <dgm:style>
+      <a:lnRef idx="0">
+        <a:scrgbClr r="0" g="0" b="0"/>
+      </a:lnRef>
+      <a:fillRef idx="3">
+        <a:scrgbClr r="0" g="0" b="0"/>
+      </a:fillRef>
+      <a:effectRef idx="2">
+        <a:scrgbClr r="0" g="0" b="0"/>
+      </a:effectRef>
+      <a:fontRef idx="minor">
+        <a:schemeClr val="lt1"/>
+      </a:fontRef>
+    </dgm:style>
+  </dgm:styleLbl>
+  <dgm:styleLbl name="fgImgPlace1">
+    <dgm:scene3d>
+      <a:camera prst="orthographicFront"/>
+      <a:lightRig rig="threePt" dir="t"/>
+    </dgm:scene3d>
+    <dgm:sp3d/>
+    <dgm:txPr/>
+    <dgm:style>
+      <a:lnRef idx="0">
+        <a:scrgbClr r="0" g="0" b="0"/>
+      </a:lnRef>
+      <a:fillRef idx="1">
+        <a:scrgbClr r="0" g="0" b="0"/>
+      </a:fillRef>
+      <a:effectRef idx="2">
+        <a:scrgbClr r="0" g="0" b="0"/>
+      </a:effectRef>
+      <a:fontRef idx="minor"/>
+    </dgm:style>
+  </dgm:styleLbl>
+  <dgm:styleLbl name="alignImgPlace1">
+    <dgm:scene3d>
+      <a:camera prst="orthographicFront"/>
+      <a:lightRig rig="threePt" dir="t"/>
+    </dgm:scene3d>
+    <dgm:sp3d/>
+    <dgm:txPr/>
+    <dgm:style>
+      <a:lnRef idx="0">
+        <a:scrgbClr r="0" g="0" b="0"/>
+      </a:lnRef>
+      <a:fillRef idx="1">
+        <a:scrgbClr r="0" g="0" b="0"/>
+      </a:fillRef>
+      <a:effectRef idx="2">
+        <a:scrgbClr r="0" g="0" b="0"/>
+      </a:effectRef>
+      <a:fontRef idx="minor"/>
+    </dgm:style>
+  </dgm:styleLbl>
+  <dgm:styleLbl name="bgImgPlace1">
+    <dgm:scene3d>
+      <a:camera prst="orthographicFront"/>
+      <a:lightRig rig="threePt" dir="t"/>
+    </dgm:scene3d>
+    <dgm:sp3d/>
+    <dgm:txPr/>
+    <dgm:style>
+      <a:lnRef idx="0">
+        <a:scrgbClr r="0" g="0" b="0"/>
+      </a:lnRef>
+      <a:fillRef idx="1">
+        <a:scrgbClr r="0" g="0" b="0"/>
+      </a:fillRef>
+      <a:effectRef idx="2">
+        <a:scrgbClr r="0" g="0" b="0"/>
+      </a:effectRef>
+      <a:fontRef idx="minor"/>
+    </dgm:style>
+  </dgm:styleLbl>
+  <dgm:styleLbl name="sibTrans2D1">
+    <dgm:scene3d>
+      <a:camera prst="orthographicFront"/>
+      <a:lightRig rig="threePt" dir="t"/>
+    </dgm:scene3d>
+    <dgm:sp3d/>
+    <dgm:txPr/>
+    <dgm:style>
+      <a:lnRef idx="0">
+        <a:scrgbClr r="0" g="0" b="0"/>
+      </a:lnRef>
+      <a:fillRef idx="3">
+        <a:scrgbClr r="0" g="0" b="0"/>
+      </a:fillRef>
+      <a:effectRef idx="2">
+        <a:scrgbClr r="0" g="0" b="0"/>
+      </a:effectRef>
+      <a:fontRef idx="minor">
+        <a:schemeClr val="lt1"/>
+      </a:fontRef>
+    </dgm:style>
+  </dgm:styleLbl>
+  <dgm:styleLbl name="fgSibTrans2D1">
+    <dgm:scene3d>
+      <a:camera prst="orthographicFront"/>
+      <a:lightRig rig="threePt" dir="t"/>
+    </dgm:scene3d>
+    <dgm:sp3d/>
+    <dgm:txPr/>
+    <dgm:style>
+      <a:lnRef idx="0">
+        <a:scrgbClr r="0" g="0" b="0"/>
+      </a:lnRef>
+      <a:fillRef idx="3">
+        <a:scrgbClr r="0" g="0" b="0"/>
+      </a:fillRef>
+      <a:effectRef idx="2">
+        <a:scrgbClr r="0" g="0" b="0"/>
+      </a:effectRef>
+      <a:fontRef idx="minor">
+        <a:schemeClr val="lt1"/>
+      </a:fontRef>
+    </dgm:style>
+  </dgm:styleLbl>
+  <dgm:styleLbl name="bgSibTrans2D1">
+    <dgm:scene3d>
+      <a:camera prst="orthographicFront"/>
+      <a:lightRig rig="threePt" dir="t"/>
+    </dgm:scene3d>
+    <dgm:sp3d/>
+    <dgm:txPr/>
+    <dgm:style>
+      <a:lnRef idx="0">
+        <a:scrgbClr r="0" g="0" b="0"/>
+      </a:lnRef>
+      <a:fillRef idx="3">
+        <a:scrgbClr r="0" g="0" b="0"/>
+      </a:fillRef>
+      <a:effectRef idx="2">
+        <a:scrgbClr r="0" g="0" b="0"/>
+      </a:effectRef>
+      <a:fontRef idx="minor">
+        <a:schemeClr val="lt1"/>
+      </a:fontRef>
+    </dgm:style>
+  </dgm:styleLbl>
+  <dgm:styleLbl name="sibTrans1D1">
+    <dgm:scene3d>
+      <a:camera prst="orthographicFront"/>
+      <a:lightRig rig="threePt" dir="t"/>
+    </dgm:scene3d>
+    <dgm:sp3d/>
+    <dgm:txPr/>
+    <dgm:style>
+      <a:lnRef idx="1">
+        <a:scrgbClr r="0" g="0" b="0"/>
+      </a:lnRef>
+      <a:fillRef idx="0">
+        <a:scrgbClr r="0" g="0" b="0"/>
+      </a:fillRef>
+      <a:effectRef idx="0">
+        <a:scrgbClr r="0" g="0" b="0"/>
+      </a:effectRef>
+      <a:fontRef idx="minor"/>
+    </dgm:style>
+  </dgm:styleLbl>
+  <dgm:styleLbl name="callout">
+    <dgm:scene3d>
+      <a:camera prst="orthographicFront"/>
+      <a:lightRig rig="threePt" dir="t"/>
+    </dgm:scene3d>
+    <dgm:sp3d/>
+    <dgm:txPr/>
+    <dgm:style>
+      <a:lnRef idx="2">
+        <a:scrgbClr r="0" g="0" b="0"/>
+      </a:lnRef>
+      <a:fillRef idx="1">
+        <a:scrgbClr r="0" g="0" b="0"/>
+      </a:fillRef>
+      <a:effectRef idx="1">
+        <a:scrgbClr r="0" g="0" b="0"/>
+      </a:effectRef>
+      <a:fontRef idx="minor"/>
+    </dgm:style>
+  </dgm:styleLbl>
+  <dgm:styleLbl name="asst0">
+    <dgm:scene3d>
+      <a:camera prst="orthographicFront"/>
+      <a:lightRig rig="threePt" dir="t"/>
+    </dgm:scene3d>
+    <dgm:sp3d/>
+    <dgm:txPr/>
+    <dgm:style>
+      <a:lnRef idx="0">
+        <a:scrgbClr r="0" g="0" b="0"/>
+      </a:lnRef>
+      <a:fillRef idx="3">
+        <a:scrgbClr r="0" g="0" b="0"/>
+      </a:fillRef>
+      <a:effectRef idx="2">
+        <a:scrgbClr r="0" g="0" b="0"/>
+      </a:effectRef>
+      <a:fontRef idx="minor">
+        <a:schemeClr val="lt1"/>
+      </a:fontRef>
+    </dgm:style>
+  </dgm:styleLbl>
+  <dgm:styleLbl name="asst1">
+    <dgm:scene3d>
+      <a:camera prst="orthographicFront"/>
+      <a:lightRig rig="threePt" dir="t"/>
+    </dgm:scene3d>
+    <dgm:sp3d/>
+    <dgm:txPr/>
+    <dgm:style>
+      <a:lnRef idx="0">
+        <a:scrgbClr r="0" g="0" b="0"/>
+      </a:lnRef>
+      <a:fillRef idx="3">
+        <a:scrgbClr r="0" g="0" b="0"/>
+      </a:fillRef>
+      <a:effectRef idx="2">
+        <a:scrgbClr r="0" g="0" b="0"/>
+      </a:effectRef>
+      <a:fontRef idx="minor">
+        <a:schemeClr val="lt1"/>
+      </a:fontRef>
+    </dgm:style>
+  </dgm:styleLbl>
+  <dgm:styleLbl name="asst2">
+    <dgm:scene3d>
+      <a:camera prst="orthographicFront"/>
+      <a:lightRig rig="threePt" dir="t"/>
+    </dgm:scene3d>
+    <dgm:sp3d/>
+    <dgm:txPr/>
+    <dgm:style>
+      <a:lnRef idx="0">
+        <a:scrgbClr r="0" g="0" b="0"/>
+      </a:lnRef>
+      <a:fillRef idx="3">
+        <a:scrgbClr r="0" g="0" b="0"/>
+      </a:fillRef>
+      <a:effectRef idx="2">
+        <a:scrgbClr r="0" g="0" b="0"/>
+      </a:effectRef>
+      <a:fontRef idx="minor">
+        <a:schemeClr val="lt1"/>
+      </a:fontRef>
+    </dgm:style>
+  </dgm:styleLbl>
+  <dgm:styleLbl name="asst3">
+    <dgm:scene3d>
+      <a:camera prst="orthographicFront"/>
+      <a:lightRig rig="threePt" dir="t"/>
+    </dgm:scene3d>
+    <dgm:sp3d/>
+    <dgm:txPr/>
+    <dgm:style>
+      <a:lnRef idx="0">
+        <a:scrgbClr r="0" g="0" b="0"/>
+      </a:lnRef>
+      <a:fillRef idx="3">
+        <a:scrgbClr r="0" g="0" b="0"/>
+      </a:fillRef>
+      <a:effectRef idx="2">
+        <a:scrgbClr r="0" g="0" b="0"/>
+      </a:effectRef>
+      <a:fontRef idx="minor">
+        <a:schemeClr val="lt1"/>
+      </a:fontRef>
+    </dgm:style>
+  </dgm:styleLbl>
+  <dgm:styleLbl name="asst4">
+    <dgm:scene3d>
+      <a:camera prst="orthographicFront"/>
+      <a:lightRig rig="threePt" dir="t"/>
+    </dgm:scene3d>
+    <dgm:sp3d/>
+    <dgm:txPr/>
+    <dgm:style>
+      <a:lnRef idx="0">
+        <a:scrgbClr r="0" g="0" b="0"/>
+      </a:lnRef>
+      <a:fillRef idx="3">
+        <a:scrgbClr r="0" g="0" b="0"/>
+      </a:fillRef>
+      <a:effectRef idx="2">
+        <a:scrgbClr r="0" g="0" b="0"/>
+      </a:effectRef>
+      <a:fontRef idx="minor">
+        <a:schemeClr val="lt1"/>
+      </a:fontRef>
+    </dgm:style>
+  </dgm:styleLbl>
+  <dgm:styleLbl name="parChTrans2D1">
+    <dgm:scene3d>
+      <a:camera prst="orthographicFront"/>
+      <a:lightRig rig="threePt" dir="t"/>
+    </dgm:scene3d>
+    <dgm:sp3d/>
+    <dgm:txPr/>
+    <dgm:style>
+      <a:lnRef idx="0">
+        <a:scrgbClr r="0" g="0" b="0"/>
+      </a:lnRef>
+      <a:fillRef idx="3">
+        <a:scrgbClr r="0" g="0" b="0"/>
+      </a:fillRef>
+      <a:effectRef idx="2">
+        <a:scrgbClr r="0" g="0" b="0"/>
+      </a:effectRef>
+      <a:fontRef idx="minor">
+        <a:schemeClr val="lt1"/>
+      </a:fontRef>
+    </dgm:style>
+  </dgm:styleLbl>
+  <dgm:styleLbl name="parChTrans2D2">
+    <dgm:scene3d>
+      <a:camera prst="orthographicFront"/>
+      <a:lightRig rig="threePt" dir="t"/>
+    </dgm:scene3d>
+    <dgm:sp3d/>
+    <dgm:txPr/>
+    <dgm:style>
+      <a:lnRef idx="0">
+        <a:scrgbClr r="0" g="0" b="0"/>
+      </a:lnRef>
+      <a:fillRef idx="3">
+        <a:scrgbClr r="0" g="0" b="0"/>
+      </a:fillRef>
+      <a:effectRef idx="2">
+        <a:scrgbClr r="0" g="0" b="0"/>
+      </a:effectRef>
+      <a:fontRef idx="minor">
+        <a:schemeClr val="lt1"/>
+      </a:fontRef>
+    </dgm:style>
+  </dgm:styleLbl>
+  <dgm:styleLbl name="parChTrans2D3">
+    <dgm:scene3d>
+      <a:camera prst="orthographicFront"/>
+      <a:lightRig rig="threePt" dir="t"/>
+    </dgm:scene3d>
+    <dgm:sp3d/>
+    <dgm:txPr/>
+    <dgm:style>
+      <a:lnRef idx="1">
+        <a:scrgbClr r="0" g="0" b="0"/>
+      </a:lnRef>
+      <a:fillRef idx="3">
+        <a:scrgbClr r="0" g="0" b="0"/>
+      </a:fillRef>
+      <a:effectRef idx="2">
+        <a:scrgbClr r="0" g="0" b="0"/>
+      </a:effectRef>
+      <a:fontRef idx="minor">
+        <a:schemeClr val="lt1"/>
+      </a:fontRef>
+    </dgm:style>
+  </dgm:styleLbl>
+  <dgm:styleLbl name="parChTrans2D4">
+    <dgm:scene3d>
+      <a:camera prst="orthographicFront"/>
+      <a:lightRig rig="threePt" dir="t"/>
+    </dgm:scene3d>
+    <dgm:sp3d/>
+    <dgm:txPr/>
+    <dgm:style>
+      <a:lnRef idx="1">
+        <a:scrgbClr r="0" g="0" b="0"/>
+      </a:lnRef>
+      <a:fillRef idx="3">
+        <a:scrgbClr r="0" g="0" b="0"/>
+      </a:fillRef>
+      <a:effectRef idx="2">
+        <a:scrgbClr r="0" g="0" b="0"/>
+      </a:effectRef>
+      <a:fontRef idx="minor">
+        <a:schemeClr val="lt1"/>
+      </a:fontRef>
+    </dgm:style>
+  </dgm:styleLbl>
+  <dgm:styleLbl name="parChTrans1D1">
+    <dgm:scene3d>
+      <a:camera prst="orthographicFront"/>
+      <a:lightRig rig="threePt" dir="t"/>
+    </dgm:scene3d>
+    <dgm:sp3d/>
+    <dgm:txPr/>
+    <dgm:style>
+      <a:lnRef idx="1">
+        <a:scrgbClr r="0" g="0" b="0"/>
+      </a:lnRef>
+      <a:fillRef idx="0">
+        <a:scrgbClr r="0" g="0" b="0"/>
+      </a:fillRef>
+      <a:effectRef idx="0">
+        <a:scrgbClr r="0" g="0" b="0"/>
+      </a:effectRef>
+      <a:fontRef idx="minor"/>
+    </dgm:style>
+  </dgm:styleLbl>
+  <dgm:styleLbl name="parChTrans1D2">
+    <dgm:scene3d>
+      <a:camera prst="orthographicFront"/>
+      <a:lightRig rig="threePt" dir="t"/>
+    </dgm:scene3d>
+    <dgm:sp3d/>
+    <dgm:txPr/>
+    <dgm:style>
+      <a:lnRef idx="1">
+        <a:scrgbClr r="0" g="0" b="0"/>
+      </a:lnRef>
+      <a:fillRef idx="0">
+        <a:scrgbClr r="0" g="0" b="0"/>
+      </a:fillRef>
+      <a:effectRef idx="0">
+        <a:scrgbClr r="0" g="0" b="0"/>
+      </a:effectRef>
+      <a:fontRef idx="minor"/>
+    </dgm:style>
+  </dgm:styleLbl>
+  <dgm:styleLbl name="parChTrans1D3">
+    <dgm:scene3d>
+      <a:camera prst="orthographicFront"/>
+      <a:lightRig rig="threePt" dir="t"/>
+    </dgm:scene3d>
+    <dgm:sp3d/>
+    <dgm:txPr/>
+    <dgm:style>
+      <a:lnRef idx="1">
+        <a:scrgbClr r="0" g="0" b="0"/>
+      </a:lnRef>
+      <a:fillRef idx="0">
+        <a:scrgbClr r="0" g="0" b="0"/>
+      </a:fillRef>
+      <a:effectRef idx="0">
+        <a:scrgbClr r="0" g="0" b="0"/>
+      </a:effectRef>
+      <a:fontRef idx="minor"/>
+    </dgm:style>
+  </dgm:styleLbl>
+  <dgm:styleLbl name="parChTrans1D4">
+    <dgm:scene3d>
+      <a:camera prst="orthographicFront"/>
+      <a:lightRig rig="threePt" dir="t"/>
+    </dgm:scene3d>
+    <dgm:sp3d/>
+    <dgm:txPr/>
+    <dgm:style>
+      <a:lnRef idx="1">
+        <a:scrgbClr r="0" g="0" b="0"/>
+      </a:lnRef>
+      <a:fillRef idx="0">
+        <a:scrgbClr r="0" g="0" b="0"/>
+      </a:fillRef>
+      <a:effectRef idx="0">
+        <a:scrgbClr r="0" g="0" b="0"/>
+      </a:effectRef>
+      <a:fontRef idx="minor"/>
+    </dgm:style>
+  </dgm:styleLbl>
+  <dgm:styleLbl name="fgAcc1">
+    <dgm:scene3d>
+      <a:camera prst="orthographicFront"/>
+      <a:lightRig rig="threePt" dir="t"/>
+    </dgm:scene3d>
+    <dgm:sp3d/>
+    <dgm:txPr/>
+    <dgm:style>
+      <a:lnRef idx="1">
+        <a:scrgbClr r="0" g="0" b="0"/>
+      </a:lnRef>
+      <a:fillRef idx="1">
+        <a:scrgbClr r="0" g="0" b="0"/>
+      </a:fillRef>
+      <a:effectRef idx="0">
+        <a:scrgbClr r="0" g="0" b="0"/>
+      </a:effectRef>
+      <a:fontRef idx="minor"/>
+    </dgm:style>
+  </dgm:styleLbl>
+  <dgm:styleLbl name="conFgAcc1">
+    <dgm:scene3d>
+      <a:camera prst="orthographicFront"/>
+      <a:lightRig rig="threePt" dir="t"/>
+    </dgm:scene3d>
+    <dgm:sp3d/>
+    <dgm:txPr/>
+    <dgm:style>
+      <a:lnRef idx="1">
+        <a:scrgbClr r="0" g="0" b="0"/>
+      </a:lnRef>
+      <a:fillRef idx="1">
+        <a:scrgbClr r="0" g="0" b="0"/>
+      </a:fillRef>
+      <a:effectRef idx="0">
+        <a:scrgbClr r="0" g="0" b="0"/>
+      </a:effectRef>
+      <a:fontRef idx="minor"/>
+    </dgm:style>
+  </dgm:styleLbl>
+  <dgm:styleLbl name="alignAcc1">
+    <dgm:scene3d>
+      <a:camera prst="orthographicFront"/>
+      <a:lightRig rig="threePt" dir="t"/>
+    </dgm:scene3d>
+    <dgm:sp3d/>
+    <dgm:txPr/>
+    <dgm:style>
+      <a:lnRef idx="1">
+        <a:scrgbClr r="0" g="0" b="0"/>
+      </a:lnRef>
+      <a:fillRef idx="1">
+        <a:scrgbClr r="0" g="0" b="0"/>
+      </a:fillRef>
+      <a:effectRef idx="0">
+        <a:scrgbClr r="0" g="0" b="0"/>
+      </a:effectRef>
+      <a:fontRef idx="minor"/>
+    </dgm:style>
+  </dgm:styleLbl>
+  <dgm:styleLbl name="trAlignAcc1">
+    <dgm:scene3d>
+      <a:camera prst="orthographicFront"/>
+      <a:lightRig rig="threePt" dir="t"/>
+    </dgm:scene3d>
+    <dgm:sp3d/>
+    <dgm:txPr/>
+    <dgm:style>
+      <a:lnRef idx="1">
+        <a:scrgbClr r="0" g="0" b="0"/>
+      </a:lnRef>
+      <a:fillRef idx="1">
+        <a:scrgbClr r="0" g="0" b="0"/>
+      </a:fillRef>
+      <a:effectRef idx="0">
+        <a:scrgbClr r="0" g="0" b="0"/>
+      </a:effectRef>
+      <a:fontRef idx="minor"/>
+    </dgm:style>
+  </dgm:styleLbl>
+  <dgm:styleLbl name="bgAcc1">
+    <dgm:scene3d>
+      <a:camera prst="orthographicFront"/>
+      <a:lightRig rig="threePt" dir="t"/>
+    </dgm:scene3d>
+    <dgm:sp3d/>
+    <dgm:txPr/>
+    <dgm:style>
+      <a:lnRef idx="1">
+        <a:scrgbClr r="0" g="0" b="0"/>
+      </a:lnRef>
+      <a:fillRef idx="1">
+        <a:scrgbClr r="0" g="0" b="0"/>
+      </a:fillRef>
+      <a:effectRef idx="0">
+        <a:scrgbClr r="0" g="0" b="0"/>
+      </a:effectRef>
+      <a:fontRef idx="minor"/>
+    </dgm:style>
+  </dgm:styleLbl>
+  <dgm:styleLbl name="solidFgAcc1">
+    <dgm:scene3d>
+      <a:camera prst="orthographicFront"/>
+      <a:lightRig rig="threePt" dir="t"/>
+    </dgm:scene3d>
+    <dgm:sp3d/>
+    <dgm:txPr/>
+    <dgm:style>
+      <a:lnRef idx="1">
+        <a:scrgbClr r="0" g="0" b="0"/>
+      </a:lnRef>
+      <a:fillRef idx="1">
+        <a:scrgbClr r="0" g="0" b="0"/>
+      </a:fillRef>
+      <a:effectRef idx="0">
+        <a:scrgbClr r="0" g="0" b="0"/>
+      </a:effectRef>
+      <a:fontRef idx="minor"/>
+    </dgm:style>
+  </dgm:styleLbl>
+  <dgm:styleLbl name="solidAlignAcc1">
+    <dgm:scene3d>
+      <a:camera prst="orthographicFront"/>
+      <a:lightRig rig="threePt" dir="t"/>
+    </dgm:scene3d>
+    <dgm:sp3d/>
+    <dgm:txPr/>
+    <dgm:style>
+      <a:lnRef idx="1">
+        <a:scrgbClr r="0" g="0" b="0"/>
+      </a:lnRef>
+      <a:fillRef idx="1">
+        <a:scrgbClr r="0" g="0" b="0"/>
+      </a:fillRef>
+      <a:effectRef idx="0">
+        <a:scrgbClr r="0" g="0" b="0"/>
+      </a:effectRef>
+      <a:fontRef idx="minor"/>
+    </dgm:style>
+  </dgm:styleLbl>
+  <dgm:styleLbl name="solidBgAcc1">
+    <dgm:scene3d>
+      <a:camera prst="orthographicFront"/>
+      <a:lightRig rig="threePt" dir="t"/>
+    </dgm:scene3d>
+    <dgm:sp3d/>
+    <dgm:txPr/>
+    <dgm:style>
+      <a:lnRef idx="1">
+        <a:scrgbClr r="0" g="0" b="0"/>
+      </a:lnRef>
+      <a:fillRef idx="1">
+        <a:scrgbClr r="0" g="0" b="0"/>
+      </a:fillRef>
+      <a:effectRef idx="0">
+        <a:scrgbClr r="0" g="0" b="0"/>
+      </a:effectRef>
+      <a:fontRef idx="minor"/>
+    </dgm:style>
+  </dgm:styleLbl>
+  <dgm:styleLbl name="fgAccFollowNode1">
+    <dgm:scene3d>
+      <a:camera prst="orthographicFront"/>
+      <a:lightRig rig="threePt" dir="t"/>
+    </dgm:scene3d>
+    <dgm:sp3d/>
+    <dgm:txPr/>
+    <dgm:style>
+      <a:lnRef idx="1">
+        <a:scrgbClr r="0" g="0" b="0"/>
+      </a:lnRef>
+      <a:fillRef idx="1">
+        <a:scrgbClr r="0" g="0" b="0"/>
+      </a:fillRef>
+      <a:effectRef idx="0">
+        <a:scrgbClr r="0" g="0" b="0"/>
+      </a:effectRef>
+      <a:fontRef idx="minor"/>
+    </dgm:style>
+  </dgm:styleLbl>
+  <dgm:styleLbl name="alignAccFollowNode1">
+    <dgm:scene3d>
+      <a:camera prst="orthographicFront"/>
+      <a:lightRig rig="threePt" dir="t"/>
+    </dgm:scene3d>
+    <dgm:sp3d/>
+    <dgm:txPr/>
+    <dgm:style>
+      <a:lnRef idx="1">
+        <a:scrgbClr r="0" g="0" b="0"/>
+      </a:lnRef>
+      <a:fillRef idx="1">
+        <a:scrgbClr r="0" g="0" b="0"/>
+      </a:fillRef>
+      <a:effectRef idx="0">
+        <a:scrgbClr r="0" g="0" b="0"/>
+      </a:effectRef>
+      <a:fontRef idx="minor"/>
+    </dgm:style>
+  </dgm:styleLbl>
+  <dgm:styleLbl name="bgAccFollowNode1">
+    <dgm:scene3d>
+      <a:camera prst="orthographicFront"/>
+      <a:lightRig rig="threePt" dir="t"/>
+    </dgm:scene3d>
+    <dgm:sp3d/>
+    <dgm:txPr/>
+    <dgm:style>
+      <a:lnRef idx="1">
+        <a:scrgbClr r="0" g="0" b="0"/>
+      </a:lnRef>
+      <a:fillRef idx="1">
+        <a:scrgbClr r="0" g="0" b="0"/>
+      </a:fillRef>
+      <a:effectRef idx="0">
+        <a:scrgbClr r="0" g="0" b="0"/>
+      </a:effectRef>
+      <a:fontRef idx="minor"/>
+    </dgm:style>
+  </dgm:styleLbl>
+  <dgm:styleLbl name="fgAcc0">
+    <dgm:scene3d>
+      <a:camera prst="orthographicFront"/>
+      <a:lightRig rig="threePt" dir="t"/>
+    </dgm:scene3d>
+    <dgm:sp3d/>
+    <dgm:txPr/>
+    <dgm:style>
+      <a:lnRef idx="1">
+        <a:scrgbClr r="0" g="0" b="0"/>
+      </a:lnRef>
+      <a:fillRef idx="1">
+        <a:scrgbClr r="0" g="0" b="0"/>
+      </a:fillRef>
+      <a:effectRef idx="0">
+        <a:scrgbClr r="0" g="0" b="0"/>
+      </a:effectRef>
+      <a:fontRef idx="minor"/>
+    </dgm:style>
+  </dgm:styleLbl>
+  <dgm:styleLbl name="fgAcc2">
+    <dgm:scene3d>
+      <a:camera prst="orthographicFront"/>
+      <a:lightRig rig="threePt" dir="t"/>
+    </dgm:scene3d>
+    <dgm:sp3d/>
+    <dgm:txPr/>
+    <dgm:style>
+      <a:lnRef idx="1">
+        <a:scrgbClr r="0" g="0" b="0"/>
+      </a:lnRef>
+      <a:fillRef idx="1">
+        <a:scrgbClr r="0" g="0" b="0"/>
+      </a:fillRef>
+      <a:effectRef idx="0">
+        <a:scrgbClr r="0" g="0" b="0"/>
+      </a:effectRef>
+      <a:fontRef idx="minor"/>
+    </dgm:style>
+  </dgm:styleLbl>
+  <dgm:styleLbl name="fgAcc3">
+    <dgm:scene3d>
+      <a:camera prst="orthographicFront"/>
+      <a:lightRig rig="threePt" dir="t"/>
+    </dgm:scene3d>
+    <dgm:sp3d/>
+    <dgm:txPr/>
+    <dgm:style>
+      <a:lnRef idx="1">
+        <a:scrgbClr r="0" g="0" b="0"/>
+      </a:lnRef>
+      <a:fillRef idx="1">
+        <a:scrgbClr r="0" g="0" b="0"/>
+      </a:fillRef>
+      <a:effectRef idx="0">
+        <a:scrgbClr r="0" g="0" b="0"/>
+      </a:effectRef>
+      <a:fontRef idx="minor"/>
+    </dgm:style>
+  </dgm:styleLbl>
+  <dgm:styleLbl name="fgAcc4">
+    <dgm:scene3d>
+      <a:camera prst="orthographicFront"/>
+      <a:lightRig rig="threePt" dir="t"/>
+    </dgm:scene3d>
+    <dgm:sp3d/>
+    <dgm:txPr/>
+    <dgm:style>
+      <a:lnRef idx="1">
+        <a:scrgbClr r="0" g="0" b="0"/>
+      </a:lnRef>
+      <a:fillRef idx="1">
+        <a:scrgbClr r="0" g="0" b="0"/>
+      </a:fillRef>
+      <a:effectRef idx="0">
+        <a:scrgbClr r="0" g="0" b="0"/>
+      </a:effectRef>
+      <a:fontRef idx="minor"/>
+    </dgm:style>
+  </dgm:styleLbl>
+  <dgm:styleLbl name="bgShp">
+    <dgm:scene3d>
+      <a:camera prst="orthographicFront"/>
+      <a:lightRig rig="threePt" dir="t"/>
+    </dgm:scene3d>
+    <dgm:sp3d/>
+    <dgm:txPr/>
+    <dgm:style>
+      <a:lnRef idx="0">
+        <a:scrgbClr r="0" g="0" b="0"/>
+      </a:lnRef>
+      <a:fillRef idx="1">
+        <a:scrgbClr r="0" g="0" b="0"/>
+      </a:fillRef>
+      <a:effectRef idx="2">
+        <a:scrgbClr r="0" g="0" b="0"/>
+      </a:effectRef>
+      <a:fontRef idx="minor"/>
+    </dgm:style>
+  </dgm:styleLbl>
+  <dgm:styleLbl name="dkBgShp">
+    <dgm:scene3d>
+      <a:camera prst="orthographicFront"/>
+      <a:lightRig rig="threePt" dir="t"/>
+    </dgm:scene3d>
+    <dgm:sp3d/>
+    <dgm:txPr/>
+    <dgm:style>
+      <a:lnRef idx="0">
+        <a:scrgbClr r="0" g="0" b="0"/>
+      </a:lnRef>
+      <a:fillRef idx="1">
+        <a:scrgbClr r="0" g="0" b="0"/>
+      </a:fillRef>
+      <a:effectRef idx="2">
+        <a:scrgbClr r="0" g="0" b="0"/>
+      </a:effectRef>
+      <a:fontRef idx="minor"/>
+    </dgm:style>
+  </dgm:styleLbl>
+  <dgm:styleLbl name="trBgShp">
+    <dgm:scene3d>
+      <a:camera prst="orthographicFront"/>
+      <a:lightRig rig="threePt" dir="t"/>
+    </dgm:scene3d>
+    <dgm:sp3d/>
+    <dgm:txPr/>
+    <dgm:style>
+      <a:lnRef idx="0">
+        <a:scrgbClr r="0" g="0" b="0"/>
+      </a:lnRef>
+      <a:fillRef idx="1">
+        <a:scrgbClr r="0" g="0" b="0"/>
+      </a:fillRef>
+      <a:effectRef idx="0">
+        <a:scrgbClr r="0" g="0" b="0"/>
+      </a:effectRef>
+      <a:fontRef idx="minor"/>
+    </dgm:style>
+  </dgm:styleLbl>
+  <dgm:styleLbl name="fgShp">
+    <dgm:scene3d>
+      <a:camera prst="orthographicFront"/>
+      <a:lightRig rig="threePt" dir="t"/>
+    </dgm:scene3d>
+    <dgm:sp3d/>
+    <dgm:txPr/>
+    <dgm:style>
+      <a:lnRef idx="0">
+        <a:scrgbClr r="0" g="0" b="0"/>
+      </a:lnRef>
+      <a:fillRef idx="3">
+        <a:scrgbClr r="0" g="0" b="0"/>
+      </a:fillRef>
+      <a:effectRef idx="2">
+        <a:scrgbClr r="0" g="0" b="0"/>
+      </a:effectRef>
+      <a:fontRef idx="minor"/>
+    </dgm:style>
+  </dgm:styleLbl>
+  <dgm:styleLbl name="revTx">
+    <dgm:scene3d>
+      <a:camera prst="orthographicFront"/>
+      <a:lightRig rig="threePt" dir="t"/>
+    </dgm:scene3d>
+    <dgm:sp3d/>
+    <dgm:txPr/>
+    <dgm:style>
+      <a:lnRef idx="0">
+        <a:scrgbClr r="0" g="0" b="0"/>
+      </a:lnRef>
+      <a:fillRef idx="0">
+        <a:scrgbClr r="0" g="0" b="0"/>
+      </a:fillRef>
+      <a:effectRef idx="0">
+        <a:scrgbClr r="0" g="0" b="0"/>
+      </a:effectRef>
+      <a:fontRef idx="minor"/>
+    </dgm:style>
+  </dgm:styleLbl>
+</dgm:styleDef>
 </file>
 
 <file path=ppt/slideLayouts/slideLayout1.xml><?xml version="1.0" encoding="utf-8"?>
@@ -836,7 +3769,7 @@
             <a:fld id="{B61BEF0D-F0BB-DE4B-95CE-6DB70DBA9567}" type="datetimeFigureOut">
               <a:rPr lang="en-US" dirty="0"/>
               <a:pPr/>
-              <a:t>4/10/2019</a:t>
+              <a:t>5/1/2019</a:t>
             </a:fld>
             <a:endParaRPr lang="en-US" dirty="0"/>
           </a:p>
@@ -1084,7 +4017,7 @@
             <a:fld id="{B61BEF0D-F0BB-DE4B-95CE-6DB70DBA9567}" type="datetimeFigureOut">
               <a:rPr lang="en-US" dirty="0"/>
               <a:pPr/>
-              <a:t>4/10/2019</a:t>
+              <a:t>5/1/2019</a:t>
             </a:fld>
             <a:endParaRPr lang="en-US" dirty="0"/>
           </a:p>
@@ -1395,7 +4328,7 @@
             <a:fld id="{B61BEF0D-F0BB-DE4B-95CE-6DB70DBA9567}" type="datetimeFigureOut">
               <a:rPr lang="en-US" dirty="0"/>
               <a:pPr/>
-              <a:t>4/10/2019</a:t>
+              <a:t>5/1/2019</a:t>
             </a:fld>
             <a:endParaRPr lang="en-US" dirty="0"/>
           </a:p>
@@ -1719,7 +4652,7 @@
             <a:fld id="{B61BEF0D-F0BB-DE4B-95CE-6DB70DBA9567}" type="datetimeFigureOut">
               <a:rPr lang="en-US" dirty="0"/>
               <a:pPr/>
-              <a:t>4/10/2019</a:t>
+              <a:t>5/1/2019</a:t>
             </a:fld>
             <a:endParaRPr lang="en-US" dirty="0"/>
           </a:p>
@@ -2030,7 +4963,7 @@
             <a:fld id="{B61BEF0D-F0BB-DE4B-95CE-6DB70DBA9567}" type="datetimeFigureOut">
               <a:rPr lang="en-US" dirty="0"/>
               <a:pPr/>
-              <a:t>4/10/2019</a:t>
+              <a:t>5/1/2019</a:t>
             </a:fld>
             <a:endParaRPr lang="en-US" dirty="0"/>
           </a:p>
@@ -2414,7 +5347,7 @@
             <a:fld id="{B61BEF0D-F0BB-DE4B-95CE-6DB70DBA9567}" type="datetimeFigureOut">
               <a:rPr lang="en-US" dirty="0"/>
               <a:pPr/>
-              <a:t>4/10/2019</a:t>
+              <a:t>5/1/2019</a:t>
             </a:fld>
             <a:endParaRPr lang="en-US" dirty="0"/>
           </a:p>
@@ -2580,7 +5513,7 @@
           <a:p>
             <a:fld id="{55C6B4A9-1611-4792-9094-5F34BCA07E0B}" type="datetimeFigureOut">
               <a:rPr lang="en-US" dirty="0"/>
-              <a:t>4/10/2019</a:t>
+              <a:t>5/1/2019</a:t>
             </a:fld>
             <a:endParaRPr lang="en-US" dirty="0"/>
           </a:p>
@@ -2756,7 +5689,7 @@
             <a:fld id="{B61BEF0D-F0BB-DE4B-95CE-6DB70DBA9567}" type="datetimeFigureOut">
               <a:rPr lang="en-US" dirty="0"/>
               <a:pPr/>
-              <a:t>4/10/2019</a:t>
+              <a:t>5/1/2019</a:t>
             </a:fld>
             <a:endParaRPr lang="en-US" dirty="0"/>
           </a:p>
@@ -2922,7 +5855,7 @@
           <a:p>
             <a:fld id="{42A54C80-263E-416B-A8E0-580EDEADCBDC}" type="datetimeFigureOut">
               <a:rPr lang="en-US" dirty="0"/>
-              <a:t>4/10/2019</a:t>
+              <a:t>5/1/2019</a:t>
             </a:fld>
             <a:endParaRPr lang="en-US" dirty="0"/>
           </a:p>
@@ -3165,7 +6098,7 @@
             <a:fld id="{B61BEF0D-F0BB-DE4B-95CE-6DB70DBA9567}" type="datetimeFigureOut">
               <a:rPr lang="en-US" dirty="0"/>
               <a:pPr/>
-              <a:t>4/10/2019</a:t>
+              <a:t>5/1/2019</a:t>
             </a:fld>
             <a:endParaRPr lang="en-US" dirty="0"/>
           </a:p>
@@ -3393,7 +6326,7 @@
           <a:p>
             <a:fld id="{42A54C80-263E-416B-A8E0-580EDEADCBDC}" type="datetimeFigureOut">
               <a:rPr lang="en-US" dirty="0"/>
-              <a:t>4/10/2019</a:t>
+              <a:t>5/1/2019</a:t>
             </a:fld>
             <a:endParaRPr lang="en-US" dirty="0"/>
           </a:p>
@@ -3763,7 +6696,7 @@
             <a:fld id="{B61BEF0D-F0BB-DE4B-95CE-6DB70DBA9567}" type="datetimeFigureOut">
               <a:rPr lang="en-US" dirty="0"/>
               <a:pPr/>
-              <a:t>4/10/2019</a:t>
+              <a:t>5/1/2019</a:t>
             </a:fld>
             <a:endParaRPr lang="en-US" dirty="0"/>
           </a:p>
@@ -3883,7 +6816,7 @@
             <a:fld id="{B61BEF0D-F0BB-DE4B-95CE-6DB70DBA9567}" type="datetimeFigureOut">
               <a:rPr lang="en-US" dirty="0"/>
               <a:pPr/>
-              <a:t>4/10/2019</a:t>
+              <a:t>5/1/2019</a:t>
             </a:fld>
             <a:endParaRPr lang="en-US" dirty="0"/>
           </a:p>
@@ -3975,7 +6908,7 @@
             <a:fld id="{B61BEF0D-F0BB-DE4B-95CE-6DB70DBA9567}" type="datetimeFigureOut">
               <a:rPr lang="en-US" dirty="0"/>
               <a:pPr/>
-              <a:t>4/10/2019</a:t>
+              <a:t>5/1/2019</a:t>
             </a:fld>
             <a:endParaRPr lang="en-US" dirty="0"/>
           </a:p>
@@ -4226,7 +7159,7 @@
           <a:p>
             <a:fld id="{42A54C80-263E-416B-A8E0-580EDEADCBDC}" type="datetimeFigureOut">
               <a:rPr lang="en-US" dirty="0"/>
-              <a:t>4/10/2019</a:t>
+              <a:t>5/1/2019</a:t>
             </a:fld>
             <a:endParaRPr lang="en-US" dirty="0"/>
           </a:p>
@@ -4485,7 +7418,7 @@
             <a:fld id="{B61BEF0D-F0BB-DE4B-95CE-6DB70DBA9567}" type="datetimeFigureOut">
               <a:rPr lang="en-US" dirty="0"/>
               <a:pPr/>
-              <a:t>4/10/2019</a:t>
+              <a:t>5/1/2019</a:t>
             </a:fld>
             <a:endParaRPr lang="en-US" dirty="0"/>
           </a:p>
@@ -5227,7 +8160,7 @@
             <a:fld id="{B61BEF0D-F0BB-DE4B-95CE-6DB70DBA9567}" type="datetimeFigureOut">
               <a:rPr lang="en-US" dirty="0"/>
               <a:pPr/>
-              <a:t>4/10/2019</a:t>
+              <a:t>5/1/2019</a:t>
             </a:fld>
             <a:endParaRPr lang="en-US" dirty="0"/>
           </a:p>
@@ -6540,7 +9473,7 @@
               <a:buChar char=""/>
             </a:pPr>
             <a:r>
-              <a:rPr lang="en-US">
+              <a:rPr lang="en-US" dirty="0">
                 <a:solidFill>
                   <a:schemeClr val="tx1">
                     <a:lumMod val="75000"/>
@@ -6557,7 +9490,7 @@
               <a:buChar char=""/>
             </a:pPr>
             <a:r>
-              <a:rPr lang="en-US">
+              <a:rPr lang="en-US" dirty="0" err="1">
                 <a:solidFill>
                   <a:schemeClr val="tx1">
                     <a:lumMod val="75000"/>
@@ -6565,8 +9498,38 @@
                   </a:schemeClr>
                 </a:solidFill>
               </a:rPr>
-              <a:t>Yoann Rohrbasser-dono</a:t>
+              <a:t>Yoann</a:t>
             </a:r>
+            <a:r>
+              <a:rPr lang="en-US" dirty="0">
+                <a:solidFill>
+                  <a:schemeClr val="tx1">
+                    <a:lumMod val="75000"/>
+                    <a:lumOff val="25000"/>
+                  </a:schemeClr>
+                </a:solidFill>
+              </a:rPr>
+              <a:t> </a:t>
+            </a:r>
+            <a:r>
+              <a:rPr lang="en-US" dirty="0" err="1">
+                <a:solidFill>
+                  <a:schemeClr val="tx1">
+                    <a:lumMod val="75000"/>
+                    <a:lumOff val="25000"/>
+                  </a:schemeClr>
+                </a:solidFill>
+              </a:rPr>
+              <a:t>Rohrbasser-dono</a:t>
+            </a:r>
+            <a:endParaRPr lang="en-US" dirty="0">
+              <a:solidFill>
+                <a:schemeClr val="tx1">
+                  <a:lumMod val="75000"/>
+                  <a:lumOff val="25000"/>
+                </a:schemeClr>
+              </a:solidFill>
+            </a:endParaRPr>
           </a:p>
           <a:p>
             <a:pPr algn="l">
@@ -6574,7 +9537,7 @@
               <a:buChar char=""/>
             </a:pPr>
             <a:r>
-              <a:rPr lang="en-US">
+              <a:rPr lang="en-US" dirty="0">
                 <a:solidFill>
                   <a:schemeClr val="tx1">
                     <a:lumMod val="75000"/>
@@ -6591,7 +9554,7 @@
               <a:buChar char=""/>
             </a:pPr>
             <a:r>
-              <a:rPr lang="en-US">
+              <a:rPr lang="en-US" dirty="0">
                 <a:solidFill>
                   <a:schemeClr val="tx1">
                     <a:lumMod val="75000"/>
@@ -6599,16 +9562,10 @@
                   </a:schemeClr>
                 </a:solidFill>
               </a:rPr>
-              <a:t>Loris Crüll-chan</a:t>
+              <a:t>Loris </a:t>
             </a:r>
-          </a:p>
-          <a:p>
-            <a:pPr algn="l">
-              <a:buFont typeface="Wingdings 3" charset="2"/>
-              <a:buChar char=""/>
-            </a:pPr>
             <a:r>
-              <a:rPr lang="en-US">
+              <a:rPr lang="en-US" dirty="0" err="1">
                 <a:solidFill>
                   <a:schemeClr val="tx1">
                     <a:lumMod val="75000"/>
@@ -6616,7 +9573,54 @@
                   </a:schemeClr>
                 </a:solidFill>
               </a:rPr>
-              <a:t>David Jaquet-tan </a:t>
+              <a:t>Crüll-chan</a:t>
+            </a:r>
+            <a:endParaRPr lang="en-US" dirty="0">
+              <a:solidFill>
+                <a:schemeClr val="tx1">
+                  <a:lumMod val="75000"/>
+                  <a:lumOff val="25000"/>
+                </a:schemeClr>
+              </a:solidFill>
+            </a:endParaRPr>
+          </a:p>
+          <a:p>
+            <a:pPr algn="l">
+              <a:buFont typeface="Wingdings 3" charset="2"/>
+              <a:buChar char=""/>
+            </a:pPr>
+            <a:r>
+              <a:rPr lang="en-US" dirty="0">
+                <a:solidFill>
+                  <a:schemeClr val="tx1">
+                    <a:lumMod val="75000"/>
+                    <a:lumOff val="25000"/>
+                  </a:schemeClr>
+                </a:solidFill>
+              </a:rPr>
+              <a:t>David </a:t>
+            </a:r>
+            <a:r>
+              <a:rPr lang="en-US" dirty="0" err="1">
+                <a:solidFill>
+                  <a:schemeClr val="tx1">
+                    <a:lumMod val="75000"/>
+                    <a:lumOff val="25000"/>
+                  </a:schemeClr>
+                </a:solidFill>
+              </a:rPr>
+              <a:t>Jaquet</a:t>
+            </a:r>
+            <a:r>
+              <a:rPr lang="en-US" dirty="0">
+                <a:solidFill>
+                  <a:schemeClr val="tx1">
+                    <a:lumMod val="75000"/>
+                    <a:lumOff val="25000"/>
+                  </a:schemeClr>
+                </a:solidFill>
+              </a:rPr>
+              <a:t>-tan </a:t>
             </a:r>
           </a:p>
         </p:txBody>
@@ -6891,6 +9895,970 @@
 <file path=ppt/slides/slide3.xml><?xml version="1.0" encoding="utf-8"?>
 <p:sld xmlns:a="http://schemas.openxmlformats.org/drawingml/2006/main" xmlns:r="http://schemas.openxmlformats.org/officeDocument/2006/relationships" xmlns:p="http://schemas.openxmlformats.org/presentationml/2006/main">
   <p:cSld>
+    <p:bg>
+      <p:bgPr>
+        <a:solidFill>
+          <a:schemeClr val="bg1"/>
+        </a:solidFill>
+        <a:effectLst/>
+      </p:bgPr>
+    </p:bg>
+    <p:spTree>
+      <p:nvGrpSpPr>
+        <p:cNvPr id="1" name=""/>
+        <p:cNvGrpSpPr/>
+        <p:nvPr/>
+      </p:nvGrpSpPr>
+      <p:grpSpPr>
+        <a:xfrm>
+          <a:off x="0" y="0"/>
+          <a:ext cx="0" cy="0"/>
+          <a:chOff x="0" y="0"/>
+          <a:chExt cx="0" cy="0"/>
+        </a:xfrm>
+      </p:grpSpPr>
+      <p:sp useBgFill="1">
+        <p:nvSpPr>
+          <p:cNvPr id="10" name="Rectangle 9">
+            <a:extLst>
+              <a:ext uri="{FF2B5EF4-FFF2-40B4-BE49-F238E27FC236}">
+                <a16:creationId xmlns:a16="http://schemas.microsoft.com/office/drawing/2014/main" id="{80265050-FD84-47EF-A163-6A481836C14E}"/>
+              </a:ext>
+              <a:ext uri="{C183D7F6-B498-43B3-948B-1728B52AA6E4}">
+                <adec:decorative xmlns:adec="http://schemas.microsoft.com/office/drawing/2017/decorative" val="1"/>
+              </a:ext>
+            </a:extLst>
+          </p:cNvPr>
+          <p:cNvSpPr>
+            <a:spLocks noGrp="1" noRot="1" noChangeAspect="1" noMove="1" noResize="1" noEditPoints="1" noAdjustHandles="1" noChangeArrowheads="1" noChangeShapeType="1" noTextEdit="1"/>
+          </p:cNvSpPr>
+          <p:nvPr>
+            <p:extLst>
+              <p:ext uri="{386F3935-93C4-4BCD-93E2-E3B085C9AB24}">
+                <p16:designElem xmlns:p16="http://schemas.microsoft.com/office/powerpoint/2015/main" val="1"/>
+              </p:ext>
+            </p:extLst>
+          </p:nvPr>
+        </p:nvSpPr>
+        <p:spPr>
+          <a:xfrm>
+            <a:off x="0" y="0"/>
+            <a:ext cx="12192000" cy="6858000"/>
+          </a:xfrm>
+          <a:prstGeom prst="rect">
+            <a:avLst/>
+          </a:prstGeom>
+          <a:ln>
+            <a:noFill/>
+          </a:ln>
+        </p:spPr>
+        <p:style>
+          <a:lnRef idx="2">
+            <a:schemeClr val="accent1">
+              <a:shade val="50000"/>
+            </a:schemeClr>
+          </a:lnRef>
+          <a:fillRef idx="1">
+            <a:schemeClr val="accent1"/>
+          </a:fillRef>
+          <a:effectRef idx="0">
+            <a:schemeClr val="accent1"/>
+          </a:effectRef>
+          <a:fontRef idx="minor">
+            <a:schemeClr val="lt1"/>
+          </a:fontRef>
+        </p:style>
+        <p:txBody>
+          <a:bodyPr rtlCol="0" anchor="ctr"/>
+          <a:lstStyle/>
+          <a:p>
+            <a:pPr algn="ctr"/>
+            <a:endParaRPr lang="en-US"/>
+          </a:p>
+        </p:txBody>
+      </p:sp>
+      <p:grpSp>
+        <p:nvGrpSpPr>
+          <p:cNvPr id="12" name="Group 11">
+            <a:extLst>
+              <a:ext uri="{FF2B5EF4-FFF2-40B4-BE49-F238E27FC236}">
+                <a16:creationId xmlns:a16="http://schemas.microsoft.com/office/drawing/2014/main" id="{A11B064D-F4EB-4312-AEEA-6AFDB257E7C6}"/>
+              </a:ext>
+              <a:ext uri="{C183D7F6-B498-43B3-948B-1728B52AA6E4}">
+                <adec:decorative xmlns:adec="http://schemas.microsoft.com/office/drawing/2017/decorative" val="1"/>
+              </a:ext>
+            </a:extLst>
+          </p:cNvPr>
+          <p:cNvGrpSpPr>
+            <a:grpSpLocks noGrp="1" noUngrp="1" noRot="1" noChangeAspect="1" noMove="1" noResize="1"/>
+          </p:cNvGrpSpPr>
+          <p:nvPr>
+            <p:extLst>
+              <p:ext uri="{386F3935-93C4-4BCD-93E2-E3B085C9AB24}">
+                <p16:designElem xmlns:p16="http://schemas.microsoft.com/office/powerpoint/2015/main" val="1"/>
+              </p:ext>
+            </p:extLst>
+          </p:nvPr>
+        </p:nvGrpSpPr>
+        <p:grpSpPr>
+          <a:xfrm>
+            <a:off x="979068" y="-8467"/>
+            <a:ext cx="4766733" cy="6866467"/>
+            <a:chOff x="7425267" y="-8467"/>
+            <a:chExt cx="4766733" cy="6866467"/>
+          </a:xfrm>
+        </p:grpSpPr>
+        <p:cxnSp>
+          <p:nvCxnSpPr>
+            <p:cNvPr id="13" name="Straight Connector 12">
+              <a:extLst>
+                <a:ext uri="{FF2B5EF4-FFF2-40B4-BE49-F238E27FC236}">
+                  <a16:creationId xmlns:a16="http://schemas.microsoft.com/office/drawing/2014/main" id="{E7041201-C3DD-4181-B0E0-5C960FFE5358}"/>
+                </a:ext>
+                <a:ext uri="{C183D7F6-B498-43B3-948B-1728B52AA6E4}">
+                  <adec:decorative xmlns:adec="http://schemas.microsoft.com/office/drawing/2017/decorative" val="1"/>
+                </a:ext>
+              </a:extLst>
+            </p:cNvPr>
+            <p:cNvCxnSpPr/>
+            <p:nvPr>
+              <p:extLst>
+                <p:ext uri="{386F3935-93C4-4BCD-93E2-E3B085C9AB24}">
+                  <p16:designElem xmlns:p16="http://schemas.microsoft.com/office/powerpoint/2015/main" val="1"/>
+                </p:ext>
+              </p:extLst>
+            </p:nvPr>
+          </p:nvCxnSpPr>
+          <p:spPr>
+            <a:xfrm>
+              <a:off x="9371012" y="0"/>
+              <a:ext cx="1219200" cy="6858000"/>
+            </a:xfrm>
+            <a:prstGeom prst="line">
+              <a:avLst/>
+            </a:prstGeom>
+            <a:ln w="9525">
+              <a:solidFill>
+                <a:srgbClr val="BFBFBF">
+                  <a:alpha val="75000"/>
+                </a:srgbClr>
+              </a:solidFill>
+            </a:ln>
+          </p:spPr>
+          <p:style>
+            <a:lnRef idx="2">
+              <a:schemeClr val="accent1"/>
+            </a:lnRef>
+            <a:fillRef idx="0">
+              <a:schemeClr val="accent1"/>
+            </a:fillRef>
+            <a:effectRef idx="1">
+              <a:schemeClr val="accent1"/>
+            </a:effectRef>
+            <a:fontRef idx="minor">
+              <a:schemeClr val="tx1"/>
+            </a:fontRef>
+          </p:style>
+        </p:cxnSp>
+        <p:cxnSp>
+          <p:nvCxnSpPr>
+            <p:cNvPr id="14" name="Straight Connector 13">
+              <a:extLst>
+                <a:ext uri="{FF2B5EF4-FFF2-40B4-BE49-F238E27FC236}">
+                  <a16:creationId xmlns:a16="http://schemas.microsoft.com/office/drawing/2014/main" id="{929A678F-8D0F-4F98-85A6-797199C550FC}"/>
+                </a:ext>
+                <a:ext uri="{C183D7F6-B498-43B3-948B-1728B52AA6E4}">
+                  <adec:decorative xmlns:adec="http://schemas.microsoft.com/office/drawing/2017/decorative" val="1"/>
+                </a:ext>
+              </a:extLst>
+            </p:cNvPr>
+            <p:cNvCxnSpPr/>
+            <p:nvPr>
+              <p:extLst>
+                <p:ext uri="{386F3935-93C4-4BCD-93E2-E3B085C9AB24}">
+                  <p16:designElem xmlns:p16="http://schemas.microsoft.com/office/powerpoint/2015/main" val="1"/>
+                </p:ext>
+              </p:extLst>
+            </p:nvPr>
+          </p:nvCxnSpPr>
+          <p:spPr>
+            <a:xfrm flipH="1">
+              <a:off x="7425267" y="3681413"/>
+              <a:ext cx="4763558" cy="3176587"/>
+            </a:xfrm>
+            <a:prstGeom prst="line">
+              <a:avLst/>
+            </a:prstGeom>
+            <a:ln w="9525">
+              <a:solidFill>
+                <a:srgbClr val="BFBFBF">
+                  <a:alpha val="80000"/>
+                </a:srgbClr>
+              </a:solidFill>
+            </a:ln>
+          </p:spPr>
+          <p:style>
+            <a:lnRef idx="2">
+              <a:schemeClr val="accent1"/>
+            </a:lnRef>
+            <a:fillRef idx="0">
+              <a:schemeClr val="accent1"/>
+            </a:fillRef>
+            <a:effectRef idx="1">
+              <a:schemeClr val="accent1"/>
+            </a:effectRef>
+            <a:fontRef idx="minor">
+              <a:schemeClr val="tx1"/>
+            </a:fontRef>
+          </p:style>
+        </p:cxnSp>
+        <p:sp>
+          <p:nvSpPr>
+            <p:cNvPr id="15" name="Rectangle 23">
+              <a:extLst>
+                <a:ext uri="{FF2B5EF4-FFF2-40B4-BE49-F238E27FC236}">
+                  <a16:creationId xmlns:a16="http://schemas.microsoft.com/office/drawing/2014/main" id="{82463FFC-4B08-4AF2-AC5A-F681CE977261}"/>
+                </a:ext>
+                <a:ext uri="{C183D7F6-B498-43B3-948B-1728B52AA6E4}">
+                  <adec:decorative xmlns:adec="http://schemas.microsoft.com/office/drawing/2017/decorative" val="1"/>
+                </a:ext>
+              </a:extLst>
+            </p:cNvPr>
+            <p:cNvSpPr/>
+            <p:nvPr>
+              <p:extLst>
+                <p:ext uri="{386F3935-93C4-4BCD-93E2-E3B085C9AB24}">
+                  <p16:designElem xmlns:p16="http://schemas.microsoft.com/office/powerpoint/2015/main" val="1"/>
+                </p:ext>
+              </p:extLst>
+            </p:nvPr>
+          </p:nvSpPr>
+          <p:spPr>
+            <a:xfrm>
+              <a:off x="9181476" y="-8467"/>
+              <a:ext cx="3007349" cy="6866467"/>
+            </a:xfrm>
+            <a:custGeom>
+              <a:avLst/>
+              <a:gdLst/>
+              <a:ahLst/>
+              <a:cxnLst/>
+              <a:rect l="l" t="t" r="r" b="b"/>
+              <a:pathLst>
+                <a:path w="3007349" h="6866467">
+                  <a:moveTo>
+                    <a:pt x="2045532" y="0"/>
+                  </a:moveTo>
+                  <a:lnTo>
+                    <a:pt x="3007349" y="0"/>
+                  </a:lnTo>
+                  <a:lnTo>
+                    <a:pt x="3007349" y="6866467"/>
+                  </a:lnTo>
+                  <a:lnTo>
+                    <a:pt x="0" y="6866467"/>
+                  </a:lnTo>
+                  <a:lnTo>
+                    <a:pt x="2045532" y="0"/>
+                  </a:lnTo>
+                  <a:close/>
+                </a:path>
+              </a:pathLst>
+            </a:custGeom>
+            <a:solidFill>
+              <a:schemeClr val="accent1">
+                <a:alpha val="30000"/>
+              </a:schemeClr>
+            </a:solidFill>
+            <a:ln>
+              <a:noFill/>
+            </a:ln>
+            <a:effectLst/>
+          </p:spPr>
+          <p:style>
+            <a:lnRef idx="1">
+              <a:schemeClr val="accent1"/>
+            </a:lnRef>
+            <a:fillRef idx="3">
+              <a:schemeClr val="accent1"/>
+            </a:fillRef>
+            <a:effectRef idx="2">
+              <a:schemeClr val="accent1"/>
+            </a:effectRef>
+            <a:fontRef idx="minor">
+              <a:schemeClr val="lt1"/>
+            </a:fontRef>
+          </p:style>
+        </p:sp>
+        <p:sp>
+          <p:nvSpPr>
+            <p:cNvPr id="16" name="Rectangle 25">
+              <a:extLst>
+                <a:ext uri="{FF2B5EF4-FFF2-40B4-BE49-F238E27FC236}">
+                  <a16:creationId xmlns:a16="http://schemas.microsoft.com/office/drawing/2014/main" id="{87C110A9-8F54-42F4-9B19-8D33F94DE554}"/>
+                </a:ext>
+                <a:ext uri="{C183D7F6-B498-43B3-948B-1728B52AA6E4}">
+                  <adec:decorative xmlns:adec="http://schemas.microsoft.com/office/drawing/2017/decorative" val="1"/>
+                </a:ext>
+              </a:extLst>
+            </p:cNvPr>
+            <p:cNvSpPr/>
+            <p:nvPr>
+              <p:extLst>
+                <p:ext uri="{386F3935-93C4-4BCD-93E2-E3B085C9AB24}">
+                  <p16:designElem xmlns:p16="http://schemas.microsoft.com/office/powerpoint/2015/main" val="1"/>
+                </p:ext>
+              </p:extLst>
+            </p:nvPr>
+          </p:nvSpPr>
+          <p:spPr>
+            <a:xfrm>
+              <a:off x="9603442" y="-8467"/>
+              <a:ext cx="2588558" cy="6866467"/>
+            </a:xfrm>
+            <a:custGeom>
+              <a:avLst/>
+              <a:gdLst/>
+              <a:ahLst/>
+              <a:cxnLst/>
+              <a:rect l="l" t="t" r="r" b="b"/>
+              <a:pathLst>
+                <a:path w="2573311" h="6866467">
+                  <a:moveTo>
+                    <a:pt x="0" y="0"/>
+                  </a:moveTo>
+                  <a:lnTo>
+                    <a:pt x="2573311" y="0"/>
+                  </a:lnTo>
+                  <a:lnTo>
+                    <a:pt x="2573311" y="6866467"/>
+                  </a:lnTo>
+                  <a:lnTo>
+                    <a:pt x="1202336" y="6866467"/>
+                  </a:lnTo>
+                  <a:lnTo>
+                    <a:pt x="0" y="0"/>
+                  </a:lnTo>
+                  <a:close/>
+                </a:path>
+              </a:pathLst>
+            </a:custGeom>
+            <a:solidFill>
+              <a:schemeClr val="accent1">
+                <a:alpha val="20000"/>
+              </a:schemeClr>
+            </a:solidFill>
+            <a:ln>
+              <a:noFill/>
+            </a:ln>
+            <a:effectLst/>
+          </p:spPr>
+          <p:style>
+            <a:lnRef idx="1">
+              <a:schemeClr val="accent1"/>
+            </a:lnRef>
+            <a:fillRef idx="3">
+              <a:schemeClr val="accent1"/>
+            </a:fillRef>
+            <a:effectRef idx="2">
+              <a:schemeClr val="accent1"/>
+            </a:effectRef>
+            <a:fontRef idx="minor">
+              <a:schemeClr val="lt1"/>
+            </a:fontRef>
+          </p:style>
+        </p:sp>
+        <p:sp>
+          <p:nvSpPr>
+            <p:cNvPr id="17" name="Isosceles Triangle 16">
+              <a:extLst>
+                <a:ext uri="{FF2B5EF4-FFF2-40B4-BE49-F238E27FC236}">
+                  <a16:creationId xmlns:a16="http://schemas.microsoft.com/office/drawing/2014/main" id="{9F5AD5FC-19DB-4C66-BDDA-043A6AAC9448}"/>
+                </a:ext>
+                <a:ext uri="{C183D7F6-B498-43B3-948B-1728B52AA6E4}">
+                  <adec:decorative xmlns:adec="http://schemas.microsoft.com/office/drawing/2017/decorative" val="1"/>
+                </a:ext>
+              </a:extLst>
+            </p:cNvPr>
+            <p:cNvSpPr/>
+            <p:nvPr>
+              <p:extLst>
+                <p:ext uri="{386F3935-93C4-4BCD-93E2-E3B085C9AB24}">
+                  <p16:designElem xmlns:p16="http://schemas.microsoft.com/office/powerpoint/2015/main" val="1"/>
+                </p:ext>
+              </p:extLst>
+            </p:nvPr>
+          </p:nvSpPr>
+          <p:spPr>
+            <a:xfrm>
+              <a:off x="8932333" y="3048000"/>
+              <a:ext cx="3259667" cy="3810000"/>
+            </a:xfrm>
+            <a:prstGeom prst="triangle">
+              <a:avLst>
+                <a:gd name="adj" fmla="val 100000"/>
+              </a:avLst>
+            </a:prstGeom>
+            <a:solidFill>
+              <a:schemeClr val="accent1">
+                <a:lumMod val="75000"/>
+                <a:alpha val="72000"/>
+              </a:schemeClr>
+            </a:solidFill>
+            <a:ln>
+              <a:noFill/>
+            </a:ln>
+            <a:effectLst/>
+          </p:spPr>
+          <p:style>
+            <a:lnRef idx="1">
+              <a:schemeClr val="accent1"/>
+            </a:lnRef>
+            <a:fillRef idx="3">
+              <a:schemeClr val="accent1"/>
+            </a:fillRef>
+            <a:effectRef idx="2">
+              <a:schemeClr val="accent1"/>
+            </a:effectRef>
+            <a:fontRef idx="minor">
+              <a:schemeClr val="lt1"/>
+            </a:fontRef>
+          </p:style>
+        </p:sp>
+        <p:sp>
+          <p:nvSpPr>
+            <p:cNvPr id="18" name="Rectangle 27">
+              <a:extLst>
+                <a:ext uri="{FF2B5EF4-FFF2-40B4-BE49-F238E27FC236}">
+                  <a16:creationId xmlns:a16="http://schemas.microsoft.com/office/drawing/2014/main" id="{352A3EAD-426D-4399-B7E0-81D26F700399}"/>
+                </a:ext>
+                <a:ext uri="{C183D7F6-B498-43B3-948B-1728B52AA6E4}">
+                  <adec:decorative xmlns:adec="http://schemas.microsoft.com/office/drawing/2017/decorative" val="1"/>
+                </a:ext>
+              </a:extLst>
+            </p:cNvPr>
+            <p:cNvSpPr/>
+            <p:nvPr>
+              <p:extLst>
+                <p:ext uri="{386F3935-93C4-4BCD-93E2-E3B085C9AB24}">
+                  <p16:designElem xmlns:p16="http://schemas.microsoft.com/office/powerpoint/2015/main" val="1"/>
+                </p:ext>
+              </p:extLst>
+            </p:nvPr>
+          </p:nvSpPr>
+          <p:spPr>
+            <a:xfrm>
+              <a:off x="9334500" y="-8467"/>
+              <a:ext cx="2854326" cy="6866467"/>
+            </a:xfrm>
+            <a:custGeom>
+              <a:avLst/>
+              <a:gdLst/>
+              <a:ahLst/>
+              <a:cxnLst/>
+              <a:rect l="l" t="t" r="r" b="b"/>
+              <a:pathLst>
+                <a:path w="2858013" h="6866467">
+                  <a:moveTo>
+                    <a:pt x="0" y="0"/>
+                  </a:moveTo>
+                  <a:lnTo>
+                    <a:pt x="2858013" y="0"/>
+                  </a:lnTo>
+                  <a:lnTo>
+                    <a:pt x="2858013" y="6866467"/>
+                  </a:lnTo>
+                  <a:lnTo>
+                    <a:pt x="2473942" y="6866467"/>
+                  </a:lnTo>
+                  <a:lnTo>
+                    <a:pt x="0" y="0"/>
+                  </a:lnTo>
+                  <a:close/>
+                </a:path>
+              </a:pathLst>
+            </a:custGeom>
+            <a:solidFill>
+              <a:schemeClr val="accent1">
+                <a:lumMod val="75000"/>
+                <a:alpha val="60000"/>
+              </a:schemeClr>
+            </a:solidFill>
+            <a:ln>
+              <a:noFill/>
+            </a:ln>
+            <a:effectLst/>
+          </p:spPr>
+          <p:style>
+            <a:lnRef idx="1">
+              <a:schemeClr val="accent1"/>
+            </a:lnRef>
+            <a:fillRef idx="3">
+              <a:schemeClr val="accent1"/>
+            </a:fillRef>
+            <a:effectRef idx="2">
+              <a:schemeClr val="accent1"/>
+            </a:effectRef>
+            <a:fontRef idx="minor">
+              <a:schemeClr val="lt1"/>
+            </a:fontRef>
+          </p:style>
+        </p:sp>
+        <p:sp>
+          <p:nvSpPr>
+            <p:cNvPr id="19" name="Rectangle 28">
+              <a:extLst>
+                <a:ext uri="{FF2B5EF4-FFF2-40B4-BE49-F238E27FC236}">
+                  <a16:creationId xmlns:a16="http://schemas.microsoft.com/office/drawing/2014/main" id="{F842EF93-A507-4796-A726-0D0A9B751C38}"/>
+                </a:ext>
+                <a:ext uri="{C183D7F6-B498-43B3-948B-1728B52AA6E4}">
+                  <adec:decorative xmlns:adec="http://schemas.microsoft.com/office/drawing/2017/decorative" val="1"/>
+                </a:ext>
+              </a:extLst>
+            </p:cNvPr>
+            <p:cNvSpPr/>
+            <p:nvPr>
+              <p:extLst>
+                <p:ext uri="{386F3935-93C4-4BCD-93E2-E3B085C9AB24}">
+                  <p16:designElem xmlns:p16="http://schemas.microsoft.com/office/powerpoint/2015/main" val="1"/>
+                </p:ext>
+              </p:extLst>
+            </p:nvPr>
+          </p:nvSpPr>
+          <p:spPr>
+            <a:xfrm>
+              <a:off x="10898730" y="-8467"/>
+              <a:ext cx="1290094" cy="6866467"/>
+            </a:xfrm>
+            <a:custGeom>
+              <a:avLst/>
+              <a:gdLst/>
+              <a:ahLst/>
+              <a:cxnLst/>
+              <a:rect l="l" t="t" r="r" b="b"/>
+              <a:pathLst>
+                <a:path w="1290094" h="6858000">
+                  <a:moveTo>
+                    <a:pt x="1019735" y="0"/>
+                  </a:moveTo>
+                  <a:lnTo>
+                    <a:pt x="1290094" y="0"/>
+                  </a:lnTo>
+                  <a:lnTo>
+                    <a:pt x="1290094" y="6858000"/>
+                  </a:lnTo>
+                  <a:lnTo>
+                    <a:pt x="0" y="6858000"/>
+                  </a:lnTo>
+                  <a:lnTo>
+                    <a:pt x="1019735" y="0"/>
+                  </a:lnTo>
+                  <a:close/>
+                </a:path>
+              </a:pathLst>
+            </a:custGeom>
+            <a:solidFill>
+              <a:schemeClr val="accent1">
+                <a:lumMod val="60000"/>
+                <a:lumOff val="40000"/>
+                <a:alpha val="70000"/>
+              </a:schemeClr>
+            </a:solidFill>
+            <a:ln>
+              <a:noFill/>
+            </a:ln>
+            <a:effectLst/>
+          </p:spPr>
+          <p:style>
+            <a:lnRef idx="1">
+              <a:schemeClr val="accent1"/>
+            </a:lnRef>
+            <a:fillRef idx="3">
+              <a:schemeClr val="accent1"/>
+            </a:fillRef>
+            <a:effectRef idx="2">
+              <a:schemeClr val="accent1"/>
+            </a:effectRef>
+            <a:fontRef idx="minor">
+              <a:schemeClr val="lt1"/>
+            </a:fontRef>
+          </p:style>
+        </p:sp>
+        <p:sp>
+          <p:nvSpPr>
+            <p:cNvPr id="20" name="Rectangle 29">
+              <a:extLst>
+                <a:ext uri="{FF2B5EF4-FFF2-40B4-BE49-F238E27FC236}">
+                  <a16:creationId xmlns:a16="http://schemas.microsoft.com/office/drawing/2014/main" id="{24F1410B-DBCE-471A-97C3-B96C0A7BBCE2}"/>
+                </a:ext>
+                <a:ext uri="{C183D7F6-B498-43B3-948B-1728B52AA6E4}">
+                  <adec:decorative xmlns:adec="http://schemas.microsoft.com/office/drawing/2017/decorative" val="1"/>
+                </a:ext>
+              </a:extLst>
+            </p:cNvPr>
+            <p:cNvSpPr/>
+            <p:nvPr>
+              <p:extLst>
+                <p:ext uri="{386F3935-93C4-4BCD-93E2-E3B085C9AB24}">
+                  <p16:designElem xmlns:p16="http://schemas.microsoft.com/office/powerpoint/2015/main" val="1"/>
+                </p:ext>
+              </p:extLst>
+            </p:nvPr>
+          </p:nvSpPr>
+          <p:spPr>
+            <a:xfrm>
+              <a:off x="10938999" y="-8467"/>
+              <a:ext cx="1249825" cy="6866467"/>
+            </a:xfrm>
+            <a:custGeom>
+              <a:avLst/>
+              <a:gdLst/>
+              <a:ahLst/>
+              <a:cxnLst/>
+              <a:rect l="l" t="t" r="r" b="b"/>
+              <a:pathLst>
+                <a:path w="1249825" h="6858000">
+                  <a:moveTo>
+                    <a:pt x="0" y="0"/>
+                  </a:moveTo>
+                  <a:lnTo>
+                    <a:pt x="1249825" y="0"/>
+                  </a:lnTo>
+                  <a:lnTo>
+                    <a:pt x="1249825" y="6858000"/>
+                  </a:lnTo>
+                  <a:lnTo>
+                    <a:pt x="1109382" y="6858000"/>
+                  </a:lnTo>
+                  <a:lnTo>
+                    <a:pt x="0" y="0"/>
+                  </a:lnTo>
+                  <a:close/>
+                </a:path>
+              </a:pathLst>
+            </a:custGeom>
+            <a:solidFill>
+              <a:schemeClr val="accent1">
+                <a:alpha val="65000"/>
+              </a:schemeClr>
+            </a:solidFill>
+            <a:ln>
+              <a:noFill/>
+            </a:ln>
+            <a:effectLst/>
+          </p:spPr>
+          <p:style>
+            <a:lnRef idx="1">
+              <a:schemeClr val="accent1"/>
+            </a:lnRef>
+            <a:fillRef idx="3">
+              <a:schemeClr val="accent1"/>
+            </a:fillRef>
+            <a:effectRef idx="2">
+              <a:schemeClr val="accent1"/>
+            </a:effectRef>
+            <a:fontRef idx="minor">
+              <a:schemeClr val="lt1"/>
+            </a:fontRef>
+          </p:style>
+        </p:sp>
+        <p:sp>
+          <p:nvSpPr>
+            <p:cNvPr id="21" name="Isosceles Triangle 20">
+              <a:extLst>
+                <a:ext uri="{FF2B5EF4-FFF2-40B4-BE49-F238E27FC236}">
+                  <a16:creationId xmlns:a16="http://schemas.microsoft.com/office/drawing/2014/main" id="{0BBC8502-8D68-4CE4-B690-2EBB6BCCDD1C}"/>
+                </a:ext>
+                <a:ext uri="{C183D7F6-B498-43B3-948B-1728B52AA6E4}">
+                  <adec:decorative xmlns:adec="http://schemas.microsoft.com/office/drawing/2017/decorative" val="1"/>
+                </a:ext>
+              </a:extLst>
+            </p:cNvPr>
+            <p:cNvSpPr/>
+            <p:nvPr>
+              <p:extLst>
+                <p:ext uri="{386F3935-93C4-4BCD-93E2-E3B085C9AB24}">
+                  <p16:designElem xmlns:p16="http://schemas.microsoft.com/office/powerpoint/2015/main" val="1"/>
+                </p:ext>
+              </p:extLst>
+            </p:nvPr>
+          </p:nvSpPr>
+          <p:spPr>
+            <a:xfrm>
+              <a:off x="10371666" y="3589867"/>
+              <a:ext cx="1817159" cy="3268133"/>
+            </a:xfrm>
+            <a:prstGeom prst="triangle">
+              <a:avLst>
+                <a:gd name="adj" fmla="val 100000"/>
+              </a:avLst>
+            </a:prstGeom>
+            <a:solidFill>
+              <a:schemeClr val="accent1">
+                <a:alpha val="80000"/>
+              </a:schemeClr>
+            </a:solidFill>
+            <a:ln>
+              <a:noFill/>
+            </a:ln>
+            <a:effectLst/>
+          </p:spPr>
+          <p:style>
+            <a:lnRef idx="1">
+              <a:schemeClr val="accent1"/>
+            </a:lnRef>
+            <a:fillRef idx="3">
+              <a:schemeClr val="accent1"/>
+            </a:fillRef>
+            <a:effectRef idx="2">
+              <a:schemeClr val="accent1"/>
+            </a:effectRef>
+            <a:fontRef idx="minor">
+              <a:schemeClr val="lt1"/>
+            </a:fontRef>
+          </p:style>
+        </p:sp>
+      </p:grpSp>
+      <p:sp>
+        <p:nvSpPr>
+          <p:cNvPr id="2" name="Titre 1">
+            <a:extLst>
+              <a:ext uri="{FF2B5EF4-FFF2-40B4-BE49-F238E27FC236}">
+                <a16:creationId xmlns:a16="http://schemas.microsoft.com/office/drawing/2014/main" id="{7C86D725-B6D6-4567-BA0D-8790D92703CC}"/>
+              </a:ext>
+            </a:extLst>
+          </p:cNvPr>
+          <p:cNvSpPr>
+            <a:spLocks noGrp="1"/>
+          </p:cNvSpPr>
+          <p:nvPr>
+            <p:ph type="title"/>
+          </p:nvPr>
+        </p:nvSpPr>
+        <p:spPr>
+          <a:xfrm>
+            <a:off x="652481" y="1382486"/>
+            <a:ext cx="3547581" cy="4093028"/>
+          </a:xfrm>
+        </p:spPr>
+        <p:txBody>
+          <a:bodyPr anchor="ctr">
+            <a:normAutofit/>
+          </a:bodyPr>
+          <a:lstStyle/>
+          <a:p>
+            <a:r>
+              <a:rPr lang="fr-CH" sz="4400"/>
+              <a:t>Motivations</a:t>
+            </a:r>
+            <a:br>
+              <a:rPr lang="fr-CH" sz="4400"/>
+            </a:br>
+            <a:endParaRPr lang="fr-CH" sz="4400"/>
+          </a:p>
+        </p:txBody>
+      </p:sp>
+      <p:sp>
+        <p:nvSpPr>
+          <p:cNvPr id="23" name="Rectangle 22">
+            <a:extLst>
+              <a:ext uri="{FF2B5EF4-FFF2-40B4-BE49-F238E27FC236}">
+                <a16:creationId xmlns:a16="http://schemas.microsoft.com/office/drawing/2014/main" id="{DE77CD7A-FE9E-475D-BF9C-78183B0B1BAC}"/>
+              </a:ext>
+              <a:ext uri="{C183D7F6-B498-43B3-948B-1728B52AA6E4}">
+                <adec:decorative xmlns:adec="http://schemas.microsoft.com/office/drawing/2017/decorative" val="1"/>
+              </a:ext>
+            </a:extLst>
+          </p:cNvPr>
+          <p:cNvSpPr>
+            <a:spLocks noGrp="1" noRot="1" noChangeAspect="1" noMove="1" noResize="1" noEditPoints="1" noAdjustHandles="1" noChangeArrowheads="1" noChangeShapeType="1" noTextEdit="1"/>
+          </p:cNvSpPr>
+          <p:nvPr>
+            <p:extLst>
+              <p:ext uri="{386F3935-93C4-4BCD-93E2-E3B085C9AB24}">
+                <p16:designElem xmlns:p16="http://schemas.microsoft.com/office/powerpoint/2015/main" val="1"/>
+              </p:ext>
+            </p:extLst>
+          </p:nvPr>
+        </p:nvSpPr>
+        <p:spPr>
+          <a:xfrm>
+            <a:off x="5742625" y="0"/>
+            <a:ext cx="6449375" cy="6858000"/>
+          </a:xfrm>
+          <a:prstGeom prst="rect">
+            <a:avLst/>
+          </a:prstGeom>
+          <a:ln>
+            <a:noFill/>
+          </a:ln>
+        </p:spPr>
+        <p:style>
+          <a:lnRef idx="2">
+            <a:schemeClr val="accent1">
+              <a:shade val="50000"/>
+            </a:schemeClr>
+          </a:lnRef>
+          <a:fillRef idx="1">
+            <a:schemeClr val="accent1"/>
+          </a:fillRef>
+          <a:effectRef idx="0">
+            <a:schemeClr val="accent1"/>
+          </a:effectRef>
+          <a:fontRef idx="minor">
+            <a:schemeClr val="lt1"/>
+          </a:fontRef>
+        </p:style>
+        <p:txBody>
+          <a:bodyPr rtlCol="0" anchor="ctr"/>
+          <a:lstStyle/>
+          <a:p>
+            <a:pPr algn="ctr"/>
+            <a:endParaRPr lang="en-US"/>
+          </a:p>
+        </p:txBody>
+      </p:sp>
+      <p:graphicFrame>
+        <p:nvGraphicFramePr>
+          <p:cNvPr id="5" name="Espace réservé du contenu 2">
+            <a:extLst>
+              <a:ext uri="{FF2B5EF4-FFF2-40B4-BE49-F238E27FC236}">
+                <a16:creationId xmlns:a16="http://schemas.microsoft.com/office/drawing/2014/main" id="{116BFA84-ABED-49AF-B72A-52EB299801C4}"/>
+              </a:ext>
+            </a:extLst>
+          </p:cNvPr>
+          <p:cNvGraphicFramePr>
+            <a:graphicFrameLocks noGrp="1"/>
+          </p:cNvGraphicFramePr>
+          <p:nvPr>
+            <p:ph idx="1"/>
+            <p:extLst>
+              <p:ext uri="{D42A27DB-BD31-4B8C-83A1-F6EECF244321}">
+                <p14:modId xmlns:p14="http://schemas.microsoft.com/office/powerpoint/2010/main" val="3003673564"/>
+              </p:ext>
+            </p:extLst>
+          </p:nvPr>
+        </p:nvGraphicFramePr>
+        <p:xfrm>
+          <a:off x="4852543" y="944564"/>
+          <a:ext cx="6692814" cy="4823190"/>
+        </p:xfrm>
+        <a:graphic>
+          <a:graphicData uri="http://schemas.openxmlformats.org/drawingml/2006/diagram">
+            <dgm:relIds xmlns:dgm="http://schemas.openxmlformats.org/drawingml/2006/diagram" xmlns:r="http://schemas.openxmlformats.org/officeDocument/2006/relationships" r:dm="rId2" r:lo="rId3" r:qs="rId4" r:cs="rId5"/>
+          </a:graphicData>
+        </a:graphic>
+      </p:graphicFrame>
+    </p:spTree>
+    <p:extLst>
+      <p:ext uri="{BB962C8B-B14F-4D97-AF65-F5344CB8AC3E}">
+        <p14:creationId xmlns:p14="http://schemas.microsoft.com/office/powerpoint/2010/main" val="1546686650"/>
+      </p:ext>
+    </p:extLst>
+  </p:cSld>
+  <p:clrMapOvr>
+    <a:masterClrMapping/>
+  </p:clrMapOvr>
+</p:sld>
+</file>
+
+<file path=ppt/slides/slide4.xml><?xml version="1.0" encoding="utf-8"?>
+<p:sld xmlns:a="http://schemas.openxmlformats.org/drawingml/2006/main" xmlns:r="http://schemas.openxmlformats.org/officeDocument/2006/relationships" xmlns:p="http://schemas.openxmlformats.org/presentationml/2006/main">
+  <p:cSld>
+    <p:spTree>
+      <p:nvGrpSpPr>
+        <p:cNvPr id="1" name=""/>
+        <p:cNvGrpSpPr/>
+        <p:nvPr/>
+      </p:nvGrpSpPr>
+      <p:grpSpPr>
+        <a:xfrm>
+          <a:off x="0" y="0"/>
+          <a:ext cx="0" cy="0"/>
+          <a:chOff x="0" y="0"/>
+          <a:chExt cx="0" cy="0"/>
+        </a:xfrm>
+      </p:grpSpPr>
+      <p:sp>
+        <p:nvSpPr>
+          <p:cNvPr id="2" name="Titre 1">
+            <a:extLst>
+              <a:ext uri="{FF2B5EF4-FFF2-40B4-BE49-F238E27FC236}">
+                <a16:creationId xmlns:a16="http://schemas.microsoft.com/office/drawing/2014/main" id="{0C69C6DC-8D8C-460F-92EB-F1D52FE719F9}"/>
+              </a:ext>
+            </a:extLst>
+          </p:cNvPr>
+          <p:cNvSpPr>
+            <a:spLocks noGrp="1"/>
+          </p:cNvSpPr>
+          <p:nvPr>
+            <p:ph type="title"/>
+          </p:nvPr>
+        </p:nvSpPr>
+        <p:spPr/>
+        <p:txBody>
+          <a:bodyPr/>
+          <a:lstStyle/>
+          <a:p>
+            <a:r>
+              <a:rPr lang="fr-CH" dirty="0"/>
+              <a:t>Motivations (Suite)</a:t>
+            </a:r>
+            <a:br>
+              <a:rPr lang="fr-CH" dirty="0"/>
+            </a:br>
+            <a:endParaRPr lang="fr-CH" dirty="0"/>
+          </a:p>
+        </p:txBody>
+      </p:sp>
+      <p:pic>
+        <p:nvPicPr>
+          <p:cNvPr id="4" name="Espace réservé du contenu 3">
+            <a:extLst>
+              <a:ext uri="{FF2B5EF4-FFF2-40B4-BE49-F238E27FC236}">
+                <a16:creationId xmlns:a16="http://schemas.microsoft.com/office/drawing/2014/main" id="{7A978F8A-0EBB-4D9D-9093-4843B68B506F}"/>
+              </a:ext>
+            </a:extLst>
+          </p:cNvPr>
+          <p:cNvPicPr>
+            <a:picLocks noGrp="1" noChangeAspect="1"/>
+          </p:cNvPicPr>
+          <p:nvPr>
+            <p:ph idx="1"/>
+          </p:nvPr>
+        </p:nvPicPr>
+        <p:blipFill>
+          <a:blip r:embed="rId2"/>
+          <a:stretch>
+            <a:fillRect/>
+          </a:stretch>
+        </p:blipFill>
+        <p:spPr>
+          <a:xfrm>
+            <a:off x="1368719" y="2160588"/>
+            <a:ext cx="7214599" cy="3881437"/>
+          </a:xfrm>
+          <a:prstGeom prst="rect">
+            <a:avLst/>
+          </a:prstGeom>
+        </p:spPr>
+      </p:pic>
+    </p:spTree>
+    <p:extLst>
+      <p:ext uri="{BB962C8B-B14F-4D97-AF65-F5344CB8AC3E}">
+        <p14:creationId xmlns:p14="http://schemas.microsoft.com/office/powerpoint/2010/main" val="1740464420"/>
+      </p:ext>
+    </p:extLst>
+  </p:cSld>
+  <p:clrMapOvr>
+    <a:masterClrMapping/>
+  </p:clrMapOvr>
+</p:sld>
+</file>
+
+<file path=ppt/slides/slide5.xml><?xml version="1.0" encoding="utf-8"?>
+<p:sld xmlns:a="http://schemas.openxmlformats.org/drawingml/2006/main" xmlns:r="http://schemas.openxmlformats.org/officeDocument/2006/relationships" xmlns:p="http://schemas.openxmlformats.org/presentationml/2006/main">
+  <p:cSld>
     <p:spTree>
       <p:nvGrpSpPr>
         <p:cNvPr id="1" name=""/>
@@ -6971,6 +10939,836 @@
     <p:extLst>
       <p:ext uri="{BB962C8B-B14F-4D97-AF65-F5344CB8AC3E}">
         <p14:creationId xmlns:p14="http://schemas.microsoft.com/office/powerpoint/2010/main" val="2824382420"/>
+      </p:ext>
+    </p:extLst>
+  </p:cSld>
+  <p:clrMapOvr>
+    <a:masterClrMapping/>
+  </p:clrMapOvr>
+</p:sld>
+</file>
+
+<file path=ppt/slides/slide6.xml><?xml version="1.0" encoding="utf-8"?>
+<p:sld xmlns:a="http://schemas.openxmlformats.org/drawingml/2006/main" xmlns:r="http://schemas.openxmlformats.org/officeDocument/2006/relationships" xmlns:p="http://schemas.openxmlformats.org/presentationml/2006/main">
+  <p:cSld>
+    <p:bg>
+      <p:bgPr>
+        <a:solidFill>
+          <a:schemeClr val="bg1"/>
+        </a:solidFill>
+        <a:effectLst/>
+      </p:bgPr>
+    </p:bg>
+    <p:spTree>
+      <p:nvGrpSpPr>
+        <p:cNvPr id="1" name=""/>
+        <p:cNvGrpSpPr/>
+        <p:nvPr/>
+      </p:nvGrpSpPr>
+      <p:grpSpPr>
+        <a:xfrm>
+          <a:off x="0" y="0"/>
+          <a:ext cx="0" cy="0"/>
+          <a:chOff x="0" y="0"/>
+          <a:chExt cx="0" cy="0"/>
+        </a:xfrm>
+      </p:grpSpPr>
+      <p:grpSp>
+        <p:nvGrpSpPr>
+          <p:cNvPr id="9" name="Group 8">
+            <a:extLst>
+              <a:ext uri="{FF2B5EF4-FFF2-40B4-BE49-F238E27FC236}">
+                <a16:creationId xmlns:a16="http://schemas.microsoft.com/office/drawing/2014/main" id="{9AE27B9D-0F04-458B-A718-F84902C79F7C}"/>
+              </a:ext>
+              <a:ext uri="{C183D7F6-B498-43B3-948B-1728B52AA6E4}">
+                <adec:decorative xmlns:adec="http://schemas.microsoft.com/office/drawing/2017/decorative" val="1"/>
+              </a:ext>
+            </a:extLst>
+          </p:cNvPr>
+          <p:cNvGrpSpPr>
+            <a:grpSpLocks noGrp="1" noUngrp="1" noRot="1" noChangeAspect="1" noMove="1" noResize="1"/>
+          </p:cNvGrpSpPr>
+          <p:nvPr>
+            <p:extLst>
+              <p:ext uri="{386F3935-93C4-4BCD-93E2-E3B085C9AB24}">
+                <p16:designElem xmlns:p16="http://schemas.microsoft.com/office/powerpoint/2015/main" val="1"/>
+              </p:ext>
+            </p:extLst>
+          </p:nvPr>
+        </p:nvGrpSpPr>
+        <p:grpSpPr>
+          <a:xfrm>
+            <a:off x="0" y="-8467"/>
+            <a:ext cx="12192000" cy="6866467"/>
+            <a:chOff x="0" y="-8467"/>
+            <a:chExt cx="12192000" cy="6866467"/>
+          </a:xfrm>
+        </p:grpSpPr>
+        <p:cxnSp>
+          <p:nvCxnSpPr>
+            <p:cNvPr id="10" name="Straight Connector 9">
+              <a:extLst>
+                <a:ext uri="{FF2B5EF4-FFF2-40B4-BE49-F238E27FC236}">
+                  <a16:creationId xmlns:a16="http://schemas.microsoft.com/office/drawing/2014/main" id="{47AB6435-428E-44C8-A107-8435183F6553}"/>
+                </a:ext>
+                <a:ext uri="{C183D7F6-B498-43B3-948B-1728B52AA6E4}">
+                  <adec:decorative xmlns:adec="http://schemas.microsoft.com/office/drawing/2017/decorative" val="1"/>
+                </a:ext>
+              </a:extLst>
+            </p:cNvPr>
+            <p:cNvCxnSpPr/>
+            <p:nvPr>
+              <p:extLst>
+                <p:ext uri="{386F3935-93C4-4BCD-93E2-E3B085C9AB24}">
+                  <p16:designElem xmlns:p16="http://schemas.microsoft.com/office/powerpoint/2015/main" val="1"/>
+                </p:ext>
+              </p:extLst>
+            </p:nvPr>
+          </p:nvCxnSpPr>
+          <p:spPr>
+            <a:xfrm>
+              <a:off x="9371012" y="0"/>
+              <a:ext cx="1219200" cy="6858000"/>
+            </a:xfrm>
+            <a:prstGeom prst="line">
+              <a:avLst/>
+            </a:prstGeom>
+            <a:ln w="9525">
+              <a:solidFill>
+                <a:schemeClr val="accent1">
+                  <a:alpha val="70000"/>
+                </a:schemeClr>
+              </a:solidFill>
+            </a:ln>
+          </p:spPr>
+          <p:style>
+            <a:lnRef idx="2">
+              <a:schemeClr val="accent1"/>
+            </a:lnRef>
+            <a:fillRef idx="0">
+              <a:schemeClr val="accent1"/>
+            </a:fillRef>
+            <a:effectRef idx="1">
+              <a:schemeClr val="accent1"/>
+            </a:effectRef>
+            <a:fontRef idx="minor">
+              <a:schemeClr val="tx1"/>
+            </a:fontRef>
+          </p:style>
+        </p:cxnSp>
+        <p:cxnSp>
+          <p:nvCxnSpPr>
+            <p:cNvPr id="11" name="Straight Connector 10">
+              <a:extLst>
+                <a:ext uri="{FF2B5EF4-FFF2-40B4-BE49-F238E27FC236}">
+                  <a16:creationId xmlns:a16="http://schemas.microsoft.com/office/drawing/2014/main" id="{3659658D-9AE1-44D3-B002-2BA204AB9021}"/>
+                </a:ext>
+                <a:ext uri="{C183D7F6-B498-43B3-948B-1728B52AA6E4}">
+                  <adec:decorative xmlns:adec="http://schemas.microsoft.com/office/drawing/2017/decorative" val="1"/>
+                </a:ext>
+              </a:extLst>
+            </p:cNvPr>
+            <p:cNvCxnSpPr/>
+            <p:nvPr>
+              <p:extLst>
+                <p:ext uri="{386F3935-93C4-4BCD-93E2-E3B085C9AB24}">
+                  <p16:designElem xmlns:p16="http://schemas.microsoft.com/office/powerpoint/2015/main" val="1"/>
+                </p:ext>
+              </p:extLst>
+            </p:nvPr>
+          </p:nvCxnSpPr>
+          <p:spPr>
+            <a:xfrm flipH="1">
+              <a:off x="7425267" y="3681413"/>
+              <a:ext cx="4763558" cy="3176587"/>
+            </a:xfrm>
+            <a:prstGeom prst="line">
+              <a:avLst/>
+            </a:prstGeom>
+            <a:ln w="9525">
+              <a:solidFill>
+                <a:schemeClr val="accent1">
+                  <a:alpha val="70000"/>
+                </a:schemeClr>
+              </a:solidFill>
+            </a:ln>
+          </p:spPr>
+          <p:style>
+            <a:lnRef idx="2">
+              <a:schemeClr val="accent1"/>
+            </a:lnRef>
+            <a:fillRef idx="0">
+              <a:schemeClr val="accent1"/>
+            </a:fillRef>
+            <a:effectRef idx="1">
+              <a:schemeClr val="accent1"/>
+            </a:effectRef>
+            <a:fontRef idx="minor">
+              <a:schemeClr val="tx1"/>
+            </a:fontRef>
+          </p:style>
+        </p:cxnSp>
+        <p:sp>
+          <p:nvSpPr>
+            <p:cNvPr id="12" name="Rectangle 23">
+              <a:extLst>
+                <a:ext uri="{FF2B5EF4-FFF2-40B4-BE49-F238E27FC236}">
+                  <a16:creationId xmlns:a16="http://schemas.microsoft.com/office/drawing/2014/main" id="{2083C874-CFCD-47ED-9F98-DDB125C9C065}"/>
+                </a:ext>
+                <a:ext uri="{C183D7F6-B498-43B3-948B-1728B52AA6E4}">
+                  <adec:decorative xmlns:adec="http://schemas.microsoft.com/office/drawing/2017/decorative" val="1"/>
+                </a:ext>
+              </a:extLst>
+            </p:cNvPr>
+            <p:cNvSpPr/>
+            <p:nvPr>
+              <p:extLst>
+                <p:ext uri="{386F3935-93C4-4BCD-93E2-E3B085C9AB24}">
+                  <p16:designElem xmlns:p16="http://schemas.microsoft.com/office/powerpoint/2015/main" val="1"/>
+                </p:ext>
+              </p:extLst>
+            </p:nvPr>
+          </p:nvSpPr>
+          <p:spPr>
+            <a:xfrm>
+              <a:off x="9181476" y="-8467"/>
+              <a:ext cx="3007349" cy="6866467"/>
+            </a:xfrm>
+            <a:custGeom>
+              <a:avLst/>
+              <a:gdLst/>
+              <a:ahLst/>
+              <a:cxnLst/>
+              <a:rect l="l" t="t" r="r" b="b"/>
+              <a:pathLst>
+                <a:path w="3007349" h="6866467">
+                  <a:moveTo>
+                    <a:pt x="2045532" y="0"/>
+                  </a:moveTo>
+                  <a:lnTo>
+                    <a:pt x="3007349" y="0"/>
+                  </a:lnTo>
+                  <a:lnTo>
+                    <a:pt x="3007349" y="6866467"/>
+                  </a:lnTo>
+                  <a:lnTo>
+                    <a:pt x="0" y="6866467"/>
+                  </a:lnTo>
+                  <a:lnTo>
+                    <a:pt x="2045532" y="0"/>
+                  </a:lnTo>
+                  <a:close/>
+                </a:path>
+              </a:pathLst>
+            </a:custGeom>
+            <a:solidFill>
+              <a:schemeClr val="accent1">
+                <a:alpha val="36000"/>
+              </a:schemeClr>
+            </a:solidFill>
+            <a:ln>
+              <a:noFill/>
+            </a:ln>
+            <a:effectLst/>
+          </p:spPr>
+          <p:style>
+            <a:lnRef idx="1">
+              <a:schemeClr val="accent1"/>
+            </a:lnRef>
+            <a:fillRef idx="3">
+              <a:schemeClr val="accent1"/>
+            </a:fillRef>
+            <a:effectRef idx="2">
+              <a:schemeClr val="accent1"/>
+            </a:effectRef>
+            <a:fontRef idx="minor">
+              <a:schemeClr val="lt1"/>
+            </a:fontRef>
+          </p:style>
+        </p:sp>
+        <p:sp>
+          <p:nvSpPr>
+            <p:cNvPr id="13" name="Rectangle 25">
+              <a:extLst>
+                <a:ext uri="{FF2B5EF4-FFF2-40B4-BE49-F238E27FC236}">
+                  <a16:creationId xmlns:a16="http://schemas.microsoft.com/office/drawing/2014/main" id="{605E9946-A240-42E3-B6CD-E6691BF46748}"/>
+                </a:ext>
+                <a:ext uri="{C183D7F6-B498-43B3-948B-1728B52AA6E4}">
+                  <adec:decorative xmlns:adec="http://schemas.microsoft.com/office/drawing/2017/decorative" val="1"/>
+                </a:ext>
+              </a:extLst>
+            </p:cNvPr>
+            <p:cNvSpPr/>
+            <p:nvPr>
+              <p:extLst>
+                <p:ext uri="{386F3935-93C4-4BCD-93E2-E3B085C9AB24}">
+                  <p16:designElem xmlns:p16="http://schemas.microsoft.com/office/powerpoint/2015/main" val="1"/>
+                </p:ext>
+              </p:extLst>
+            </p:nvPr>
+          </p:nvSpPr>
+          <p:spPr>
+            <a:xfrm>
+              <a:off x="9603442" y="-8467"/>
+              <a:ext cx="2588558" cy="6866467"/>
+            </a:xfrm>
+            <a:custGeom>
+              <a:avLst/>
+              <a:gdLst/>
+              <a:ahLst/>
+              <a:cxnLst/>
+              <a:rect l="l" t="t" r="r" b="b"/>
+              <a:pathLst>
+                <a:path w="2573311" h="6866467">
+                  <a:moveTo>
+                    <a:pt x="0" y="0"/>
+                  </a:moveTo>
+                  <a:lnTo>
+                    <a:pt x="2573311" y="0"/>
+                  </a:lnTo>
+                  <a:lnTo>
+                    <a:pt x="2573311" y="6866467"/>
+                  </a:lnTo>
+                  <a:lnTo>
+                    <a:pt x="1202336" y="6866467"/>
+                  </a:lnTo>
+                  <a:lnTo>
+                    <a:pt x="0" y="0"/>
+                  </a:lnTo>
+                  <a:close/>
+                </a:path>
+              </a:pathLst>
+            </a:custGeom>
+            <a:solidFill>
+              <a:schemeClr val="accent1">
+                <a:alpha val="20000"/>
+              </a:schemeClr>
+            </a:solidFill>
+            <a:ln>
+              <a:noFill/>
+            </a:ln>
+            <a:effectLst/>
+          </p:spPr>
+          <p:style>
+            <a:lnRef idx="1">
+              <a:schemeClr val="accent1"/>
+            </a:lnRef>
+            <a:fillRef idx="3">
+              <a:schemeClr val="accent1"/>
+            </a:fillRef>
+            <a:effectRef idx="2">
+              <a:schemeClr val="accent1"/>
+            </a:effectRef>
+            <a:fontRef idx="minor">
+              <a:schemeClr val="lt1"/>
+            </a:fontRef>
+          </p:style>
+        </p:sp>
+        <p:sp>
+          <p:nvSpPr>
+            <p:cNvPr id="14" name="Isosceles Triangle 13">
+              <a:extLst>
+                <a:ext uri="{FF2B5EF4-FFF2-40B4-BE49-F238E27FC236}">
+                  <a16:creationId xmlns:a16="http://schemas.microsoft.com/office/drawing/2014/main" id="{315B1B45-25C3-4C58-8EB8-41BCFA02A639}"/>
+                </a:ext>
+                <a:ext uri="{C183D7F6-B498-43B3-948B-1728B52AA6E4}">
+                  <adec:decorative xmlns:adec="http://schemas.microsoft.com/office/drawing/2017/decorative" val="1"/>
+                </a:ext>
+              </a:extLst>
+            </p:cNvPr>
+            <p:cNvSpPr/>
+            <p:nvPr>
+              <p:extLst>
+                <p:ext uri="{386F3935-93C4-4BCD-93E2-E3B085C9AB24}">
+                  <p16:designElem xmlns:p16="http://schemas.microsoft.com/office/powerpoint/2015/main" val="1"/>
+                </p:ext>
+              </p:extLst>
+            </p:nvPr>
+          </p:nvSpPr>
+          <p:spPr>
+            <a:xfrm>
+              <a:off x="8932333" y="3048000"/>
+              <a:ext cx="3259667" cy="3810000"/>
+            </a:xfrm>
+            <a:prstGeom prst="triangle">
+              <a:avLst>
+                <a:gd name="adj" fmla="val 100000"/>
+              </a:avLst>
+            </a:prstGeom>
+            <a:solidFill>
+              <a:schemeClr val="accent1">
+                <a:alpha val="72000"/>
+              </a:schemeClr>
+            </a:solidFill>
+            <a:ln>
+              <a:noFill/>
+            </a:ln>
+            <a:effectLst/>
+          </p:spPr>
+          <p:style>
+            <a:lnRef idx="1">
+              <a:schemeClr val="accent1"/>
+            </a:lnRef>
+            <a:fillRef idx="3">
+              <a:schemeClr val="accent1"/>
+            </a:fillRef>
+            <a:effectRef idx="2">
+              <a:schemeClr val="accent1"/>
+            </a:effectRef>
+            <a:fontRef idx="minor">
+              <a:schemeClr val="lt1"/>
+            </a:fontRef>
+          </p:style>
+        </p:sp>
+        <p:sp>
+          <p:nvSpPr>
+            <p:cNvPr id="15" name="Rectangle 27">
+              <a:extLst>
+                <a:ext uri="{FF2B5EF4-FFF2-40B4-BE49-F238E27FC236}">
+                  <a16:creationId xmlns:a16="http://schemas.microsoft.com/office/drawing/2014/main" id="{87983A9A-7A69-406F-AFEA-AD2AE87E1FA6}"/>
+                </a:ext>
+                <a:ext uri="{C183D7F6-B498-43B3-948B-1728B52AA6E4}">
+                  <adec:decorative xmlns:adec="http://schemas.microsoft.com/office/drawing/2017/decorative" val="1"/>
+                </a:ext>
+              </a:extLst>
+            </p:cNvPr>
+            <p:cNvSpPr/>
+            <p:nvPr>
+              <p:extLst>
+                <p:ext uri="{386F3935-93C4-4BCD-93E2-E3B085C9AB24}">
+                  <p16:designElem xmlns:p16="http://schemas.microsoft.com/office/powerpoint/2015/main" val="1"/>
+                </p:ext>
+              </p:extLst>
+            </p:nvPr>
+          </p:nvSpPr>
+          <p:spPr>
+            <a:xfrm>
+              <a:off x="9334500" y="-8467"/>
+              <a:ext cx="2854326" cy="6866467"/>
+            </a:xfrm>
+            <a:custGeom>
+              <a:avLst/>
+              <a:gdLst/>
+              <a:ahLst/>
+              <a:cxnLst/>
+              <a:rect l="l" t="t" r="r" b="b"/>
+              <a:pathLst>
+                <a:path w="2858013" h="6866467">
+                  <a:moveTo>
+                    <a:pt x="0" y="0"/>
+                  </a:moveTo>
+                  <a:lnTo>
+                    <a:pt x="2858013" y="0"/>
+                  </a:lnTo>
+                  <a:lnTo>
+                    <a:pt x="2858013" y="6866467"/>
+                  </a:lnTo>
+                  <a:lnTo>
+                    <a:pt x="2473942" y="6866467"/>
+                  </a:lnTo>
+                  <a:lnTo>
+                    <a:pt x="0" y="0"/>
+                  </a:lnTo>
+                  <a:close/>
+                </a:path>
+              </a:pathLst>
+            </a:custGeom>
+            <a:solidFill>
+              <a:schemeClr val="accent1">
+                <a:lumMod val="75000"/>
+                <a:alpha val="50000"/>
+              </a:schemeClr>
+            </a:solidFill>
+            <a:ln>
+              <a:noFill/>
+            </a:ln>
+            <a:effectLst/>
+          </p:spPr>
+          <p:style>
+            <a:lnRef idx="1">
+              <a:schemeClr val="accent1"/>
+            </a:lnRef>
+            <a:fillRef idx="3">
+              <a:schemeClr val="accent1"/>
+            </a:fillRef>
+            <a:effectRef idx="2">
+              <a:schemeClr val="accent1"/>
+            </a:effectRef>
+            <a:fontRef idx="minor">
+              <a:schemeClr val="lt1"/>
+            </a:fontRef>
+          </p:style>
+        </p:sp>
+        <p:sp>
+          <p:nvSpPr>
+            <p:cNvPr id="16" name="Rectangle 28">
+              <a:extLst>
+                <a:ext uri="{FF2B5EF4-FFF2-40B4-BE49-F238E27FC236}">
+                  <a16:creationId xmlns:a16="http://schemas.microsoft.com/office/drawing/2014/main" id="{FFCBC4EF-C03E-4EED-9E9A-3097DECC005C}"/>
+                </a:ext>
+                <a:ext uri="{C183D7F6-B498-43B3-948B-1728B52AA6E4}">
+                  <adec:decorative xmlns:adec="http://schemas.microsoft.com/office/drawing/2017/decorative" val="1"/>
+                </a:ext>
+              </a:extLst>
+            </p:cNvPr>
+            <p:cNvSpPr/>
+            <p:nvPr>
+              <p:extLst>
+                <p:ext uri="{386F3935-93C4-4BCD-93E2-E3B085C9AB24}">
+                  <p16:designElem xmlns:p16="http://schemas.microsoft.com/office/powerpoint/2015/main" val="1"/>
+                </p:ext>
+              </p:extLst>
+            </p:nvPr>
+          </p:nvSpPr>
+          <p:spPr>
+            <a:xfrm>
+              <a:off x="10898730" y="-8467"/>
+              <a:ext cx="1290094" cy="6866467"/>
+            </a:xfrm>
+            <a:custGeom>
+              <a:avLst/>
+              <a:gdLst/>
+              <a:ahLst/>
+              <a:cxnLst/>
+              <a:rect l="l" t="t" r="r" b="b"/>
+              <a:pathLst>
+                <a:path w="1290094" h="6858000">
+                  <a:moveTo>
+                    <a:pt x="1019735" y="0"/>
+                  </a:moveTo>
+                  <a:lnTo>
+                    <a:pt x="1290094" y="0"/>
+                  </a:lnTo>
+                  <a:lnTo>
+                    <a:pt x="1290094" y="6858000"/>
+                  </a:lnTo>
+                  <a:lnTo>
+                    <a:pt x="0" y="6858000"/>
+                  </a:lnTo>
+                  <a:lnTo>
+                    <a:pt x="1019735" y="0"/>
+                  </a:lnTo>
+                  <a:close/>
+                </a:path>
+              </a:pathLst>
+            </a:custGeom>
+            <a:solidFill>
+              <a:schemeClr val="accent1">
+                <a:lumMod val="75000"/>
+                <a:alpha val="70000"/>
+              </a:schemeClr>
+            </a:solidFill>
+            <a:ln>
+              <a:noFill/>
+            </a:ln>
+            <a:effectLst/>
+          </p:spPr>
+          <p:style>
+            <a:lnRef idx="1">
+              <a:schemeClr val="accent1"/>
+            </a:lnRef>
+            <a:fillRef idx="3">
+              <a:schemeClr val="accent1"/>
+            </a:fillRef>
+            <a:effectRef idx="2">
+              <a:schemeClr val="accent1"/>
+            </a:effectRef>
+            <a:fontRef idx="minor">
+              <a:schemeClr val="lt1"/>
+            </a:fontRef>
+          </p:style>
+        </p:sp>
+        <p:sp>
+          <p:nvSpPr>
+            <p:cNvPr id="17" name="Rectangle 29">
+              <a:extLst>
+                <a:ext uri="{FF2B5EF4-FFF2-40B4-BE49-F238E27FC236}">
+                  <a16:creationId xmlns:a16="http://schemas.microsoft.com/office/drawing/2014/main" id="{F56545EE-F94F-4B4C-AA43-9D67456645F1}"/>
+                </a:ext>
+                <a:ext uri="{C183D7F6-B498-43B3-948B-1728B52AA6E4}">
+                  <adec:decorative xmlns:adec="http://schemas.microsoft.com/office/drawing/2017/decorative" val="1"/>
+                </a:ext>
+              </a:extLst>
+            </p:cNvPr>
+            <p:cNvSpPr/>
+            <p:nvPr>
+              <p:extLst>
+                <p:ext uri="{386F3935-93C4-4BCD-93E2-E3B085C9AB24}">
+                  <p16:designElem xmlns:p16="http://schemas.microsoft.com/office/powerpoint/2015/main" val="1"/>
+                </p:ext>
+              </p:extLst>
+            </p:nvPr>
+          </p:nvSpPr>
+          <p:spPr>
+            <a:xfrm>
+              <a:off x="10938999" y="-8467"/>
+              <a:ext cx="1249825" cy="6866467"/>
+            </a:xfrm>
+            <a:custGeom>
+              <a:avLst/>
+              <a:gdLst/>
+              <a:ahLst/>
+              <a:cxnLst/>
+              <a:rect l="l" t="t" r="r" b="b"/>
+              <a:pathLst>
+                <a:path w="1249825" h="6858000">
+                  <a:moveTo>
+                    <a:pt x="0" y="0"/>
+                  </a:moveTo>
+                  <a:lnTo>
+                    <a:pt x="1249825" y="0"/>
+                  </a:lnTo>
+                  <a:lnTo>
+                    <a:pt x="1249825" y="6858000"/>
+                  </a:lnTo>
+                  <a:lnTo>
+                    <a:pt x="1109382" y="6858000"/>
+                  </a:lnTo>
+                  <a:lnTo>
+                    <a:pt x="0" y="0"/>
+                  </a:lnTo>
+                  <a:close/>
+                </a:path>
+              </a:pathLst>
+            </a:custGeom>
+            <a:solidFill>
+              <a:schemeClr val="accent1">
+                <a:lumMod val="50000"/>
+                <a:alpha val="80000"/>
+              </a:schemeClr>
+            </a:solidFill>
+            <a:ln>
+              <a:noFill/>
+            </a:ln>
+            <a:effectLst/>
+          </p:spPr>
+          <p:style>
+            <a:lnRef idx="1">
+              <a:schemeClr val="accent1"/>
+            </a:lnRef>
+            <a:fillRef idx="3">
+              <a:schemeClr val="accent1"/>
+            </a:fillRef>
+            <a:effectRef idx="2">
+              <a:schemeClr val="accent1"/>
+            </a:effectRef>
+            <a:fontRef idx="minor">
+              <a:schemeClr val="lt1"/>
+            </a:fontRef>
+          </p:style>
+        </p:sp>
+        <p:sp>
+          <p:nvSpPr>
+            <p:cNvPr id="18" name="Isosceles Triangle 17">
+              <a:extLst>
+                <a:ext uri="{FF2B5EF4-FFF2-40B4-BE49-F238E27FC236}">
+                  <a16:creationId xmlns:a16="http://schemas.microsoft.com/office/drawing/2014/main" id="{2FE2A6B2-D45B-484C-BAFD-3F4508266425}"/>
+                </a:ext>
+                <a:ext uri="{C183D7F6-B498-43B3-948B-1728B52AA6E4}">
+                  <adec:decorative xmlns:adec="http://schemas.microsoft.com/office/drawing/2017/decorative" val="1"/>
+                </a:ext>
+              </a:extLst>
+            </p:cNvPr>
+            <p:cNvSpPr/>
+            <p:nvPr>
+              <p:extLst>
+                <p:ext uri="{386F3935-93C4-4BCD-93E2-E3B085C9AB24}">
+                  <p16:designElem xmlns:p16="http://schemas.microsoft.com/office/powerpoint/2015/main" val="1"/>
+                </p:ext>
+              </p:extLst>
+            </p:nvPr>
+          </p:nvSpPr>
+          <p:spPr>
+            <a:xfrm>
+              <a:off x="10371666" y="3589867"/>
+              <a:ext cx="1817159" cy="3268133"/>
+            </a:xfrm>
+            <a:prstGeom prst="triangle">
+              <a:avLst>
+                <a:gd name="adj" fmla="val 100000"/>
+              </a:avLst>
+            </a:prstGeom>
+            <a:solidFill>
+              <a:schemeClr val="accent1">
+                <a:lumMod val="50000"/>
+                <a:alpha val="66000"/>
+              </a:schemeClr>
+            </a:solidFill>
+            <a:ln>
+              <a:noFill/>
+            </a:ln>
+            <a:effectLst/>
+          </p:spPr>
+          <p:style>
+            <a:lnRef idx="1">
+              <a:schemeClr val="accent1"/>
+            </a:lnRef>
+            <a:fillRef idx="3">
+              <a:schemeClr val="accent1"/>
+            </a:fillRef>
+            <a:effectRef idx="2">
+              <a:schemeClr val="accent1"/>
+            </a:effectRef>
+            <a:fontRef idx="minor">
+              <a:schemeClr val="lt1"/>
+            </a:fontRef>
+          </p:style>
+        </p:sp>
+        <p:sp>
+          <p:nvSpPr>
+            <p:cNvPr id="19" name="Isosceles Triangle 18">
+              <a:extLst>
+                <a:ext uri="{FF2B5EF4-FFF2-40B4-BE49-F238E27FC236}">
+                  <a16:creationId xmlns:a16="http://schemas.microsoft.com/office/drawing/2014/main" id="{EC2132BF-207E-4FB2-B0FE-E6FD0A1D1882}"/>
+                </a:ext>
+                <a:ext uri="{C183D7F6-B498-43B3-948B-1728B52AA6E4}">
+                  <adec:decorative xmlns:adec="http://schemas.microsoft.com/office/drawing/2017/decorative" val="1"/>
+                </a:ext>
+              </a:extLst>
+            </p:cNvPr>
+            <p:cNvSpPr/>
+            <p:nvPr>
+              <p:extLst>
+                <p:ext uri="{386F3935-93C4-4BCD-93E2-E3B085C9AB24}">
+                  <p16:designElem xmlns:p16="http://schemas.microsoft.com/office/powerpoint/2015/main" val="1"/>
+                </p:ext>
+              </p:extLst>
+            </p:nvPr>
+          </p:nvSpPr>
+          <p:spPr>
+            <a:xfrm rot="10800000">
+              <a:off x="0" y="0"/>
+              <a:ext cx="842596" cy="5666154"/>
+            </a:xfrm>
+            <a:prstGeom prst="triangle">
+              <a:avLst>
+                <a:gd name="adj" fmla="val 100000"/>
+              </a:avLst>
+            </a:prstGeom>
+            <a:solidFill>
+              <a:schemeClr val="accent1">
+                <a:lumMod val="75000"/>
+                <a:alpha val="70000"/>
+              </a:schemeClr>
+            </a:solidFill>
+            <a:ln>
+              <a:noFill/>
+            </a:ln>
+            <a:effectLst/>
+          </p:spPr>
+          <p:style>
+            <a:lnRef idx="1">
+              <a:schemeClr val="accent1"/>
+            </a:lnRef>
+            <a:fillRef idx="3">
+              <a:schemeClr val="accent1"/>
+            </a:fillRef>
+            <a:effectRef idx="2">
+              <a:schemeClr val="accent1"/>
+            </a:effectRef>
+            <a:fontRef idx="minor">
+              <a:schemeClr val="lt1"/>
+            </a:fontRef>
+          </p:style>
+        </p:sp>
+      </p:grpSp>
+      <p:sp>
+        <p:nvSpPr>
+          <p:cNvPr id="2" name="Titre 1">
+            <a:extLst>
+              <a:ext uri="{FF2B5EF4-FFF2-40B4-BE49-F238E27FC236}">
+                <a16:creationId xmlns:a16="http://schemas.microsoft.com/office/drawing/2014/main" id="{08440320-E0CC-43C9-9FAE-481801C98D22}"/>
+              </a:ext>
+            </a:extLst>
+          </p:cNvPr>
+          <p:cNvSpPr>
+            <a:spLocks noGrp="1"/>
+          </p:cNvSpPr>
+          <p:nvPr>
+            <p:ph type="title"/>
+          </p:nvPr>
+        </p:nvSpPr>
+        <p:spPr>
+          <a:xfrm>
+            <a:off x="985969" y="4473227"/>
+            <a:ext cx="8288032" cy="1096648"/>
+          </a:xfrm>
+        </p:spPr>
+        <p:txBody>
+          <a:bodyPr vert="horz" lIns="91440" tIns="45720" rIns="91440" bIns="45720" rtlCol="0" anchor="b">
+            <a:normAutofit/>
+          </a:bodyPr>
+          <a:lstStyle/>
+          <a:p>
+            <a:r>
+              <a:rPr lang="en-US" sz="4800"/>
+              <a:t>Implémentation (Suite)</a:t>
+            </a:r>
+          </a:p>
+        </p:txBody>
+      </p:sp>
+      <p:sp>
+        <p:nvSpPr>
+          <p:cNvPr id="6" name="Espace réservé du contenu 5">
+            <a:extLst>
+              <a:ext uri="{FF2B5EF4-FFF2-40B4-BE49-F238E27FC236}">
+                <a16:creationId xmlns:a16="http://schemas.microsoft.com/office/drawing/2014/main" id="{BF6B0FA5-07F0-4EF6-A109-3BBFB42DFF42}"/>
+              </a:ext>
+            </a:extLst>
+          </p:cNvPr>
+          <p:cNvSpPr>
+            <a:spLocks noGrp="1"/>
+          </p:cNvSpPr>
+          <p:nvPr>
+            <p:ph idx="1"/>
+          </p:nvPr>
+        </p:nvSpPr>
+        <p:spPr/>
+        <p:txBody>
+          <a:bodyPr/>
+          <a:lstStyle/>
+          <a:p>
+            <a:pPr marL="0" indent="0">
+              <a:buNone/>
+            </a:pPr>
+            <a:endParaRPr lang="fr-CH" dirty="0"/>
+          </a:p>
+        </p:txBody>
+      </p:sp>
+      <p:pic>
+        <p:nvPicPr>
+          <p:cNvPr id="7" name="Image 6">
+            <a:extLst>
+              <a:ext uri="{FF2B5EF4-FFF2-40B4-BE49-F238E27FC236}">
+                <a16:creationId xmlns:a16="http://schemas.microsoft.com/office/drawing/2014/main" id="{795D63FD-F50A-4F48-BA6E-DD3D7F3C2DD6}"/>
+              </a:ext>
+            </a:extLst>
+          </p:cNvPr>
+          <p:cNvPicPr>
+            <a:picLocks noChangeAspect="1"/>
+          </p:cNvPicPr>
+          <p:nvPr/>
+        </p:nvPicPr>
+        <p:blipFill>
+          <a:blip r:embed="rId2"/>
+          <a:stretch>
+            <a:fillRect/>
+          </a:stretch>
+        </p:blipFill>
+        <p:spPr>
+          <a:xfrm>
+            <a:off x="813790" y="879662"/>
+            <a:ext cx="8729251" cy="3997138"/>
+          </a:xfrm>
+          <a:prstGeom prst="rect">
+            <a:avLst/>
+          </a:prstGeom>
+        </p:spPr>
+      </p:pic>
+    </p:spTree>
+    <p:extLst>
+      <p:ext uri="{BB962C8B-B14F-4D97-AF65-F5344CB8AC3E}">
+        <p14:creationId xmlns:p14="http://schemas.microsoft.com/office/powerpoint/2010/main" val="1775704793"/>
       </p:ext>
     </p:extLst>
   </p:cSld>

--- a/Prototype-kyun.pptx
+++ b/Prototype-kyun.pptx
@@ -4,13 +4,18 @@
   <p:sldMasterIdLst>
     <p:sldMasterId id="2147483648" r:id="rId1"/>
   </p:sldMasterIdLst>
+  <p:notesMasterIdLst>
+    <p:notesMasterId r:id="rId10"/>
+  </p:notesMasterIdLst>
   <p:sldIdLst>
     <p:sldId id="256" r:id="rId2"/>
-    <p:sldId id="257" r:id="rId3"/>
-    <p:sldId id="259" r:id="rId4"/>
-    <p:sldId id="260" r:id="rId5"/>
-    <p:sldId id="258" r:id="rId6"/>
-    <p:sldId id="261" r:id="rId7"/>
+    <p:sldId id="259" r:id="rId3"/>
+    <p:sldId id="260" r:id="rId4"/>
+    <p:sldId id="262" r:id="rId5"/>
+    <p:sldId id="263" r:id="rId6"/>
+    <p:sldId id="257" r:id="rId7"/>
+    <p:sldId id="258" r:id="rId8"/>
+    <p:sldId id="261" r:id="rId9"/>
   </p:sldIdLst>
   <p:sldSz cx="12192000" cy="6858000"/>
   <p:notesSz cx="6858000" cy="9144000"/>
@@ -865,6 +870,1570 @@
   <dgm:styleLbl name="fgShp">
     <dgm:fillClrLst meth="repeat">
       <a:schemeClr val="accent2">
+        <a:tint val="40000"/>
+      </a:schemeClr>
+    </dgm:fillClrLst>
+    <dgm:linClrLst meth="repeat">
+      <a:schemeClr val="lt1"/>
+    </dgm:linClrLst>
+    <dgm:effectClrLst/>
+    <dgm:txLinClrLst/>
+    <dgm:txFillClrLst meth="repeat">
+      <a:schemeClr val="dk1"/>
+    </dgm:txFillClrLst>
+    <dgm:txEffectClrLst/>
+  </dgm:styleLbl>
+  <dgm:styleLbl name="revTx">
+    <dgm:fillClrLst meth="repeat">
+      <a:schemeClr val="lt1">
+        <a:alpha val="0"/>
+      </a:schemeClr>
+    </dgm:fillClrLst>
+    <dgm:linClrLst meth="repeat">
+      <a:schemeClr val="dk1">
+        <a:alpha val="0"/>
+      </a:schemeClr>
+    </dgm:linClrLst>
+    <dgm:effectClrLst/>
+    <dgm:txLinClrLst/>
+    <dgm:txFillClrLst meth="repeat">
+      <a:schemeClr val="tx1"/>
+    </dgm:txFillClrLst>
+    <dgm:txEffectClrLst/>
+  </dgm:styleLbl>
+</dgm:colorsDef>
+</file>
+
+<file path=ppt/diagrams/colors2.xml><?xml version="1.0" encoding="utf-8"?>
+<dgm:colorsDef xmlns:dgm="http://schemas.openxmlformats.org/drawingml/2006/diagram" xmlns:a="http://schemas.openxmlformats.org/drawingml/2006/main" uniqueId="urn:microsoft.com/office/officeart/2005/8/colors/colorful2">
+  <dgm:title val=""/>
+  <dgm:desc val=""/>
+  <dgm:catLst>
+    <dgm:cat type="colorful" pri="10200"/>
+  </dgm:catLst>
+  <dgm:styleLbl name="node0">
+    <dgm:fillClrLst meth="repeat">
+      <a:schemeClr val="accent1"/>
+    </dgm:fillClrLst>
+    <dgm:linClrLst meth="repeat">
+      <a:schemeClr val="lt1"/>
+    </dgm:linClrLst>
+    <dgm:effectClrLst/>
+    <dgm:txLinClrLst/>
+    <dgm:txFillClrLst/>
+    <dgm:txEffectClrLst/>
+  </dgm:styleLbl>
+  <dgm:styleLbl name="node1">
+    <dgm:fillClrLst>
+      <a:schemeClr val="accent2"/>
+      <a:schemeClr val="accent3"/>
+    </dgm:fillClrLst>
+    <dgm:linClrLst meth="repeat">
+      <a:schemeClr val="lt1"/>
+    </dgm:linClrLst>
+    <dgm:effectClrLst/>
+    <dgm:txLinClrLst/>
+    <dgm:txFillClrLst/>
+    <dgm:txEffectClrLst/>
+  </dgm:styleLbl>
+  <dgm:styleLbl name="alignNode1">
+    <dgm:fillClrLst>
+      <a:schemeClr val="accent2"/>
+      <a:schemeClr val="accent3"/>
+    </dgm:fillClrLst>
+    <dgm:linClrLst>
+      <a:schemeClr val="accent2"/>
+      <a:schemeClr val="accent3"/>
+    </dgm:linClrLst>
+    <dgm:effectClrLst/>
+    <dgm:txLinClrLst/>
+    <dgm:txFillClrLst/>
+    <dgm:txEffectClrLst/>
+  </dgm:styleLbl>
+  <dgm:styleLbl name="lnNode1">
+    <dgm:fillClrLst>
+      <a:schemeClr val="accent2"/>
+      <a:schemeClr val="accent3"/>
+    </dgm:fillClrLst>
+    <dgm:linClrLst meth="repeat">
+      <a:schemeClr val="lt1"/>
+    </dgm:linClrLst>
+    <dgm:effectClrLst/>
+    <dgm:txLinClrLst/>
+    <dgm:txFillClrLst/>
+    <dgm:txEffectClrLst/>
+  </dgm:styleLbl>
+  <dgm:styleLbl name="vennNode1">
+    <dgm:fillClrLst>
+      <a:schemeClr val="accent2">
+        <a:alpha val="50000"/>
+      </a:schemeClr>
+      <a:schemeClr val="accent3">
+        <a:alpha val="50000"/>
+      </a:schemeClr>
+    </dgm:fillClrLst>
+    <dgm:linClrLst meth="repeat">
+      <a:schemeClr val="lt1"/>
+    </dgm:linClrLst>
+    <dgm:effectClrLst/>
+    <dgm:txLinClrLst/>
+    <dgm:txFillClrLst/>
+    <dgm:txEffectClrLst/>
+  </dgm:styleLbl>
+  <dgm:styleLbl name="node2">
+    <dgm:fillClrLst>
+      <a:schemeClr val="accent3"/>
+    </dgm:fillClrLst>
+    <dgm:linClrLst meth="repeat">
+      <a:schemeClr val="lt1"/>
+    </dgm:linClrLst>
+    <dgm:effectClrLst/>
+    <dgm:txLinClrLst/>
+    <dgm:txFillClrLst/>
+    <dgm:txEffectClrLst/>
+  </dgm:styleLbl>
+  <dgm:styleLbl name="node3">
+    <dgm:fillClrLst>
+      <a:schemeClr val="accent4"/>
+    </dgm:fillClrLst>
+    <dgm:linClrLst meth="repeat">
+      <a:schemeClr val="lt1"/>
+    </dgm:linClrLst>
+    <dgm:effectClrLst/>
+    <dgm:txLinClrLst/>
+    <dgm:txFillClrLst/>
+    <dgm:txEffectClrLst/>
+  </dgm:styleLbl>
+  <dgm:styleLbl name="node4">
+    <dgm:fillClrLst>
+      <a:schemeClr val="accent5"/>
+    </dgm:fillClrLst>
+    <dgm:linClrLst meth="repeat">
+      <a:schemeClr val="lt1"/>
+    </dgm:linClrLst>
+    <dgm:effectClrLst/>
+    <dgm:txLinClrLst/>
+    <dgm:txFillClrLst/>
+    <dgm:txEffectClrLst/>
+  </dgm:styleLbl>
+  <dgm:styleLbl name="fgImgPlace1">
+    <dgm:fillClrLst>
+      <a:schemeClr val="accent2">
+        <a:tint val="50000"/>
+      </a:schemeClr>
+      <a:schemeClr val="accent3">
+        <a:tint val="50000"/>
+      </a:schemeClr>
+    </dgm:fillClrLst>
+    <dgm:linClrLst meth="repeat">
+      <a:schemeClr val="lt1"/>
+    </dgm:linClrLst>
+    <dgm:effectClrLst/>
+    <dgm:txLinClrLst/>
+    <dgm:txFillClrLst meth="repeat">
+      <a:schemeClr val="lt1"/>
+    </dgm:txFillClrLst>
+    <dgm:txEffectClrLst/>
+  </dgm:styleLbl>
+  <dgm:styleLbl name="alignImgPlace1">
+    <dgm:fillClrLst>
+      <a:schemeClr val="accent2">
+        <a:tint val="50000"/>
+      </a:schemeClr>
+      <a:schemeClr val="accent3">
+        <a:tint val="20000"/>
+      </a:schemeClr>
+    </dgm:fillClrLst>
+    <dgm:linClrLst meth="repeat">
+      <a:schemeClr val="lt1"/>
+    </dgm:linClrLst>
+    <dgm:effectClrLst/>
+    <dgm:txLinClrLst/>
+    <dgm:txFillClrLst meth="repeat">
+      <a:schemeClr val="lt1"/>
+    </dgm:txFillClrLst>
+    <dgm:txEffectClrLst/>
+  </dgm:styleLbl>
+  <dgm:styleLbl name="bgImgPlace1">
+    <dgm:fillClrLst>
+      <a:schemeClr val="accent2">
+        <a:tint val="50000"/>
+      </a:schemeClr>
+      <a:schemeClr val="accent3">
+        <a:tint val="20000"/>
+      </a:schemeClr>
+    </dgm:fillClrLst>
+    <dgm:linClrLst meth="repeat">
+      <a:schemeClr val="lt1"/>
+    </dgm:linClrLst>
+    <dgm:effectClrLst/>
+    <dgm:txLinClrLst/>
+    <dgm:txFillClrLst meth="repeat">
+      <a:schemeClr val="lt1"/>
+    </dgm:txFillClrLst>
+    <dgm:txEffectClrLst/>
+  </dgm:styleLbl>
+  <dgm:styleLbl name="sibTrans2D1">
+    <dgm:fillClrLst>
+      <a:schemeClr val="accent2"/>
+      <a:schemeClr val="accent3"/>
+    </dgm:fillClrLst>
+    <dgm:linClrLst meth="repeat">
+      <a:schemeClr val="lt1"/>
+    </dgm:linClrLst>
+    <dgm:effectClrLst/>
+    <dgm:txLinClrLst/>
+    <dgm:txFillClrLst/>
+    <dgm:txEffectClrLst/>
+  </dgm:styleLbl>
+  <dgm:styleLbl name="fgSibTrans2D1">
+    <dgm:fillClrLst>
+      <a:schemeClr val="accent2"/>
+      <a:schemeClr val="accent3"/>
+    </dgm:fillClrLst>
+    <dgm:linClrLst meth="repeat">
+      <a:schemeClr val="lt1"/>
+    </dgm:linClrLst>
+    <dgm:effectClrLst/>
+    <dgm:txLinClrLst/>
+    <dgm:txFillClrLst meth="repeat">
+      <a:schemeClr val="lt1"/>
+    </dgm:txFillClrLst>
+    <dgm:txEffectClrLst/>
+  </dgm:styleLbl>
+  <dgm:styleLbl name="bgSibTrans2D1">
+    <dgm:fillClrLst>
+      <a:schemeClr val="accent2"/>
+      <a:schemeClr val="accent3"/>
+    </dgm:fillClrLst>
+    <dgm:linClrLst meth="repeat">
+      <a:schemeClr val="lt1"/>
+    </dgm:linClrLst>
+    <dgm:effectClrLst/>
+    <dgm:txLinClrLst/>
+    <dgm:txFillClrLst meth="repeat">
+      <a:schemeClr val="lt1"/>
+    </dgm:txFillClrLst>
+    <dgm:txEffectClrLst/>
+  </dgm:styleLbl>
+  <dgm:styleLbl name="sibTrans1D1">
+    <dgm:fillClrLst/>
+    <dgm:linClrLst>
+      <a:schemeClr val="accent2"/>
+      <a:schemeClr val="accent3"/>
+    </dgm:linClrLst>
+    <dgm:effectClrLst/>
+    <dgm:txLinClrLst/>
+    <dgm:txFillClrLst meth="repeat">
+      <a:schemeClr val="tx1"/>
+    </dgm:txFillClrLst>
+    <dgm:txEffectClrLst/>
+  </dgm:styleLbl>
+  <dgm:styleLbl name="callout">
+    <dgm:fillClrLst meth="repeat">
+      <a:schemeClr val="accent2"/>
+    </dgm:fillClrLst>
+    <dgm:linClrLst meth="repeat">
+      <a:schemeClr val="accent2">
+        <a:tint val="50000"/>
+      </a:schemeClr>
+    </dgm:linClrLst>
+    <dgm:effectClrLst/>
+    <dgm:txLinClrLst/>
+    <dgm:txFillClrLst meth="repeat">
+      <a:schemeClr val="tx1"/>
+    </dgm:txFillClrLst>
+    <dgm:txEffectClrLst/>
+  </dgm:styleLbl>
+  <dgm:styleLbl name="asst0">
+    <dgm:fillClrLst meth="repeat">
+      <a:schemeClr val="accent2"/>
+    </dgm:fillClrLst>
+    <dgm:linClrLst meth="repeat">
+      <a:schemeClr val="lt1">
+        <a:shade val="80000"/>
+      </a:schemeClr>
+    </dgm:linClrLst>
+    <dgm:effectClrLst/>
+    <dgm:txLinClrLst/>
+    <dgm:txFillClrLst/>
+    <dgm:txEffectClrLst/>
+  </dgm:styleLbl>
+  <dgm:styleLbl name="asst1">
+    <dgm:fillClrLst meth="repeat">
+      <a:schemeClr val="accent3"/>
+    </dgm:fillClrLst>
+    <dgm:linClrLst meth="repeat">
+      <a:schemeClr val="lt1">
+        <a:shade val="80000"/>
+      </a:schemeClr>
+    </dgm:linClrLst>
+    <dgm:effectClrLst/>
+    <dgm:txLinClrLst/>
+    <dgm:txFillClrLst/>
+    <dgm:txEffectClrLst/>
+  </dgm:styleLbl>
+  <dgm:styleLbl name="asst2">
+    <dgm:fillClrLst>
+      <a:schemeClr val="accent4"/>
+    </dgm:fillClrLst>
+    <dgm:linClrLst meth="repeat">
+      <a:schemeClr val="lt1"/>
+    </dgm:linClrLst>
+    <dgm:effectClrLst/>
+    <dgm:txLinClrLst/>
+    <dgm:txFillClrLst/>
+    <dgm:txEffectClrLst/>
+  </dgm:styleLbl>
+  <dgm:styleLbl name="asst3">
+    <dgm:fillClrLst>
+      <a:schemeClr val="accent5"/>
+    </dgm:fillClrLst>
+    <dgm:linClrLst meth="repeat">
+      <a:schemeClr val="lt1"/>
+    </dgm:linClrLst>
+    <dgm:effectClrLst/>
+    <dgm:txLinClrLst/>
+    <dgm:txFillClrLst/>
+    <dgm:txEffectClrLst/>
+  </dgm:styleLbl>
+  <dgm:styleLbl name="asst4">
+    <dgm:fillClrLst>
+      <a:schemeClr val="accent6"/>
+    </dgm:fillClrLst>
+    <dgm:linClrLst meth="repeat">
+      <a:schemeClr val="lt1"/>
+    </dgm:linClrLst>
+    <dgm:effectClrLst/>
+    <dgm:txLinClrLst/>
+    <dgm:txFillClrLst/>
+    <dgm:txEffectClrLst/>
+  </dgm:styleLbl>
+  <dgm:styleLbl name="parChTrans2D1">
+    <dgm:fillClrLst meth="repeat">
+      <a:schemeClr val="accent2"/>
+    </dgm:fillClrLst>
+    <dgm:linClrLst meth="repeat">
+      <a:schemeClr val="lt1"/>
+    </dgm:linClrLst>
+    <dgm:effectClrLst/>
+    <dgm:txLinClrLst/>
+    <dgm:txFillClrLst meth="repeat">
+      <a:schemeClr val="lt1"/>
+    </dgm:txFillClrLst>
+    <dgm:txEffectClrLst/>
+  </dgm:styleLbl>
+  <dgm:styleLbl name="parChTrans2D2">
+    <dgm:fillClrLst meth="repeat">
+      <a:schemeClr val="accent3"/>
+    </dgm:fillClrLst>
+    <dgm:linClrLst meth="repeat">
+      <a:schemeClr val="lt1"/>
+    </dgm:linClrLst>
+    <dgm:effectClrLst/>
+    <dgm:txLinClrLst/>
+    <dgm:txFillClrLst/>
+    <dgm:txEffectClrLst/>
+  </dgm:styleLbl>
+  <dgm:styleLbl name="parChTrans2D3">
+    <dgm:fillClrLst meth="repeat">
+      <a:schemeClr val="accent4"/>
+    </dgm:fillClrLst>
+    <dgm:linClrLst meth="repeat">
+      <a:schemeClr val="lt1"/>
+    </dgm:linClrLst>
+    <dgm:effectClrLst/>
+    <dgm:txLinClrLst/>
+    <dgm:txFillClrLst/>
+    <dgm:txEffectClrLst/>
+  </dgm:styleLbl>
+  <dgm:styleLbl name="parChTrans2D4">
+    <dgm:fillClrLst meth="repeat">
+      <a:schemeClr val="accent5"/>
+    </dgm:fillClrLst>
+    <dgm:linClrLst meth="repeat">
+      <a:schemeClr val="lt1"/>
+    </dgm:linClrLst>
+    <dgm:effectClrLst/>
+    <dgm:txLinClrLst/>
+    <dgm:txFillClrLst meth="repeat">
+      <a:schemeClr val="lt1"/>
+    </dgm:txFillClrLst>
+    <dgm:txEffectClrLst/>
+  </dgm:styleLbl>
+  <dgm:styleLbl name="parChTrans1D1">
+    <dgm:fillClrLst meth="repeat">
+      <a:schemeClr val="accent2"/>
+    </dgm:fillClrLst>
+    <dgm:linClrLst meth="repeat">
+      <a:schemeClr val="accent2"/>
+    </dgm:linClrLst>
+    <dgm:effectClrLst/>
+    <dgm:txLinClrLst/>
+    <dgm:txFillClrLst meth="repeat">
+      <a:schemeClr val="tx1"/>
+    </dgm:txFillClrLst>
+    <dgm:txEffectClrLst/>
+  </dgm:styleLbl>
+  <dgm:styleLbl name="parChTrans1D2">
+    <dgm:fillClrLst meth="repeat">
+      <a:schemeClr val="accent2">
+        <a:tint val="90000"/>
+      </a:schemeClr>
+    </dgm:fillClrLst>
+    <dgm:linClrLst meth="repeat">
+      <a:schemeClr val="accent3"/>
+    </dgm:linClrLst>
+    <dgm:effectClrLst/>
+    <dgm:txLinClrLst/>
+    <dgm:txFillClrLst meth="repeat">
+      <a:schemeClr val="tx1"/>
+    </dgm:txFillClrLst>
+    <dgm:txEffectClrLst/>
+  </dgm:styleLbl>
+  <dgm:styleLbl name="parChTrans1D3">
+    <dgm:fillClrLst meth="repeat">
+      <a:schemeClr val="accent2">
+        <a:tint val="70000"/>
+      </a:schemeClr>
+    </dgm:fillClrLst>
+    <dgm:linClrLst meth="repeat">
+      <a:schemeClr val="accent4"/>
+    </dgm:linClrLst>
+    <dgm:effectClrLst/>
+    <dgm:txLinClrLst/>
+    <dgm:txFillClrLst meth="repeat">
+      <a:schemeClr val="tx1"/>
+    </dgm:txFillClrLst>
+    <dgm:txEffectClrLst/>
+  </dgm:styleLbl>
+  <dgm:styleLbl name="parChTrans1D4">
+    <dgm:fillClrLst meth="repeat">
+      <a:schemeClr val="accent2">
+        <a:tint val="50000"/>
+      </a:schemeClr>
+    </dgm:fillClrLst>
+    <dgm:linClrLst meth="repeat">
+      <a:schemeClr val="accent5"/>
+    </dgm:linClrLst>
+    <dgm:effectClrLst/>
+    <dgm:txLinClrLst/>
+    <dgm:txFillClrLst meth="repeat">
+      <a:schemeClr val="tx1"/>
+    </dgm:txFillClrLst>
+    <dgm:txEffectClrLst/>
+  </dgm:styleLbl>
+  <dgm:styleLbl name="fgAcc1">
+    <dgm:fillClrLst meth="repeat">
+      <a:schemeClr val="lt1">
+        <a:alpha val="90000"/>
+      </a:schemeClr>
+    </dgm:fillClrLst>
+    <dgm:linClrLst>
+      <a:schemeClr val="accent2"/>
+      <a:schemeClr val="accent3"/>
+    </dgm:linClrLst>
+    <dgm:effectClrLst/>
+    <dgm:txLinClrLst/>
+    <dgm:txFillClrLst meth="repeat">
+      <a:schemeClr val="dk1"/>
+    </dgm:txFillClrLst>
+    <dgm:txEffectClrLst/>
+  </dgm:styleLbl>
+  <dgm:styleLbl name="conFgAcc1">
+    <dgm:fillClrLst meth="repeat">
+      <a:schemeClr val="lt1">
+        <a:alpha val="90000"/>
+      </a:schemeClr>
+    </dgm:fillClrLst>
+    <dgm:linClrLst>
+      <a:schemeClr val="accent2"/>
+      <a:schemeClr val="accent3"/>
+    </dgm:linClrLst>
+    <dgm:effectClrLst/>
+    <dgm:txLinClrLst/>
+    <dgm:txFillClrLst meth="repeat">
+      <a:schemeClr val="dk1"/>
+    </dgm:txFillClrLst>
+    <dgm:txEffectClrLst/>
+  </dgm:styleLbl>
+  <dgm:styleLbl name="alignAcc1">
+    <dgm:fillClrLst meth="repeat">
+      <a:schemeClr val="lt1">
+        <a:alpha val="90000"/>
+      </a:schemeClr>
+    </dgm:fillClrLst>
+    <dgm:linClrLst>
+      <a:schemeClr val="accent2"/>
+      <a:schemeClr val="accent3"/>
+    </dgm:linClrLst>
+    <dgm:effectClrLst/>
+    <dgm:txLinClrLst/>
+    <dgm:txFillClrLst meth="repeat">
+      <a:schemeClr val="dk1"/>
+    </dgm:txFillClrLst>
+    <dgm:txEffectClrLst/>
+  </dgm:styleLbl>
+  <dgm:styleLbl name="trAlignAcc1">
+    <dgm:fillClrLst meth="repeat">
+      <a:schemeClr val="lt1">
+        <a:alpha val="40000"/>
+      </a:schemeClr>
+    </dgm:fillClrLst>
+    <dgm:linClrLst meth="repeat">
+      <a:schemeClr val="accent2"/>
+    </dgm:linClrLst>
+    <dgm:effectClrLst/>
+    <dgm:txLinClrLst/>
+    <dgm:txFillClrLst meth="repeat">
+      <a:schemeClr val="dk1"/>
+    </dgm:txFillClrLst>
+    <dgm:txEffectClrLst/>
+  </dgm:styleLbl>
+  <dgm:styleLbl name="bgAcc1">
+    <dgm:fillClrLst meth="repeat">
+      <a:schemeClr val="lt1">
+        <a:alpha val="90000"/>
+      </a:schemeClr>
+    </dgm:fillClrLst>
+    <dgm:linClrLst>
+      <a:schemeClr val="accent2"/>
+      <a:schemeClr val="accent3"/>
+    </dgm:linClrLst>
+    <dgm:effectClrLst/>
+    <dgm:txLinClrLst/>
+    <dgm:txFillClrLst meth="repeat">
+      <a:schemeClr val="dk1"/>
+    </dgm:txFillClrLst>
+    <dgm:txEffectClrLst/>
+  </dgm:styleLbl>
+  <dgm:styleLbl name="solidFgAcc1">
+    <dgm:fillClrLst meth="repeat">
+      <a:schemeClr val="lt1"/>
+    </dgm:fillClrLst>
+    <dgm:linClrLst>
+      <a:schemeClr val="accent2"/>
+      <a:schemeClr val="accent3"/>
+    </dgm:linClrLst>
+    <dgm:effectClrLst/>
+    <dgm:txLinClrLst/>
+    <dgm:txFillClrLst meth="repeat">
+      <a:schemeClr val="dk1"/>
+    </dgm:txFillClrLst>
+    <dgm:txEffectClrLst/>
+  </dgm:styleLbl>
+  <dgm:styleLbl name="solidAlignAcc1">
+    <dgm:fillClrLst meth="repeat">
+      <a:schemeClr val="lt1"/>
+    </dgm:fillClrLst>
+    <dgm:linClrLst>
+      <a:schemeClr val="accent2"/>
+      <a:schemeClr val="accent3"/>
+    </dgm:linClrLst>
+    <dgm:effectClrLst/>
+    <dgm:txLinClrLst/>
+    <dgm:txFillClrLst meth="repeat">
+      <a:schemeClr val="dk1"/>
+    </dgm:txFillClrLst>
+    <dgm:txEffectClrLst/>
+  </dgm:styleLbl>
+  <dgm:styleLbl name="solidBgAcc1">
+    <dgm:fillClrLst meth="repeat">
+      <a:schemeClr val="lt1"/>
+    </dgm:fillClrLst>
+    <dgm:linClrLst>
+      <a:schemeClr val="accent2"/>
+      <a:schemeClr val="accent3"/>
+    </dgm:linClrLst>
+    <dgm:effectClrLst/>
+    <dgm:txLinClrLst/>
+    <dgm:txFillClrLst meth="repeat">
+      <a:schemeClr val="dk1"/>
+    </dgm:txFillClrLst>
+    <dgm:txEffectClrLst/>
+  </dgm:styleLbl>
+  <dgm:styleLbl name="fgAccFollowNode1">
+    <dgm:fillClrLst>
+      <a:schemeClr val="accent2">
+        <a:tint val="40000"/>
+        <a:alpha val="90000"/>
+      </a:schemeClr>
+      <a:schemeClr val="accent3">
+        <a:tint val="40000"/>
+        <a:alpha val="90000"/>
+      </a:schemeClr>
+    </dgm:fillClrLst>
+    <dgm:linClrLst>
+      <a:schemeClr val="accent2">
+        <a:tint val="40000"/>
+        <a:alpha val="90000"/>
+      </a:schemeClr>
+      <a:schemeClr val="accent3">
+        <a:tint val="40000"/>
+        <a:alpha val="90000"/>
+      </a:schemeClr>
+    </dgm:linClrLst>
+    <dgm:effectClrLst/>
+    <dgm:txLinClrLst/>
+    <dgm:txFillClrLst meth="repeat">
+      <a:schemeClr val="dk1"/>
+    </dgm:txFillClrLst>
+    <dgm:txEffectClrLst/>
+  </dgm:styleLbl>
+  <dgm:styleLbl name="alignAccFollowNode1">
+    <dgm:fillClrLst>
+      <a:schemeClr val="accent2">
+        <a:tint val="40000"/>
+        <a:alpha val="90000"/>
+      </a:schemeClr>
+      <a:schemeClr val="accent3">
+        <a:tint val="40000"/>
+        <a:alpha val="90000"/>
+      </a:schemeClr>
+    </dgm:fillClrLst>
+    <dgm:linClrLst>
+      <a:schemeClr val="accent2">
+        <a:tint val="40000"/>
+        <a:alpha val="90000"/>
+      </a:schemeClr>
+      <a:schemeClr val="accent3">
+        <a:tint val="40000"/>
+        <a:alpha val="90000"/>
+      </a:schemeClr>
+    </dgm:linClrLst>
+    <dgm:effectClrLst/>
+    <dgm:txLinClrLst/>
+    <dgm:txFillClrLst meth="repeat">
+      <a:schemeClr val="dk1"/>
+    </dgm:txFillClrLst>
+    <dgm:txEffectClrLst/>
+  </dgm:styleLbl>
+  <dgm:styleLbl name="bgAccFollowNode1">
+    <dgm:fillClrLst>
+      <a:schemeClr val="accent2">
+        <a:tint val="40000"/>
+        <a:alpha val="90000"/>
+      </a:schemeClr>
+      <a:schemeClr val="accent3">
+        <a:tint val="40000"/>
+        <a:alpha val="90000"/>
+      </a:schemeClr>
+    </dgm:fillClrLst>
+    <dgm:linClrLst>
+      <a:schemeClr val="accent2">
+        <a:tint val="40000"/>
+        <a:alpha val="90000"/>
+      </a:schemeClr>
+      <a:schemeClr val="accent3">
+        <a:tint val="40000"/>
+        <a:alpha val="90000"/>
+      </a:schemeClr>
+    </dgm:linClrLst>
+    <dgm:effectClrLst/>
+    <dgm:txLinClrLst/>
+    <dgm:txFillClrLst meth="repeat">
+      <a:schemeClr val="dk1"/>
+    </dgm:txFillClrLst>
+    <dgm:txEffectClrLst/>
+  </dgm:styleLbl>
+  <dgm:styleLbl name="fgAcc0">
+    <dgm:fillClrLst meth="repeat">
+      <a:schemeClr val="lt1">
+        <a:alpha val="90000"/>
+      </a:schemeClr>
+    </dgm:fillClrLst>
+    <dgm:linClrLst>
+      <a:schemeClr val="accent1"/>
+    </dgm:linClrLst>
+    <dgm:effectClrLst/>
+    <dgm:txLinClrLst/>
+    <dgm:txFillClrLst meth="repeat">
+      <a:schemeClr val="dk1"/>
+    </dgm:txFillClrLst>
+    <dgm:txEffectClrLst/>
+  </dgm:styleLbl>
+  <dgm:styleLbl name="fgAcc2">
+    <dgm:fillClrLst meth="repeat">
+      <a:schemeClr val="lt1">
+        <a:alpha val="90000"/>
+      </a:schemeClr>
+    </dgm:fillClrLst>
+    <dgm:linClrLst>
+      <a:schemeClr val="accent3"/>
+    </dgm:linClrLst>
+    <dgm:effectClrLst/>
+    <dgm:txLinClrLst/>
+    <dgm:txFillClrLst meth="repeat">
+      <a:schemeClr val="dk1"/>
+    </dgm:txFillClrLst>
+    <dgm:txEffectClrLst/>
+  </dgm:styleLbl>
+  <dgm:styleLbl name="fgAcc3">
+    <dgm:fillClrLst meth="repeat">
+      <a:schemeClr val="lt1">
+        <a:alpha val="90000"/>
+      </a:schemeClr>
+    </dgm:fillClrLst>
+    <dgm:linClrLst>
+      <a:schemeClr val="accent4"/>
+    </dgm:linClrLst>
+    <dgm:effectClrLst/>
+    <dgm:txLinClrLst/>
+    <dgm:txFillClrLst meth="repeat">
+      <a:schemeClr val="dk1"/>
+    </dgm:txFillClrLst>
+    <dgm:txEffectClrLst/>
+  </dgm:styleLbl>
+  <dgm:styleLbl name="fgAcc4">
+    <dgm:fillClrLst meth="repeat">
+      <a:schemeClr val="lt1">
+        <a:alpha val="90000"/>
+      </a:schemeClr>
+    </dgm:fillClrLst>
+    <dgm:linClrLst>
+      <a:schemeClr val="accent5"/>
+    </dgm:linClrLst>
+    <dgm:effectClrLst/>
+    <dgm:txLinClrLst/>
+    <dgm:txFillClrLst meth="repeat">
+      <a:schemeClr val="dk1"/>
+    </dgm:txFillClrLst>
+    <dgm:txEffectClrLst/>
+  </dgm:styleLbl>
+  <dgm:styleLbl name="bgShp">
+    <dgm:fillClrLst meth="repeat">
+      <a:schemeClr val="accent2">
+        <a:tint val="40000"/>
+      </a:schemeClr>
+    </dgm:fillClrLst>
+    <dgm:linClrLst meth="repeat">
+      <a:schemeClr val="dk1"/>
+    </dgm:linClrLst>
+    <dgm:effectClrLst/>
+    <dgm:txLinClrLst/>
+    <dgm:txFillClrLst meth="repeat">
+      <a:schemeClr val="dk1"/>
+    </dgm:txFillClrLst>
+    <dgm:txEffectClrLst/>
+  </dgm:styleLbl>
+  <dgm:styleLbl name="dkBgShp">
+    <dgm:fillClrLst meth="repeat">
+      <a:schemeClr val="accent2">
+        <a:shade val="90000"/>
+      </a:schemeClr>
+    </dgm:fillClrLst>
+    <dgm:linClrLst meth="repeat">
+      <a:schemeClr val="dk1"/>
+    </dgm:linClrLst>
+    <dgm:effectClrLst/>
+    <dgm:txLinClrLst/>
+    <dgm:txFillClrLst meth="repeat">
+      <a:schemeClr val="lt1"/>
+    </dgm:txFillClrLst>
+    <dgm:txEffectClrLst/>
+  </dgm:styleLbl>
+  <dgm:styleLbl name="trBgShp">
+    <dgm:fillClrLst meth="repeat">
+      <a:schemeClr val="accent2">
+        <a:tint val="50000"/>
+        <a:alpha val="40000"/>
+      </a:schemeClr>
+    </dgm:fillClrLst>
+    <dgm:linClrLst meth="repeat">
+      <a:schemeClr val="accent2"/>
+    </dgm:linClrLst>
+    <dgm:effectClrLst/>
+    <dgm:txLinClrLst/>
+    <dgm:txFillClrLst meth="repeat">
+      <a:schemeClr val="lt1"/>
+    </dgm:txFillClrLst>
+    <dgm:txEffectClrLst/>
+  </dgm:styleLbl>
+  <dgm:styleLbl name="fgShp">
+    <dgm:fillClrLst meth="repeat">
+      <a:schemeClr val="accent2">
+        <a:tint val="40000"/>
+      </a:schemeClr>
+    </dgm:fillClrLst>
+    <dgm:linClrLst meth="repeat">
+      <a:schemeClr val="lt1"/>
+    </dgm:linClrLst>
+    <dgm:effectClrLst/>
+    <dgm:txLinClrLst/>
+    <dgm:txFillClrLst meth="repeat">
+      <a:schemeClr val="dk1"/>
+    </dgm:txFillClrLst>
+    <dgm:txEffectClrLst/>
+  </dgm:styleLbl>
+  <dgm:styleLbl name="revTx">
+    <dgm:fillClrLst meth="repeat">
+      <a:schemeClr val="lt1">
+        <a:alpha val="0"/>
+      </a:schemeClr>
+    </dgm:fillClrLst>
+    <dgm:linClrLst meth="repeat">
+      <a:schemeClr val="dk1">
+        <a:alpha val="0"/>
+      </a:schemeClr>
+    </dgm:linClrLst>
+    <dgm:effectClrLst/>
+    <dgm:txLinClrLst/>
+    <dgm:txFillClrLst meth="repeat">
+      <a:schemeClr val="tx1"/>
+    </dgm:txFillClrLst>
+    <dgm:txEffectClrLst/>
+  </dgm:styleLbl>
+</dgm:colorsDef>
+</file>
+
+<file path=ppt/diagrams/colors3.xml><?xml version="1.0" encoding="utf-8"?>
+<dgm:colorsDef xmlns:dgm="http://schemas.openxmlformats.org/drawingml/2006/diagram" xmlns:a="http://schemas.openxmlformats.org/drawingml/2006/main" uniqueId="urn:microsoft.com/office/officeart/2005/8/colors/colorful5">
+  <dgm:title val=""/>
+  <dgm:desc val=""/>
+  <dgm:catLst>
+    <dgm:cat type="colorful" pri="10500"/>
+  </dgm:catLst>
+  <dgm:styleLbl name="node0">
+    <dgm:fillClrLst meth="repeat">
+      <a:schemeClr val="accent4"/>
+    </dgm:fillClrLst>
+    <dgm:linClrLst meth="repeat">
+      <a:schemeClr val="lt1"/>
+    </dgm:linClrLst>
+    <dgm:effectClrLst/>
+    <dgm:txLinClrLst/>
+    <dgm:txFillClrLst/>
+    <dgm:txEffectClrLst/>
+  </dgm:styleLbl>
+  <dgm:styleLbl name="node1">
+    <dgm:fillClrLst>
+      <a:schemeClr val="accent5"/>
+      <a:schemeClr val="accent6"/>
+    </dgm:fillClrLst>
+    <dgm:linClrLst meth="repeat">
+      <a:schemeClr val="lt1"/>
+    </dgm:linClrLst>
+    <dgm:effectClrLst/>
+    <dgm:txLinClrLst/>
+    <dgm:txFillClrLst/>
+    <dgm:txEffectClrLst/>
+  </dgm:styleLbl>
+  <dgm:styleLbl name="alignNode1">
+    <dgm:fillClrLst>
+      <a:schemeClr val="accent5"/>
+      <a:schemeClr val="accent6"/>
+    </dgm:fillClrLst>
+    <dgm:linClrLst>
+      <a:schemeClr val="accent5"/>
+      <a:schemeClr val="accent6"/>
+    </dgm:linClrLst>
+    <dgm:effectClrLst/>
+    <dgm:txLinClrLst/>
+    <dgm:txFillClrLst/>
+    <dgm:txEffectClrLst/>
+  </dgm:styleLbl>
+  <dgm:styleLbl name="lnNode1">
+    <dgm:fillClrLst>
+      <a:schemeClr val="accent5"/>
+      <a:schemeClr val="accent6"/>
+    </dgm:fillClrLst>
+    <dgm:linClrLst meth="repeat">
+      <a:schemeClr val="lt1"/>
+    </dgm:linClrLst>
+    <dgm:effectClrLst/>
+    <dgm:txLinClrLst/>
+    <dgm:txFillClrLst/>
+    <dgm:txEffectClrLst/>
+  </dgm:styleLbl>
+  <dgm:styleLbl name="vennNode1">
+    <dgm:fillClrLst>
+      <a:schemeClr val="accent5">
+        <a:alpha val="50000"/>
+      </a:schemeClr>
+      <a:schemeClr val="accent6">
+        <a:alpha val="50000"/>
+      </a:schemeClr>
+    </dgm:fillClrLst>
+    <dgm:linClrLst meth="repeat">
+      <a:schemeClr val="lt1"/>
+    </dgm:linClrLst>
+    <dgm:effectClrLst/>
+    <dgm:txLinClrLst/>
+    <dgm:txFillClrLst/>
+    <dgm:txEffectClrLst/>
+  </dgm:styleLbl>
+  <dgm:styleLbl name="node2">
+    <dgm:fillClrLst>
+      <a:schemeClr val="accent6"/>
+    </dgm:fillClrLst>
+    <dgm:linClrLst meth="repeat">
+      <a:schemeClr val="lt1"/>
+    </dgm:linClrLst>
+    <dgm:effectClrLst/>
+    <dgm:txLinClrLst/>
+    <dgm:txFillClrLst/>
+    <dgm:txEffectClrLst/>
+  </dgm:styleLbl>
+  <dgm:styleLbl name="node3">
+    <dgm:fillClrLst>
+      <a:schemeClr val="accent1"/>
+    </dgm:fillClrLst>
+    <dgm:linClrLst meth="repeat">
+      <a:schemeClr val="lt1"/>
+    </dgm:linClrLst>
+    <dgm:effectClrLst/>
+    <dgm:txLinClrLst/>
+    <dgm:txFillClrLst/>
+    <dgm:txEffectClrLst/>
+  </dgm:styleLbl>
+  <dgm:styleLbl name="node4">
+    <dgm:fillClrLst>
+      <a:schemeClr val="accent2"/>
+    </dgm:fillClrLst>
+    <dgm:linClrLst meth="repeat">
+      <a:schemeClr val="lt1"/>
+    </dgm:linClrLst>
+    <dgm:effectClrLst/>
+    <dgm:txLinClrLst/>
+    <dgm:txFillClrLst/>
+    <dgm:txEffectClrLst/>
+  </dgm:styleLbl>
+  <dgm:styleLbl name="fgImgPlace1">
+    <dgm:fillClrLst>
+      <a:schemeClr val="accent5">
+        <a:tint val="50000"/>
+      </a:schemeClr>
+      <a:schemeClr val="accent6">
+        <a:tint val="50000"/>
+      </a:schemeClr>
+    </dgm:fillClrLst>
+    <dgm:linClrLst meth="repeat">
+      <a:schemeClr val="lt1"/>
+    </dgm:linClrLst>
+    <dgm:effectClrLst/>
+    <dgm:txLinClrLst/>
+    <dgm:txFillClrLst meth="repeat">
+      <a:schemeClr val="lt1"/>
+    </dgm:txFillClrLst>
+    <dgm:txEffectClrLst/>
+  </dgm:styleLbl>
+  <dgm:styleLbl name="alignImgPlace1">
+    <dgm:fillClrLst>
+      <a:schemeClr val="accent5">
+        <a:tint val="50000"/>
+      </a:schemeClr>
+      <a:schemeClr val="accent6">
+        <a:tint val="20000"/>
+      </a:schemeClr>
+    </dgm:fillClrLst>
+    <dgm:linClrLst meth="repeat">
+      <a:schemeClr val="lt1"/>
+    </dgm:linClrLst>
+    <dgm:effectClrLst/>
+    <dgm:txLinClrLst/>
+    <dgm:txFillClrLst meth="repeat">
+      <a:schemeClr val="lt1"/>
+    </dgm:txFillClrLst>
+    <dgm:txEffectClrLst/>
+  </dgm:styleLbl>
+  <dgm:styleLbl name="bgImgPlace1">
+    <dgm:fillClrLst>
+      <a:schemeClr val="accent5">
+        <a:tint val="50000"/>
+      </a:schemeClr>
+      <a:schemeClr val="accent6">
+        <a:tint val="20000"/>
+      </a:schemeClr>
+    </dgm:fillClrLst>
+    <dgm:linClrLst meth="repeat">
+      <a:schemeClr val="lt1"/>
+    </dgm:linClrLst>
+    <dgm:effectClrLst/>
+    <dgm:txLinClrLst/>
+    <dgm:txFillClrLst meth="repeat">
+      <a:schemeClr val="lt1"/>
+    </dgm:txFillClrLst>
+    <dgm:txEffectClrLst/>
+  </dgm:styleLbl>
+  <dgm:styleLbl name="sibTrans2D1">
+    <dgm:fillClrLst>
+      <a:schemeClr val="accent5"/>
+      <a:schemeClr val="accent6"/>
+    </dgm:fillClrLst>
+    <dgm:linClrLst meth="repeat">
+      <a:schemeClr val="lt1"/>
+    </dgm:linClrLst>
+    <dgm:effectClrLst/>
+    <dgm:txLinClrLst/>
+    <dgm:txFillClrLst/>
+    <dgm:txEffectClrLst/>
+  </dgm:styleLbl>
+  <dgm:styleLbl name="fgSibTrans2D1">
+    <dgm:fillClrLst>
+      <a:schemeClr val="accent5"/>
+      <a:schemeClr val="accent6"/>
+    </dgm:fillClrLst>
+    <dgm:linClrLst meth="repeat">
+      <a:schemeClr val="lt1"/>
+    </dgm:linClrLst>
+    <dgm:effectClrLst/>
+    <dgm:txLinClrLst/>
+    <dgm:txFillClrLst meth="repeat">
+      <a:schemeClr val="lt1"/>
+    </dgm:txFillClrLst>
+    <dgm:txEffectClrLst/>
+  </dgm:styleLbl>
+  <dgm:styleLbl name="bgSibTrans2D1">
+    <dgm:fillClrLst>
+      <a:schemeClr val="accent5"/>
+      <a:schemeClr val="accent6"/>
+    </dgm:fillClrLst>
+    <dgm:linClrLst meth="repeat">
+      <a:schemeClr val="lt1"/>
+    </dgm:linClrLst>
+    <dgm:effectClrLst/>
+    <dgm:txLinClrLst/>
+    <dgm:txFillClrLst meth="repeat">
+      <a:schemeClr val="lt1"/>
+    </dgm:txFillClrLst>
+    <dgm:txEffectClrLst/>
+  </dgm:styleLbl>
+  <dgm:styleLbl name="sibTrans1D1">
+    <dgm:fillClrLst/>
+    <dgm:linClrLst>
+      <a:schemeClr val="accent5"/>
+      <a:schemeClr val="accent6"/>
+    </dgm:linClrLst>
+    <dgm:effectClrLst/>
+    <dgm:txLinClrLst/>
+    <dgm:txFillClrLst meth="repeat">
+      <a:schemeClr val="tx1"/>
+    </dgm:txFillClrLst>
+    <dgm:txEffectClrLst/>
+  </dgm:styleLbl>
+  <dgm:styleLbl name="callout">
+    <dgm:fillClrLst meth="repeat">
+      <a:schemeClr val="accent5"/>
+    </dgm:fillClrLst>
+    <dgm:linClrLst meth="repeat">
+      <a:schemeClr val="accent5">
+        <a:tint val="50000"/>
+      </a:schemeClr>
+    </dgm:linClrLst>
+    <dgm:effectClrLst/>
+    <dgm:txLinClrLst/>
+    <dgm:txFillClrLst meth="repeat">
+      <a:schemeClr val="tx1"/>
+    </dgm:txFillClrLst>
+    <dgm:txEffectClrLst/>
+  </dgm:styleLbl>
+  <dgm:styleLbl name="asst0">
+    <dgm:fillClrLst meth="repeat">
+      <a:schemeClr val="accent5"/>
+    </dgm:fillClrLst>
+    <dgm:linClrLst meth="repeat">
+      <a:schemeClr val="lt1">
+        <a:shade val="80000"/>
+      </a:schemeClr>
+    </dgm:linClrLst>
+    <dgm:effectClrLst/>
+    <dgm:txLinClrLst/>
+    <dgm:txFillClrLst/>
+    <dgm:txEffectClrLst/>
+  </dgm:styleLbl>
+  <dgm:styleLbl name="asst1">
+    <dgm:fillClrLst meth="repeat">
+      <a:schemeClr val="accent6"/>
+    </dgm:fillClrLst>
+    <dgm:linClrLst meth="repeat">
+      <a:schemeClr val="lt1">
+        <a:shade val="80000"/>
+      </a:schemeClr>
+    </dgm:linClrLst>
+    <dgm:effectClrLst/>
+    <dgm:txLinClrLst/>
+    <dgm:txFillClrLst/>
+    <dgm:txEffectClrLst/>
+  </dgm:styleLbl>
+  <dgm:styleLbl name="asst2">
+    <dgm:fillClrLst>
+      <a:schemeClr val="accent1"/>
+    </dgm:fillClrLst>
+    <dgm:linClrLst meth="repeat">
+      <a:schemeClr val="lt1"/>
+    </dgm:linClrLst>
+    <dgm:effectClrLst/>
+    <dgm:txLinClrLst/>
+    <dgm:txFillClrLst/>
+    <dgm:txEffectClrLst/>
+  </dgm:styleLbl>
+  <dgm:styleLbl name="asst3">
+    <dgm:fillClrLst>
+      <a:schemeClr val="accent2"/>
+    </dgm:fillClrLst>
+    <dgm:linClrLst meth="repeat">
+      <a:schemeClr val="lt1"/>
+    </dgm:linClrLst>
+    <dgm:effectClrLst/>
+    <dgm:txLinClrLst/>
+    <dgm:txFillClrLst/>
+    <dgm:txEffectClrLst/>
+  </dgm:styleLbl>
+  <dgm:styleLbl name="asst4">
+    <dgm:fillClrLst>
+      <a:schemeClr val="accent3"/>
+    </dgm:fillClrLst>
+    <dgm:linClrLst meth="repeat">
+      <a:schemeClr val="lt1"/>
+    </dgm:linClrLst>
+    <dgm:effectClrLst/>
+    <dgm:txLinClrLst/>
+    <dgm:txFillClrLst/>
+    <dgm:txEffectClrLst/>
+  </dgm:styleLbl>
+  <dgm:styleLbl name="parChTrans2D1">
+    <dgm:fillClrLst meth="repeat">
+      <a:schemeClr val="accent5"/>
+    </dgm:fillClrLst>
+    <dgm:linClrLst meth="repeat">
+      <a:schemeClr val="lt1"/>
+    </dgm:linClrLst>
+    <dgm:effectClrLst/>
+    <dgm:txLinClrLst/>
+    <dgm:txFillClrLst meth="repeat">
+      <a:schemeClr val="lt1"/>
+    </dgm:txFillClrLst>
+    <dgm:txEffectClrLst/>
+  </dgm:styleLbl>
+  <dgm:styleLbl name="parChTrans2D2">
+    <dgm:fillClrLst meth="repeat">
+      <a:schemeClr val="accent6"/>
+    </dgm:fillClrLst>
+    <dgm:linClrLst meth="repeat">
+      <a:schemeClr val="lt1"/>
+    </dgm:linClrLst>
+    <dgm:effectClrLst/>
+    <dgm:txLinClrLst/>
+    <dgm:txFillClrLst/>
+    <dgm:txEffectClrLst/>
+  </dgm:styleLbl>
+  <dgm:styleLbl name="parChTrans2D3">
+    <dgm:fillClrLst meth="repeat">
+      <a:schemeClr val="accent6"/>
+    </dgm:fillClrLst>
+    <dgm:linClrLst meth="repeat">
+      <a:schemeClr val="lt1"/>
+    </dgm:linClrLst>
+    <dgm:effectClrLst/>
+    <dgm:txLinClrLst/>
+    <dgm:txFillClrLst/>
+    <dgm:txEffectClrLst/>
+  </dgm:styleLbl>
+  <dgm:styleLbl name="parChTrans2D4">
+    <dgm:fillClrLst meth="repeat">
+      <a:schemeClr val="accent1"/>
+    </dgm:fillClrLst>
+    <dgm:linClrLst meth="repeat">
+      <a:schemeClr val="lt1"/>
+    </dgm:linClrLst>
+    <dgm:effectClrLst/>
+    <dgm:txLinClrLst/>
+    <dgm:txFillClrLst meth="repeat">
+      <a:schemeClr val="lt1"/>
+    </dgm:txFillClrLst>
+    <dgm:txEffectClrLst/>
+  </dgm:styleLbl>
+  <dgm:styleLbl name="parChTrans1D1">
+    <dgm:fillClrLst meth="repeat">
+      <a:schemeClr val="accent5"/>
+    </dgm:fillClrLst>
+    <dgm:linClrLst meth="repeat">
+      <a:schemeClr val="accent5"/>
+    </dgm:linClrLst>
+    <dgm:effectClrLst/>
+    <dgm:txLinClrLst/>
+    <dgm:txFillClrLst meth="repeat">
+      <a:schemeClr val="tx1"/>
+    </dgm:txFillClrLst>
+    <dgm:txEffectClrLst/>
+  </dgm:styleLbl>
+  <dgm:styleLbl name="parChTrans1D2">
+    <dgm:fillClrLst meth="repeat">
+      <a:schemeClr val="accent6">
+        <a:tint val="90000"/>
+      </a:schemeClr>
+    </dgm:fillClrLst>
+    <dgm:linClrLst meth="repeat">
+      <a:schemeClr val="accent6"/>
+    </dgm:linClrLst>
+    <dgm:effectClrLst/>
+    <dgm:txLinClrLst/>
+    <dgm:txFillClrLst meth="repeat">
+      <a:schemeClr val="tx1"/>
+    </dgm:txFillClrLst>
+    <dgm:txEffectClrLst/>
+  </dgm:styleLbl>
+  <dgm:styleLbl name="parChTrans1D3">
+    <dgm:fillClrLst meth="repeat">
+      <a:schemeClr val="accent6">
+        <a:tint val="70000"/>
+      </a:schemeClr>
+    </dgm:fillClrLst>
+    <dgm:linClrLst meth="repeat">
+      <a:schemeClr val="accent1"/>
+    </dgm:linClrLst>
+    <dgm:effectClrLst/>
+    <dgm:txLinClrLst/>
+    <dgm:txFillClrLst meth="repeat">
+      <a:schemeClr val="tx1"/>
+    </dgm:txFillClrLst>
+    <dgm:txEffectClrLst/>
+  </dgm:styleLbl>
+  <dgm:styleLbl name="parChTrans1D4">
+    <dgm:fillClrLst meth="repeat">
+      <a:schemeClr val="accent6">
+        <a:tint val="50000"/>
+      </a:schemeClr>
+    </dgm:fillClrLst>
+    <dgm:linClrLst meth="repeat">
+      <a:schemeClr val="accent2"/>
+    </dgm:linClrLst>
+    <dgm:effectClrLst/>
+    <dgm:txLinClrLst/>
+    <dgm:txFillClrLst meth="repeat">
+      <a:schemeClr val="tx1"/>
+    </dgm:txFillClrLst>
+    <dgm:txEffectClrLst/>
+  </dgm:styleLbl>
+  <dgm:styleLbl name="fgAcc1">
+    <dgm:fillClrLst meth="repeat">
+      <a:schemeClr val="lt1">
+        <a:alpha val="90000"/>
+      </a:schemeClr>
+    </dgm:fillClrLst>
+    <dgm:linClrLst>
+      <a:schemeClr val="accent5"/>
+      <a:schemeClr val="accent6"/>
+    </dgm:linClrLst>
+    <dgm:effectClrLst/>
+    <dgm:txLinClrLst/>
+    <dgm:txFillClrLst meth="repeat">
+      <a:schemeClr val="dk1"/>
+    </dgm:txFillClrLst>
+    <dgm:txEffectClrLst/>
+  </dgm:styleLbl>
+  <dgm:styleLbl name="conFgAcc1">
+    <dgm:fillClrLst meth="repeat">
+      <a:schemeClr val="lt1">
+        <a:alpha val="90000"/>
+      </a:schemeClr>
+    </dgm:fillClrLst>
+    <dgm:linClrLst>
+      <a:schemeClr val="accent5"/>
+      <a:schemeClr val="accent6"/>
+    </dgm:linClrLst>
+    <dgm:effectClrLst/>
+    <dgm:txLinClrLst/>
+    <dgm:txFillClrLst meth="repeat">
+      <a:schemeClr val="dk1"/>
+    </dgm:txFillClrLst>
+    <dgm:txEffectClrLst/>
+  </dgm:styleLbl>
+  <dgm:styleLbl name="alignAcc1">
+    <dgm:fillClrLst meth="repeat">
+      <a:schemeClr val="lt1">
+        <a:alpha val="90000"/>
+      </a:schemeClr>
+    </dgm:fillClrLst>
+    <dgm:linClrLst>
+      <a:schemeClr val="accent5"/>
+      <a:schemeClr val="accent6"/>
+    </dgm:linClrLst>
+    <dgm:effectClrLst/>
+    <dgm:txLinClrLst/>
+    <dgm:txFillClrLst meth="repeat">
+      <a:schemeClr val="dk1"/>
+    </dgm:txFillClrLst>
+    <dgm:txEffectClrLst/>
+  </dgm:styleLbl>
+  <dgm:styleLbl name="trAlignAcc1">
+    <dgm:fillClrLst meth="repeat">
+      <a:schemeClr val="lt1">
+        <a:alpha val="40000"/>
+      </a:schemeClr>
+    </dgm:fillClrLst>
+    <dgm:linClrLst meth="repeat">
+      <a:schemeClr val="accent5"/>
+    </dgm:linClrLst>
+    <dgm:effectClrLst/>
+    <dgm:txLinClrLst/>
+    <dgm:txFillClrLst meth="repeat">
+      <a:schemeClr val="dk1"/>
+    </dgm:txFillClrLst>
+    <dgm:txEffectClrLst/>
+  </dgm:styleLbl>
+  <dgm:styleLbl name="bgAcc1">
+    <dgm:fillClrLst meth="repeat">
+      <a:schemeClr val="lt1">
+        <a:alpha val="90000"/>
+      </a:schemeClr>
+    </dgm:fillClrLst>
+    <dgm:linClrLst>
+      <a:schemeClr val="accent5"/>
+      <a:schemeClr val="accent6"/>
+    </dgm:linClrLst>
+    <dgm:effectClrLst/>
+    <dgm:txLinClrLst/>
+    <dgm:txFillClrLst meth="repeat">
+      <a:schemeClr val="dk1"/>
+    </dgm:txFillClrLst>
+    <dgm:txEffectClrLst/>
+  </dgm:styleLbl>
+  <dgm:styleLbl name="solidFgAcc1">
+    <dgm:fillClrLst meth="repeat">
+      <a:schemeClr val="lt1"/>
+    </dgm:fillClrLst>
+    <dgm:linClrLst>
+      <a:schemeClr val="accent5"/>
+      <a:schemeClr val="accent6"/>
+    </dgm:linClrLst>
+    <dgm:effectClrLst/>
+    <dgm:txLinClrLst/>
+    <dgm:txFillClrLst meth="repeat">
+      <a:schemeClr val="dk1"/>
+    </dgm:txFillClrLst>
+    <dgm:txEffectClrLst/>
+  </dgm:styleLbl>
+  <dgm:styleLbl name="solidAlignAcc1">
+    <dgm:fillClrLst meth="repeat">
+      <a:schemeClr val="lt1"/>
+    </dgm:fillClrLst>
+    <dgm:linClrLst>
+      <a:schemeClr val="accent5"/>
+      <a:schemeClr val="accent6"/>
+    </dgm:linClrLst>
+    <dgm:effectClrLst/>
+    <dgm:txLinClrLst/>
+    <dgm:txFillClrLst meth="repeat">
+      <a:schemeClr val="dk1"/>
+    </dgm:txFillClrLst>
+    <dgm:txEffectClrLst/>
+  </dgm:styleLbl>
+  <dgm:styleLbl name="solidBgAcc1">
+    <dgm:fillClrLst meth="repeat">
+      <a:schemeClr val="lt1"/>
+    </dgm:fillClrLst>
+    <dgm:linClrLst>
+      <a:schemeClr val="accent5"/>
+      <a:schemeClr val="accent6"/>
+    </dgm:linClrLst>
+    <dgm:effectClrLst/>
+    <dgm:txLinClrLst/>
+    <dgm:txFillClrLst meth="repeat">
+      <a:schemeClr val="dk1"/>
+    </dgm:txFillClrLst>
+    <dgm:txEffectClrLst/>
+  </dgm:styleLbl>
+  <dgm:styleLbl name="fgAccFollowNode1">
+    <dgm:fillClrLst>
+      <a:schemeClr val="accent5">
+        <a:tint val="40000"/>
+        <a:alpha val="90000"/>
+      </a:schemeClr>
+      <a:schemeClr val="accent6">
+        <a:tint val="40000"/>
+        <a:alpha val="90000"/>
+      </a:schemeClr>
+    </dgm:fillClrLst>
+    <dgm:linClrLst>
+      <a:schemeClr val="accent5">
+        <a:tint val="40000"/>
+        <a:alpha val="90000"/>
+      </a:schemeClr>
+      <a:schemeClr val="accent5">
+        <a:tint val="40000"/>
+        <a:alpha val="90000"/>
+      </a:schemeClr>
+    </dgm:linClrLst>
+    <dgm:effectClrLst/>
+    <dgm:txLinClrLst/>
+    <dgm:txFillClrLst meth="repeat">
+      <a:schemeClr val="dk1"/>
+    </dgm:txFillClrLst>
+    <dgm:txEffectClrLst/>
+  </dgm:styleLbl>
+  <dgm:styleLbl name="alignAccFollowNode1">
+    <dgm:fillClrLst>
+      <a:schemeClr val="accent5">
+        <a:tint val="40000"/>
+        <a:alpha val="90000"/>
+      </a:schemeClr>
+      <a:schemeClr val="accent6">
+        <a:tint val="40000"/>
+        <a:alpha val="90000"/>
+      </a:schemeClr>
+    </dgm:fillClrLst>
+    <dgm:linClrLst>
+      <a:schemeClr val="accent5">
+        <a:tint val="40000"/>
+        <a:alpha val="90000"/>
+      </a:schemeClr>
+      <a:schemeClr val="accent6">
+        <a:tint val="40000"/>
+        <a:alpha val="90000"/>
+      </a:schemeClr>
+    </dgm:linClrLst>
+    <dgm:effectClrLst/>
+    <dgm:txLinClrLst/>
+    <dgm:txFillClrLst meth="repeat">
+      <a:schemeClr val="dk1"/>
+    </dgm:txFillClrLst>
+    <dgm:txEffectClrLst/>
+  </dgm:styleLbl>
+  <dgm:styleLbl name="bgAccFollowNode1">
+    <dgm:fillClrLst>
+      <a:schemeClr val="accent5">
+        <a:tint val="40000"/>
+        <a:alpha val="90000"/>
+      </a:schemeClr>
+      <a:schemeClr val="accent6">
+        <a:tint val="40000"/>
+        <a:alpha val="90000"/>
+      </a:schemeClr>
+    </dgm:fillClrLst>
+    <dgm:linClrLst>
+      <a:schemeClr val="accent5">
+        <a:tint val="40000"/>
+        <a:alpha val="90000"/>
+      </a:schemeClr>
+      <a:schemeClr val="accent6">
+        <a:tint val="40000"/>
+        <a:alpha val="90000"/>
+      </a:schemeClr>
+    </dgm:linClrLst>
+    <dgm:effectClrLst/>
+    <dgm:txLinClrLst/>
+    <dgm:txFillClrLst meth="repeat">
+      <a:schemeClr val="dk1"/>
+    </dgm:txFillClrLst>
+    <dgm:txEffectClrLst/>
+  </dgm:styleLbl>
+  <dgm:styleLbl name="fgAcc0">
+    <dgm:fillClrLst meth="repeat">
+      <a:schemeClr val="lt1">
+        <a:alpha val="90000"/>
+      </a:schemeClr>
+    </dgm:fillClrLst>
+    <dgm:linClrLst>
+      <a:schemeClr val="accent4"/>
+    </dgm:linClrLst>
+    <dgm:effectClrLst/>
+    <dgm:txLinClrLst/>
+    <dgm:txFillClrLst meth="repeat">
+      <a:schemeClr val="dk1"/>
+    </dgm:txFillClrLst>
+    <dgm:txEffectClrLst/>
+  </dgm:styleLbl>
+  <dgm:styleLbl name="fgAcc2">
+    <dgm:fillClrLst meth="repeat">
+      <a:schemeClr val="lt1">
+        <a:alpha val="90000"/>
+      </a:schemeClr>
+    </dgm:fillClrLst>
+    <dgm:linClrLst>
+      <a:schemeClr val="accent6"/>
+    </dgm:linClrLst>
+    <dgm:effectClrLst/>
+    <dgm:txLinClrLst/>
+    <dgm:txFillClrLst meth="repeat">
+      <a:schemeClr val="dk1"/>
+    </dgm:txFillClrLst>
+    <dgm:txEffectClrLst/>
+  </dgm:styleLbl>
+  <dgm:styleLbl name="fgAcc3">
+    <dgm:fillClrLst meth="repeat">
+      <a:schemeClr val="lt1">
+        <a:alpha val="90000"/>
+      </a:schemeClr>
+    </dgm:fillClrLst>
+    <dgm:linClrLst>
+      <a:schemeClr val="accent1"/>
+    </dgm:linClrLst>
+    <dgm:effectClrLst/>
+    <dgm:txLinClrLst/>
+    <dgm:txFillClrLst meth="repeat">
+      <a:schemeClr val="dk1"/>
+    </dgm:txFillClrLst>
+    <dgm:txEffectClrLst/>
+  </dgm:styleLbl>
+  <dgm:styleLbl name="fgAcc4">
+    <dgm:fillClrLst meth="repeat">
+      <a:schemeClr val="lt1">
+        <a:alpha val="90000"/>
+      </a:schemeClr>
+    </dgm:fillClrLst>
+    <dgm:linClrLst>
+      <a:schemeClr val="accent2"/>
+    </dgm:linClrLst>
+    <dgm:effectClrLst/>
+    <dgm:txLinClrLst/>
+    <dgm:txFillClrLst meth="repeat">
+      <a:schemeClr val="dk1"/>
+    </dgm:txFillClrLst>
+    <dgm:txEffectClrLst/>
+  </dgm:styleLbl>
+  <dgm:styleLbl name="bgShp">
+    <dgm:fillClrLst meth="repeat">
+      <a:schemeClr val="accent5">
+        <a:tint val="40000"/>
+      </a:schemeClr>
+    </dgm:fillClrLst>
+    <dgm:linClrLst meth="repeat">
+      <a:schemeClr val="dk1"/>
+    </dgm:linClrLst>
+    <dgm:effectClrLst/>
+    <dgm:txLinClrLst/>
+    <dgm:txFillClrLst meth="repeat">
+      <a:schemeClr val="dk1"/>
+    </dgm:txFillClrLst>
+    <dgm:txEffectClrLst/>
+  </dgm:styleLbl>
+  <dgm:styleLbl name="dkBgShp">
+    <dgm:fillClrLst meth="repeat">
+      <a:schemeClr val="accent5">
+        <a:shade val="90000"/>
+      </a:schemeClr>
+    </dgm:fillClrLst>
+    <dgm:linClrLst meth="repeat">
+      <a:schemeClr val="dk1"/>
+    </dgm:linClrLst>
+    <dgm:effectClrLst/>
+    <dgm:txLinClrLst/>
+    <dgm:txFillClrLst meth="repeat">
+      <a:schemeClr val="lt1"/>
+    </dgm:txFillClrLst>
+    <dgm:txEffectClrLst/>
+  </dgm:styleLbl>
+  <dgm:styleLbl name="trBgShp">
+    <dgm:fillClrLst meth="repeat">
+      <a:schemeClr val="accent5">
+        <a:tint val="50000"/>
+        <a:alpha val="40000"/>
+      </a:schemeClr>
+    </dgm:fillClrLst>
+    <dgm:linClrLst meth="repeat">
+      <a:schemeClr val="accent5"/>
+    </dgm:linClrLst>
+    <dgm:effectClrLst/>
+    <dgm:txLinClrLst/>
+    <dgm:txFillClrLst meth="repeat">
+      <a:schemeClr val="lt1"/>
+    </dgm:txFillClrLst>
+    <dgm:txEffectClrLst/>
+  </dgm:styleLbl>
+  <dgm:styleLbl name="fgShp">
+    <dgm:fillClrLst meth="repeat">
+      <a:schemeClr val="accent5">
         <a:tint val="40000"/>
       </a:schemeClr>
     </dgm:fillClrLst>
@@ -1252,6 +2821,340 @@
     <dgm:cxn modelId="{7927AC00-AD3E-4DE6-BDA3-EF1C595FA848}" type="presParOf" srcId="{5223BB6B-9A67-4404-AE47-2D9D9A73853E}" destId="{F54D4252-EEE8-4EAD-8CE8-5A64A3D7508E}" srcOrd="8" destOrd="0" presId="urn:microsoft.com/office/officeart/2005/8/layout/vList2"/>
     <dgm:cxn modelId="{221DB8E0-B900-4A65-8C33-04810D12843D}" type="presParOf" srcId="{5223BB6B-9A67-4404-AE47-2D9D9A73853E}" destId="{F662AD80-B8B4-4F96-86EE-C1B775C63D10}" srcOrd="9" destOrd="0" presId="urn:microsoft.com/office/officeart/2005/8/layout/vList2"/>
     <dgm:cxn modelId="{80A28E5B-68E3-4095-AFFD-8D0177727695}" type="presParOf" srcId="{5223BB6B-9A67-4404-AE47-2D9D9A73853E}" destId="{BF9E4EC6-B1E8-4974-8DE3-45326E139A94}" srcOrd="10" destOrd="0" presId="urn:microsoft.com/office/officeart/2005/8/layout/vList2"/>
+  </dgm:cxnLst>
+  <dgm:bg/>
+  <dgm:whole/>
+  <dgm:extLst>
+    <a:ext uri="http://schemas.microsoft.com/office/drawing/2008/diagram">
+      <dsp:dataModelExt xmlns:dsp="http://schemas.microsoft.com/office/drawing/2008/diagram" relId="rId6" minVer="http://schemas.openxmlformats.org/drawingml/2006/diagram"/>
+    </a:ext>
+  </dgm:extLst>
+</dgm:dataModel>
+</file>
+
+<file path=ppt/diagrams/data2.xml><?xml version="1.0" encoding="utf-8"?>
+<dgm:dataModel xmlns:dgm="http://schemas.openxmlformats.org/drawingml/2006/diagram" xmlns:a="http://schemas.openxmlformats.org/drawingml/2006/main">
+  <dgm:ptLst>
+    <dgm:pt modelId="{EA11EF9B-49B5-4B4B-A23C-30A33A626CEF}" type="doc">
+      <dgm:prSet loTypeId="urn:microsoft.com/office/officeart/2005/8/layout/vList2" loCatId="list" qsTypeId="urn:microsoft.com/office/officeart/2005/8/quickstyle/simple4" qsCatId="simple" csTypeId="urn:microsoft.com/office/officeart/2005/8/colors/colorful2" csCatId="colorful"/>
+      <dgm:spPr/>
+      <dgm:t>
+        <a:bodyPr/>
+        <a:lstStyle/>
+        <a:p>
+          <a:endParaRPr lang="en-US"/>
+        </a:p>
+      </dgm:t>
+    </dgm:pt>
+    <dgm:pt modelId="{B235E91F-8ACC-4439-BB96-8C72661B8223}">
+      <dgm:prSet/>
+      <dgm:spPr/>
+      <dgm:t>
+        <a:bodyPr/>
+        <a:lstStyle/>
+        <a:p>
+          <a:r>
+            <a:rPr lang="fr-FR"/>
+            <a:t>Quand la création d’un objet est coûteuse, le modèle prototype est adapté. On n’a que cloner le prototype.</a:t>
+          </a:r>
+          <a:endParaRPr lang="en-US"/>
+        </a:p>
+      </dgm:t>
+    </dgm:pt>
+    <dgm:pt modelId="{CD5DC42F-40E2-4A4E-A40A-87CFBB5E397C}" type="parTrans" cxnId="{7256B14C-A5CA-4804-87EF-707DB53EAB37}">
+      <dgm:prSet/>
+      <dgm:spPr/>
+      <dgm:t>
+        <a:bodyPr/>
+        <a:lstStyle/>
+        <a:p>
+          <a:endParaRPr lang="en-US"/>
+        </a:p>
+      </dgm:t>
+    </dgm:pt>
+    <dgm:pt modelId="{182B3E48-04AC-4BF4-9BB1-917DC2B5864F}" type="sibTrans" cxnId="{7256B14C-A5CA-4804-87EF-707DB53EAB37}">
+      <dgm:prSet/>
+      <dgm:spPr/>
+      <dgm:t>
+        <a:bodyPr/>
+        <a:lstStyle/>
+        <a:p>
+          <a:endParaRPr lang="en-US"/>
+        </a:p>
+      </dgm:t>
+    </dgm:pt>
+    <dgm:pt modelId="{5BDDA11E-408B-46F3-9205-6CB38E027902}">
+      <dgm:prSet/>
+      <dgm:spPr/>
+      <dgm:t>
+        <a:bodyPr/>
+        <a:lstStyle/>
+        <a:p>
+          <a:r>
+            <a:rPr lang="fr-FR"/>
+            <a:t>Simplifie la hiérarchie des classes. (En contraste avec le Factory Pattern, il nous faut pas ici une hiérarchie parallèle de classes créateurs).</a:t>
+          </a:r>
+          <a:endParaRPr lang="en-US"/>
+        </a:p>
+      </dgm:t>
+    </dgm:pt>
+    <dgm:pt modelId="{FFBA2D62-CC9A-4719-8C76-4FAA9AE918ED}" type="parTrans" cxnId="{89CCAC24-2176-4B6F-AB21-1A5B910354F1}">
+      <dgm:prSet/>
+      <dgm:spPr/>
+      <dgm:t>
+        <a:bodyPr/>
+        <a:lstStyle/>
+        <a:p>
+          <a:endParaRPr lang="en-US"/>
+        </a:p>
+      </dgm:t>
+    </dgm:pt>
+    <dgm:pt modelId="{B93B3963-F87C-4A0F-BD05-DF3B2CDB3A4D}" type="sibTrans" cxnId="{89CCAC24-2176-4B6F-AB21-1A5B910354F1}">
+      <dgm:prSet/>
+      <dgm:spPr/>
+      <dgm:t>
+        <a:bodyPr/>
+        <a:lstStyle/>
+        <a:p>
+          <a:endParaRPr lang="en-US"/>
+        </a:p>
+      </dgm:t>
+    </dgm:pt>
+    <dgm:pt modelId="{B83BB2D1-2AAA-487E-96D2-4E08C1B4B870}">
+      <dgm:prSet/>
+      <dgm:spPr/>
+      <dgm:t>
+        <a:bodyPr/>
+        <a:lstStyle/>
+        <a:p>
+          <a:r>
+            <a:rPr lang="fr-FR"/>
+            <a:t>La création de nouveaux objets at runtime (e.g. Si on fournit une méthode qui initialise les objets après le clonage).</a:t>
+          </a:r>
+          <a:endParaRPr lang="en-US"/>
+        </a:p>
+      </dgm:t>
+    </dgm:pt>
+    <dgm:pt modelId="{D576BA97-8DF5-466F-B43E-1771380209F9}" type="parTrans" cxnId="{66A6FC5A-650D-4DCA-9873-EF8C0F8D5B25}">
+      <dgm:prSet/>
+      <dgm:spPr/>
+      <dgm:t>
+        <a:bodyPr/>
+        <a:lstStyle/>
+        <a:p>
+          <a:endParaRPr lang="en-US"/>
+        </a:p>
+      </dgm:t>
+    </dgm:pt>
+    <dgm:pt modelId="{89AC9C6B-0816-45BC-BC39-1C8571ECC185}" type="sibTrans" cxnId="{66A6FC5A-650D-4DCA-9873-EF8C0F8D5B25}">
+      <dgm:prSet/>
+      <dgm:spPr/>
+      <dgm:t>
+        <a:bodyPr/>
+        <a:lstStyle/>
+        <a:p>
+          <a:endParaRPr lang="en-US"/>
+        </a:p>
+      </dgm:t>
+    </dgm:pt>
+    <dgm:pt modelId="{EE302915-CB3C-4DBF-B6AF-405BDD86549C}" type="pres">
+      <dgm:prSet presAssocID="{EA11EF9B-49B5-4B4B-A23C-30A33A626CEF}" presName="linear" presStyleCnt="0">
+        <dgm:presLayoutVars>
+          <dgm:animLvl val="lvl"/>
+          <dgm:resizeHandles val="exact"/>
+        </dgm:presLayoutVars>
+      </dgm:prSet>
+      <dgm:spPr/>
+    </dgm:pt>
+    <dgm:pt modelId="{B22E8D19-BF02-47AB-AB46-1999B1E5B2BE}" type="pres">
+      <dgm:prSet presAssocID="{B235E91F-8ACC-4439-BB96-8C72661B8223}" presName="parentText" presStyleLbl="node1" presStyleIdx="0" presStyleCnt="3">
+        <dgm:presLayoutVars>
+          <dgm:chMax val="0"/>
+          <dgm:bulletEnabled val="1"/>
+        </dgm:presLayoutVars>
+      </dgm:prSet>
+      <dgm:spPr/>
+    </dgm:pt>
+    <dgm:pt modelId="{FB627939-8EB5-4B45-8AF0-30B1E8EFC317}" type="pres">
+      <dgm:prSet presAssocID="{182B3E48-04AC-4BF4-9BB1-917DC2B5864F}" presName="spacer" presStyleCnt="0"/>
+      <dgm:spPr/>
+    </dgm:pt>
+    <dgm:pt modelId="{321956AE-74F3-49AC-9D66-F6405DBDCF84}" type="pres">
+      <dgm:prSet presAssocID="{5BDDA11E-408B-46F3-9205-6CB38E027902}" presName="parentText" presStyleLbl="node1" presStyleIdx="1" presStyleCnt="3">
+        <dgm:presLayoutVars>
+          <dgm:chMax val="0"/>
+          <dgm:bulletEnabled val="1"/>
+        </dgm:presLayoutVars>
+      </dgm:prSet>
+      <dgm:spPr/>
+    </dgm:pt>
+    <dgm:pt modelId="{77023296-D815-45E8-A01C-A9965C125C6D}" type="pres">
+      <dgm:prSet presAssocID="{B93B3963-F87C-4A0F-BD05-DF3B2CDB3A4D}" presName="spacer" presStyleCnt="0"/>
+      <dgm:spPr/>
+    </dgm:pt>
+    <dgm:pt modelId="{AA8189F0-6CBD-4F5A-A35E-39B4FCF16DDF}" type="pres">
+      <dgm:prSet presAssocID="{B83BB2D1-2AAA-487E-96D2-4E08C1B4B870}" presName="parentText" presStyleLbl="node1" presStyleIdx="2" presStyleCnt="3">
+        <dgm:presLayoutVars>
+          <dgm:chMax val="0"/>
+          <dgm:bulletEnabled val="1"/>
+        </dgm:presLayoutVars>
+      </dgm:prSet>
+      <dgm:spPr/>
+    </dgm:pt>
+  </dgm:ptLst>
+  <dgm:cxnLst>
+    <dgm:cxn modelId="{89CCAC24-2176-4B6F-AB21-1A5B910354F1}" srcId="{EA11EF9B-49B5-4B4B-A23C-30A33A626CEF}" destId="{5BDDA11E-408B-46F3-9205-6CB38E027902}" srcOrd="1" destOrd="0" parTransId="{FFBA2D62-CC9A-4719-8C76-4FAA9AE918ED}" sibTransId="{B93B3963-F87C-4A0F-BD05-DF3B2CDB3A4D}"/>
+    <dgm:cxn modelId="{34397337-D796-415D-A8A5-B8107DA558CA}" type="presOf" srcId="{B83BB2D1-2AAA-487E-96D2-4E08C1B4B870}" destId="{AA8189F0-6CBD-4F5A-A35E-39B4FCF16DDF}" srcOrd="0" destOrd="0" presId="urn:microsoft.com/office/officeart/2005/8/layout/vList2"/>
+    <dgm:cxn modelId="{7256B14C-A5CA-4804-87EF-707DB53EAB37}" srcId="{EA11EF9B-49B5-4B4B-A23C-30A33A626CEF}" destId="{B235E91F-8ACC-4439-BB96-8C72661B8223}" srcOrd="0" destOrd="0" parTransId="{CD5DC42F-40E2-4A4E-A40A-87CFBB5E397C}" sibTransId="{182B3E48-04AC-4BF4-9BB1-917DC2B5864F}"/>
+    <dgm:cxn modelId="{66A6FC5A-650D-4DCA-9873-EF8C0F8D5B25}" srcId="{EA11EF9B-49B5-4B4B-A23C-30A33A626CEF}" destId="{B83BB2D1-2AAA-487E-96D2-4E08C1B4B870}" srcOrd="2" destOrd="0" parTransId="{D576BA97-8DF5-466F-B43E-1771380209F9}" sibTransId="{89AC9C6B-0816-45BC-BC39-1C8571ECC185}"/>
+    <dgm:cxn modelId="{589B7F81-1595-454C-9426-34822A8BE7BB}" type="presOf" srcId="{5BDDA11E-408B-46F3-9205-6CB38E027902}" destId="{321956AE-74F3-49AC-9D66-F6405DBDCF84}" srcOrd="0" destOrd="0" presId="urn:microsoft.com/office/officeart/2005/8/layout/vList2"/>
+    <dgm:cxn modelId="{AC742EA3-FA05-48AA-AD78-0E362DAA1876}" type="presOf" srcId="{EA11EF9B-49B5-4B4B-A23C-30A33A626CEF}" destId="{EE302915-CB3C-4DBF-B6AF-405BDD86549C}" srcOrd="0" destOrd="0" presId="urn:microsoft.com/office/officeart/2005/8/layout/vList2"/>
+    <dgm:cxn modelId="{CCC66DC2-0C13-4555-AAD3-184DFE86635F}" type="presOf" srcId="{B235E91F-8ACC-4439-BB96-8C72661B8223}" destId="{B22E8D19-BF02-47AB-AB46-1999B1E5B2BE}" srcOrd="0" destOrd="0" presId="urn:microsoft.com/office/officeart/2005/8/layout/vList2"/>
+    <dgm:cxn modelId="{A36BA5A6-6CD1-4C94-B8F8-13889EA036F3}" type="presParOf" srcId="{EE302915-CB3C-4DBF-B6AF-405BDD86549C}" destId="{B22E8D19-BF02-47AB-AB46-1999B1E5B2BE}" srcOrd="0" destOrd="0" presId="urn:microsoft.com/office/officeart/2005/8/layout/vList2"/>
+    <dgm:cxn modelId="{D57AD113-7C92-4E7E-9BBF-9976E49076C5}" type="presParOf" srcId="{EE302915-CB3C-4DBF-B6AF-405BDD86549C}" destId="{FB627939-8EB5-4B45-8AF0-30B1E8EFC317}" srcOrd="1" destOrd="0" presId="urn:microsoft.com/office/officeart/2005/8/layout/vList2"/>
+    <dgm:cxn modelId="{DB3B4B00-94EB-44A0-8D51-0ED305F6DE1E}" type="presParOf" srcId="{EE302915-CB3C-4DBF-B6AF-405BDD86549C}" destId="{321956AE-74F3-49AC-9D66-F6405DBDCF84}" srcOrd="2" destOrd="0" presId="urn:microsoft.com/office/officeart/2005/8/layout/vList2"/>
+    <dgm:cxn modelId="{69A214FA-737C-4885-88D7-E0E988DCA66A}" type="presParOf" srcId="{EE302915-CB3C-4DBF-B6AF-405BDD86549C}" destId="{77023296-D815-45E8-A01C-A9965C125C6D}" srcOrd="3" destOrd="0" presId="urn:microsoft.com/office/officeart/2005/8/layout/vList2"/>
+    <dgm:cxn modelId="{32710BB6-1452-49E3-AA53-6A6893CEB2A2}" type="presParOf" srcId="{EE302915-CB3C-4DBF-B6AF-405BDD86549C}" destId="{AA8189F0-6CBD-4F5A-A35E-39B4FCF16DDF}" srcOrd="4" destOrd="0" presId="urn:microsoft.com/office/officeart/2005/8/layout/vList2"/>
+  </dgm:cxnLst>
+  <dgm:bg/>
+  <dgm:whole/>
+  <dgm:extLst>
+    <a:ext uri="http://schemas.microsoft.com/office/drawing/2008/diagram">
+      <dsp:dataModelExt xmlns:dsp="http://schemas.microsoft.com/office/drawing/2008/diagram" relId="rId6" minVer="http://schemas.openxmlformats.org/drawingml/2006/diagram"/>
+    </a:ext>
+  </dgm:extLst>
+</dgm:dataModel>
+</file>
+
+<file path=ppt/diagrams/data3.xml><?xml version="1.0" encoding="utf-8"?>
+<dgm:dataModel xmlns:dgm="http://schemas.openxmlformats.org/drawingml/2006/diagram" xmlns:a="http://schemas.openxmlformats.org/drawingml/2006/main">
+  <dgm:ptLst>
+    <dgm:pt modelId="{D72AF77E-27F0-4CD1-9DC8-E8B14EFC33B1}" type="doc">
+      <dgm:prSet loTypeId="urn:microsoft.com/office/officeart/2005/8/layout/vList2" loCatId="list" qsTypeId="urn:microsoft.com/office/officeart/2005/8/quickstyle/simple4" qsCatId="simple" csTypeId="urn:microsoft.com/office/officeart/2005/8/colors/colorful5" csCatId="colorful" phldr="1"/>
+      <dgm:spPr/>
+      <dgm:t>
+        <a:bodyPr/>
+        <a:lstStyle/>
+        <a:p>
+          <a:endParaRPr lang="en-US"/>
+        </a:p>
+      </dgm:t>
+    </dgm:pt>
+    <dgm:pt modelId="{CB65C4D0-EFE1-436B-B3E6-BBED7B401392}">
+      <dgm:prSet/>
+      <dgm:spPr/>
+      <dgm:t>
+        <a:bodyPr/>
+        <a:lstStyle/>
+        <a:p>
+          <a:r>
+            <a:rPr lang="fr-FR" dirty="0"/>
+            <a:t>Il faut que les sous-classes du Prototype implémentent la méthode clone, ce qui n’est pas toujours évident. (e.g. des attributs de la classe qui ne sont pas clonables).</a:t>
+          </a:r>
+          <a:endParaRPr lang="en-US" dirty="0"/>
+        </a:p>
+      </dgm:t>
+    </dgm:pt>
+    <dgm:pt modelId="{D63700AC-4E0F-458A-8039-BEF5EB266022}" type="parTrans" cxnId="{1C50508A-77BA-4255-86D3-25B66E8AFED5}">
+      <dgm:prSet/>
+      <dgm:spPr/>
+      <dgm:t>
+        <a:bodyPr/>
+        <a:lstStyle/>
+        <a:p>
+          <a:endParaRPr lang="en-US"/>
+        </a:p>
+      </dgm:t>
+    </dgm:pt>
+    <dgm:pt modelId="{11C5418D-587F-4529-9400-6E377B716CDA}" type="sibTrans" cxnId="{1C50508A-77BA-4255-86D3-25B66E8AFED5}">
+      <dgm:prSet/>
+      <dgm:spPr/>
+      <dgm:t>
+        <a:bodyPr/>
+        <a:lstStyle/>
+        <a:p>
+          <a:endParaRPr lang="en-US"/>
+        </a:p>
+      </dgm:t>
+    </dgm:pt>
+    <dgm:pt modelId="{7A4CE4EA-7D70-4AA3-8271-C22F61B96AA0}">
+      <dgm:prSet/>
+      <dgm:spPr/>
+      <dgm:t>
+        <a:bodyPr/>
+        <a:lstStyle/>
+        <a:p>
+          <a:r>
+            <a:rPr lang="fr-FR" dirty="0"/>
+            <a:t>Peut être coûteux d’avoir plusieurs prototypes en mémoire.</a:t>
+          </a:r>
+          <a:endParaRPr lang="en-US" dirty="0"/>
+        </a:p>
+      </dgm:t>
+    </dgm:pt>
+    <dgm:pt modelId="{023E8D18-08A1-454A-B2DA-03EE70FED548}" type="parTrans" cxnId="{D82A90D1-2C53-4756-8C0F-800694144B88}">
+      <dgm:prSet/>
+      <dgm:spPr/>
+      <dgm:t>
+        <a:bodyPr/>
+        <a:lstStyle/>
+        <a:p>
+          <a:endParaRPr lang="en-US"/>
+        </a:p>
+      </dgm:t>
+    </dgm:pt>
+    <dgm:pt modelId="{9BB4F799-3E29-45E5-9D23-CD79D70C8A2F}" type="sibTrans" cxnId="{D82A90D1-2C53-4756-8C0F-800694144B88}">
+      <dgm:prSet/>
+      <dgm:spPr/>
+      <dgm:t>
+        <a:bodyPr/>
+        <a:lstStyle/>
+        <a:p>
+          <a:endParaRPr lang="en-US"/>
+        </a:p>
+      </dgm:t>
+    </dgm:pt>
+    <dgm:pt modelId="{679D17D3-34C1-41E7-96FD-19EF1A149061}" type="pres">
+      <dgm:prSet presAssocID="{D72AF77E-27F0-4CD1-9DC8-E8B14EFC33B1}" presName="linear" presStyleCnt="0">
+        <dgm:presLayoutVars>
+          <dgm:animLvl val="lvl"/>
+          <dgm:resizeHandles val="exact"/>
+        </dgm:presLayoutVars>
+      </dgm:prSet>
+      <dgm:spPr/>
+    </dgm:pt>
+    <dgm:pt modelId="{8F22ED1B-995C-42AD-8158-B48FDB9A17A6}" type="pres">
+      <dgm:prSet presAssocID="{CB65C4D0-EFE1-436B-B3E6-BBED7B401392}" presName="parentText" presStyleLbl="node1" presStyleIdx="0" presStyleCnt="2">
+        <dgm:presLayoutVars>
+          <dgm:chMax val="0"/>
+          <dgm:bulletEnabled val="1"/>
+        </dgm:presLayoutVars>
+      </dgm:prSet>
+      <dgm:spPr/>
+    </dgm:pt>
+    <dgm:pt modelId="{6BEC8F7E-9C97-4956-B38E-2E2136914FB2}" type="pres">
+      <dgm:prSet presAssocID="{11C5418D-587F-4529-9400-6E377B716CDA}" presName="spacer" presStyleCnt="0"/>
+      <dgm:spPr/>
+    </dgm:pt>
+    <dgm:pt modelId="{1A8D9A95-E06D-4763-8ACE-C499047426FB}" type="pres">
+      <dgm:prSet presAssocID="{7A4CE4EA-7D70-4AA3-8271-C22F61B96AA0}" presName="parentText" presStyleLbl="node1" presStyleIdx="1" presStyleCnt="2">
+        <dgm:presLayoutVars>
+          <dgm:chMax val="0"/>
+          <dgm:bulletEnabled val="1"/>
+        </dgm:presLayoutVars>
+      </dgm:prSet>
+      <dgm:spPr/>
+    </dgm:pt>
+  </dgm:ptLst>
+  <dgm:cxnLst>
+    <dgm:cxn modelId="{B1689C02-5BE6-40C6-8B52-0B4F928FDBE9}" type="presOf" srcId="{CB65C4D0-EFE1-436B-B3E6-BBED7B401392}" destId="{8F22ED1B-995C-42AD-8158-B48FDB9A17A6}" srcOrd="0" destOrd="0" presId="urn:microsoft.com/office/officeart/2005/8/layout/vList2"/>
+    <dgm:cxn modelId="{2A747B1F-1AD1-4903-8426-59B1F89FD14F}" type="presOf" srcId="{D72AF77E-27F0-4CD1-9DC8-E8B14EFC33B1}" destId="{679D17D3-34C1-41E7-96FD-19EF1A149061}" srcOrd="0" destOrd="0" presId="urn:microsoft.com/office/officeart/2005/8/layout/vList2"/>
+    <dgm:cxn modelId="{443D6345-1D19-492A-8329-808B03D56517}" type="presOf" srcId="{7A4CE4EA-7D70-4AA3-8271-C22F61B96AA0}" destId="{1A8D9A95-E06D-4763-8ACE-C499047426FB}" srcOrd="0" destOrd="0" presId="urn:microsoft.com/office/officeart/2005/8/layout/vList2"/>
+    <dgm:cxn modelId="{1C50508A-77BA-4255-86D3-25B66E8AFED5}" srcId="{D72AF77E-27F0-4CD1-9DC8-E8B14EFC33B1}" destId="{CB65C4D0-EFE1-436B-B3E6-BBED7B401392}" srcOrd="0" destOrd="0" parTransId="{D63700AC-4E0F-458A-8039-BEF5EB266022}" sibTransId="{11C5418D-587F-4529-9400-6E377B716CDA}"/>
+    <dgm:cxn modelId="{D82A90D1-2C53-4756-8C0F-800694144B88}" srcId="{D72AF77E-27F0-4CD1-9DC8-E8B14EFC33B1}" destId="{7A4CE4EA-7D70-4AA3-8271-C22F61B96AA0}" srcOrd="1" destOrd="0" parTransId="{023E8D18-08A1-454A-B2DA-03EE70FED548}" sibTransId="{9BB4F799-3E29-45E5-9D23-CD79D70C8A2F}"/>
+    <dgm:cxn modelId="{4D13C08F-5F37-4040-A04E-D097A2D44C38}" type="presParOf" srcId="{679D17D3-34C1-41E7-96FD-19EF1A149061}" destId="{8F22ED1B-995C-42AD-8158-B48FDB9A17A6}" srcOrd="0" destOrd="0" presId="urn:microsoft.com/office/officeart/2005/8/layout/vList2"/>
+    <dgm:cxn modelId="{EA438386-7F2D-4AB9-BE99-0DEF7BCBEAB9}" type="presParOf" srcId="{679D17D3-34C1-41E7-96FD-19EF1A149061}" destId="{6BEC8F7E-9C97-4956-B38E-2E2136914FB2}" srcOrd="1" destOrd="0" presId="urn:microsoft.com/office/officeart/2005/8/layout/vList2"/>
+    <dgm:cxn modelId="{721C92EB-F01F-4915-9BEF-8DCD98E70B58}" type="presParOf" srcId="{679D17D3-34C1-41E7-96FD-19EF1A149061}" destId="{1A8D9A95-E06D-4763-8ACE-C499047426FB}" srcOrd="2" destOrd="0" presId="urn:microsoft.com/office/officeart/2005/8/layout/vList2"/>
   </dgm:cxnLst>
   <dgm:bg/>
   <dgm:whole/>
@@ -1841,7 +3744,830 @@
 </dsp:drawing>
 </file>
 
+<file path=ppt/diagrams/drawing2.xml><?xml version="1.0" encoding="utf-8"?>
+<dsp:drawing xmlns:dgm="http://schemas.openxmlformats.org/drawingml/2006/diagram" xmlns:dsp="http://schemas.microsoft.com/office/drawing/2008/diagram" xmlns:a="http://schemas.openxmlformats.org/drawingml/2006/main">
+  <dsp:spTree>
+    <dsp:nvGrpSpPr>
+      <dsp:cNvPr id="0" name=""/>
+      <dsp:cNvGrpSpPr/>
+    </dsp:nvGrpSpPr>
+    <dsp:grpSpPr/>
+    <dsp:sp modelId="{B22E8D19-BF02-47AB-AB46-1999B1E5B2BE}">
+      <dsp:nvSpPr>
+        <dsp:cNvPr id="0" name=""/>
+        <dsp:cNvSpPr/>
+      </dsp:nvSpPr>
+      <dsp:spPr>
+        <a:xfrm>
+          <a:off x="0" y="528929"/>
+          <a:ext cx="6692813" cy="1210949"/>
+        </a:xfrm>
+        <a:prstGeom prst="roundRect">
+          <a:avLst/>
+        </a:prstGeom>
+        <a:gradFill rotWithShape="0">
+          <a:gsLst>
+            <a:gs pos="0">
+              <a:schemeClr val="accent2">
+                <a:hueOff val="0"/>
+                <a:satOff val="0"/>
+                <a:lumOff val="0"/>
+                <a:alphaOff val="0"/>
+                <a:tint val="96000"/>
+                <a:lumMod val="100000"/>
+              </a:schemeClr>
+            </a:gs>
+            <a:gs pos="78000">
+              <a:schemeClr val="accent2">
+                <a:hueOff val="0"/>
+                <a:satOff val="0"/>
+                <a:lumOff val="0"/>
+                <a:alphaOff val="0"/>
+                <a:shade val="94000"/>
+                <a:lumMod val="94000"/>
+              </a:schemeClr>
+            </a:gs>
+          </a:gsLst>
+          <a:lin ang="5400000" scaled="0"/>
+        </a:gradFill>
+        <a:ln>
+          <a:noFill/>
+        </a:ln>
+        <a:effectLst>
+          <a:outerShdw blurRad="38100" dist="25400" dir="5400000" rotWithShape="0">
+            <a:srgbClr val="000000">
+              <a:alpha val="35000"/>
+            </a:srgbClr>
+          </a:outerShdw>
+        </a:effectLst>
+      </dsp:spPr>
+      <dsp:style>
+        <a:lnRef idx="0">
+          <a:scrgbClr r="0" g="0" b="0"/>
+        </a:lnRef>
+        <a:fillRef idx="3">
+          <a:scrgbClr r="0" g="0" b="0"/>
+        </a:fillRef>
+        <a:effectRef idx="2">
+          <a:scrgbClr r="0" g="0" b="0"/>
+        </a:effectRef>
+        <a:fontRef idx="minor">
+          <a:schemeClr val="lt1"/>
+        </a:fontRef>
+      </dsp:style>
+      <dsp:txBody>
+        <a:bodyPr spcFirstLastPara="0" vert="horz" wrap="square" lIns="87630" tIns="87630" rIns="87630" bIns="87630" numCol="1" spcCol="1270" anchor="ctr" anchorCtr="0">
+          <a:noAutofit/>
+        </a:bodyPr>
+        <a:lstStyle/>
+        <a:p>
+          <a:pPr marL="0" lvl="0" indent="0" algn="l" defTabSz="1022350">
+            <a:lnSpc>
+              <a:spcPct val="90000"/>
+            </a:lnSpc>
+            <a:spcBef>
+              <a:spcPct val="0"/>
+            </a:spcBef>
+            <a:spcAft>
+              <a:spcPct val="35000"/>
+            </a:spcAft>
+            <a:buNone/>
+          </a:pPr>
+          <a:r>
+            <a:rPr lang="fr-FR" sz="2300" kern="1200"/>
+            <a:t>Quand la création d’un objet est coûteuse, le modèle prototype est adapté. On n’a que cloner le prototype.</a:t>
+          </a:r>
+          <a:endParaRPr lang="en-US" sz="2300" kern="1200"/>
+        </a:p>
+      </dsp:txBody>
+      <dsp:txXfrm>
+        <a:off x="59114" y="588043"/>
+        <a:ext cx="6574585" cy="1092721"/>
+      </dsp:txXfrm>
+    </dsp:sp>
+    <dsp:sp modelId="{321956AE-74F3-49AC-9D66-F6405DBDCF84}">
+      <dsp:nvSpPr>
+        <dsp:cNvPr id="0" name=""/>
+        <dsp:cNvSpPr/>
+      </dsp:nvSpPr>
+      <dsp:spPr>
+        <a:xfrm>
+          <a:off x="0" y="1806119"/>
+          <a:ext cx="6692813" cy="1210949"/>
+        </a:xfrm>
+        <a:prstGeom prst="roundRect">
+          <a:avLst/>
+        </a:prstGeom>
+        <a:gradFill rotWithShape="0">
+          <a:gsLst>
+            <a:gs pos="0">
+              <a:schemeClr val="accent2">
+                <a:hueOff val="-9688523"/>
+                <a:satOff val="11169"/>
+                <a:lumOff val="3725"/>
+                <a:alphaOff val="0"/>
+                <a:tint val="96000"/>
+                <a:lumMod val="100000"/>
+              </a:schemeClr>
+            </a:gs>
+            <a:gs pos="78000">
+              <a:schemeClr val="accent2">
+                <a:hueOff val="-9688523"/>
+                <a:satOff val="11169"/>
+                <a:lumOff val="3725"/>
+                <a:alphaOff val="0"/>
+                <a:shade val="94000"/>
+                <a:lumMod val="94000"/>
+              </a:schemeClr>
+            </a:gs>
+          </a:gsLst>
+          <a:lin ang="5400000" scaled="0"/>
+        </a:gradFill>
+        <a:ln>
+          <a:noFill/>
+        </a:ln>
+        <a:effectLst>
+          <a:outerShdw blurRad="38100" dist="25400" dir="5400000" rotWithShape="0">
+            <a:srgbClr val="000000">
+              <a:alpha val="35000"/>
+            </a:srgbClr>
+          </a:outerShdw>
+        </a:effectLst>
+      </dsp:spPr>
+      <dsp:style>
+        <a:lnRef idx="0">
+          <a:scrgbClr r="0" g="0" b="0"/>
+        </a:lnRef>
+        <a:fillRef idx="3">
+          <a:scrgbClr r="0" g="0" b="0"/>
+        </a:fillRef>
+        <a:effectRef idx="2">
+          <a:scrgbClr r="0" g="0" b="0"/>
+        </a:effectRef>
+        <a:fontRef idx="minor">
+          <a:schemeClr val="lt1"/>
+        </a:fontRef>
+      </dsp:style>
+      <dsp:txBody>
+        <a:bodyPr spcFirstLastPara="0" vert="horz" wrap="square" lIns="87630" tIns="87630" rIns="87630" bIns="87630" numCol="1" spcCol="1270" anchor="ctr" anchorCtr="0">
+          <a:noAutofit/>
+        </a:bodyPr>
+        <a:lstStyle/>
+        <a:p>
+          <a:pPr marL="0" lvl="0" indent="0" algn="l" defTabSz="1022350">
+            <a:lnSpc>
+              <a:spcPct val="90000"/>
+            </a:lnSpc>
+            <a:spcBef>
+              <a:spcPct val="0"/>
+            </a:spcBef>
+            <a:spcAft>
+              <a:spcPct val="35000"/>
+            </a:spcAft>
+            <a:buNone/>
+          </a:pPr>
+          <a:r>
+            <a:rPr lang="fr-FR" sz="2300" kern="1200"/>
+            <a:t>Simplifie la hiérarchie des classes. (En contraste avec le Factory Pattern, il nous faut pas ici une hiérarchie parallèle de classes créateurs).</a:t>
+          </a:r>
+          <a:endParaRPr lang="en-US" sz="2300" kern="1200"/>
+        </a:p>
+      </dsp:txBody>
+      <dsp:txXfrm>
+        <a:off x="59114" y="1865233"/>
+        <a:ext cx="6574585" cy="1092721"/>
+      </dsp:txXfrm>
+    </dsp:sp>
+    <dsp:sp modelId="{AA8189F0-6CBD-4F5A-A35E-39B4FCF16DDF}">
+      <dsp:nvSpPr>
+        <dsp:cNvPr id="0" name=""/>
+        <dsp:cNvSpPr/>
+      </dsp:nvSpPr>
+      <dsp:spPr>
+        <a:xfrm>
+          <a:off x="0" y="3083309"/>
+          <a:ext cx="6692813" cy="1210949"/>
+        </a:xfrm>
+        <a:prstGeom prst="roundRect">
+          <a:avLst/>
+        </a:prstGeom>
+        <a:gradFill rotWithShape="0">
+          <a:gsLst>
+            <a:gs pos="0">
+              <a:schemeClr val="accent2">
+                <a:hueOff val="-19377047"/>
+                <a:satOff val="22338"/>
+                <a:lumOff val="7450"/>
+                <a:alphaOff val="0"/>
+                <a:tint val="96000"/>
+                <a:lumMod val="100000"/>
+              </a:schemeClr>
+            </a:gs>
+            <a:gs pos="78000">
+              <a:schemeClr val="accent2">
+                <a:hueOff val="-19377047"/>
+                <a:satOff val="22338"/>
+                <a:lumOff val="7450"/>
+                <a:alphaOff val="0"/>
+                <a:shade val="94000"/>
+                <a:lumMod val="94000"/>
+              </a:schemeClr>
+            </a:gs>
+          </a:gsLst>
+          <a:lin ang="5400000" scaled="0"/>
+        </a:gradFill>
+        <a:ln>
+          <a:noFill/>
+        </a:ln>
+        <a:effectLst>
+          <a:outerShdw blurRad="38100" dist="25400" dir="5400000" rotWithShape="0">
+            <a:srgbClr val="000000">
+              <a:alpha val="35000"/>
+            </a:srgbClr>
+          </a:outerShdw>
+        </a:effectLst>
+      </dsp:spPr>
+      <dsp:style>
+        <a:lnRef idx="0">
+          <a:scrgbClr r="0" g="0" b="0"/>
+        </a:lnRef>
+        <a:fillRef idx="3">
+          <a:scrgbClr r="0" g="0" b="0"/>
+        </a:fillRef>
+        <a:effectRef idx="2">
+          <a:scrgbClr r="0" g="0" b="0"/>
+        </a:effectRef>
+        <a:fontRef idx="minor">
+          <a:schemeClr val="lt1"/>
+        </a:fontRef>
+      </dsp:style>
+      <dsp:txBody>
+        <a:bodyPr spcFirstLastPara="0" vert="horz" wrap="square" lIns="87630" tIns="87630" rIns="87630" bIns="87630" numCol="1" spcCol="1270" anchor="ctr" anchorCtr="0">
+          <a:noAutofit/>
+        </a:bodyPr>
+        <a:lstStyle/>
+        <a:p>
+          <a:pPr marL="0" lvl="0" indent="0" algn="l" defTabSz="1022350">
+            <a:lnSpc>
+              <a:spcPct val="90000"/>
+            </a:lnSpc>
+            <a:spcBef>
+              <a:spcPct val="0"/>
+            </a:spcBef>
+            <a:spcAft>
+              <a:spcPct val="35000"/>
+            </a:spcAft>
+            <a:buNone/>
+          </a:pPr>
+          <a:r>
+            <a:rPr lang="fr-FR" sz="2300" kern="1200"/>
+            <a:t>La création de nouveaux objets at runtime (e.g. Si on fournit une méthode qui initialise les objets après le clonage).</a:t>
+          </a:r>
+          <a:endParaRPr lang="en-US" sz="2300" kern="1200"/>
+        </a:p>
+      </dsp:txBody>
+      <dsp:txXfrm>
+        <a:off x="59114" y="3142423"/>
+        <a:ext cx="6574585" cy="1092721"/>
+      </dsp:txXfrm>
+    </dsp:sp>
+  </dsp:spTree>
+</dsp:drawing>
+</file>
+
+<file path=ppt/diagrams/drawing3.xml><?xml version="1.0" encoding="utf-8"?>
+<dsp:drawing xmlns:dgm="http://schemas.openxmlformats.org/drawingml/2006/diagram" xmlns:dsp="http://schemas.microsoft.com/office/drawing/2008/diagram" xmlns:a="http://schemas.openxmlformats.org/drawingml/2006/main">
+  <dsp:spTree>
+    <dsp:nvGrpSpPr>
+      <dsp:cNvPr id="0" name=""/>
+      <dsp:cNvGrpSpPr/>
+    </dsp:nvGrpSpPr>
+    <dsp:grpSpPr/>
+    <dsp:sp modelId="{8F22ED1B-995C-42AD-8158-B48FDB9A17A6}">
+      <dsp:nvSpPr>
+        <dsp:cNvPr id="0" name=""/>
+        <dsp:cNvSpPr/>
+      </dsp:nvSpPr>
+      <dsp:spPr>
+        <a:xfrm>
+          <a:off x="0" y="12555"/>
+          <a:ext cx="6692813" cy="2358720"/>
+        </a:xfrm>
+        <a:prstGeom prst="roundRect">
+          <a:avLst/>
+        </a:prstGeom>
+        <a:gradFill rotWithShape="0">
+          <a:gsLst>
+            <a:gs pos="0">
+              <a:schemeClr val="accent5">
+                <a:hueOff val="0"/>
+                <a:satOff val="0"/>
+                <a:lumOff val="0"/>
+                <a:alphaOff val="0"/>
+                <a:tint val="96000"/>
+                <a:lumMod val="100000"/>
+              </a:schemeClr>
+            </a:gs>
+            <a:gs pos="78000">
+              <a:schemeClr val="accent5">
+                <a:hueOff val="0"/>
+                <a:satOff val="0"/>
+                <a:lumOff val="0"/>
+                <a:alphaOff val="0"/>
+                <a:shade val="94000"/>
+                <a:lumMod val="94000"/>
+              </a:schemeClr>
+            </a:gs>
+          </a:gsLst>
+          <a:lin ang="5400000" scaled="0"/>
+        </a:gradFill>
+        <a:ln>
+          <a:noFill/>
+        </a:ln>
+        <a:effectLst>
+          <a:outerShdw blurRad="38100" dist="25400" dir="5400000" rotWithShape="0">
+            <a:srgbClr val="000000">
+              <a:alpha val="35000"/>
+            </a:srgbClr>
+          </a:outerShdw>
+        </a:effectLst>
+      </dsp:spPr>
+      <dsp:style>
+        <a:lnRef idx="0">
+          <a:scrgbClr r="0" g="0" b="0"/>
+        </a:lnRef>
+        <a:fillRef idx="3">
+          <a:scrgbClr r="0" g="0" b="0"/>
+        </a:fillRef>
+        <a:effectRef idx="2">
+          <a:scrgbClr r="0" g="0" b="0"/>
+        </a:effectRef>
+        <a:fontRef idx="minor">
+          <a:schemeClr val="lt1"/>
+        </a:fontRef>
+      </dsp:style>
+      <dsp:txBody>
+        <a:bodyPr spcFirstLastPara="0" vert="horz" wrap="square" lIns="106680" tIns="106680" rIns="106680" bIns="106680" numCol="1" spcCol="1270" anchor="ctr" anchorCtr="0">
+          <a:noAutofit/>
+        </a:bodyPr>
+        <a:lstStyle/>
+        <a:p>
+          <a:pPr marL="0" lvl="0" indent="0" algn="l" defTabSz="1244600">
+            <a:lnSpc>
+              <a:spcPct val="90000"/>
+            </a:lnSpc>
+            <a:spcBef>
+              <a:spcPct val="0"/>
+            </a:spcBef>
+            <a:spcAft>
+              <a:spcPct val="35000"/>
+            </a:spcAft>
+            <a:buNone/>
+          </a:pPr>
+          <a:r>
+            <a:rPr lang="fr-FR" sz="2800" kern="1200" dirty="0"/>
+            <a:t>Il faut que les sous-classes du Prototype implémentent la méthode clone, ce qui n’est pas toujours évident. (e.g. des attributs de la classe qui ne sont pas clonables).</a:t>
+          </a:r>
+          <a:endParaRPr lang="en-US" sz="2800" kern="1200" dirty="0"/>
+        </a:p>
+      </dsp:txBody>
+      <dsp:txXfrm>
+        <a:off x="115143" y="127698"/>
+        <a:ext cx="6462527" cy="2128434"/>
+      </dsp:txXfrm>
+    </dsp:sp>
+    <dsp:sp modelId="{1A8D9A95-E06D-4763-8ACE-C499047426FB}">
+      <dsp:nvSpPr>
+        <dsp:cNvPr id="0" name=""/>
+        <dsp:cNvSpPr/>
+      </dsp:nvSpPr>
+      <dsp:spPr>
+        <a:xfrm>
+          <a:off x="0" y="2451915"/>
+          <a:ext cx="6692813" cy="2358720"/>
+        </a:xfrm>
+        <a:prstGeom prst="roundRect">
+          <a:avLst/>
+        </a:prstGeom>
+        <a:gradFill rotWithShape="0">
+          <a:gsLst>
+            <a:gs pos="0">
+              <a:schemeClr val="accent5">
+                <a:hueOff val="14211322"/>
+                <a:satOff val="-28541"/>
+                <a:lumOff val="16667"/>
+                <a:alphaOff val="0"/>
+                <a:tint val="96000"/>
+                <a:lumMod val="100000"/>
+              </a:schemeClr>
+            </a:gs>
+            <a:gs pos="78000">
+              <a:schemeClr val="accent5">
+                <a:hueOff val="14211322"/>
+                <a:satOff val="-28541"/>
+                <a:lumOff val="16667"/>
+                <a:alphaOff val="0"/>
+                <a:shade val="94000"/>
+                <a:lumMod val="94000"/>
+              </a:schemeClr>
+            </a:gs>
+          </a:gsLst>
+          <a:lin ang="5400000" scaled="0"/>
+        </a:gradFill>
+        <a:ln>
+          <a:noFill/>
+        </a:ln>
+        <a:effectLst>
+          <a:outerShdw blurRad="38100" dist="25400" dir="5400000" rotWithShape="0">
+            <a:srgbClr val="000000">
+              <a:alpha val="35000"/>
+            </a:srgbClr>
+          </a:outerShdw>
+        </a:effectLst>
+      </dsp:spPr>
+      <dsp:style>
+        <a:lnRef idx="0">
+          <a:scrgbClr r="0" g="0" b="0"/>
+        </a:lnRef>
+        <a:fillRef idx="3">
+          <a:scrgbClr r="0" g="0" b="0"/>
+        </a:fillRef>
+        <a:effectRef idx="2">
+          <a:scrgbClr r="0" g="0" b="0"/>
+        </a:effectRef>
+        <a:fontRef idx="minor">
+          <a:schemeClr val="lt1"/>
+        </a:fontRef>
+      </dsp:style>
+      <dsp:txBody>
+        <a:bodyPr spcFirstLastPara="0" vert="horz" wrap="square" lIns="106680" tIns="106680" rIns="106680" bIns="106680" numCol="1" spcCol="1270" anchor="ctr" anchorCtr="0">
+          <a:noAutofit/>
+        </a:bodyPr>
+        <a:lstStyle/>
+        <a:p>
+          <a:pPr marL="0" lvl="0" indent="0" algn="l" defTabSz="1244600">
+            <a:lnSpc>
+              <a:spcPct val="90000"/>
+            </a:lnSpc>
+            <a:spcBef>
+              <a:spcPct val="0"/>
+            </a:spcBef>
+            <a:spcAft>
+              <a:spcPct val="35000"/>
+            </a:spcAft>
+            <a:buNone/>
+          </a:pPr>
+          <a:r>
+            <a:rPr lang="fr-FR" sz="2800" kern="1200" dirty="0"/>
+            <a:t>Peut être coûteux d’avoir plusieurs prototypes en mémoire.</a:t>
+          </a:r>
+          <a:endParaRPr lang="en-US" sz="2800" kern="1200" dirty="0"/>
+        </a:p>
+      </dsp:txBody>
+      <dsp:txXfrm>
+        <a:off x="115143" y="2567058"/>
+        <a:ext cx="6462527" cy="2128434"/>
+      </dsp:txXfrm>
+    </dsp:sp>
+  </dsp:spTree>
+</dsp:drawing>
+</file>
+
 <file path=ppt/diagrams/layout1.xml><?xml version="1.0" encoding="utf-8"?>
+<dgm:layoutDef xmlns:dgm="http://schemas.openxmlformats.org/drawingml/2006/diagram" xmlns:a="http://schemas.openxmlformats.org/drawingml/2006/main" uniqueId="urn:microsoft.com/office/officeart/2005/8/layout/vList2">
+  <dgm:title val=""/>
+  <dgm:desc val=""/>
+  <dgm:catLst>
+    <dgm:cat type="list" pri="3000"/>
+    <dgm:cat type="convert" pri="1000"/>
+  </dgm:catLst>
+  <dgm:sampData>
+    <dgm:dataModel>
+      <dgm:ptLst>
+        <dgm:pt modelId="0" type="doc"/>
+        <dgm:pt modelId="1">
+          <dgm:prSet phldr="1"/>
+        </dgm:pt>
+        <dgm:pt modelId="11">
+          <dgm:prSet phldr="1"/>
+        </dgm:pt>
+        <dgm:pt modelId="2">
+          <dgm:prSet phldr="1"/>
+        </dgm:pt>
+        <dgm:pt modelId="21">
+          <dgm:prSet phldr="1"/>
+        </dgm:pt>
+      </dgm:ptLst>
+      <dgm:cxnLst>
+        <dgm:cxn modelId="4" srcId="0" destId="1" srcOrd="0" destOrd="0"/>
+        <dgm:cxn modelId="5" srcId="0" destId="2" srcOrd="1" destOrd="0"/>
+        <dgm:cxn modelId="12" srcId="1" destId="11" srcOrd="0" destOrd="0"/>
+        <dgm:cxn modelId="23" srcId="2" destId="21" srcOrd="0" destOrd="0"/>
+      </dgm:cxnLst>
+      <dgm:bg/>
+      <dgm:whole/>
+    </dgm:dataModel>
+  </dgm:sampData>
+  <dgm:styleData>
+    <dgm:dataModel>
+      <dgm:ptLst>
+        <dgm:pt modelId="0" type="doc"/>
+        <dgm:pt modelId="1"/>
+        <dgm:pt modelId="2"/>
+      </dgm:ptLst>
+      <dgm:cxnLst>
+        <dgm:cxn modelId="3" srcId="0" destId="1" srcOrd="0" destOrd="0"/>
+        <dgm:cxn modelId="4" srcId="0" destId="2" srcOrd="1" destOrd="0"/>
+      </dgm:cxnLst>
+      <dgm:bg/>
+      <dgm:whole/>
+    </dgm:dataModel>
+  </dgm:styleData>
+  <dgm:clrData>
+    <dgm:dataModel>
+      <dgm:ptLst>
+        <dgm:pt modelId="0" type="doc"/>
+        <dgm:pt modelId="1"/>
+        <dgm:pt modelId="2"/>
+        <dgm:pt modelId="3"/>
+        <dgm:pt modelId="4"/>
+      </dgm:ptLst>
+      <dgm:cxnLst>
+        <dgm:cxn modelId="5" srcId="0" destId="1" srcOrd="0" destOrd="0"/>
+        <dgm:cxn modelId="6" srcId="0" destId="2" srcOrd="1" destOrd="0"/>
+        <dgm:cxn modelId="7" srcId="0" destId="3" srcOrd="2" destOrd="0"/>
+        <dgm:cxn modelId="8" srcId="0" destId="4" srcOrd="3" destOrd="0"/>
+      </dgm:cxnLst>
+      <dgm:bg/>
+      <dgm:whole/>
+    </dgm:dataModel>
+  </dgm:clrData>
+  <dgm:layoutNode name="linear">
+    <dgm:varLst>
+      <dgm:animLvl val="lvl"/>
+      <dgm:resizeHandles val="exact"/>
+    </dgm:varLst>
+    <dgm:alg type="lin">
+      <dgm:param type="linDir" val="fromT"/>
+      <dgm:param type="vertAlign" val="mid"/>
+    </dgm:alg>
+    <dgm:shape xmlns:r="http://schemas.openxmlformats.org/officeDocument/2006/relationships" r:blip="">
+      <dgm:adjLst/>
+    </dgm:shape>
+    <dgm:presOf/>
+    <dgm:constrLst>
+      <dgm:constr type="w" for="ch" forName="parentText" refType="w"/>
+      <dgm:constr type="h" for="ch" forName="parentText" refType="primFontSz" refFor="ch" refForName="parentText" fact="0.52"/>
+      <dgm:constr type="w" for="ch" forName="childText" refType="w"/>
+      <dgm:constr type="h" for="ch" forName="childText" refType="primFontSz" refFor="ch" refForName="parentText" fact="0.46"/>
+      <dgm:constr type="h" for="ch" forName="parentText" op="equ"/>
+      <dgm:constr type="primFontSz" for="ch" forName="parentText" op="equ" val="65"/>
+      <dgm:constr type="primFontSz" for="ch" forName="childText" refType="primFontSz" refFor="ch" refForName="parentText" op="equ"/>
+      <dgm:constr type="h" for="ch" forName="spacer" refType="primFontSz" refFor="ch" refForName="parentText" fact="0.08"/>
+    </dgm:constrLst>
+    <dgm:ruleLst>
+      <dgm:rule type="primFontSz" for="ch" forName="parentText" val="5" fact="NaN" max="NaN"/>
+    </dgm:ruleLst>
+    <dgm:forEach name="Name0" axis="ch" ptType="node">
+      <dgm:layoutNode name="parentText" styleLbl="node1">
+        <dgm:varLst>
+          <dgm:chMax val="0"/>
+          <dgm:bulletEnabled val="1"/>
+        </dgm:varLst>
+        <dgm:alg type="tx">
+          <dgm:param type="parTxLTRAlign" val="l"/>
+          <dgm:param type="parTxRTLAlign" val="r"/>
+        </dgm:alg>
+        <dgm:shape xmlns:r="http://schemas.openxmlformats.org/officeDocument/2006/relationships" type="roundRect" r:blip="">
+          <dgm:adjLst/>
+        </dgm:shape>
+        <dgm:presOf axis="self"/>
+        <dgm:constrLst>
+          <dgm:constr type="tMarg" refType="primFontSz" fact="0.3"/>
+          <dgm:constr type="bMarg" refType="primFontSz" fact="0.3"/>
+          <dgm:constr type="lMarg" refType="primFontSz" fact="0.3"/>
+          <dgm:constr type="rMarg" refType="primFontSz" fact="0.3"/>
+        </dgm:constrLst>
+        <dgm:ruleLst>
+          <dgm:rule type="h" val="INF" fact="NaN" max="NaN"/>
+        </dgm:ruleLst>
+      </dgm:layoutNode>
+      <dgm:choose name="Name1">
+        <dgm:if name="Name2" axis="ch" ptType="node" func="cnt" op="gte" val="1">
+          <dgm:layoutNode name="childText" styleLbl="revTx">
+            <dgm:varLst>
+              <dgm:bulletEnabled val="1"/>
+            </dgm:varLst>
+            <dgm:alg type="tx">
+              <dgm:param type="stBulletLvl" val="1"/>
+              <dgm:param type="lnSpAfChP" val="20"/>
+            </dgm:alg>
+            <dgm:shape xmlns:r="http://schemas.openxmlformats.org/officeDocument/2006/relationships" type="rect" r:blip="">
+              <dgm:adjLst/>
+            </dgm:shape>
+            <dgm:presOf axis="des" ptType="node"/>
+            <dgm:constrLst>
+              <dgm:constr type="tMarg" refType="primFontSz" fact="0.1"/>
+              <dgm:constr type="bMarg" refType="primFontSz" fact="0.1"/>
+              <dgm:constr type="lMarg" refType="w" fact="0.09"/>
+            </dgm:constrLst>
+            <dgm:ruleLst>
+              <dgm:rule type="h" val="INF" fact="NaN" max="NaN"/>
+            </dgm:ruleLst>
+          </dgm:layoutNode>
+        </dgm:if>
+        <dgm:else name="Name3">
+          <dgm:choose name="Name4">
+            <dgm:if name="Name5" axis="par ch" ptType="doc node" func="cnt" op="gte" val="2">
+              <dgm:forEach name="Name6" axis="followSib" ptType="sibTrans" cnt="1">
+                <dgm:layoutNode name="spacer">
+                  <dgm:alg type="sp"/>
+                  <dgm:shape xmlns:r="http://schemas.openxmlformats.org/officeDocument/2006/relationships" r:blip="">
+                    <dgm:adjLst/>
+                  </dgm:shape>
+                  <dgm:presOf/>
+                  <dgm:constrLst/>
+                  <dgm:ruleLst/>
+                </dgm:layoutNode>
+              </dgm:forEach>
+            </dgm:if>
+            <dgm:else name="Name7"/>
+          </dgm:choose>
+        </dgm:else>
+      </dgm:choose>
+    </dgm:forEach>
+  </dgm:layoutNode>
+</dgm:layoutDef>
+</file>
+
+<file path=ppt/diagrams/layout2.xml><?xml version="1.0" encoding="utf-8"?>
+<dgm:layoutDef xmlns:dgm="http://schemas.openxmlformats.org/drawingml/2006/diagram" xmlns:a="http://schemas.openxmlformats.org/drawingml/2006/main" uniqueId="urn:microsoft.com/office/officeart/2005/8/layout/vList2">
+  <dgm:title val=""/>
+  <dgm:desc val=""/>
+  <dgm:catLst>
+    <dgm:cat type="list" pri="3000"/>
+    <dgm:cat type="convert" pri="1000"/>
+  </dgm:catLst>
+  <dgm:sampData>
+    <dgm:dataModel>
+      <dgm:ptLst>
+        <dgm:pt modelId="0" type="doc"/>
+        <dgm:pt modelId="1">
+          <dgm:prSet phldr="1"/>
+        </dgm:pt>
+        <dgm:pt modelId="11">
+          <dgm:prSet phldr="1"/>
+        </dgm:pt>
+        <dgm:pt modelId="2">
+          <dgm:prSet phldr="1"/>
+        </dgm:pt>
+        <dgm:pt modelId="21">
+          <dgm:prSet phldr="1"/>
+        </dgm:pt>
+      </dgm:ptLst>
+      <dgm:cxnLst>
+        <dgm:cxn modelId="4" srcId="0" destId="1" srcOrd="0" destOrd="0"/>
+        <dgm:cxn modelId="5" srcId="0" destId="2" srcOrd="1" destOrd="0"/>
+        <dgm:cxn modelId="12" srcId="1" destId="11" srcOrd="0" destOrd="0"/>
+        <dgm:cxn modelId="23" srcId="2" destId="21" srcOrd="0" destOrd="0"/>
+      </dgm:cxnLst>
+      <dgm:bg/>
+      <dgm:whole/>
+    </dgm:dataModel>
+  </dgm:sampData>
+  <dgm:styleData>
+    <dgm:dataModel>
+      <dgm:ptLst>
+        <dgm:pt modelId="0" type="doc"/>
+        <dgm:pt modelId="1"/>
+        <dgm:pt modelId="2"/>
+      </dgm:ptLst>
+      <dgm:cxnLst>
+        <dgm:cxn modelId="3" srcId="0" destId="1" srcOrd="0" destOrd="0"/>
+        <dgm:cxn modelId="4" srcId="0" destId="2" srcOrd="1" destOrd="0"/>
+      </dgm:cxnLst>
+      <dgm:bg/>
+      <dgm:whole/>
+    </dgm:dataModel>
+  </dgm:styleData>
+  <dgm:clrData>
+    <dgm:dataModel>
+      <dgm:ptLst>
+        <dgm:pt modelId="0" type="doc"/>
+        <dgm:pt modelId="1"/>
+        <dgm:pt modelId="2"/>
+        <dgm:pt modelId="3"/>
+        <dgm:pt modelId="4"/>
+      </dgm:ptLst>
+      <dgm:cxnLst>
+        <dgm:cxn modelId="5" srcId="0" destId="1" srcOrd="0" destOrd="0"/>
+        <dgm:cxn modelId="6" srcId="0" destId="2" srcOrd="1" destOrd="0"/>
+        <dgm:cxn modelId="7" srcId="0" destId="3" srcOrd="2" destOrd="0"/>
+        <dgm:cxn modelId="8" srcId="0" destId="4" srcOrd="3" destOrd="0"/>
+      </dgm:cxnLst>
+      <dgm:bg/>
+      <dgm:whole/>
+    </dgm:dataModel>
+  </dgm:clrData>
+  <dgm:layoutNode name="linear">
+    <dgm:varLst>
+      <dgm:animLvl val="lvl"/>
+      <dgm:resizeHandles val="exact"/>
+    </dgm:varLst>
+    <dgm:alg type="lin">
+      <dgm:param type="linDir" val="fromT"/>
+      <dgm:param type="vertAlign" val="mid"/>
+    </dgm:alg>
+    <dgm:shape xmlns:r="http://schemas.openxmlformats.org/officeDocument/2006/relationships" r:blip="">
+      <dgm:adjLst/>
+    </dgm:shape>
+    <dgm:presOf/>
+    <dgm:constrLst>
+      <dgm:constr type="w" for="ch" forName="parentText" refType="w"/>
+      <dgm:constr type="h" for="ch" forName="parentText" refType="primFontSz" refFor="ch" refForName="parentText" fact="0.52"/>
+      <dgm:constr type="w" for="ch" forName="childText" refType="w"/>
+      <dgm:constr type="h" for="ch" forName="childText" refType="primFontSz" refFor="ch" refForName="parentText" fact="0.46"/>
+      <dgm:constr type="h" for="ch" forName="parentText" op="equ"/>
+      <dgm:constr type="primFontSz" for="ch" forName="parentText" op="equ" val="65"/>
+      <dgm:constr type="primFontSz" for="ch" forName="childText" refType="primFontSz" refFor="ch" refForName="parentText" op="equ"/>
+      <dgm:constr type="h" for="ch" forName="spacer" refType="primFontSz" refFor="ch" refForName="parentText" fact="0.08"/>
+    </dgm:constrLst>
+    <dgm:ruleLst>
+      <dgm:rule type="primFontSz" for="ch" forName="parentText" val="5" fact="NaN" max="NaN"/>
+    </dgm:ruleLst>
+    <dgm:forEach name="Name0" axis="ch" ptType="node">
+      <dgm:layoutNode name="parentText" styleLbl="node1">
+        <dgm:varLst>
+          <dgm:chMax val="0"/>
+          <dgm:bulletEnabled val="1"/>
+        </dgm:varLst>
+        <dgm:alg type="tx">
+          <dgm:param type="parTxLTRAlign" val="l"/>
+          <dgm:param type="parTxRTLAlign" val="r"/>
+        </dgm:alg>
+        <dgm:shape xmlns:r="http://schemas.openxmlformats.org/officeDocument/2006/relationships" type="roundRect" r:blip="">
+          <dgm:adjLst/>
+        </dgm:shape>
+        <dgm:presOf axis="self"/>
+        <dgm:constrLst>
+          <dgm:constr type="tMarg" refType="primFontSz" fact="0.3"/>
+          <dgm:constr type="bMarg" refType="primFontSz" fact="0.3"/>
+          <dgm:constr type="lMarg" refType="primFontSz" fact="0.3"/>
+          <dgm:constr type="rMarg" refType="primFontSz" fact="0.3"/>
+        </dgm:constrLst>
+        <dgm:ruleLst>
+          <dgm:rule type="h" val="INF" fact="NaN" max="NaN"/>
+        </dgm:ruleLst>
+      </dgm:layoutNode>
+      <dgm:choose name="Name1">
+        <dgm:if name="Name2" axis="ch" ptType="node" func="cnt" op="gte" val="1">
+          <dgm:layoutNode name="childText" styleLbl="revTx">
+            <dgm:varLst>
+              <dgm:bulletEnabled val="1"/>
+            </dgm:varLst>
+            <dgm:alg type="tx">
+              <dgm:param type="stBulletLvl" val="1"/>
+              <dgm:param type="lnSpAfChP" val="20"/>
+            </dgm:alg>
+            <dgm:shape xmlns:r="http://schemas.openxmlformats.org/officeDocument/2006/relationships" type="rect" r:blip="">
+              <dgm:adjLst/>
+            </dgm:shape>
+            <dgm:presOf axis="des" ptType="node"/>
+            <dgm:constrLst>
+              <dgm:constr type="tMarg" refType="primFontSz" fact="0.1"/>
+              <dgm:constr type="bMarg" refType="primFontSz" fact="0.1"/>
+              <dgm:constr type="lMarg" refType="w" fact="0.09"/>
+            </dgm:constrLst>
+            <dgm:ruleLst>
+              <dgm:rule type="h" val="INF" fact="NaN" max="NaN"/>
+            </dgm:ruleLst>
+          </dgm:layoutNode>
+        </dgm:if>
+        <dgm:else name="Name3">
+          <dgm:choose name="Name4">
+            <dgm:if name="Name5" axis="par ch" ptType="doc node" func="cnt" op="gte" val="2">
+              <dgm:forEach name="Name6" axis="followSib" ptType="sibTrans" cnt="1">
+                <dgm:layoutNode name="spacer">
+                  <dgm:alg type="sp"/>
+                  <dgm:shape xmlns:r="http://schemas.openxmlformats.org/officeDocument/2006/relationships" r:blip="">
+                    <dgm:adjLst/>
+                  </dgm:shape>
+                  <dgm:presOf/>
+                  <dgm:constrLst/>
+                  <dgm:ruleLst/>
+                </dgm:layoutNode>
+              </dgm:forEach>
+            </dgm:if>
+            <dgm:else name="Name7"/>
+          </dgm:choose>
+        </dgm:else>
+      </dgm:choose>
+    </dgm:forEach>
+  </dgm:layoutNode>
+</dgm:layoutDef>
+</file>
+
+<file path=ppt/diagrams/layout3.xml><?xml version="1.0" encoding="utf-8"?>
 <dgm:layoutDef xmlns:dgm="http://schemas.openxmlformats.org/drawingml/2006/diagram" xmlns:a="http://schemas.openxmlformats.org/drawingml/2006/main" uniqueId="urn:microsoft.com/office/officeart/2005/8/layout/vList2">
   <dgm:title val=""/>
   <dgm:desc val=""/>
@@ -3040,6 +5766,2622 @@
     </dgm:style>
   </dgm:styleLbl>
 </dgm:styleDef>
+</file>
+
+<file path=ppt/diagrams/quickStyle2.xml><?xml version="1.0" encoding="utf-8"?>
+<dgm:styleDef xmlns:dgm="http://schemas.openxmlformats.org/drawingml/2006/diagram" xmlns:a="http://schemas.openxmlformats.org/drawingml/2006/main" uniqueId="urn:microsoft.com/office/officeart/2005/8/quickstyle/simple4">
+  <dgm:title val=""/>
+  <dgm:desc val=""/>
+  <dgm:catLst>
+    <dgm:cat type="simple" pri="10400"/>
+  </dgm:catLst>
+  <dgm:scene3d>
+    <a:camera prst="orthographicFront"/>
+    <a:lightRig rig="threePt" dir="t"/>
+  </dgm:scene3d>
+  <dgm:styleLbl name="node0">
+    <dgm:scene3d>
+      <a:camera prst="orthographicFront"/>
+      <a:lightRig rig="threePt" dir="t"/>
+    </dgm:scene3d>
+    <dgm:sp3d/>
+    <dgm:txPr/>
+    <dgm:style>
+      <a:lnRef idx="0">
+        <a:scrgbClr r="0" g="0" b="0"/>
+      </a:lnRef>
+      <a:fillRef idx="3">
+        <a:scrgbClr r="0" g="0" b="0"/>
+      </a:fillRef>
+      <a:effectRef idx="2">
+        <a:scrgbClr r="0" g="0" b="0"/>
+      </a:effectRef>
+      <a:fontRef idx="minor">
+        <a:schemeClr val="lt1"/>
+      </a:fontRef>
+    </dgm:style>
+  </dgm:styleLbl>
+  <dgm:styleLbl name="lnNode1">
+    <dgm:scene3d>
+      <a:camera prst="orthographicFront"/>
+      <a:lightRig rig="threePt" dir="t"/>
+    </dgm:scene3d>
+    <dgm:sp3d/>
+    <dgm:txPr/>
+    <dgm:style>
+      <a:lnRef idx="1">
+        <a:scrgbClr r="0" g="0" b="0"/>
+      </a:lnRef>
+      <a:fillRef idx="3">
+        <a:scrgbClr r="0" g="0" b="0"/>
+      </a:fillRef>
+      <a:effectRef idx="2">
+        <a:scrgbClr r="0" g="0" b="0"/>
+      </a:effectRef>
+      <a:fontRef idx="minor">
+        <a:schemeClr val="lt1"/>
+      </a:fontRef>
+    </dgm:style>
+  </dgm:styleLbl>
+  <dgm:styleLbl name="vennNode1">
+    <dgm:scene3d>
+      <a:camera prst="orthographicFront"/>
+      <a:lightRig rig="threePt" dir="t"/>
+    </dgm:scene3d>
+    <dgm:sp3d/>
+    <dgm:txPr/>
+    <dgm:style>
+      <a:lnRef idx="0">
+        <a:scrgbClr r="0" g="0" b="0"/>
+      </a:lnRef>
+      <a:fillRef idx="3">
+        <a:scrgbClr r="0" g="0" b="0"/>
+      </a:fillRef>
+      <a:effectRef idx="0">
+        <a:scrgbClr r="0" g="0" b="0"/>
+      </a:effectRef>
+      <a:fontRef idx="minor">
+        <a:schemeClr val="tx1"/>
+      </a:fontRef>
+    </dgm:style>
+  </dgm:styleLbl>
+  <dgm:styleLbl name="alignNode1">
+    <dgm:scene3d>
+      <a:camera prst="orthographicFront"/>
+      <a:lightRig rig="threePt" dir="t"/>
+    </dgm:scene3d>
+    <dgm:sp3d/>
+    <dgm:txPr/>
+    <dgm:style>
+      <a:lnRef idx="1">
+        <a:scrgbClr r="0" g="0" b="0"/>
+      </a:lnRef>
+      <a:fillRef idx="3">
+        <a:scrgbClr r="0" g="0" b="0"/>
+      </a:fillRef>
+      <a:effectRef idx="2">
+        <a:scrgbClr r="0" g="0" b="0"/>
+      </a:effectRef>
+      <a:fontRef idx="minor">
+        <a:schemeClr val="lt1"/>
+      </a:fontRef>
+    </dgm:style>
+  </dgm:styleLbl>
+  <dgm:styleLbl name="node1">
+    <dgm:scene3d>
+      <a:camera prst="orthographicFront"/>
+      <a:lightRig rig="threePt" dir="t"/>
+    </dgm:scene3d>
+    <dgm:sp3d/>
+    <dgm:txPr/>
+    <dgm:style>
+      <a:lnRef idx="0">
+        <a:scrgbClr r="0" g="0" b="0"/>
+      </a:lnRef>
+      <a:fillRef idx="3">
+        <a:scrgbClr r="0" g="0" b="0"/>
+      </a:fillRef>
+      <a:effectRef idx="2">
+        <a:scrgbClr r="0" g="0" b="0"/>
+      </a:effectRef>
+      <a:fontRef idx="minor">
+        <a:schemeClr val="lt1"/>
+      </a:fontRef>
+    </dgm:style>
+  </dgm:styleLbl>
+  <dgm:styleLbl name="node2">
+    <dgm:scene3d>
+      <a:camera prst="orthographicFront"/>
+      <a:lightRig rig="threePt" dir="t"/>
+    </dgm:scene3d>
+    <dgm:sp3d/>
+    <dgm:txPr/>
+    <dgm:style>
+      <a:lnRef idx="0">
+        <a:scrgbClr r="0" g="0" b="0"/>
+      </a:lnRef>
+      <a:fillRef idx="3">
+        <a:scrgbClr r="0" g="0" b="0"/>
+      </a:fillRef>
+      <a:effectRef idx="2">
+        <a:scrgbClr r="0" g="0" b="0"/>
+      </a:effectRef>
+      <a:fontRef idx="minor">
+        <a:schemeClr val="lt1"/>
+      </a:fontRef>
+    </dgm:style>
+  </dgm:styleLbl>
+  <dgm:styleLbl name="node3">
+    <dgm:scene3d>
+      <a:camera prst="orthographicFront"/>
+      <a:lightRig rig="threePt" dir="t"/>
+    </dgm:scene3d>
+    <dgm:sp3d/>
+    <dgm:txPr/>
+    <dgm:style>
+      <a:lnRef idx="0">
+        <a:scrgbClr r="0" g="0" b="0"/>
+      </a:lnRef>
+      <a:fillRef idx="3">
+        <a:scrgbClr r="0" g="0" b="0"/>
+      </a:fillRef>
+      <a:effectRef idx="2">
+        <a:scrgbClr r="0" g="0" b="0"/>
+      </a:effectRef>
+      <a:fontRef idx="minor">
+        <a:schemeClr val="lt1"/>
+      </a:fontRef>
+    </dgm:style>
+  </dgm:styleLbl>
+  <dgm:styleLbl name="node4">
+    <dgm:scene3d>
+      <a:camera prst="orthographicFront"/>
+      <a:lightRig rig="threePt" dir="t"/>
+    </dgm:scene3d>
+    <dgm:sp3d/>
+    <dgm:txPr/>
+    <dgm:style>
+      <a:lnRef idx="0">
+        <a:scrgbClr r="0" g="0" b="0"/>
+      </a:lnRef>
+      <a:fillRef idx="3">
+        <a:scrgbClr r="0" g="0" b="0"/>
+      </a:fillRef>
+      <a:effectRef idx="2">
+        <a:scrgbClr r="0" g="0" b="0"/>
+      </a:effectRef>
+      <a:fontRef idx="minor">
+        <a:schemeClr val="lt1"/>
+      </a:fontRef>
+    </dgm:style>
+  </dgm:styleLbl>
+  <dgm:styleLbl name="fgImgPlace1">
+    <dgm:scene3d>
+      <a:camera prst="orthographicFront"/>
+      <a:lightRig rig="threePt" dir="t"/>
+    </dgm:scene3d>
+    <dgm:sp3d/>
+    <dgm:txPr/>
+    <dgm:style>
+      <a:lnRef idx="0">
+        <a:scrgbClr r="0" g="0" b="0"/>
+      </a:lnRef>
+      <a:fillRef idx="1">
+        <a:scrgbClr r="0" g="0" b="0"/>
+      </a:fillRef>
+      <a:effectRef idx="2">
+        <a:scrgbClr r="0" g="0" b="0"/>
+      </a:effectRef>
+      <a:fontRef idx="minor"/>
+    </dgm:style>
+  </dgm:styleLbl>
+  <dgm:styleLbl name="alignImgPlace1">
+    <dgm:scene3d>
+      <a:camera prst="orthographicFront"/>
+      <a:lightRig rig="threePt" dir="t"/>
+    </dgm:scene3d>
+    <dgm:sp3d/>
+    <dgm:txPr/>
+    <dgm:style>
+      <a:lnRef idx="0">
+        <a:scrgbClr r="0" g="0" b="0"/>
+      </a:lnRef>
+      <a:fillRef idx="1">
+        <a:scrgbClr r="0" g="0" b="0"/>
+      </a:fillRef>
+      <a:effectRef idx="2">
+        <a:scrgbClr r="0" g="0" b="0"/>
+      </a:effectRef>
+      <a:fontRef idx="minor"/>
+    </dgm:style>
+  </dgm:styleLbl>
+  <dgm:styleLbl name="bgImgPlace1">
+    <dgm:scene3d>
+      <a:camera prst="orthographicFront"/>
+      <a:lightRig rig="threePt" dir="t"/>
+    </dgm:scene3d>
+    <dgm:sp3d/>
+    <dgm:txPr/>
+    <dgm:style>
+      <a:lnRef idx="0">
+        <a:scrgbClr r="0" g="0" b="0"/>
+      </a:lnRef>
+      <a:fillRef idx="1">
+        <a:scrgbClr r="0" g="0" b="0"/>
+      </a:fillRef>
+      <a:effectRef idx="2">
+        <a:scrgbClr r="0" g="0" b="0"/>
+      </a:effectRef>
+      <a:fontRef idx="minor"/>
+    </dgm:style>
+  </dgm:styleLbl>
+  <dgm:styleLbl name="sibTrans2D1">
+    <dgm:scene3d>
+      <a:camera prst="orthographicFront"/>
+      <a:lightRig rig="threePt" dir="t"/>
+    </dgm:scene3d>
+    <dgm:sp3d/>
+    <dgm:txPr/>
+    <dgm:style>
+      <a:lnRef idx="0">
+        <a:scrgbClr r="0" g="0" b="0"/>
+      </a:lnRef>
+      <a:fillRef idx="3">
+        <a:scrgbClr r="0" g="0" b="0"/>
+      </a:fillRef>
+      <a:effectRef idx="2">
+        <a:scrgbClr r="0" g="0" b="0"/>
+      </a:effectRef>
+      <a:fontRef idx="minor">
+        <a:schemeClr val="lt1"/>
+      </a:fontRef>
+    </dgm:style>
+  </dgm:styleLbl>
+  <dgm:styleLbl name="fgSibTrans2D1">
+    <dgm:scene3d>
+      <a:camera prst="orthographicFront"/>
+      <a:lightRig rig="threePt" dir="t"/>
+    </dgm:scene3d>
+    <dgm:sp3d/>
+    <dgm:txPr/>
+    <dgm:style>
+      <a:lnRef idx="0">
+        <a:scrgbClr r="0" g="0" b="0"/>
+      </a:lnRef>
+      <a:fillRef idx="3">
+        <a:scrgbClr r="0" g="0" b="0"/>
+      </a:fillRef>
+      <a:effectRef idx="2">
+        <a:scrgbClr r="0" g="0" b="0"/>
+      </a:effectRef>
+      <a:fontRef idx="minor">
+        <a:schemeClr val="lt1"/>
+      </a:fontRef>
+    </dgm:style>
+  </dgm:styleLbl>
+  <dgm:styleLbl name="bgSibTrans2D1">
+    <dgm:scene3d>
+      <a:camera prst="orthographicFront"/>
+      <a:lightRig rig="threePt" dir="t"/>
+    </dgm:scene3d>
+    <dgm:sp3d/>
+    <dgm:txPr/>
+    <dgm:style>
+      <a:lnRef idx="0">
+        <a:scrgbClr r="0" g="0" b="0"/>
+      </a:lnRef>
+      <a:fillRef idx="3">
+        <a:scrgbClr r="0" g="0" b="0"/>
+      </a:fillRef>
+      <a:effectRef idx="2">
+        <a:scrgbClr r="0" g="0" b="0"/>
+      </a:effectRef>
+      <a:fontRef idx="minor">
+        <a:schemeClr val="lt1"/>
+      </a:fontRef>
+    </dgm:style>
+  </dgm:styleLbl>
+  <dgm:styleLbl name="sibTrans1D1">
+    <dgm:scene3d>
+      <a:camera prst="orthographicFront"/>
+      <a:lightRig rig="threePt" dir="t"/>
+    </dgm:scene3d>
+    <dgm:sp3d/>
+    <dgm:txPr/>
+    <dgm:style>
+      <a:lnRef idx="1">
+        <a:scrgbClr r="0" g="0" b="0"/>
+      </a:lnRef>
+      <a:fillRef idx="0">
+        <a:scrgbClr r="0" g="0" b="0"/>
+      </a:fillRef>
+      <a:effectRef idx="0">
+        <a:scrgbClr r="0" g="0" b="0"/>
+      </a:effectRef>
+      <a:fontRef idx="minor"/>
+    </dgm:style>
+  </dgm:styleLbl>
+  <dgm:styleLbl name="callout">
+    <dgm:scene3d>
+      <a:camera prst="orthographicFront"/>
+      <a:lightRig rig="threePt" dir="t"/>
+    </dgm:scene3d>
+    <dgm:sp3d/>
+    <dgm:txPr/>
+    <dgm:style>
+      <a:lnRef idx="2">
+        <a:scrgbClr r="0" g="0" b="0"/>
+      </a:lnRef>
+      <a:fillRef idx="1">
+        <a:scrgbClr r="0" g="0" b="0"/>
+      </a:fillRef>
+      <a:effectRef idx="1">
+        <a:scrgbClr r="0" g="0" b="0"/>
+      </a:effectRef>
+      <a:fontRef idx="minor"/>
+    </dgm:style>
+  </dgm:styleLbl>
+  <dgm:styleLbl name="asst0">
+    <dgm:scene3d>
+      <a:camera prst="orthographicFront"/>
+      <a:lightRig rig="threePt" dir="t"/>
+    </dgm:scene3d>
+    <dgm:sp3d/>
+    <dgm:txPr/>
+    <dgm:style>
+      <a:lnRef idx="0">
+        <a:scrgbClr r="0" g="0" b="0"/>
+      </a:lnRef>
+      <a:fillRef idx="3">
+        <a:scrgbClr r="0" g="0" b="0"/>
+      </a:fillRef>
+      <a:effectRef idx="2">
+        <a:scrgbClr r="0" g="0" b="0"/>
+      </a:effectRef>
+      <a:fontRef idx="minor">
+        <a:schemeClr val="lt1"/>
+      </a:fontRef>
+    </dgm:style>
+  </dgm:styleLbl>
+  <dgm:styleLbl name="asst1">
+    <dgm:scene3d>
+      <a:camera prst="orthographicFront"/>
+      <a:lightRig rig="threePt" dir="t"/>
+    </dgm:scene3d>
+    <dgm:sp3d/>
+    <dgm:txPr/>
+    <dgm:style>
+      <a:lnRef idx="0">
+        <a:scrgbClr r="0" g="0" b="0"/>
+      </a:lnRef>
+      <a:fillRef idx="3">
+        <a:scrgbClr r="0" g="0" b="0"/>
+      </a:fillRef>
+      <a:effectRef idx="2">
+        <a:scrgbClr r="0" g="0" b="0"/>
+      </a:effectRef>
+      <a:fontRef idx="minor">
+        <a:schemeClr val="lt1"/>
+      </a:fontRef>
+    </dgm:style>
+  </dgm:styleLbl>
+  <dgm:styleLbl name="asst2">
+    <dgm:scene3d>
+      <a:camera prst="orthographicFront"/>
+      <a:lightRig rig="threePt" dir="t"/>
+    </dgm:scene3d>
+    <dgm:sp3d/>
+    <dgm:txPr/>
+    <dgm:style>
+      <a:lnRef idx="0">
+        <a:scrgbClr r="0" g="0" b="0"/>
+      </a:lnRef>
+      <a:fillRef idx="3">
+        <a:scrgbClr r="0" g="0" b="0"/>
+      </a:fillRef>
+      <a:effectRef idx="2">
+        <a:scrgbClr r="0" g="0" b="0"/>
+      </a:effectRef>
+      <a:fontRef idx="minor">
+        <a:schemeClr val="lt1"/>
+      </a:fontRef>
+    </dgm:style>
+  </dgm:styleLbl>
+  <dgm:styleLbl name="asst3">
+    <dgm:scene3d>
+      <a:camera prst="orthographicFront"/>
+      <a:lightRig rig="threePt" dir="t"/>
+    </dgm:scene3d>
+    <dgm:sp3d/>
+    <dgm:txPr/>
+    <dgm:style>
+      <a:lnRef idx="0">
+        <a:scrgbClr r="0" g="0" b="0"/>
+      </a:lnRef>
+      <a:fillRef idx="3">
+        <a:scrgbClr r="0" g="0" b="0"/>
+      </a:fillRef>
+      <a:effectRef idx="2">
+        <a:scrgbClr r="0" g="0" b="0"/>
+      </a:effectRef>
+      <a:fontRef idx="minor">
+        <a:schemeClr val="lt1"/>
+      </a:fontRef>
+    </dgm:style>
+  </dgm:styleLbl>
+  <dgm:styleLbl name="asst4">
+    <dgm:scene3d>
+      <a:camera prst="orthographicFront"/>
+      <a:lightRig rig="threePt" dir="t"/>
+    </dgm:scene3d>
+    <dgm:sp3d/>
+    <dgm:txPr/>
+    <dgm:style>
+      <a:lnRef idx="0">
+        <a:scrgbClr r="0" g="0" b="0"/>
+      </a:lnRef>
+      <a:fillRef idx="3">
+        <a:scrgbClr r="0" g="0" b="0"/>
+      </a:fillRef>
+      <a:effectRef idx="2">
+        <a:scrgbClr r="0" g="0" b="0"/>
+      </a:effectRef>
+      <a:fontRef idx="minor">
+        <a:schemeClr val="lt1"/>
+      </a:fontRef>
+    </dgm:style>
+  </dgm:styleLbl>
+  <dgm:styleLbl name="parChTrans2D1">
+    <dgm:scene3d>
+      <a:camera prst="orthographicFront"/>
+      <a:lightRig rig="threePt" dir="t"/>
+    </dgm:scene3d>
+    <dgm:sp3d/>
+    <dgm:txPr/>
+    <dgm:style>
+      <a:lnRef idx="0">
+        <a:scrgbClr r="0" g="0" b="0"/>
+      </a:lnRef>
+      <a:fillRef idx="3">
+        <a:scrgbClr r="0" g="0" b="0"/>
+      </a:fillRef>
+      <a:effectRef idx="2">
+        <a:scrgbClr r="0" g="0" b="0"/>
+      </a:effectRef>
+      <a:fontRef idx="minor">
+        <a:schemeClr val="lt1"/>
+      </a:fontRef>
+    </dgm:style>
+  </dgm:styleLbl>
+  <dgm:styleLbl name="parChTrans2D2">
+    <dgm:scene3d>
+      <a:camera prst="orthographicFront"/>
+      <a:lightRig rig="threePt" dir="t"/>
+    </dgm:scene3d>
+    <dgm:sp3d/>
+    <dgm:txPr/>
+    <dgm:style>
+      <a:lnRef idx="0">
+        <a:scrgbClr r="0" g="0" b="0"/>
+      </a:lnRef>
+      <a:fillRef idx="3">
+        <a:scrgbClr r="0" g="0" b="0"/>
+      </a:fillRef>
+      <a:effectRef idx="2">
+        <a:scrgbClr r="0" g="0" b="0"/>
+      </a:effectRef>
+      <a:fontRef idx="minor">
+        <a:schemeClr val="lt1"/>
+      </a:fontRef>
+    </dgm:style>
+  </dgm:styleLbl>
+  <dgm:styleLbl name="parChTrans2D3">
+    <dgm:scene3d>
+      <a:camera prst="orthographicFront"/>
+      <a:lightRig rig="threePt" dir="t"/>
+    </dgm:scene3d>
+    <dgm:sp3d/>
+    <dgm:txPr/>
+    <dgm:style>
+      <a:lnRef idx="1">
+        <a:scrgbClr r="0" g="0" b="0"/>
+      </a:lnRef>
+      <a:fillRef idx="3">
+        <a:scrgbClr r="0" g="0" b="0"/>
+      </a:fillRef>
+      <a:effectRef idx="2">
+        <a:scrgbClr r="0" g="0" b="0"/>
+      </a:effectRef>
+      <a:fontRef idx="minor">
+        <a:schemeClr val="lt1"/>
+      </a:fontRef>
+    </dgm:style>
+  </dgm:styleLbl>
+  <dgm:styleLbl name="parChTrans2D4">
+    <dgm:scene3d>
+      <a:camera prst="orthographicFront"/>
+      <a:lightRig rig="threePt" dir="t"/>
+    </dgm:scene3d>
+    <dgm:sp3d/>
+    <dgm:txPr/>
+    <dgm:style>
+      <a:lnRef idx="1">
+        <a:scrgbClr r="0" g="0" b="0"/>
+      </a:lnRef>
+      <a:fillRef idx="3">
+        <a:scrgbClr r="0" g="0" b="0"/>
+      </a:fillRef>
+      <a:effectRef idx="2">
+        <a:scrgbClr r="0" g="0" b="0"/>
+      </a:effectRef>
+      <a:fontRef idx="minor">
+        <a:schemeClr val="lt1"/>
+      </a:fontRef>
+    </dgm:style>
+  </dgm:styleLbl>
+  <dgm:styleLbl name="parChTrans1D1">
+    <dgm:scene3d>
+      <a:camera prst="orthographicFront"/>
+      <a:lightRig rig="threePt" dir="t"/>
+    </dgm:scene3d>
+    <dgm:sp3d/>
+    <dgm:txPr/>
+    <dgm:style>
+      <a:lnRef idx="1">
+        <a:scrgbClr r="0" g="0" b="0"/>
+      </a:lnRef>
+      <a:fillRef idx="0">
+        <a:scrgbClr r="0" g="0" b="0"/>
+      </a:fillRef>
+      <a:effectRef idx="0">
+        <a:scrgbClr r="0" g="0" b="0"/>
+      </a:effectRef>
+      <a:fontRef idx="minor"/>
+    </dgm:style>
+  </dgm:styleLbl>
+  <dgm:styleLbl name="parChTrans1D2">
+    <dgm:scene3d>
+      <a:camera prst="orthographicFront"/>
+      <a:lightRig rig="threePt" dir="t"/>
+    </dgm:scene3d>
+    <dgm:sp3d/>
+    <dgm:txPr/>
+    <dgm:style>
+      <a:lnRef idx="1">
+        <a:scrgbClr r="0" g="0" b="0"/>
+      </a:lnRef>
+      <a:fillRef idx="0">
+        <a:scrgbClr r="0" g="0" b="0"/>
+      </a:fillRef>
+      <a:effectRef idx="0">
+        <a:scrgbClr r="0" g="0" b="0"/>
+      </a:effectRef>
+      <a:fontRef idx="minor"/>
+    </dgm:style>
+  </dgm:styleLbl>
+  <dgm:styleLbl name="parChTrans1D3">
+    <dgm:scene3d>
+      <a:camera prst="orthographicFront"/>
+      <a:lightRig rig="threePt" dir="t"/>
+    </dgm:scene3d>
+    <dgm:sp3d/>
+    <dgm:txPr/>
+    <dgm:style>
+      <a:lnRef idx="1">
+        <a:scrgbClr r="0" g="0" b="0"/>
+      </a:lnRef>
+      <a:fillRef idx="0">
+        <a:scrgbClr r="0" g="0" b="0"/>
+      </a:fillRef>
+      <a:effectRef idx="0">
+        <a:scrgbClr r="0" g="0" b="0"/>
+      </a:effectRef>
+      <a:fontRef idx="minor"/>
+    </dgm:style>
+  </dgm:styleLbl>
+  <dgm:styleLbl name="parChTrans1D4">
+    <dgm:scene3d>
+      <a:camera prst="orthographicFront"/>
+      <a:lightRig rig="threePt" dir="t"/>
+    </dgm:scene3d>
+    <dgm:sp3d/>
+    <dgm:txPr/>
+    <dgm:style>
+      <a:lnRef idx="1">
+        <a:scrgbClr r="0" g="0" b="0"/>
+      </a:lnRef>
+      <a:fillRef idx="0">
+        <a:scrgbClr r="0" g="0" b="0"/>
+      </a:fillRef>
+      <a:effectRef idx="0">
+        <a:scrgbClr r="0" g="0" b="0"/>
+      </a:effectRef>
+      <a:fontRef idx="minor"/>
+    </dgm:style>
+  </dgm:styleLbl>
+  <dgm:styleLbl name="fgAcc1">
+    <dgm:scene3d>
+      <a:camera prst="orthographicFront"/>
+      <a:lightRig rig="threePt" dir="t"/>
+    </dgm:scene3d>
+    <dgm:sp3d/>
+    <dgm:txPr/>
+    <dgm:style>
+      <a:lnRef idx="1">
+        <a:scrgbClr r="0" g="0" b="0"/>
+      </a:lnRef>
+      <a:fillRef idx="1">
+        <a:scrgbClr r="0" g="0" b="0"/>
+      </a:fillRef>
+      <a:effectRef idx="0">
+        <a:scrgbClr r="0" g="0" b="0"/>
+      </a:effectRef>
+      <a:fontRef idx="minor"/>
+    </dgm:style>
+  </dgm:styleLbl>
+  <dgm:styleLbl name="conFgAcc1">
+    <dgm:scene3d>
+      <a:camera prst="orthographicFront"/>
+      <a:lightRig rig="threePt" dir="t"/>
+    </dgm:scene3d>
+    <dgm:sp3d/>
+    <dgm:txPr/>
+    <dgm:style>
+      <a:lnRef idx="1">
+        <a:scrgbClr r="0" g="0" b="0"/>
+      </a:lnRef>
+      <a:fillRef idx="1">
+        <a:scrgbClr r="0" g="0" b="0"/>
+      </a:fillRef>
+      <a:effectRef idx="0">
+        <a:scrgbClr r="0" g="0" b="0"/>
+      </a:effectRef>
+      <a:fontRef idx="minor"/>
+    </dgm:style>
+  </dgm:styleLbl>
+  <dgm:styleLbl name="alignAcc1">
+    <dgm:scene3d>
+      <a:camera prst="orthographicFront"/>
+      <a:lightRig rig="threePt" dir="t"/>
+    </dgm:scene3d>
+    <dgm:sp3d/>
+    <dgm:txPr/>
+    <dgm:style>
+      <a:lnRef idx="1">
+        <a:scrgbClr r="0" g="0" b="0"/>
+      </a:lnRef>
+      <a:fillRef idx="1">
+        <a:scrgbClr r="0" g="0" b="0"/>
+      </a:fillRef>
+      <a:effectRef idx="0">
+        <a:scrgbClr r="0" g="0" b="0"/>
+      </a:effectRef>
+      <a:fontRef idx="minor"/>
+    </dgm:style>
+  </dgm:styleLbl>
+  <dgm:styleLbl name="trAlignAcc1">
+    <dgm:scene3d>
+      <a:camera prst="orthographicFront"/>
+      <a:lightRig rig="threePt" dir="t"/>
+    </dgm:scene3d>
+    <dgm:sp3d/>
+    <dgm:txPr/>
+    <dgm:style>
+      <a:lnRef idx="1">
+        <a:scrgbClr r="0" g="0" b="0"/>
+      </a:lnRef>
+      <a:fillRef idx="1">
+        <a:scrgbClr r="0" g="0" b="0"/>
+      </a:fillRef>
+      <a:effectRef idx="0">
+        <a:scrgbClr r="0" g="0" b="0"/>
+      </a:effectRef>
+      <a:fontRef idx="minor"/>
+    </dgm:style>
+  </dgm:styleLbl>
+  <dgm:styleLbl name="bgAcc1">
+    <dgm:scene3d>
+      <a:camera prst="orthographicFront"/>
+      <a:lightRig rig="threePt" dir="t"/>
+    </dgm:scene3d>
+    <dgm:sp3d/>
+    <dgm:txPr/>
+    <dgm:style>
+      <a:lnRef idx="1">
+        <a:scrgbClr r="0" g="0" b="0"/>
+      </a:lnRef>
+      <a:fillRef idx="1">
+        <a:scrgbClr r="0" g="0" b="0"/>
+      </a:fillRef>
+      <a:effectRef idx="0">
+        <a:scrgbClr r="0" g="0" b="0"/>
+      </a:effectRef>
+      <a:fontRef idx="minor"/>
+    </dgm:style>
+  </dgm:styleLbl>
+  <dgm:styleLbl name="solidFgAcc1">
+    <dgm:scene3d>
+      <a:camera prst="orthographicFront"/>
+      <a:lightRig rig="threePt" dir="t"/>
+    </dgm:scene3d>
+    <dgm:sp3d/>
+    <dgm:txPr/>
+    <dgm:style>
+      <a:lnRef idx="1">
+        <a:scrgbClr r="0" g="0" b="0"/>
+      </a:lnRef>
+      <a:fillRef idx="1">
+        <a:scrgbClr r="0" g="0" b="0"/>
+      </a:fillRef>
+      <a:effectRef idx="0">
+        <a:scrgbClr r="0" g="0" b="0"/>
+      </a:effectRef>
+      <a:fontRef idx="minor"/>
+    </dgm:style>
+  </dgm:styleLbl>
+  <dgm:styleLbl name="solidAlignAcc1">
+    <dgm:scene3d>
+      <a:camera prst="orthographicFront"/>
+      <a:lightRig rig="threePt" dir="t"/>
+    </dgm:scene3d>
+    <dgm:sp3d/>
+    <dgm:txPr/>
+    <dgm:style>
+      <a:lnRef idx="1">
+        <a:scrgbClr r="0" g="0" b="0"/>
+      </a:lnRef>
+      <a:fillRef idx="1">
+        <a:scrgbClr r="0" g="0" b="0"/>
+      </a:fillRef>
+      <a:effectRef idx="0">
+        <a:scrgbClr r="0" g="0" b="0"/>
+      </a:effectRef>
+      <a:fontRef idx="minor"/>
+    </dgm:style>
+  </dgm:styleLbl>
+  <dgm:styleLbl name="solidBgAcc1">
+    <dgm:scene3d>
+      <a:camera prst="orthographicFront"/>
+      <a:lightRig rig="threePt" dir="t"/>
+    </dgm:scene3d>
+    <dgm:sp3d/>
+    <dgm:txPr/>
+    <dgm:style>
+      <a:lnRef idx="1">
+        <a:scrgbClr r="0" g="0" b="0"/>
+      </a:lnRef>
+      <a:fillRef idx="1">
+        <a:scrgbClr r="0" g="0" b="0"/>
+      </a:fillRef>
+      <a:effectRef idx="0">
+        <a:scrgbClr r="0" g="0" b="0"/>
+      </a:effectRef>
+      <a:fontRef idx="minor"/>
+    </dgm:style>
+  </dgm:styleLbl>
+  <dgm:styleLbl name="fgAccFollowNode1">
+    <dgm:scene3d>
+      <a:camera prst="orthographicFront"/>
+      <a:lightRig rig="threePt" dir="t"/>
+    </dgm:scene3d>
+    <dgm:sp3d/>
+    <dgm:txPr/>
+    <dgm:style>
+      <a:lnRef idx="1">
+        <a:scrgbClr r="0" g="0" b="0"/>
+      </a:lnRef>
+      <a:fillRef idx="1">
+        <a:scrgbClr r="0" g="0" b="0"/>
+      </a:fillRef>
+      <a:effectRef idx="0">
+        <a:scrgbClr r="0" g="0" b="0"/>
+      </a:effectRef>
+      <a:fontRef idx="minor"/>
+    </dgm:style>
+  </dgm:styleLbl>
+  <dgm:styleLbl name="alignAccFollowNode1">
+    <dgm:scene3d>
+      <a:camera prst="orthographicFront"/>
+      <a:lightRig rig="threePt" dir="t"/>
+    </dgm:scene3d>
+    <dgm:sp3d/>
+    <dgm:txPr/>
+    <dgm:style>
+      <a:lnRef idx="1">
+        <a:scrgbClr r="0" g="0" b="0"/>
+      </a:lnRef>
+      <a:fillRef idx="1">
+        <a:scrgbClr r="0" g="0" b="0"/>
+      </a:fillRef>
+      <a:effectRef idx="0">
+        <a:scrgbClr r="0" g="0" b="0"/>
+      </a:effectRef>
+      <a:fontRef idx="minor"/>
+    </dgm:style>
+  </dgm:styleLbl>
+  <dgm:styleLbl name="bgAccFollowNode1">
+    <dgm:scene3d>
+      <a:camera prst="orthographicFront"/>
+      <a:lightRig rig="threePt" dir="t"/>
+    </dgm:scene3d>
+    <dgm:sp3d/>
+    <dgm:txPr/>
+    <dgm:style>
+      <a:lnRef idx="1">
+        <a:scrgbClr r="0" g="0" b="0"/>
+      </a:lnRef>
+      <a:fillRef idx="1">
+        <a:scrgbClr r="0" g="0" b="0"/>
+      </a:fillRef>
+      <a:effectRef idx="0">
+        <a:scrgbClr r="0" g="0" b="0"/>
+      </a:effectRef>
+      <a:fontRef idx="minor"/>
+    </dgm:style>
+  </dgm:styleLbl>
+  <dgm:styleLbl name="fgAcc0">
+    <dgm:scene3d>
+      <a:camera prst="orthographicFront"/>
+      <a:lightRig rig="threePt" dir="t"/>
+    </dgm:scene3d>
+    <dgm:sp3d/>
+    <dgm:txPr/>
+    <dgm:style>
+      <a:lnRef idx="1">
+        <a:scrgbClr r="0" g="0" b="0"/>
+      </a:lnRef>
+      <a:fillRef idx="1">
+        <a:scrgbClr r="0" g="0" b="0"/>
+      </a:fillRef>
+      <a:effectRef idx="0">
+        <a:scrgbClr r="0" g="0" b="0"/>
+      </a:effectRef>
+      <a:fontRef idx="minor"/>
+    </dgm:style>
+  </dgm:styleLbl>
+  <dgm:styleLbl name="fgAcc2">
+    <dgm:scene3d>
+      <a:camera prst="orthographicFront"/>
+      <a:lightRig rig="threePt" dir="t"/>
+    </dgm:scene3d>
+    <dgm:sp3d/>
+    <dgm:txPr/>
+    <dgm:style>
+      <a:lnRef idx="1">
+        <a:scrgbClr r="0" g="0" b="0"/>
+      </a:lnRef>
+      <a:fillRef idx="1">
+        <a:scrgbClr r="0" g="0" b="0"/>
+      </a:fillRef>
+      <a:effectRef idx="0">
+        <a:scrgbClr r="0" g="0" b="0"/>
+      </a:effectRef>
+      <a:fontRef idx="minor"/>
+    </dgm:style>
+  </dgm:styleLbl>
+  <dgm:styleLbl name="fgAcc3">
+    <dgm:scene3d>
+      <a:camera prst="orthographicFront"/>
+      <a:lightRig rig="threePt" dir="t"/>
+    </dgm:scene3d>
+    <dgm:sp3d/>
+    <dgm:txPr/>
+    <dgm:style>
+      <a:lnRef idx="1">
+        <a:scrgbClr r="0" g="0" b="0"/>
+      </a:lnRef>
+      <a:fillRef idx="1">
+        <a:scrgbClr r="0" g="0" b="0"/>
+      </a:fillRef>
+      <a:effectRef idx="0">
+        <a:scrgbClr r="0" g="0" b="0"/>
+      </a:effectRef>
+      <a:fontRef idx="minor"/>
+    </dgm:style>
+  </dgm:styleLbl>
+  <dgm:styleLbl name="fgAcc4">
+    <dgm:scene3d>
+      <a:camera prst="orthographicFront"/>
+      <a:lightRig rig="threePt" dir="t"/>
+    </dgm:scene3d>
+    <dgm:sp3d/>
+    <dgm:txPr/>
+    <dgm:style>
+      <a:lnRef idx="1">
+        <a:scrgbClr r="0" g="0" b="0"/>
+      </a:lnRef>
+      <a:fillRef idx="1">
+        <a:scrgbClr r="0" g="0" b="0"/>
+      </a:fillRef>
+      <a:effectRef idx="0">
+        <a:scrgbClr r="0" g="0" b="0"/>
+      </a:effectRef>
+      <a:fontRef idx="minor"/>
+    </dgm:style>
+  </dgm:styleLbl>
+  <dgm:styleLbl name="bgShp">
+    <dgm:scene3d>
+      <a:camera prst="orthographicFront"/>
+      <a:lightRig rig="threePt" dir="t"/>
+    </dgm:scene3d>
+    <dgm:sp3d/>
+    <dgm:txPr/>
+    <dgm:style>
+      <a:lnRef idx="0">
+        <a:scrgbClr r="0" g="0" b="0"/>
+      </a:lnRef>
+      <a:fillRef idx="1">
+        <a:scrgbClr r="0" g="0" b="0"/>
+      </a:fillRef>
+      <a:effectRef idx="2">
+        <a:scrgbClr r="0" g="0" b="0"/>
+      </a:effectRef>
+      <a:fontRef idx="minor"/>
+    </dgm:style>
+  </dgm:styleLbl>
+  <dgm:styleLbl name="dkBgShp">
+    <dgm:scene3d>
+      <a:camera prst="orthographicFront"/>
+      <a:lightRig rig="threePt" dir="t"/>
+    </dgm:scene3d>
+    <dgm:sp3d/>
+    <dgm:txPr/>
+    <dgm:style>
+      <a:lnRef idx="0">
+        <a:scrgbClr r="0" g="0" b="0"/>
+      </a:lnRef>
+      <a:fillRef idx="1">
+        <a:scrgbClr r="0" g="0" b="0"/>
+      </a:fillRef>
+      <a:effectRef idx="2">
+        <a:scrgbClr r="0" g="0" b="0"/>
+      </a:effectRef>
+      <a:fontRef idx="minor"/>
+    </dgm:style>
+  </dgm:styleLbl>
+  <dgm:styleLbl name="trBgShp">
+    <dgm:scene3d>
+      <a:camera prst="orthographicFront"/>
+      <a:lightRig rig="threePt" dir="t"/>
+    </dgm:scene3d>
+    <dgm:sp3d/>
+    <dgm:txPr/>
+    <dgm:style>
+      <a:lnRef idx="0">
+        <a:scrgbClr r="0" g="0" b="0"/>
+      </a:lnRef>
+      <a:fillRef idx="1">
+        <a:scrgbClr r="0" g="0" b="0"/>
+      </a:fillRef>
+      <a:effectRef idx="0">
+        <a:scrgbClr r="0" g="0" b="0"/>
+      </a:effectRef>
+      <a:fontRef idx="minor"/>
+    </dgm:style>
+  </dgm:styleLbl>
+  <dgm:styleLbl name="fgShp">
+    <dgm:scene3d>
+      <a:camera prst="orthographicFront"/>
+      <a:lightRig rig="threePt" dir="t"/>
+    </dgm:scene3d>
+    <dgm:sp3d/>
+    <dgm:txPr/>
+    <dgm:style>
+      <a:lnRef idx="0">
+        <a:scrgbClr r="0" g="0" b="0"/>
+      </a:lnRef>
+      <a:fillRef idx="3">
+        <a:scrgbClr r="0" g="0" b="0"/>
+      </a:fillRef>
+      <a:effectRef idx="2">
+        <a:scrgbClr r="0" g="0" b="0"/>
+      </a:effectRef>
+      <a:fontRef idx="minor"/>
+    </dgm:style>
+  </dgm:styleLbl>
+  <dgm:styleLbl name="revTx">
+    <dgm:scene3d>
+      <a:camera prst="orthographicFront"/>
+      <a:lightRig rig="threePt" dir="t"/>
+    </dgm:scene3d>
+    <dgm:sp3d/>
+    <dgm:txPr/>
+    <dgm:style>
+      <a:lnRef idx="0">
+        <a:scrgbClr r="0" g="0" b="0"/>
+      </a:lnRef>
+      <a:fillRef idx="0">
+        <a:scrgbClr r="0" g="0" b="0"/>
+      </a:fillRef>
+      <a:effectRef idx="0">
+        <a:scrgbClr r="0" g="0" b="0"/>
+      </a:effectRef>
+      <a:fontRef idx="minor"/>
+    </dgm:style>
+  </dgm:styleLbl>
+</dgm:styleDef>
+</file>
+
+<file path=ppt/diagrams/quickStyle3.xml><?xml version="1.0" encoding="utf-8"?>
+<dgm:styleDef xmlns:dgm="http://schemas.openxmlformats.org/drawingml/2006/diagram" xmlns:a="http://schemas.openxmlformats.org/drawingml/2006/main" uniqueId="urn:microsoft.com/office/officeart/2005/8/quickstyle/simple4">
+  <dgm:title val=""/>
+  <dgm:desc val=""/>
+  <dgm:catLst>
+    <dgm:cat type="simple" pri="10400"/>
+  </dgm:catLst>
+  <dgm:scene3d>
+    <a:camera prst="orthographicFront"/>
+    <a:lightRig rig="threePt" dir="t"/>
+  </dgm:scene3d>
+  <dgm:styleLbl name="node0">
+    <dgm:scene3d>
+      <a:camera prst="orthographicFront"/>
+      <a:lightRig rig="threePt" dir="t"/>
+    </dgm:scene3d>
+    <dgm:sp3d/>
+    <dgm:txPr/>
+    <dgm:style>
+      <a:lnRef idx="0">
+        <a:scrgbClr r="0" g="0" b="0"/>
+      </a:lnRef>
+      <a:fillRef idx="3">
+        <a:scrgbClr r="0" g="0" b="0"/>
+      </a:fillRef>
+      <a:effectRef idx="2">
+        <a:scrgbClr r="0" g="0" b="0"/>
+      </a:effectRef>
+      <a:fontRef idx="minor">
+        <a:schemeClr val="lt1"/>
+      </a:fontRef>
+    </dgm:style>
+  </dgm:styleLbl>
+  <dgm:styleLbl name="lnNode1">
+    <dgm:scene3d>
+      <a:camera prst="orthographicFront"/>
+      <a:lightRig rig="threePt" dir="t"/>
+    </dgm:scene3d>
+    <dgm:sp3d/>
+    <dgm:txPr/>
+    <dgm:style>
+      <a:lnRef idx="1">
+        <a:scrgbClr r="0" g="0" b="0"/>
+      </a:lnRef>
+      <a:fillRef idx="3">
+        <a:scrgbClr r="0" g="0" b="0"/>
+      </a:fillRef>
+      <a:effectRef idx="2">
+        <a:scrgbClr r="0" g="0" b="0"/>
+      </a:effectRef>
+      <a:fontRef idx="minor">
+        <a:schemeClr val="lt1"/>
+      </a:fontRef>
+    </dgm:style>
+  </dgm:styleLbl>
+  <dgm:styleLbl name="vennNode1">
+    <dgm:scene3d>
+      <a:camera prst="orthographicFront"/>
+      <a:lightRig rig="threePt" dir="t"/>
+    </dgm:scene3d>
+    <dgm:sp3d/>
+    <dgm:txPr/>
+    <dgm:style>
+      <a:lnRef idx="0">
+        <a:scrgbClr r="0" g="0" b="0"/>
+      </a:lnRef>
+      <a:fillRef idx="3">
+        <a:scrgbClr r="0" g="0" b="0"/>
+      </a:fillRef>
+      <a:effectRef idx="0">
+        <a:scrgbClr r="0" g="0" b="0"/>
+      </a:effectRef>
+      <a:fontRef idx="minor">
+        <a:schemeClr val="tx1"/>
+      </a:fontRef>
+    </dgm:style>
+  </dgm:styleLbl>
+  <dgm:styleLbl name="alignNode1">
+    <dgm:scene3d>
+      <a:camera prst="orthographicFront"/>
+      <a:lightRig rig="threePt" dir="t"/>
+    </dgm:scene3d>
+    <dgm:sp3d/>
+    <dgm:txPr/>
+    <dgm:style>
+      <a:lnRef idx="1">
+        <a:scrgbClr r="0" g="0" b="0"/>
+      </a:lnRef>
+      <a:fillRef idx="3">
+        <a:scrgbClr r="0" g="0" b="0"/>
+      </a:fillRef>
+      <a:effectRef idx="2">
+        <a:scrgbClr r="0" g="0" b="0"/>
+      </a:effectRef>
+      <a:fontRef idx="minor">
+        <a:schemeClr val="lt1"/>
+      </a:fontRef>
+    </dgm:style>
+  </dgm:styleLbl>
+  <dgm:styleLbl name="node1">
+    <dgm:scene3d>
+      <a:camera prst="orthographicFront"/>
+      <a:lightRig rig="threePt" dir="t"/>
+    </dgm:scene3d>
+    <dgm:sp3d/>
+    <dgm:txPr/>
+    <dgm:style>
+      <a:lnRef idx="0">
+        <a:scrgbClr r="0" g="0" b="0"/>
+      </a:lnRef>
+      <a:fillRef idx="3">
+        <a:scrgbClr r="0" g="0" b="0"/>
+      </a:fillRef>
+      <a:effectRef idx="2">
+        <a:scrgbClr r="0" g="0" b="0"/>
+      </a:effectRef>
+      <a:fontRef idx="minor">
+        <a:schemeClr val="lt1"/>
+      </a:fontRef>
+    </dgm:style>
+  </dgm:styleLbl>
+  <dgm:styleLbl name="node2">
+    <dgm:scene3d>
+      <a:camera prst="orthographicFront"/>
+      <a:lightRig rig="threePt" dir="t"/>
+    </dgm:scene3d>
+    <dgm:sp3d/>
+    <dgm:txPr/>
+    <dgm:style>
+      <a:lnRef idx="0">
+        <a:scrgbClr r="0" g="0" b="0"/>
+      </a:lnRef>
+      <a:fillRef idx="3">
+        <a:scrgbClr r="0" g="0" b="0"/>
+      </a:fillRef>
+      <a:effectRef idx="2">
+        <a:scrgbClr r="0" g="0" b="0"/>
+      </a:effectRef>
+      <a:fontRef idx="minor">
+        <a:schemeClr val="lt1"/>
+      </a:fontRef>
+    </dgm:style>
+  </dgm:styleLbl>
+  <dgm:styleLbl name="node3">
+    <dgm:scene3d>
+      <a:camera prst="orthographicFront"/>
+      <a:lightRig rig="threePt" dir="t"/>
+    </dgm:scene3d>
+    <dgm:sp3d/>
+    <dgm:txPr/>
+    <dgm:style>
+      <a:lnRef idx="0">
+        <a:scrgbClr r="0" g="0" b="0"/>
+      </a:lnRef>
+      <a:fillRef idx="3">
+        <a:scrgbClr r="0" g="0" b="0"/>
+      </a:fillRef>
+      <a:effectRef idx="2">
+        <a:scrgbClr r="0" g="0" b="0"/>
+      </a:effectRef>
+      <a:fontRef idx="minor">
+        <a:schemeClr val="lt1"/>
+      </a:fontRef>
+    </dgm:style>
+  </dgm:styleLbl>
+  <dgm:styleLbl name="node4">
+    <dgm:scene3d>
+      <a:camera prst="orthographicFront"/>
+      <a:lightRig rig="threePt" dir="t"/>
+    </dgm:scene3d>
+    <dgm:sp3d/>
+    <dgm:txPr/>
+    <dgm:style>
+      <a:lnRef idx="0">
+        <a:scrgbClr r="0" g="0" b="0"/>
+      </a:lnRef>
+      <a:fillRef idx="3">
+        <a:scrgbClr r="0" g="0" b="0"/>
+      </a:fillRef>
+      <a:effectRef idx="2">
+        <a:scrgbClr r="0" g="0" b="0"/>
+      </a:effectRef>
+      <a:fontRef idx="minor">
+        <a:schemeClr val="lt1"/>
+      </a:fontRef>
+    </dgm:style>
+  </dgm:styleLbl>
+  <dgm:styleLbl name="fgImgPlace1">
+    <dgm:scene3d>
+      <a:camera prst="orthographicFront"/>
+      <a:lightRig rig="threePt" dir="t"/>
+    </dgm:scene3d>
+    <dgm:sp3d/>
+    <dgm:txPr/>
+    <dgm:style>
+      <a:lnRef idx="0">
+        <a:scrgbClr r="0" g="0" b="0"/>
+      </a:lnRef>
+      <a:fillRef idx="1">
+        <a:scrgbClr r="0" g="0" b="0"/>
+      </a:fillRef>
+      <a:effectRef idx="2">
+        <a:scrgbClr r="0" g="0" b="0"/>
+      </a:effectRef>
+      <a:fontRef idx="minor"/>
+    </dgm:style>
+  </dgm:styleLbl>
+  <dgm:styleLbl name="alignImgPlace1">
+    <dgm:scene3d>
+      <a:camera prst="orthographicFront"/>
+      <a:lightRig rig="threePt" dir="t"/>
+    </dgm:scene3d>
+    <dgm:sp3d/>
+    <dgm:txPr/>
+    <dgm:style>
+      <a:lnRef idx="0">
+        <a:scrgbClr r="0" g="0" b="0"/>
+      </a:lnRef>
+      <a:fillRef idx="1">
+        <a:scrgbClr r="0" g="0" b="0"/>
+      </a:fillRef>
+      <a:effectRef idx="2">
+        <a:scrgbClr r="0" g="0" b="0"/>
+      </a:effectRef>
+      <a:fontRef idx="minor"/>
+    </dgm:style>
+  </dgm:styleLbl>
+  <dgm:styleLbl name="bgImgPlace1">
+    <dgm:scene3d>
+      <a:camera prst="orthographicFront"/>
+      <a:lightRig rig="threePt" dir="t"/>
+    </dgm:scene3d>
+    <dgm:sp3d/>
+    <dgm:txPr/>
+    <dgm:style>
+      <a:lnRef idx="0">
+        <a:scrgbClr r="0" g="0" b="0"/>
+      </a:lnRef>
+      <a:fillRef idx="1">
+        <a:scrgbClr r="0" g="0" b="0"/>
+      </a:fillRef>
+      <a:effectRef idx="2">
+        <a:scrgbClr r="0" g="0" b="0"/>
+      </a:effectRef>
+      <a:fontRef idx="minor"/>
+    </dgm:style>
+  </dgm:styleLbl>
+  <dgm:styleLbl name="sibTrans2D1">
+    <dgm:scene3d>
+      <a:camera prst="orthographicFront"/>
+      <a:lightRig rig="threePt" dir="t"/>
+    </dgm:scene3d>
+    <dgm:sp3d/>
+    <dgm:txPr/>
+    <dgm:style>
+      <a:lnRef idx="0">
+        <a:scrgbClr r="0" g="0" b="0"/>
+      </a:lnRef>
+      <a:fillRef idx="3">
+        <a:scrgbClr r="0" g="0" b="0"/>
+      </a:fillRef>
+      <a:effectRef idx="2">
+        <a:scrgbClr r="0" g="0" b="0"/>
+      </a:effectRef>
+      <a:fontRef idx="minor">
+        <a:schemeClr val="lt1"/>
+      </a:fontRef>
+    </dgm:style>
+  </dgm:styleLbl>
+  <dgm:styleLbl name="fgSibTrans2D1">
+    <dgm:scene3d>
+      <a:camera prst="orthographicFront"/>
+      <a:lightRig rig="threePt" dir="t"/>
+    </dgm:scene3d>
+    <dgm:sp3d/>
+    <dgm:txPr/>
+    <dgm:style>
+      <a:lnRef idx="0">
+        <a:scrgbClr r="0" g="0" b="0"/>
+      </a:lnRef>
+      <a:fillRef idx="3">
+        <a:scrgbClr r="0" g="0" b="0"/>
+      </a:fillRef>
+      <a:effectRef idx="2">
+        <a:scrgbClr r="0" g="0" b="0"/>
+      </a:effectRef>
+      <a:fontRef idx="minor">
+        <a:schemeClr val="lt1"/>
+      </a:fontRef>
+    </dgm:style>
+  </dgm:styleLbl>
+  <dgm:styleLbl name="bgSibTrans2D1">
+    <dgm:scene3d>
+      <a:camera prst="orthographicFront"/>
+      <a:lightRig rig="threePt" dir="t"/>
+    </dgm:scene3d>
+    <dgm:sp3d/>
+    <dgm:txPr/>
+    <dgm:style>
+      <a:lnRef idx="0">
+        <a:scrgbClr r="0" g="0" b="0"/>
+      </a:lnRef>
+      <a:fillRef idx="3">
+        <a:scrgbClr r="0" g="0" b="0"/>
+      </a:fillRef>
+      <a:effectRef idx="2">
+        <a:scrgbClr r="0" g="0" b="0"/>
+      </a:effectRef>
+      <a:fontRef idx="minor">
+        <a:schemeClr val="lt1"/>
+      </a:fontRef>
+    </dgm:style>
+  </dgm:styleLbl>
+  <dgm:styleLbl name="sibTrans1D1">
+    <dgm:scene3d>
+      <a:camera prst="orthographicFront"/>
+      <a:lightRig rig="threePt" dir="t"/>
+    </dgm:scene3d>
+    <dgm:sp3d/>
+    <dgm:txPr/>
+    <dgm:style>
+      <a:lnRef idx="1">
+        <a:scrgbClr r="0" g="0" b="0"/>
+      </a:lnRef>
+      <a:fillRef idx="0">
+        <a:scrgbClr r="0" g="0" b="0"/>
+      </a:fillRef>
+      <a:effectRef idx="0">
+        <a:scrgbClr r="0" g="0" b="0"/>
+      </a:effectRef>
+      <a:fontRef idx="minor"/>
+    </dgm:style>
+  </dgm:styleLbl>
+  <dgm:styleLbl name="callout">
+    <dgm:scene3d>
+      <a:camera prst="orthographicFront"/>
+      <a:lightRig rig="threePt" dir="t"/>
+    </dgm:scene3d>
+    <dgm:sp3d/>
+    <dgm:txPr/>
+    <dgm:style>
+      <a:lnRef idx="2">
+        <a:scrgbClr r="0" g="0" b="0"/>
+      </a:lnRef>
+      <a:fillRef idx="1">
+        <a:scrgbClr r="0" g="0" b="0"/>
+      </a:fillRef>
+      <a:effectRef idx="1">
+        <a:scrgbClr r="0" g="0" b="0"/>
+      </a:effectRef>
+      <a:fontRef idx="minor"/>
+    </dgm:style>
+  </dgm:styleLbl>
+  <dgm:styleLbl name="asst0">
+    <dgm:scene3d>
+      <a:camera prst="orthographicFront"/>
+      <a:lightRig rig="threePt" dir="t"/>
+    </dgm:scene3d>
+    <dgm:sp3d/>
+    <dgm:txPr/>
+    <dgm:style>
+      <a:lnRef idx="0">
+        <a:scrgbClr r="0" g="0" b="0"/>
+      </a:lnRef>
+      <a:fillRef idx="3">
+        <a:scrgbClr r="0" g="0" b="0"/>
+      </a:fillRef>
+      <a:effectRef idx="2">
+        <a:scrgbClr r="0" g="0" b="0"/>
+      </a:effectRef>
+      <a:fontRef idx="minor">
+        <a:schemeClr val="lt1"/>
+      </a:fontRef>
+    </dgm:style>
+  </dgm:styleLbl>
+  <dgm:styleLbl name="asst1">
+    <dgm:scene3d>
+      <a:camera prst="orthographicFront"/>
+      <a:lightRig rig="threePt" dir="t"/>
+    </dgm:scene3d>
+    <dgm:sp3d/>
+    <dgm:txPr/>
+    <dgm:style>
+      <a:lnRef idx="0">
+        <a:scrgbClr r="0" g="0" b="0"/>
+      </a:lnRef>
+      <a:fillRef idx="3">
+        <a:scrgbClr r="0" g="0" b="0"/>
+      </a:fillRef>
+      <a:effectRef idx="2">
+        <a:scrgbClr r="0" g="0" b="0"/>
+      </a:effectRef>
+      <a:fontRef idx="minor">
+        <a:schemeClr val="lt1"/>
+      </a:fontRef>
+    </dgm:style>
+  </dgm:styleLbl>
+  <dgm:styleLbl name="asst2">
+    <dgm:scene3d>
+      <a:camera prst="orthographicFront"/>
+      <a:lightRig rig="threePt" dir="t"/>
+    </dgm:scene3d>
+    <dgm:sp3d/>
+    <dgm:txPr/>
+    <dgm:style>
+      <a:lnRef idx="0">
+        <a:scrgbClr r="0" g="0" b="0"/>
+      </a:lnRef>
+      <a:fillRef idx="3">
+        <a:scrgbClr r="0" g="0" b="0"/>
+      </a:fillRef>
+      <a:effectRef idx="2">
+        <a:scrgbClr r="0" g="0" b="0"/>
+      </a:effectRef>
+      <a:fontRef idx="minor">
+        <a:schemeClr val="lt1"/>
+      </a:fontRef>
+    </dgm:style>
+  </dgm:styleLbl>
+  <dgm:styleLbl name="asst3">
+    <dgm:scene3d>
+      <a:camera prst="orthographicFront"/>
+      <a:lightRig rig="threePt" dir="t"/>
+    </dgm:scene3d>
+    <dgm:sp3d/>
+    <dgm:txPr/>
+    <dgm:style>
+      <a:lnRef idx="0">
+        <a:scrgbClr r="0" g="0" b="0"/>
+      </a:lnRef>
+      <a:fillRef idx="3">
+        <a:scrgbClr r="0" g="0" b="0"/>
+      </a:fillRef>
+      <a:effectRef idx="2">
+        <a:scrgbClr r="0" g="0" b="0"/>
+      </a:effectRef>
+      <a:fontRef idx="minor">
+        <a:schemeClr val="lt1"/>
+      </a:fontRef>
+    </dgm:style>
+  </dgm:styleLbl>
+  <dgm:styleLbl name="asst4">
+    <dgm:scene3d>
+      <a:camera prst="orthographicFront"/>
+      <a:lightRig rig="threePt" dir="t"/>
+    </dgm:scene3d>
+    <dgm:sp3d/>
+    <dgm:txPr/>
+    <dgm:style>
+      <a:lnRef idx="0">
+        <a:scrgbClr r="0" g="0" b="0"/>
+      </a:lnRef>
+      <a:fillRef idx="3">
+        <a:scrgbClr r="0" g="0" b="0"/>
+      </a:fillRef>
+      <a:effectRef idx="2">
+        <a:scrgbClr r="0" g="0" b="0"/>
+      </a:effectRef>
+      <a:fontRef idx="minor">
+        <a:schemeClr val="lt1"/>
+      </a:fontRef>
+    </dgm:style>
+  </dgm:styleLbl>
+  <dgm:styleLbl name="parChTrans2D1">
+    <dgm:scene3d>
+      <a:camera prst="orthographicFront"/>
+      <a:lightRig rig="threePt" dir="t"/>
+    </dgm:scene3d>
+    <dgm:sp3d/>
+    <dgm:txPr/>
+    <dgm:style>
+      <a:lnRef idx="0">
+        <a:scrgbClr r="0" g="0" b="0"/>
+      </a:lnRef>
+      <a:fillRef idx="3">
+        <a:scrgbClr r="0" g="0" b="0"/>
+      </a:fillRef>
+      <a:effectRef idx="2">
+        <a:scrgbClr r="0" g="0" b="0"/>
+      </a:effectRef>
+      <a:fontRef idx="minor">
+        <a:schemeClr val="lt1"/>
+      </a:fontRef>
+    </dgm:style>
+  </dgm:styleLbl>
+  <dgm:styleLbl name="parChTrans2D2">
+    <dgm:scene3d>
+      <a:camera prst="orthographicFront"/>
+      <a:lightRig rig="threePt" dir="t"/>
+    </dgm:scene3d>
+    <dgm:sp3d/>
+    <dgm:txPr/>
+    <dgm:style>
+      <a:lnRef idx="0">
+        <a:scrgbClr r="0" g="0" b="0"/>
+      </a:lnRef>
+      <a:fillRef idx="3">
+        <a:scrgbClr r="0" g="0" b="0"/>
+      </a:fillRef>
+      <a:effectRef idx="2">
+        <a:scrgbClr r="0" g="0" b="0"/>
+      </a:effectRef>
+      <a:fontRef idx="minor">
+        <a:schemeClr val="lt1"/>
+      </a:fontRef>
+    </dgm:style>
+  </dgm:styleLbl>
+  <dgm:styleLbl name="parChTrans2D3">
+    <dgm:scene3d>
+      <a:camera prst="orthographicFront"/>
+      <a:lightRig rig="threePt" dir="t"/>
+    </dgm:scene3d>
+    <dgm:sp3d/>
+    <dgm:txPr/>
+    <dgm:style>
+      <a:lnRef idx="1">
+        <a:scrgbClr r="0" g="0" b="0"/>
+      </a:lnRef>
+      <a:fillRef idx="3">
+        <a:scrgbClr r="0" g="0" b="0"/>
+      </a:fillRef>
+      <a:effectRef idx="2">
+        <a:scrgbClr r="0" g="0" b="0"/>
+      </a:effectRef>
+      <a:fontRef idx="minor">
+        <a:schemeClr val="lt1"/>
+      </a:fontRef>
+    </dgm:style>
+  </dgm:styleLbl>
+  <dgm:styleLbl name="parChTrans2D4">
+    <dgm:scene3d>
+      <a:camera prst="orthographicFront"/>
+      <a:lightRig rig="threePt" dir="t"/>
+    </dgm:scene3d>
+    <dgm:sp3d/>
+    <dgm:txPr/>
+    <dgm:style>
+      <a:lnRef idx="1">
+        <a:scrgbClr r="0" g="0" b="0"/>
+      </a:lnRef>
+      <a:fillRef idx="3">
+        <a:scrgbClr r="0" g="0" b="0"/>
+      </a:fillRef>
+      <a:effectRef idx="2">
+        <a:scrgbClr r="0" g="0" b="0"/>
+      </a:effectRef>
+      <a:fontRef idx="minor">
+        <a:schemeClr val="lt1"/>
+      </a:fontRef>
+    </dgm:style>
+  </dgm:styleLbl>
+  <dgm:styleLbl name="parChTrans1D1">
+    <dgm:scene3d>
+      <a:camera prst="orthographicFront"/>
+      <a:lightRig rig="threePt" dir="t"/>
+    </dgm:scene3d>
+    <dgm:sp3d/>
+    <dgm:txPr/>
+    <dgm:style>
+      <a:lnRef idx="1">
+        <a:scrgbClr r="0" g="0" b="0"/>
+      </a:lnRef>
+      <a:fillRef idx="0">
+        <a:scrgbClr r="0" g="0" b="0"/>
+      </a:fillRef>
+      <a:effectRef idx="0">
+        <a:scrgbClr r="0" g="0" b="0"/>
+      </a:effectRef>
+      <a:fontRef idx="minor"/>
+    </dgm:style>
+  </dgm:styleLbl>
+  <dgm:styleLbl name="parChTrans1D2">
+    <dgm:scene3d>
+      <a:camera prst="orthographicFront"/>
+      <a:lightRig rig="threePt" dir="t"/>
+    </dgm:scene3d>
+    <dgm:sp3d/>
+    <dgm:txPr/>
+    <dgm:style>
+      <a:lnRef idx="1">
+        <a:scrgbClr r="0" g="0" b="0"/>
+      </a:lnRef>
+      <a:fillRef idx="0">
+        <a:scrgbClr r="0" g="0" b="0"/>
+      </a:fillRef>
+      <a:effectRef idx="0">
+        <a:scrgbClr r="0" g="0" b="0"/>
+      </a:effectRef>
+      <a:fontRef idx="minor"/>
+    </dgm:style>
+  </dgm:styleLbl>
+  <dgm:styleLbl name="parChTrans1D3">
+    <dgm:scene3d>
+      <a:camera prst="orthographicFront"/>
+      <a:lightRig rig="threePt" dir="t"/>
+    </dgm:scene3d>
+    <dgm:sp3d/>
+    <dgm:txPr/>
+    <dgm:style>
+      <a:lnRef idx="1">
+        <a:scrgbClr r="0" g="0" b="0"/>
+      </a:lnRef>
+      <a:fillRef idx="0">
+        <a:scrgbClr r="0" g="0" b="0"/>
+      </a:fillRef>
+      <a:effectRef idx="0">
+        <a:scrgbClr r="0" g="0" b="0"/>
+      </a:effectRef>
+      <a:fontRef idx="minor"/>
+    </dgm:style>
+  </dgm:styleLbl>
+  <dgm:styleLbl name="parChTrans1D4">
+    <dgm:scene3d>
+      <a:camera prst="orthographicFront"/>
+      <a:lightRig rig="threePt" dir="t"/>
+    </dgm:scene3d>
+    <dgm:sp3d/>
+    <dgm:txPr/>
+    <dgm:style>
+      <a:lnRef idx="1">
+        <a:scrgbClr r="0" g="0" b="0"/>
+      </a:lnRef>
+      <a:fillRef idx="0">
+        <a:scrgbClr r="0" g="0" b="0"/>
+      </a:fillRef>
+      <a:effectRef idx="0">
+        <a:scrgbClr r="0" g="0" b="0"/>
+      </a:effectRef>
+      <a:fontRef idx="minor"/>
+    </dgm:style>
+  </dgm:styleLbl>
+  <dgm:styleLbl name="fgAcc1">
+    <dgm:scene3d>
+      <a:camera prst="orthographicFront"/>
+      <a:lightRig rig="threePt" dir="t"/>
+    </dgm:scene3d>
+    <dgm:sp3d/>
+    <dgm:txPr/>
+    <dgm:style>
+      <a:lnRef idx="1">
+        <a:scrgbClr r="0" g="0" b="0"/>
+      </a:lnRef>
+      <a:fillRef idx="1">
+        <a:scrgbClr r="0" g="0" b="0"/>
+      </a:fillRef>
+      <a:effectRef idx="0">
+        <a:scrgbClr r="0" g="0" b="0"/>
+      </a:effectRef>
+      <a:fontRef idx="minor"/>
+    </dgm:style>
+  </dgm:styleLbl>
+  <dgm:styleLbl name="conFgAcc1">
+    <dgm:scene3d>
+      <a:camera prst="orthographicFront"/>
+      <a:lightRig rig="threePt" dir="t"/>
+    </dgm:scene3d>
+    <dgm:sp3d/>
+    <dgm:txPr/>
+    <dgm:style>
+      <a:lnRef idx="1">
+        <a:scrgbClr r="0" g="0" b="0"/>
+      </a:lnRef>
+      <a:fillRef idx="1">
+        <a:scrgbClr r="0" g="0" b="0"/>
+      </a:fillRef>
+      <a:effectRef idx="0">
+        <a:scrgbClr r="0" g="0" b="0"/>
+      </a:effectRef>
+      <a:fontRef idx="minor"/>
+    </dgm:style>
+  </dgm:styleLbl>
+  <dgm:styleLbl name="alignAcc1">
+    <dgm:scene3d>
+      <a:camera prst="orthographicFront"/>
+      <a:lightRig rig="threePt" dir="t"/>
+    </dgm:scene3d>
+    <dgm:sp3d/>
+    <dgm:txPr/>
+    <dgm:style>
+      <a:lnRef idx="1">
+        <a:scrgbClr r="0" g="0" b="0"/>
+      </a:lnRef>
+      <a:fillRef idx="1">
+        <a:scrgbClr r="0" g="0" b="0"/>
+      </a:fillRef>
+      <a:effectRef idx="0">
+        <a:scrgbClr r="0" g="0" b="0"/>
+      </a:effectRef>
+      <a:fontRef idx="minor"/>
+    </dgm:style>
+  </dgm:styleLbl>
+  <dgm:styleLbl name="trAlignAcc1">
+    <dgm:scene3d>
+      <a:camera prst="orthographicFront"/>
+      <a:lightRig rig="threePt" dir="t"/>
+    </dgm:scene3d>
+    <dgm:sp3d/>
+    <dgm:txPr/>
+    <dgm:style>
+      <a:lnRef idx="1">
+        <a:scrgbClr r="0" g="0" b="0"/>
+      </a:lnRef>
+      <a:fillRef idx="1">
+        <a:scrgbClr r="0" g="0" b="0"/>
+      </a:fillRef>
+      <a:effectRef idx="0">
+        <a:scrgbClr r="0" g="0" b="0"/>
+      </a:effectRef>
+      <a:fontRef idx="minor"/>
+    </dgm:style>
+  </dgm:styleLbl>
+  <dgm:styleLbl name="bgAcc1">
+    <dgm:scene3d>
+      <a:camera prst="orthographicFront"/>
+      <a:lightRig rig="threePt" dir="t"/>
+    </dgm:scene3d>
+    <dgm:sp3d/>
+    <dgm:txPr/>
+    <dgm:style>
+      <a:lnRef idx="1">
+        <a:scrgbClr r="0" g="0" b="0"/>
+      </a:lnRef>
+      <a:fillRef idx="1">
+        <a:scrgbClr r="0" g="0" b="0"/>
+      </a:fillRef>
+      <a:effectRef idx="0">
+        <a:scrgbClr r="0" g="0" b="0"/>
+      </a:effectRef>
+      <a:fontRef idx="minor"/>
+    </dgm:style>
+  </dgm:styleLbl>
+  <dgm:styleLbl name="solidFgAcc1">
+    <dgm:scene3d>
+      <a:camera prst="orthographicFront"/>
+      <a:lightRig rig="threePt" dir="t"/>
+    </dgm:scene3d>
+    <dgm:sp3d/>
+    <dgm:txPr/>
+    <dgm:style>
+      <a:lnRef idx="1">
+        <a:scrgbClr r="0" g="0" b="0"/>
+      </a:lnRef>
+      <a:fillRef idx="1">
+        <a:scrgbClr r="0" g="0" b="0"/>
+      </a:fillRef>
+      <a:effectRef idx="0">
+        <a:scrgbClr r="0" g="0" b="0"/>
+      </a:effectRef>
+      <a:fontRef idx="minor"/>
+    </dgm:style>
+  </dgm:styleLbl>
+  <dgm:styleLbl name="solidAlignAcc1">
+    <dgm:scene3d>
+      <a:camera prst="orthographicFront"/>
+      <a:lightRig rig="threePt" dir="t"/>
+    </dgm:scene3d>
+    <dgm:sp3d/>
+    <dgm:txPr/>
+    <dgm:style>
+      <a:lnRef idx="1">
+        <a:scrgbClr r="0" g="0" b="0"/>
+      </a:lnRef>
+      <a:fillRef idx="1">
+        <a:scrgbClr r="0" g="0" b="0"/>
+      </a:fillRef>
+      <a:effectRef idx="0">
+        <a:scrgbClr r="0" g="0" b="0"/>
+      </a:effectRef>
+      <a:fontRef idx="minor"/>
+    </dgm:style>
+  </dgm:styleLbl>
+  <dgm:styleLbl name="solidBgAcc1">
+    <dgm:scene3d>
+      <a:camera prst="orthographicFront"/>
+      <a:lightRig rig="threePt" dir="t"/>
+    </dgm:scene3d>
+    <dgm:sp3d/>
+    <dgm:txPr/>
+    <dgm:style>
+      <a:lnRef idx="1">
+        <a:scrgbClr r="0" g="0" b="0"/>
+      </a:lnRef>
+      <a:fillRef idx="1">
+        <a:scrgbClr r="0" g="0" b="0"/>
+      </a:fillRef>
+      <a:effectRef idx="0">
+        <a:scrgbClr r="0" g="0" b="0"/>
+      </a:effectRef>
+      <a:fontRef idx="minor"/>
+    </dgm:style>
+  </dgm:styleLbl>
+  <dgm:styleLbl name="fgAccFollowNode1">
+    <dgm:scene3d>
+      <a:camera prst="orthographicFront"/>
+      <a:lightRig rig="threePt" dir="t"/>
+    </dgm:scene3d>
+    <dgm:sp3d/>
+    <dgm:txPr/>
+    <dgm:style>
+      <a:lnRef idx="1">
+        <a:scrgbClr r="0" g="0" b="0"/>
+      </a:lnRef>
+      <a:fillRef idx="1">
+        <a:scrgbClr r="0" g="0" b="0"/>
+      </a:fillRef>
+      <a:effectRef idx="0">
+        <a:scrgbClr r="0" g="0" b="0"/>
+      </a:effectRef>
+      <a:fontRef idx="minor"/>
+    </dgm:style>
+  </dgm:styleLbl>
+  <dgm:styleLbl name="alignAccFollowNode1">
+    <dgm:scene3d>
+      <a:camera prst="orthographicFront"/>
+      <a:lightRig rig="threePt" dir="t"/>
+    </dgm:scene3d>
+    <dgm:sp3d/>
+    <dgm:txPr/>
+    <dgm:style>
+      <a:lnRef idx="1">
+        <a:scrgbClr r="0" g="0" b="0"/>
+      </a:lnRef>
+      <a:fillRef idx="1">
+        <a:scrgbClr r="0" g="0" b="0"/>
+      </a:fillRef>
+      <a:effectRef idx="0">
+        <a:scrgbClr r="0" g="0" b="0"/>
+      </a:effectRef>
+      <a:fontRef idx="minor"/>
+    </dgm:style>
+  </dgm:styleLbl>
+  <dgm:styleLbl name="bgAccFollowNode1">
+    <dgm:scene3d>
+      <a:camera prst="orthographicFront"/>
+      <a:lightRig rig="threePt" dir="t"/>
+    </dgm:scene3d>
+    <dgm:sp3d/>
+    <dgm:txPr/>
+    <dgm:style>
+      <a:lnRef idx="1">
+        <a:scrgbClr r="0" g="0" b="0"/>
+      </a:lnRef>
+      <a:fillRef idx="1">
+        <a:scrgbClr r="0" g="0" b="0"/>
+      </a:fillRef>
+      <a:effectRef idx="0">
+        <a:scrgbClr r="0" g="0" b="0"/>
+      </a:effectRef>
+      <a:fontRef idx="minor"/>
+    </dgm:style>
+  </dgm:styleLbl>
+  <dgm:styleLbl name="fgAcc0">
+    <dgm:scene3d>
+      <a:camera prst="orthographicFront"/>
+      <a:lightRig rig="threePt" dir="t"/>
+    </dgm:scene3d>
+    <dgm:sp3d/>
+    <dgm:txPr/>
+    <dgm:style>
+      <a:lnRef idx="1">
+        <a:scrgbClr r="0" g="0" b="0"/>
+      </a:lnRef>
+      <a:fillRef idx="1">
+        <a:scrgbClr r="0" g="0" b="0"/>
+      </a:fillRef>
+      <a:effectRef idx="0">
+        <a:scrgbClr r="0" g="0" b="0"/>
+      </a:effectRef>
+      <a:fontRef idx="minor"/>
+    </dgm:style>
+  </dgm:styleLbl>
+  <dgm:styleLbl name="fgAcc2">
+    <dgm:scene3d>
+      <a:camera prst="orthographicFront"/>
+      <a:lightRig rig="threePt" dir="t"/>
+    </dgm:scene3d>
+    <dgm:sp3d/>
+    <dgm:txPr/>
+    <dgm:style>
+      <a:lnRef idx="1">
+        <a:scrgbClr r="0" g="0" b="0"/>
+      </a:lnRef>
+      <a:fillRef idx="1">
+        <a:scrgbClr r="0" g="0" b="0"/>
+      </a:fillRef>
+      <a:effectRef idx="0">
+        <a:scrgbClr r="0" g="0" b="0"/>
+      </a:effectRef>
+      <a:fontRef idx="minor"/>
+    </dgm:style>
+  </dgm:styleLbl>
+  <dgm:styleLbl name="fgAcc3">
+    <dgm:scene3d>
+      <a:camera prst="orthographicFront"/>
+      <a:lightRig rig="threePt" dir="t"/>
+    </dgm:scene3d>
+    <dgm:sp3d/>
+    <dgm:txPr/>
+    <dgm:style>
+      <a:lnRef idx="1">
+        <a:scrgbClr r="0" g="0" b="0"/>
+      </a:lnRef>
+      <a:fillRef idx="1">
+        <a:scrgbClr r="0" g="0" b="0"/>
+      </a:fillRef>
+      <a:effectRef idx="0">
+        <a:scrgbClr r="0" g="0" b="0"/>
+      </a:effectRef>
+      <a:fontRef idx="minor"/>
+    </dgm:style>
+  </dgm:styleLbl>
+  <dgm:styleLbl name="fgAcc4">
+    <dgm:scene3d>
+      <a:camera prst="orthographicFront"/>
+      <a:lightRig rig="threePt" dir="t"/>
+    </dgm:scene3d>
+    <dgm:sp3d/>
+    <dgm:txPr/>
+    <dgm:style>
+      <a:lnRef idx="1">
+        <a:scrgbClr r="0" g="0" b="0"/>
+      </a:lnRef>
+      <a:fillRef idx="1">
+        <a:scrgbClr r="0" g="0" b="0"/>
+      </a:fillRef>
+      <a:effectRef idx="0">
+        <a:scrgbClr r="0" g="0" b="0"/>
+      </a:effectRef>
+      <a:fontRef idx="minor"/>
+    </dgm:style>
+  </dgm:styleLbl>
+  <dgm:styleLbl name="bgShp">
+    <dgm:scene3d>
+      <a:camera prst="orthographicFront"/>
+      <a:lightRig rig="threePt" dir="t"/>
+    </dgm:scene3d>
+    <dgm:sp3d/>
+    <dgm:txPr/>
+    <dgm:style>
+      <a:lnRef idx="0">
+        <a:scrgbClr r="0" g="0" b="0"/>
+      </a:lnRef>
+      <a:fillRef idx="1">
+        <a:scrgbClr r="0" g="0" b="0"/>
+      </a:fillRef>
+      <a:effectRef idx="2">
+        <a:scrgbClr r="0" g="0" b="0"/>
+      </a:effectRef>
+      <a:fontRef idx="minor"/>
+    </dgm:style>
+  </dgm:styleLbl>
+  <dgm:styleLbl name="dkBgShp">
+    <dgm:scene3d>
+      <a:camera prst="orthographicFront"/>
+      <a:lightRig rig="threePt" dir="t"/>
+    </dgm:scene3d>
+    <dgm:sp3d/>
+    <dgm:txPr/>
+    <dgm:style>
+      <a:lnRef idx="0">
+        <a:scrgbClr r="0" g="0" b="0"/>
+      </a:lnRef>
+      <a:fillRef idx="1">
+        <a:scrgbClr r="0" g="0" b="0"/>
+      </a:fillRef>
+      <a:effectRef idx="2">
+        <a:scrgbClr r="0" g="0" b="0"/>
+      </a:effectRef>
+      <a:fontRef idx="minor"/>
+    </dgm:style>
+  </dgm:styleLbl>
+  <dgm:styleLbl name="trBgShp">
+    <dgm:scene3d>
+      <a:camera prst="orthographicFront"/>
+      <a:lightRig rig="threePt" dir="t"/>
+    </dgm:scene3d>
+    <dgm:sp3d/>
+    <dgm:txPr/>
+    <dgm:style>
+      <a:lnRef idx="0">
+        <a:scrgbClr r="0" g="0" b="0"/>
+      </a:lnRef>
+      <a:fillRef idx="1">
+        <a:scrgbClr r="0" g="0" b="0"/>
+      </a:fillRef>
+      <a:effectRef idx="0">
+        <a:scrgbClr r="0" g="0" b="0"/>
+      </a:effectRef>
+      <a:fontRef idx="minor"/>
+    </dgm:style>
+  </dgm:styleLbl>
+  <dgm:styleLbl name="fgShp">
+    <dgm:scene3d>
+      <a:camera prst="orthographicFront"/>
+      <a:lightRig rig="threePt" dir="t"/>
+    </dgm:scene3d>
+    <dgm:sp3d/>
+    <dgm:txPr/>
+    <dgm:style>
+      <a:lnRef idx="0">
+        <a:scrgbClr r="0" g="0" b="0"/>
+      </a:lnRef>
+      <a:fillRef idx="3">
+        <a:scrgbClr r="0" g="0" b="0"/>
+      </a:fillRef>
+      <a:effectRef idx="2">
+        <a:scrgbClr r="0" g="0" b="0"/>
+      </a:effectRef>
+      <a:fontRef idx="minor"/>
+    </dgm:style>
+  </dgm:styleLbl>
+  <dgm:styleLbl name="revTx">
+    <dgm:scene3d>
+      <a:camera prst="orthographicFront"/>
+      <a:lightRig rig="threePt" dir="t"/>
+    </dgm:scene3d>
+    <dgm:sp3d/>
+    <dgm:txPr/>
+    <dgm:style>
+      <a:lnRef idx="0">
+        <a:scrgbClr r="0" g="0" b="0"/>
+      </a:lnRef>
+      <a:fillRef idx="0">
+        <a:scrgbClr r="0" g="0" b="0"/>
+      </a:fillRef>
+      <a:effectRef idx="0">
+        <a:scrgbClr r="0" g="0" b="0"/>
+      </a:effectRef>
+      <a:fontRef idx="minor"/>
+    </dgm:style>
+  </dgm:styleLbl>
+</dgm:styleDef>
+</file>
+
+<file path=ppt/notesMasters/notesMaster1.xml><?xml version="1.0" encoding="utf-8"?>
+<p:notesMaster xmlns:a="http://schemas.openxmlformats.org/drawingml/2006/main" xmlns:r="http://schemas.openxmlformats.org/officeDocument/2006/relationships" xmlns:p="http://schemas.openxmlformats.org/presentationml/2006/main">
+  <p:cSld>
+    <p:bg>
+      <p:bgRef idx="1001">
+        <a:schemeClr val="bg1"/>
+      </p:bgRef>
+    </p:bg>
+    <p:spTree>
+      <p:nvGrpSpPr>
+        <p:cNvPr id="1" name=""/>
+        <p:cNvGrpSpPr/>
+        <p:nvPr/>
+      </p:nvGrpSpPr>
+      <p:grpSpPr>
+        <a:xfrm>
+          <a:off x="0" y="0"/>
+          <a:ext cx="0" cy="0"/>
+          <a:chOff x="0" y="0"/>
+          <a:chExt cx="0" cy="0"/>
+        </a:xfrm>
+      </p:grpSpPr>
+      <p:sp>
+        <p:nvSpPr>
+          <p:cNvPr id="2" name="Espace réservé de l'en-tête 1"/>
+          <p:cNvSpPr>
+            <a:spLocks noGrp="1"/>
+          </p:cNvSpPr>
+          <p:nvPr>
+            <p:ph type="hdr" sz="quarter"/>
+          </p:nvPr>
+        </p:nvSpPr>
+        <p:spPr>
+          <a:xfrm>
+            <a:off x="0" y="0"/>
+            <a:ext cx="2971800" cy="458788"/>
+          </a:xfrm>
+          <a:prstGeom prst="rect">
+            <a:avLst/>
+          </a:prstGeom>
+        </p:spPr>
+        <p:txBody>
+          <a:bodyPr vert="horz" lIns="91440" tIns="45720" rIns="91440" bIns="45720" rtlCol="0"/>
+          <a:lstStyle>
+            <a:lvl1pPr algn="l">
+              <a:defRPr sz="1200"/>
+            </a:lvl1pPr>
+          </a:lstStyle>
+          <a:p>
+            <a:endParaRPr lang="fr-CH"/>
+          </a:p>
+        </p:txBody>
+      </p:sp>
+      <p:sp>
+        <p:nvSpPr>
+          <p:cNvPr id="3" name="Espace réservé de la date 2"/>
+          <p:cNvSpPr>
+            <a:spLocks noGrp="1"/>
+          </p:cNvSpPr>
+          <p:nvPr>
+            <p:ph type="dt" idx="1"/>
+          </p:nvPr>
+        </p:nvSpPr>
+        <p:spPr>
+          <a:xfrm>
+            <a:off x="3884613" y="0"/>
+            <a:ext cx="2971800" cy="458788"/>
+          </a:xfrm>
+          <a:prstGeom prst="rect">
+            <a:avLst/>
+          </a:prstGeom>
+        </p:spPr>
+        <p:txBody>
+          <a:bodyPr vert="horz" lIns="91440" tIns="45720" rIns="91440" bIns="45720" rtlCol="0"/>
+          <a:lstStyle>
+            <a:lvl1pPr algn="r">
+              <a:defRPr sz="1200"/>
+            </a:lvl1pPr>
+          </a:lstStyle>
+          <a:p>
+            <a:fld id="{D635BA84-42E8-4463-95DD-BBF01969D626}" type="datetimeFigureOut">
+              <a:rPr lang="fr-CH" smtClean="0"/>
+              <a:t>01.05.2019</a:t>
+            </a:fld>
+            <a:endParaRPr lang="fr-CH"/>
+          </a:p>
+        </p:txBody>
+      </p:sp>
+      <p:sp>
+        <p:nvSpPr>
+          <p:cNvPr id="4" name="Espace réservé de l'image des diapositives 3"/>
+          <p:cNvSpPr>
+            <a:spLocks noGrp="1" noRot="1" noChangeAspect="1"/>
+          </p:cNvSpPr>
+          <p:nvPr>
+            <p:ph type="sldImg" idx="2"/>
+          </p:nvPr>
+        </p:nvSpPr>
+        <p:spPr>
+          <a:xfrm>
+            <a:off x="685800" y="1143000"/>
+            <a:ext cx="5486400" cy="3086100"/>
+          </a:xfrm>
+          <a:prstGeom prst="rect">
+            <a:avLst/>
+          </a:prstGeom>
+          <a:noFill/>
+          <a:ln w="12700">
+            <a:solidFill>
+              <a:prstClr val="black"/>
+            </a:solidFill>
+          </a:ln>
+        </p:spPr>
+        <p:txBody>
+          <a:bodyPr vert="horz" lIns="91440" tIns="45720" rIns="91440" bIns="45720" rtlCol="0" anchor="ctr"/>
+          <a:lstStyle/>
+          <a:p>
+            <a:endParaRPr lang="fr-CH"/>
+          </a:p>
+        </p:txBody>
+      </p:sp>
+      <p:sp>
+        <p:nvSpPr>
+          <p:cNvPr id="5" name="Espace réservé des notes 4"/>
+          <p:cNvSpPr>
+            <a:spLocks noGrp="1"/>
+          </p:cNvSpPr>
+          <p:nvPr>
+            <p:ph type="body" sz="quarter" idx="3"/>
+          </p:nvPr>
+        </p:nvSpPr>
+        <p:spPr>
+          <a:xfrm>
+            <a:off x="685800" y="4400550"/>
+            <a:ext cx="5486400" cy="3600450"/>
+          </a:xfrm>
+          <a:prstGeom prst="rect">
+            <a:avLst/>
+          </a:prstGeom>
+        </p:spPr>
+        <p:txBody>
+          <a:bodyPr vert="horz" lIns="91440" tIns="45720" rIns="91440" bIns="45720" rtlCol="0"/>
+          <a:lstStyle/>
+          <a:p>
+            <a:pPr lvl="0"/>
+            <a:r>
+              <a:rPr lang="fr-FR"/>
+              <a:t>Cliquez pour modifier les styles du texte du masque</a:t>
+            </a:r>
+          </a:p>
+          <a:p>
+            <a:pPr lvl="1"/>
+            <a:r>
+              <a:rPr lang="fr-FR"/>
+              <a:t>Deuxième niveau</a:t>
+            </a:r>
+          </a:p>
+          <a:p>
+            <a:pPr lvl="2"/>
+            <a:r>
+              <a:rPr lang="fr-FR"/>
+              <a:t>Troisième niveau</a:t>
+            </a:r>
+          </a:p>
+          <a:p>
+            <a:pPr lvl="3"/>
+            <a:r>
+              <a:rPr lang="fr-FR"/>
+              <a:t>Quatrième niveau</a:t>
+            </a:r>
+          </a:p>
+          <a:p>
+            <a:pPr lvl="4"/>
+            <a:r>
+              <a:rPr lang="fr-FR"/>
+              <a:t>Cinquième niveau</a:t>
+            </a:r>
+            <a:endParaRPr lang="fr-CH"/>
+          </a:p>
+        </p:txBody>
+      </p:sp>
+      <p:sp>
+        <p:nvSpPr>
+          <p:cNvPr id="6" name="Espace réservé du pied de page 5"/>
+          <p:cNvSpPr>
+            <a:spLocks noGrp="1"/>
+          </p:cNvSpPr>
+          <p:nvPr>
+            <p:ph type="ftr" sz="quarter" idx="4"/>
+          </p:nvPr>
+        </p:nvSpPr>
+        <p:spPr>
+          <a:xfrm>
+            <a:off x="0" y="8685213"/>
+            <a:ext cx="2971800" cy="458787"/>
+          </a:xfrm>
+          <a:prstGeom prst="rect">
+            <a:avLst/>
+          </a:prstGeom>
+        </p:spPr>
+        <p:txBody>
+          <a:bodyPr vert="horz" lIns="91440" tIns="45720" rIns="91440" bIns="45720" rtlCol="0" anchor="b"/>
+          <a:lstStyle>
+            <a:lvl1pPr algn="l">
+              <a:defRPr sz="1200"/>
+            </a:lvl1pPr>
+          </a:lstStyle>
+          <a:p>
+            <a:endParaRPr lang="fr-CH"/>
+          </a:p>
+        </p:txBody>
+      </p:sp>
+      <p:sp>
+        <p:nvSpPr>
+          <p:cNvPr id="7" name="Espace réservé du numéro de diapositive 6"/>
+          <p:cNvSpPr>
+            <a:spLocks noGrp="1"/>
+          </p:cNvSpPr>
+          <p:nvPr>
+            <p:ph type="sldNum" sz="quarter" idx="5"/>
+          </p:nvPr>
+        </p:nvSpPr>
+        <p:spPr>
+          <a:xfrm>
+            <a:off x="3884613" y="8685213"/>
+            <a:ext cx="2971800" cy="458787"/>
+          </a:xfrm>
+          <a:prstGeom prst="rect">
+            <a:avLst/>
+          </a:prstGeom>
+        </p:spPr>
+        <p:txBody>
+          <a:bodyPr vert="horz" lIns="91440" tIns="45720" rIns="91440" bIns="45720" rtlCol="0" anchor="b"/>
+          <a:lstStyle>
+            <a:lvl1pPr algn="r">
+              <a:defRPr sz="1200"/>
+            </a:lvl1pPr>
+          </a:lstStyle>
+          <a:p>
+            <a:fld id="{BB2023DD-7612-4FCD-8C16-67E24E6CEE54}" type="slidenum">
+              <a:rPr lang="fr-CH" smtClean="0"/>
+              <a:t>‹N°›</a:t>
+            </a:fld>
+            <a:endParaRPr lang="fr-CH"/>
+          </a:p>
+        </p:txBody>
+      </p:sp>
+    </p:spTree>
+    <p:extLst>
+      <p:ext uri="{BB962C8B-B14F-4D97-AF65-F5344CB8AC3E}">
+        <p14:creationId xmlns:p14="http://schemas.microsoft.com/office/powerpoint/2010/main" val="906901154"/>
+      </p:ext>
+    </p:extLst>
+  </p:cSld>
+  <p:clrMap bg1="lt1" tx1="dk1" bg2="lt2" tx2="dk2" accent1="accent1" accent2="accent2" accent3="accent3" accent4="accent4" accent5="accent5" accent6="accent6" hlink="hlink" folHlink="folHlink"/>
+  <p:notesStyle>
+    <a:lvl1pPr marL="0" algn="l" defTabSz="914400" rtl="0" eaLnBrk="1" latinLnBrk="0" hangingPunct="1">
+      <a:defRPr sz="1200" kern="1200">
+        <a:solidFill>
+          <a:schemeClr val="tx1"/>
+        </a:solidFill>
+        <a:latin typeface="+mn-lt"/>
+        <a:ea typeface="+mn-ea"/>
+        <a:cs typeface="+mn-cs"/>
+      </a:defRPr>
+    </a:lvl1pPr>
+    <a:lvl2pPr marL="457200" algn="l" defTabSz="914400" rtl="0" eaLnBrk="1" latinLnBrk="0" hangingPunct="1">
+      <a:defRPr sz="1200" kern="1200">
+        <a:solidFill>
+          <a:schemeClr val="tx1"/>
+        </a:solidFill>
+        <a:latin typeface="+mn-lt"/>
+        <a:ea typeface="+mn-ea"/>
+        <a:cs typeface="+mn-cs"/>
+      </a:defRPr>
+    </a:lvl2pPr>
+    <a:lvl3pPr marL="914400" algn="l" defTabSz="914400" rtl="0" eaLnBrk="1" latinLnBrk="0" hangingPunct="1">
+      <a:defRPr sz="1200" kern="1200">
+        <a:solidFill>
+          <a:schemeClr val="tx1"/>
+        </a:solidFill>
+        <a:latin typeface="+mn-lt"/>
+        <a:ea typeface="+mn-ea"/>
+        <a:cs typeface="+mn-cs"/>
+      </a:defRPr>
+    </a:lvl3pPr>
+    <a:lvl4pPr marL="1371600" algn="l" defTabSz="914400" rtl="0" eaLnBrk="1" latinLnBrk="0" hangingPunct="1">
+      <a:defRPr sz="1200" kern="1200">
+        <a:solidFill>
+          <a:schemeClr val="tx1"/>
+        </a:solidFill>
+        <a:latin typeface="+mn-lt"/>
+        <a:ea typeface="+mn-ea"/>
+        <a:cs typeface="+mn-cs"/>
+      </a:defRPr>
+    </a:lvl4pPr>
+    <a:lvl5pPr marL="1828800" algn="l" defTabSz="914400" rtl="0" eaLnBrk="1" latinLnBrk="0" hangingPunct="1">
+      <a:defRPr sz="1200" kern="1200">
+        <a:solidFill>
+          <a:schemeClr val="tx1"/>
+        </a:solidFill>
+        <a:latin typeface="+mn-lt"/>
+        <a:ea typeface="+mn-ea"/>
+        <a:cs typeface="+mn-cs"/>
+      </a:defRPr>
+    </a:lvl5pPr>
+    <a:lvl6pPr marL="2286000" algn="l" defTabSz="914400" rtl="0" eaLnBrk="1" latinLnBrk="0" hangingPunct="1">
+      <a:defRPr sz="1200" kern="1200">
+        <a:solidFill>
+          <a:schemeClr val="tx1"/>
+        </a:solidFill>
+        <a:latin typeface="+mn-lt"/>
+        <a:ea typeface="+mn-ea"/>
+        <a:cs typeface="+mn-cs"/>
+      </a:defRPr>
+    </a:lvl6pPr>
+    <a:lvl7pPr marL="2743200" algn="l" defTabSz="914400" rtl="0" eaLnBrk="1" latinLnBrk="0" hangingPunct="1">
+      <a:defRPr sz="1200" kern="1200">
+        <a:solidFill>
+          <a:schemeClr val="tx1"/>
+        </a:solidFill>
+        <a:latin typeface="+mn-lt"/>
+        <a:ea typeface="+mn-ea"/>
+        <a:cs typeface="+mn-cs"/>
+      </a:defRPr>
+    </a:lvl7pPr>
+    <a:lvl8pPr marL="3200400" algn="l" defTabSz="914400" rtl="0" eaLnBrk="1" latinLnBrk="0" hangingPunct="1">
+      <a:defRPr sz="1200" kern="1200">
+        <a:solidFill>
+          <a:schemeClr val="tx1"/>
+        </a:solidFill>
+        <a:latin typeface="+mn-lt"/>
+        <a:ea typeface="+mn-ea"/>
+        <a:cs typeface="+mn-cs"/>
+      </a:defRPr>
+    </a:lvl8pPr>
+    <a:lvl9pPr marL="3657600" algn="l" defTabSz="914400" rtl="0" eaLnBrk="1" latinLnBrk="0" hangingPunct="1">
+      <a:defRPr sz="1200" kern="1200">
+        <a:solidFill>
+          <a:schemeClr val="tx1"/>
+        </a:solidFill>
+        <a:latin typeface="+mn-lt"/>
+        <a:ea typeface="+mn-ea"/>
+        <a:cs typeface="+mn-cs"/>
+      </a:defRPr>
+    </a:lvl9pPr>
+  </p:notesStyle>
+</p:notesMaster>
+</file>
+
+<file path=ppt/notesSlides/notesSlide1.xml><?xml version="1.0" encoding="utf-8"?>
+<p:notes xmlns:a="http://schemas.openxmlformats.org/drawingml/2006/main" xmlns:r="http://schemas.openxmlformats.org/officeDocument/2006/relationships" xmlns:p="http://schemas.openxmlformats.org/presentationml/2006/main">
+  <p:cSld>
+    <p:spTree>
+      <p:nvGrpSpPr>
+        <p:cNvPr id="1" name=""/>
+        <p:cNvGrpSpPr/>
+        <p:nvPr/>
+      </p:nvGrpSpPr>
+      <p:grpSpPr>
+        <a:xfrm>
+          <a:off x="0" y="0"/>
+          <a:ext cx="0" cy="0"/>
+          <a:chOff x="0" y="0"/>
+          <a:chExt cx="0" cy="0"/>
+        </a:xfrm>
+      </p:grpSpPr>
+      <p:sp>
+        <p:nvSpPr>
+          <p:cNvPr id="2" name="Espace réservé de l'image des diapositives 1"/>
+          <p:cNvSpPr>
+            <a:spLocks noGrp="1" noRot="1" noChangeAspect="1"/>
+          </p:cNvSpPr>
+          <p:nvPr>
+            <p:ph type="sldImg"/>
+          </p:nvPr>
+        </p:nvSpPr>
+        <p:spPr/>
+      </p:sp>
+      <p:sp>
+        <p:nvSpPr>
+          <p:cNvPr id="3" name="Espace réservé des notes 2"/>
+          <p:cNvSpPr>
+            <a:spLocks noGrp="1"/>
+          </p:cNvSpPr>
+          <p:nvPr>
+            <p:ph type="body" idx="1"/>
+          </p:nvPr>
+        </p:nvSpPr>
+        <p:spPr/>
+        <p:txBody>
+          <a:bodyPr/>
+          <a:lstStyle/>
+          <a:p>
+            <a:r>
+              <a:rPr lang="fr-FR" dirty="0"/>
+              <a:t>Notes :</a:t>
+            </a:r>
+          </a:p>
+          <a:p>
+            <a:r>
+              <a:rPr lang="fr-FR" dirty="0"/>
+              <a:t>1. Garder une trace des prototypes disponibles (nombre total inconnu)</a:t>
+            </a:r>
+          </a:p>
+          <a:p>
+            <a:r>
+              <a:rPr lang="fr-FR" dirty="0"/>
+              <a:t>   Les clients ne gère pas les prototypes </a:t>
+            </a:r>
+            <a:r>
+              <a:rPr lang="fr-FR" dirty="0" err="1"/>
+              <a:t>eux-même</a:t>
+            </a:r>
+            <a:r>
+              <a:rPr lang="fr-FR" dirty="0"/>
+              <a:t>, mais les stockent et les récupèrent</a:t>
+            </a:r>
+          </a:p>
+          <a:p>
+            <a:r>
+              <a:rPr lang="fr-FR" dirty="0"/>
+              <a:t>   via un </a:t>
+            </a:r>
+            <a:r>
+              <a:rPr lang="fr-FR" dirty="0" err="1"/>
+              <a:t>registry</a:t>
+            </a:r>
+            <a:r>
+              <a:rPr lang="fr-FR" dirty="0"/>
+              <a:t> appelé Prototype manager. Le client va lui demander un prototype avant de le cloner.</a:t>
+            </a:r>
+          </a:p>
+          <a:p>
+            <a:endParaRPr lang="fr-FR" dirty="0"/>
+          </a:p>
+          <a:p>
+            <a:r>
+              <a:rPr lang="fr-FR" dirty="0"/>
+              <a:t>2. En général, une copie partielle suffit (via un simple constructeur). Mais dans le cas de structures complexes</a:t>
+            </a:r>
+          </a:p>
+          <a:p>
+            <a:r>
+              <a:rPr lang="fr-FR" dirty="0"/>
+              <a:t>   (e.g. références circulaires), il faut effectuer une copie profonde car le clone doit être indépendant du prototype.</a:t>
+            </a:r>
+          </a:p>
+          <a:p>
+            <a:r>
+              <a:rPr lang="fr-FR" dirty="0"/>
+              <a:t>   Il faut aussi s'assurer que les composantes d'un clone sont </a:t>
+            </a:r>
+            <a:r>
+              <a:rPr lang="fr-FR" dirty="0" err="1"/>
+              <a:t>eux-même</a:t>
+            </a:r>
+            <a:r>
+              <a:rPr lang="fr-FR" dirty="0"/>
+              <a:t> des clones des composantes du prototype.</a:t>
+            </a:r>
+          </a:p>
+          <a:p>
+            <a:r>
+              <a:rPr lang="fr-FR" dirty="0"/>
+              <a:t>   C'est durant cette opération qu'il faut décider ce qui sera partagé entre les clones.</a:t>
+            </a:r>
+          </a:p>
+          <a:p>
+            <a:endParaRPr lang="fr-FR" dirty="0"/>
+          </a:p>
+          <a:p>
+            <a:r>
+              <a:rPr lang="fr-FR" dirty="0"/>
+              <a:t>3. Parfois, le simple clonage ne suffit pas et il est nécessaire d'initialiser une ou plusieurs valeurs</a:t>
+            </a:r>
+          </a:p>
+          <a:p>
+            <a:r>
+              <a:rPr lang="fr-FR" dirty="0"/>
+              <a:t>   du clone à sa création. Impossible de les passer en paramètre dans la méthode Clone car leur nombre</a:t>
+            </a:r>
+          </a:p>
+          <a:p>
+            <a:r>
+              <a:rPr lang="fr-FR" dirty="0"/>
+              <a:t>   varie selon les classes des prototypes. Soit les clients peuvent utiliser les opérations définies dans</a:t>
+            </a:r>
+          </a:p>
+          <a:p>
+            <a:r>
+              <a:rPr lang="fr-FR" dirty="0"/>
+              <a:t>   les classes du prototype pour procéder à l'initialisation, soit il n'y en a pas et il faut créer une</a:t>
+            </a:r>
+          </a:p>
+          <a:p>
+            <a:r>
+              <a:rPr lang="fr-FR" dirty="0"/>
+              <a:t>   méthode </a:t>
+            </a:r>
+            <a:r>
+              <a:rPr lang="fr-FR" dirty="0" err="1"/>
+              <a:t>Initialize</a:t>
+            </a:r>
+            <a:r>
+              <a:rPr lang="fr-FR"/>
+              <a:t> dont les paramètres sont ceux à initialiser.</a:t>
+            </a:r>
+            <a:endParaRPr lang="fr-CH"/>
+          </a:p>
+        </p:txBody>
+      </p:sp>
+      <p:sp>
+        <p:nvSpPr>
+          <p:cNvPr id="4" name="Espace réservé du numéro de diapositive 3"/>
+          <p:cNvSpPr>
+            <a:spLocks noGrp="1"/>
+          </p:cNvSpPr>
+          <p:nvPr>
+            <p:ph type="sldNum" sz="quarter" idx="5"/>
+          </p:nvPr>
+        </p:nvSpPr>
+        <p:spPr/>
+        <p:txBody>
+          <a:bodyPr/>
+          <a:lstStyle/>
+          <a:p>
+            <a:fld id="{BB2023DD-7612-4FCD-8C16-67E24E6CEE54}" type="slidenum">
+              <a:rPr lang="fr-CH" smtClean="0"/>
+              <a:t>6</a:t>
+            </a:fld>
+            <a:endParaRPr lang="fr-CH"/>
+          </a:p>
+        </p:txBody>
+      </p:sp>
+    </p:spTree>
+    <p:extLst>
+      <p:ext uri="{BB962C8B-B14F-4D97-AF65-F5344CB8AC3E}">
+        <p14:creationId xmlns:p14="http://schemas.microsoft.com/office/powerpoint/2010/main" val="1120532111"/>
+      </p:ext>
+    </p:extLst>
+  </p:cSld>
+  <p:clrMapOvr>
+    <a:masterClrMapping/>
+  </p:clrMapOvr>
+</p:notes>
 </file>
 
 <file path=ppt/slideLayouts/slideLayout1.xml><?xml version="1.0" encoding="utf-8"?>
@@ -9785,6 +15127,876 @@
 <file path=ppt/slides/slide2.xml><?xml version="1.0" encoding="utf-8"?>
 <p:sld xmlns:a="http://schemas.openxmlformats.org/drawingml/2006/main" xmlns:r="http://schemas.openxmlformats.org/officeDocument/2006/relationships" xmlns:p="http://schemas.openxmlformats.org/presentationml/2006/main">
   <p:cSld>
+    <p:bg>
+      <p:bgPr>
+        <a:solidFill>
+          <a:schemeClr val="bg1"/>
+        </a:solidFill>
+        <a:effectLst/>
+      </p:bgPr>
+    </p:bg>
+    <p:spTree>
+      <p:nvGrpSpPr>
+        <p:cNvPr id="1" name=""/>
+        <p:cNvGrpSpPr/>
+        <p:nvPr/>
+      </p:nvGrpSpPr>
+      <p:grpSpPr>
+        <a:xfrm>
+          <a:off x="0" y="0"/>
+          <a:ext cx="0" cy="0"/>
+          <a:chOff x="0" y="0"/>
+          <a:chExt cx="0" cy="0"/>
+        </a:xfrm>
+      </p:grpSpPr>
+      <p:sp useBgFill="1">
+        <p:nvSpPr>
+          <p:cNvPr id="10" name="Rectangle 9">
+            <a:extLst>
+              <a:ext uri="{FF2B5EF4-FFF2-40B4-BE49-F238E27FC236}">
+                <a16:creationId xmlns:a16="http://schemas.microsoft.com/office/drawing/2014/main" id="{80265050-FD84-47EF-A163-6A481836C14E}"/>
+              </a:ext>
+              <a:ext uri="{C183D7F6-B498-43B3-948B-1728B52AA6E4}">
+                <adec:decorative xmlns:adec="http://schemas.microsoft.com/office/drawing/2017/decorative" val="1"/>
+              </a:ext>
+            </a:extLst>
+          </p:cNvPr>
+          <p:cNvSpPr>
+            <a:spLocks noGrp="1" noRot="1" noChangeAspect="1" noMove="1" noResize="1" noEditPoints="1" noAdjustHandles="1" noChangeArrowheads="1" noChangeShapeType="1" noTextEdit="1"/>
+          </p:cNvSpPr>
+          <p:nvPr>
+            <p:extLst>
+              <p:ext uri="{386F3935-93C4-4BCD-93E2-E3B085C9AB24}">
+                <p16:designElem xmlns:p16="http://schemas.microsoft.com/office/powerpoint/2015/main" val="1"/>
+              </p:ext>
+            </p:extLst>
+          </p:nvPr>
+        </p:nvSpPr>
+        <p:spPr>
+          <a:xfrm>
+            <a:off x="0" y="0"/>
+            <a:ext cx="12192000" cy="6858000"/>
+          </a:xfrm>
+          <a:prstGeom prst="rect">
+            <a:avLst/>
+          </a:prstGeom>
+          <a:ln>
+            <a:noFill/>
+          </a:ln>
+        </p:spPr>
+        <p:style>
+          <a:lnRef idx="2">
+            <a:schemeClr val="accent1">
+              <a:shade val="50000"/>
+            </a:schemeClr>
+          </a:lnRef>
+          <a:fillRef idx="1">
+            <a:schemeClr val="accent1"/>
+          </a:fillRef>
+          <a:effectRef idx="0">
+            <a:schemeClr val="accent1"/>
+          </a:effectRef>
+          <a:fontRef idx="minor">
+            <a:schemeClr val="lt1"/>
+          </a:fontRef>
+        </p:style>
+        <p:txBody>
+          <a:bodyPr rtlCol="0" anchor="ctr"/>
+          <a:lstStyle/>
+          <a:p>
+            <a:pPr algn="ctr"/>
+            <a:endParaRPr lang="en-US"/>
+          </a:p>
+        </p:txBody>
+      </p:sp>
+      <p:grpSp>
+        <p:nvGrpSpPr>
+          <p:cNvPr id="12" name="Group 11">
+            <a:extLst>
+              <a:ext uri="{FF2B5EF4-FFF2-40B4-BE49-F238E27FC236}">
+                <a16:creationId xmlns:a16="http://schemas.microsoft.com/office/drawing/2014/main" id="{A11B064D-F4EB-4312-AEEA-6AFDB257E7C6}"/>
+              </a:ext>
+              <a:ext uri="{C183D7F6-B498-43B3-948B-1728B52AA6E4}">
+                <adec:decorative xmlns:adec="http://schemas.microsoft.com/office/drawing/2017/decorative" val="1"/>
+              </a:ext>
+            </a:extLst>
+          </p:cNvPr>
+          <p:cNvGrpSpPr>
+            <a:grpSpLocks noGrp="1" noUngrp="1" noRot="1" noChangeAspect="1" noMove="1" noResize="1"/>
+          </p:cNvGrpSpPr>
+          <p:nvPr>
+            <p:extLst>
+              <p:ext uri="{386F3935-93C4-4BCD-93E2-E3B085C9AB24}">
+                <p16:designElem xmlns:p16="http://schemas.microsoft.com/office/powerpoint/2015/main" val="1"/>
+              </p:ext>
+            </p:extLst>
+          </p:nvPr>
+        </p:nvGrpSpPr>
+        <p:grpSpPr>
+          <a:xfrm>
+            <a:off x="979068" y="-8467"/>
+            <a:ext cx="4766733" cy="6866467"/>
+            <a:chOff x="7425267" y="-8467"/>
+            <a:chExt cx="4766733" cy="6866467"/>
+          </a:xfrm>
+        </p:grpSpPr>
+        <p:cxnSp>
+          <p:nvCxnSpPr>
+            <p:cNvPr id="13" name="Straight Connector 12">
+              <a:extLst>
+                <a:ext uri="{FF2B5EF4-FFF2-40B4-BE49-F238E27FC236}">
+                  <a16:creationId xmlns:a16="http://schemas.microsoft.com/office/drawing/2014/main" id="{E7041201-C3DD-4181-B0E0-5C960FFE5358}"/>
+                </a:ext>
+                <a:ext uri="{C183D7F6-B498-43B3-948B-1728B52AA6E4}">
+                  <adec:decorative xmlns:adec="http://schemas.microsoft.com/office/drawing/2017/decorative" val="1"/>
+                </a:ext>
+              </a:extLst>
+            </p:cNvPr>
+            <p:cNvCxnSpPr/>
+            <p:nvPr>
+              <p:extLst>
+                <p:ext uri="{386F3935-93C4-4BCD-93E2-E3B085C9AB24}">
+                  <p16:designElem xmlns:p16="http://schemas.microsoft.com/office/powerpoint/2015/main" val="1"/>
+                </p:ext>
+              </p:extLst>
+            </p:nvPr>
+          </p:nvCxnSpPr>
+          <p:spPr>
+            <a:xfrm>
+              <a:off x="9371012" y="0"/>
+              <a:ext cx="1219200" cy="6858000"/>
+            </a:xfrm>
+            <a:prstGeom prst="line">
+              <a:avLst/>
+            </a:prstGeom>
+            <a:ln w="9525">
+              <a:solidFill>
+                <a:srgbClr val="BFBFBF">
+                  <a:alpha val="75000"/>
+                </a:srgbClr>
+              </a:solidFill>
+            </a:ln>
+          </p:spPr>
+          <p:style>
+            <a:lnRef idx="2">
+              <a:schemeClr val="accent1"/>
+            </a:lnRef>
+            <a:fillRef idx="0">
+              <a:schemeClr val="accent1"/>
+            </a:fillRef>
+            <a:effectRef idx="1">
+              <a:schemeClr val="accent1"/>
+            </a:effectRef>
+            <a:fontRef idx="minor">
+              <a:schemeClr val="tx1"/>
+            </a:fontRef>
+          </p:style>
+        </p:cxnSp>
+        <p:cxnSp>
+          <p:nvCxnSpPr>
+            <p:cNvPr id="14" name="Straight Connector 13">
+              <a:extLst>
+                <a:ext uri="{FF2B5EF4-FFF2-40B4-BE49-F238E27FC236}">
+                  <a16:creationId xmlns:a16="http://schemas.microsoft.com/office/drawing/2014/main" id="{929A678F-8D0F-4F98-85A6-797199C550FC}"/>
+                </a:ext>
+                <a:ext uri="{C183D7F6-B498-43B3-948B-1728B52AA6E4}">
+                  <adec:decorative xmlns:adec="http://schemas.microsoft.com/office/drawing/2017/decorative" val="1"/>
+                </a:ext>
+              </a:extLst>
+            </p:cNvPr>
+            <p:cNvCxnSpPr/>
+            <p:nvPr>
+              <p:extLst>
+                <p:ext uri="{386F3935-93C4-4BCD-93E2-E3B085C9AB24}">
+                  <p16:designElem xmlns:p16="http://schemas.microsoft.com/office/powerpoint/2015/main" val="1"/>
+                </p:ext>
+              </p:extLst>
+            </p:nvPr>
+          </p:nvCxnSpPr>
+          <p:spPr>
+            <a:xfrm flipH="1">
+              <a:off x="7425267" y="3681413"/>
+              <a:ext cx="4763558" cy="3176587"/>
+            </a:xfrm>
+            <a:prstGeom prst="line">
+              <a:avLst/>
+            </a:prstGeom>
+            <a:ln w="9525">
+              <a:solidFill>
+                <a:srgbClr val="BFBFBF">
+                  <a:alpha val="80000"/>
+                </a:srgbClr>
+              </a:solidFill>
+            </a:ln>
+          </p:spPr>
+          <p:style>
+            <a:lnRef idx="2">
+              <a:schemeClr val="accent1"/>
+            </a:lnRef>
+            <a:fillRef idx="0">
+              <a:schemeClr val="accent1"/>
+            </a:fillRef>
+            <a:effectRef idx="1">
+              <a:schemeClr val="accent1"/>
+            </a:effectRef>
+            <a:fontRef idx="minor">
+              <a:schemeClr val="tx1"/>
+            </a:fontRef>
+          </p:style>
+        </p:cxnSp>
+        <p:sp>
+          <p:nvSpPr>
+            <p:cNvPr id="15" name="Rectangle 23">
+              <a:extLst>
+                <a:ext uri="{FF2B5EF4-FFF2-40B4-BE49-F238E27FC236}">
+                  <a16:creationId xmlns:a16="http://schemas.microsoft.com/office/drawing/2014/main" id="{82463FFC-4B08-4AF2-AC5A-F681CE977261}"/>
+                </a:ext>
+                <a:ext uri="{C183D7F6-B498-43B3-948B-1728B52AA6E4}">
+                  <adec:decorative xmlns:adec="http://schemas.microsoft.com/office/drawing/2017/decorative" val="1"/>
+                </a:ext>
+              </a:extLst>
+            </p:cNvPr>
+            <p:cNvSpPr/>
+            <p:nvPr>
+              <p:extLst>
+                <p:ext uri="{386F3935-93C4-4BCD-93E2-E3B085C9AB24}">
+                  <p16:designElem xmlns:p16="http://schemas.microsoft.com/office/powerpoint/2015/main" val="1"/>
+                </p:ext>
+              </p:extLst>
+            </p:nvPr>
+          </p:nvSpPr>
+          <p:spPr>
+            <a:xfrm>
+              <a:off x="9181476" y="-8467"/>
+              <a:ext cx="3007349" cy="6866467"/>
+            </a:xfrm>
+            <a:custGeom>
+              <a:avLst/>
+              <a:gdLst/>
+              <a:ahLst/>
+              <a:cxnLst/>
+              <a:rect l="l" t="t" r="r" b="b"/>
+              <a:pathLst>
+                <a:path w="3007349" h="6866467">
+                  <a:moveTo>
+                    <a:pt x="2045532" y="0"/>
+                  </a:moveTo>
+                  <a:lnTo>
+                    <a:pt x="3007349" y="0"/>
+                  </a:lnTo>
+                  <a:lnTo>
+                    <a:pt x="3007349" y="6866467"/>
+                  </a:lnTo>
+                  <a:lnTo>
+                    <a:pt x="0" y="6866467"/>
+                  </a:lnTo>
+                  <a:lnTo>
+                    <a:pt x="2045532" y="0"/>
+                  </a:lnTo>
+                  <a:close/>
+                </a:path>
+              </a:pathLst>
+            </a:custGeom>
+            <a:solidFill>
+              <a:schemeClr val="accent1">
+                <a:alpha val="30000"/>
+              </a:schemeClr>
+            </a:solidFill>
+            <a:ln>
+              <a:noFill/>
+            </a:ln>
+            <a:effectLst/>
+          </p:spPr>
+          <p:style>
+            <a:lnRef idx="1">
+              <a:schemeClr val="accent1"/>
+            </a:lnRef>
+            <a:fillRef idx="3">
+              <a:schemeClr val="accent1"/>
+            </a:fillRef>
+            <a:effectRef idx="2">
+              <a:schemeClr val="accent1"/>
+            </a:effectRef>
+            <a:fontRef idx="minor">
+              <a:schemeClr val="lt1"/>
+            </a:fontRef>
+          </p:style>
+        </p:sp>
+        <p:sp>
+          <p:nvSpPr>
+            <p:cNvPr id="16" name="Rectangle 25">
+              <a:extLst>
+                <a:ext uri="{FF2B5EF4-FFF2-40B4-BE49-F238E27FC236}">
+                  <a16:creationId xmlns:a16="http://schemas.microsoft.com/office/drawing/2014/main" id="{87C110A9-8F54-42F4-9B19-8D33F94DE554}"/>
+                </a:ext>
+                <a:ext uri="{C183D7F6-B498-43B3-948B-1728B52AA6E4}">
+                  <adec:decorative xmlns:adec="http://schemas.microsoft.com/office/drawing/2017/decorative" val="1"/>
+                </a:ext>
+              </a:extLst>
+            </p:cNvPr>
+            <p:cNvSpPr/>
+            <p:nvPr>
+              <p:extLst>
+                <p:ext uri="{386F3935-93C4-4BCD-93E2-E3B085C9AB24}">
+                  <p16:designElem xmlns:p16="http://schemas.microsoft.com/office/powerpoint/2015/main" val="1"/>
+                </p:ext>
+              </p:extLst>
+            </p:nvPr>
+          </p:nvSpPr>
+          <p:spPr>
+            <a:xfrm>
+              <a:off x="9603442" y="-8467"/>
+              <a:ext cx="2588558" cy="6866467"/>
+            </a:xfrm>
+            <a:custGeom>
+              <a:avLst/>
+              <a:gdLst/>
+              <a:ahLst/>
+              <a:cxnLst/>
+              <a:rect l="l" t="t" r="r" b="b"/>
+              <a:pathLst>
+                <a:path w="2573311" h="6866467">
+                  <a:moveTo>
+                    <a:pt x="0" y="0"/>
+                  </a:moveTo>
+                  <a:lnTo>
+                    <a:pt x="2573311" y="0"/>
+                  </a:lnTo>
+                  <a:lnTo>
+                    <a:pt x="2573311" y="6866467"/>
+                  </a:lnTo>
+                  <a:lnTo>
+                    <a:pt x="1202336" y="6866467"/>
+                  </a:lnTo>
+                  <a:lnTo>
+                    <a:pt x="0" y="0"/>
+                  </a:lnTo>
+                  <a:close/>
+                </a:path>
+              </a:pathLst>
+            </a:custGeom>
+            <a:solidFill>
+              <a:schemeClr val="accent1">
+                <a:alpha val="20000"/>
+              </a:schemeClr>
+            </a:solidFill>
+            <a:ln>
+              <a:noFill/>
+            </a:ln>
+            <a:effectLst/>
+          </p:spPr>
+          <p:style>
+            <a:lnRef idx="1">
+              <a:schemeClr val="accent1"/>
+            </a:lnRef>
+            <a:fillRef idx="3">
+              <a:schemeClr val="accent1"/>
+            </a:fillRef>
+            <a:effectRef idx="2">
+              <a:schemeClr val="accent1"/>
+            </a:effectRef>
+            <a:fontRef idx="minor">
+              <a:schemeClr val="lt1"/>
+            </a:fontRef>
+          </p:style>
+        </p:sp>
+        <p:sp>
+          <p:nvSpPr>
+            <p:cNvPr id="17" name="Isosceles Triangle 16">
+              <a:extLst>
+                <a:ext uri="{FF2B5EF4-FFF2-40B4-BE49-F238E27FC236}">
+                  <a16:creationId xmlns:a16="http://schemas.microsoft.com/office/drawing/2014/main" id="{9F5AD5FC-19DB-4C66-BDDA-043A6AAC9448}"/>
+                </a:ext>
+                <a:ext uri="{C183D7F6-B498-43B3-948B-1728B52AA6E4}">
+                  <adec:decorative xmlns:adec="http://schemas.microsoft.com/office/drawing/2017/decorative" val="1"/>
+                </a:ext>
+              </a:extLst>
+            </p:cNvPr>
+            <p:cNvSpPr/>
+            <p:nvPr>
+              <p:extLst>
+                <p:ext uri="{386F3935-93C4-4BCD-93E2-E3B085C9AB24}">
+                  <p16:designElem xmlns:p16="http://schemas.microsoft.com/office/powerpoint/2015/main" val="1"/>
+                </p:ext>
+              </p:extLst>
+            </p:nvPr>
+          </p:nvSpPr>
+          <p:spPr>
+            <a:xfrm>
+              <a:off x="8932333" y="3048000"/>
+              <a:ext cx="3259667" cy="3810000"/>
+            </a:xfrm>
+            <a:prstGeom prst="triangle">
+              <a:avLst>
+                <a:gd name="adj" fmla="val 100000"/>
+              </a:avLst>
+            </a:prstGeom>
+            <a:solidFill>
+              <a:schemeClr val="accent1">
+                <a:lumMod val="75000"/>
+                <a:alpha val="72000"/>
+              </a:schemeClr>
+            </a:solidFill>
+            <a:ln>
+              <a:noFill/>
+            </a:ln>
+            <a:effectLst/>
+          </p:spPr>
+          <p:style>
+            <a:lnRef idx="1">
+              <a:schemeClr val="accent1"/>
+            </a:lnRef>
+            <a:fillRef idx="3">
+              <a:schemeClr val="accent1"/>
+            </a:fillRef>
+            <a:effectRef idx="2">
+              <a:schemeClr val="accent1"/>
+            </a:effectRef>
+            <a:fontRef idx="minor">
+              <a:schemeClr val="lt1"/>
+            </a:fontRef>
+          </p:style>
+        </p:sp>
+        <p:sp>
+          <p:nvSpPr>
+            <p:cNvPr id="18" name="Rectangle 27">
+              <a:extLst>
+                <a:ext uri="{FF2B5EF4-FFF2-40B4-BE49-F238E27FC236}">
+                  <a16:creationId xmlns:a16="http://schemas.microsoft.com/office/drawing/2014/main" id="{352A3EAD-426D-4399-B7E0-81D26F700399}"/>
+                </a:ext>
+                <a:ext uri="{C183D7F6-B498-43B3-948B-1728B52AA6E4}">
+                  <adec:decorative xmlns:adec="http://schemas.microsoft.com/office/drawing/2017/decorative" val="1"/>
+                </a:ext>
+              </a:extLst>
+            </p:cNvPr>
+            <p:cNvSpPr/>
+            <p:nvPr>
+              <p:extLst>
+                <p:ext uri="{386F3935-93C4-4BCD-93E2-E3B085C9AB24}">
+                  <p16:designElem xmlns:p16="http://schemas.microsoft.com/office/powerpoint/2015/main" val="1"/>
+                </p:ext>
+              </p:extLst>
+            </p:nvPr>
+          </p:nvSpPr>
+          <p:spPr>
+            <a:xfrm>
+              <a:off x="9334500" y="-8467"/>
+              <a:ext cx="2854326" cy="6866467"/>
+            </a:xfrm>
+            <a:custGeom>
+              <a:avLst/>
+              <a:gdLst/>
+              <a:ahLst/>
+              <a:cxnLst/>
+              <a:rect l="l" t="t" r="r" b="b"/>
+              <a:pathLst>
+                <a:path w="2858013" h="6866467">
+                  <a:moveTo>
+                    <a:pt x="0" y="0"/>
+                  </a:moveTo>
+                  <a:lnTo>
+                    <a:pt x="2858013" y="0"/>
+                  </a:lnTo>
+                  <a:lnTo>
+                    <a:pt x="2858013" y="6866467"/>
+                  </a:lnTo>
+                  <a:lnTo>
+                    <a:pt x="2473942" y="6866467"/>
+                  </a:lnTo>
+                  <a:lnTo>
+                    <a:pt x="0" y="0"/>
+                  </a:lnTo>
+                  <a:close/>
+                </a:path>
+              </a:pathLst>
+            </a:custGeom>
+            <a:solidFill>
+              <a:schemeClr val="accent1">
+                <a:lumMod val="75000"/>
+                <a:alpha val="60000"/>
+              </a:schemeClr>
+            </a:solidFill>
+            <a:ln>
+              <a:noFill/>
+            </a:ln>
+            <a:effectLst/>
+          </p:spPr>
+          <p:style>
+            <a:lnRef idx="1">
+              <a:schemeClr val="accent1"/>
+            </a:lnRef>
+            <a:fillRef idx="3">
+              <a:schemeClr val="accent1"/>
+            </a:fillRef>
+            <a:effectRef idx="2">
+              <a:schemeClr val="accent1"/>
+            </a:effectRef>
+            <a:fontRef idx="minor">
+              <a:schemeClr val="lt1"/>
+            </a:fontRef>
+          </p:style>
+        </p:sp>
+        <p:sp>
+          <p:nvSpPr>
+            <p:cNvPr id="19" name="Rectangle 28">
+              <a:extLst>
+                <a:ext uri="{FF2B5EF4-FFF2-40B4-BE49-F238E27FC236}">
+                  <a16:creationId xmlns:a16="http://schemas.microsoft.com/office/drawing/2014/main" id="{F842EF93-A507-4796-A726-0D0A9B751C38}"/>
+                </a:ext>
+                <a:ext uri="{C183D7F6-B498-43B3-948B-1728B52AA6E4}">
+                  <adec:decorative xmlns:adec="http://schemas.microsoft.com/office/drawing/2017/decorative" val="1"/>
+                </a:ext>
+              </a:extLst>
+            </p:cNvPr>
+            <p:cNvSpPr/>
+            <p:nvPr>
+              <p:extLst>
+                <p:ext uri="{386F3935-93C4-4BCD-93E2-E3B085C9AB24}">
+                  <p16:designElem xmlns:p16="http://schemas.microsoft.com/office/powerpoint/2015/main" val="1"/>
+                </p:ext>
+              </p:extLst>
+            </p:nvPr>
+          </p:nvSpPr>
+          <p:spPr>
+            <a:xfrm>
+              <a:off x="10898730" y="-8467"/>
+              <a:ext cx="1290094" cy="6866467"/>
+            </a:xfrm>
+            <a:custGeom>
+              <a:avLst/>
+              <a:gdLst/>
+              <a:ahLst/>
+              <a:cxnLst/>
+              <a:rect l="l" t="t" r="r" b="b"/>
+              <a:pathLst>
+                <a:path w="1290094" h="6858000">
+                  <a:moveTo>
+                    <a:pt x="1019735" y="0"/>
+                  </a:moveTo>
+                  <a:lnTo>
+                    <a:pt x="1290094" y="0"/>
+                  </a:lnTo>
+                  <a:lnTo>
+                    <a:pt x="1290094" y="6858000"/>
+                  </a:lnTo>
+                  <a:lnTo>
+                    <a:pt x="0" y="6858000"/>
+                  </a:lnTo>
+                  <a:lnTo>
+                    <a:pt x="1019735" y="0"/>
+                  </a:lnTo>
+                  <a:close/>
+                </a:path>
+              </a:pathLst>
+            </a:custGeom>
+            <a:solidFill>
+              <a:schemeClr val="accent1">
+                <a:lumMod val="60000"/>
+                <a:lumOff val="40000"/>
+                <a:alpha val="70000"/>
+              </a:schemeClr>
+            </a:solidFill>
+            <a:ln>
+              <a:noFill/>
+            </a:ln>
+            <a:effectLst/>
+          </p:spPr>
+          <p:style>
+            <a:lnRef idx="1">
+              <a:schemeClr val="accent1"/>
+            </a:lnRef>
+            <a:fillRef idx="3">
+              <a:schemeClr val="accent1"/>
+            </a:fillRef>
+            <a:effectRef idx="2">
+              <a:schemeClr val="accent1"/>
+            </a:effectRef>
+            <a:fontRef idx="minor">
+              <a:schemeClr val="lt1"/>
+            </a:fontRef>
+          </p:style>
+        </p:sp>
+        <p:sp>
+          <p:nvSpPr>
+            <p:cNvPr id="20" name="Rectangle 29">
+              <a:extLst>
+                <a:ext uri="{FF2B5EF4-FFF2-40B4-BE49-F238E27FC236}">
+                  <a16:creationId xmlns:a16="http://schemas.microsoft.com/office/drawing/2014/main" id="{24F1410B-DBCE-471A-97C3-B96C0A7BBCE2}"/>
+                </a:ext>
+                <a:ext uri="{C183D7F6-B498-43B3-948B-1728B52AA6E4}">
+                  <adec:decorative xmlns:adec="http://schemas.microsoft.com/office/drawing/2017/decorative" val="1"/>
+                </a:ext>
+              </a:extLst>
+            </p:cNvPr>
+            <p:cNvSpPr/>
+            <p:nvPr>
+              <p:extLst>
+                <p:ext uri="{386F3935-93C4-4BCD-93E2-E3B085C9AB24}">
+                  <p16:designElem xmlns:p16="http://schemas.microsoft.com/office/powerpoint/2015/main" val="1"/>
+                </p:ext>
+              </p:extLst>
+            </p:nvPr>
+          </p:nvSpPr>
+          <p:spPr>
+            <a:xfrm>
+              <a:off x="10938999" y="-8467"/>
+              <a:ext cx="1249825" cy="6866467"/>
+            </a:xfrm>
+            <a:custGeom>
+              <a:avLst/>
+              <a:gdLst/>
+              <a:ahLst/>
+              <a:cxnLst/>
+              <a:rect l="l" t="t" r="r" b="b"/>
+              <a:pathLst>
+                <a:path w="1249825" h="6858000">
+                  <a:moveTo>
+                    <a:pt x="0" y="0"/>
+                  </a:moveTo>
+                  <a:lnTo>
+                    <a:pt x="1249825" y="0"/>
+                  </a:lnTo>
+                  <a:lnTo>
+                    <a:pt x="1249825" y="6858000"/>
+                  </a:lnTo>
+                  <a:lnTo>
+                    <a:pt x="1109382" y="6858000"/>
+                  </a:lnTo>
+                  <a:lnTo>
+                    <a:pt x="0" y="0"/>
+                  </a:lnTo>
+                  <a:close/>
+                </a:path>
+              </a:pathLst>
+            </a:custGeom>
+            <a:solidFill>
+              <a:schemeClr val="accent1">
+                <a:alpha val="65000"/>
+              </a:schemeClr>
+            </a:solidFill>
+            <a:ln>
+              <a:noFill/>
+            </a:ln>
+            <a:effectLst/>
+          </p:spPr>
+          <p:style>
+            <a:lnRef idx="1">
+              <a:schemeClr val="accent1"/>
+            </a:lnRef>
+            <a:fillRef idx="3">
+              <a:schemeClr val="accent1"/>
+            </a:fillRef>
+            <a:effectRef idx="2">
+              <a:schemeClr val="accent1"/>
+            </a:effectRef>
+            <a:fontRef idx="minor">
+              <a:schemeClr val="lt1"/>
+            </a:fontRef>
+          </p:style>
+        </p:sp>
+        <p:sp>
+          <p:nvSpPr>
+            <p:cNvPr id="21" name="Isosceles Triangle 20">
+              <a:extLst>
+                <a:ext uri="{FF2B5EF4-FFF2-40B4-BE49-F238E27FC236}">
+                  <a16:creationId xmlns:a16="http://schemas.microsoft.com/office/drawing/2014/main" id="{0BBC8502-8D68-4CE4-B690-2EBB6BCCDD1C}"/>
+                </a:ext>
+                <a:ext uri="{C183D7F6-B498-43B3-948B-1728B52AA6E4}">
+                  <adec:decorative xmlns:adec="http://schemas.microsoft.com/office/drawing/2017/decorative" val="1"/>
+                </a:ext>
+              </a:extLst>
+            </p:cNvPr>
+            <p:cNvSpPr/>
+            <p:nvPr>
+              <p:extLst>
+                <p:ext uri="{386F3935-93C4-4BCD-93E2-E3B085C9AB24}">
+                  <p16:designElem xmlns:p16="http://schemas.microsoft.com/office/powerpoint/2015/main" val="1"/>
+                </p:ext>
+              </p:extLst>
+            </p:nvPr>
+          </p:nvSpPr>
+          <p:spPr>
+            <a:xfrm>
+              <a:off x="10371666" y="3589867"/>
+              <a:ext cx="1817159" cy="3268133"/>
+            </a:xfrm>
+            <a:prstGeom prst="triangle">
+              <a:avLst>
+                <a:gd name="adj" fmla="val 100000"/>
+              </a:avLst>
+            </a:prstGeom>
+            <a:solidFill>
+              <a:schemeClr val="accent1">
+                <a:alpha val="80000"/>
+              </a:schemeClr>
+            </a:solidFill>
+            <a:ln>
+              <a:noFill/>
+            </a:ln>
+            <a:effectLst/>
+          </p:spPr>
+          <p:style>
+            <a:lnRef idx="1">
+              <a:schemeClr val="accent1"/>
+            </a:lnRef>
+            <a:fillRef idx="3">
+              <a:schemeClr val="accent1"/>
+            </a:fillRef>
+            <a:effectRef idx="2">
+              <a:schemeClr val="accent1"/>
+            </a:effectRef>
+            <a:fontRef idx="minor">
+              <a:schemeClr val="lt1"/>
+            </a:fontRef>
+          </p:style>
+        </p:sp>
+      </p:grpSp>
+      <p:sp>
+        <p:nvSpPr>
+          <p:cNvPr id="2" name="Titre 1">
+            <a:extLst>
+              <a:ext uri="{FF2B5EF4-FFF2-40B4-BE49-F238E27FC236}">
+                <a16:creationId xmlns:a16="http://schemas.microsoft.com/office/drawing/2014/main" id="{7C86D725-B6D6-4567-BA0D-8790D92703CC}"/>
+              </a:ext>
+            </a:extLst>
+          </p:cNvPr>
+          <p:cNvSpPr>
+            <a:spLocks noGrp="1"/>
+          </p:cNvSpPr>
+          <p:nvPr>
+            <p:ph type="title"/>
+          </p:nvPr>
+        </p:nvSpPr>
+        <p:spPr>
+          <a:xfrm>
+            <a:off x="652481" y="1382486"/>
+            <a:ext cx="3547581" cy="4093028"/>
+          </a:xfrm>
+        </p:spPr>
+        <p:txBody>
+          <a:bodyPr anchor="ctr">
+            <a:normAutofit/>
+          </a:bodyPr>
+          <a:lstStyle/>
+          <a:p>
+            <a:r>
+              <a:rPr lang="fr-CH" sz="4400" dirty="0"/>
+              <a:t>Motivations</a:t>
+            </a:r>
+            <a:br>
+              <a:rPr lang="fr-CH" sz="4400" dirty="0"/>
+            </a:br>
+            <a:endParaRPr lang="fr-CH" sz="4400" dirty="0"/>
+          </a:p>
+        </p:txBody>
+      </p:sp>
+      <p:sp>
+        <p:nvSpPr>
+          <p:cNvPr id="23" name="Rectangle 22">
+            <a:extLst>
+              <a:ext uri="{FF2B5EF4-FFF2-40B4-BE49-F238E27FC236}">
+                <a16:creationId xmlns:a16="http://schemas.microsoft.com/office/drawing/2014/main" id="{DE77CD7A-FE9E-475D-BF9C-78183B0B1BAC}"/>
+              </a:ext>
+              <a:ext uri="{C183D7F6-B498-43B3-948B-1728B52AA6E4}">
+                <adec:decorative xmlns:adec="http://schemas.microsoft.com/office/drawing/2017/decorative" val="1"/>
+              </a:ext>
+            </a:extLst>
+          </p:cNvPr>
+          <p:cNvSpPr>
+            <a:spLocks noGrp="1" noRot="1" noChangeAspect="1" noMove="1" noResize="1" noEditPoints="1" noAdjustHandles="1" noChangeArrowheads="1" noChangeShapeType="1" noTextEdit="1"/>
+          </p:cNvSpPr>
+          <p:nvPr>
+            <p:extLst>
+              <p:ext uri="{386F3935-93C4-4BCD-93E2-E3B085C9AB24}">
+                <p16:designElem xmlns:p16="http://schemas.microsoft.com/office/powerpoint/2015/main" val="1"/>
+              </p:ext>
+            </p:extLst>
+          </p:nvPr>
+        </p:nvSpPr>
+        <p:spPr>
+          <a:xfrm>
+            <a:off x="5742625" y="0"/>
+            <a:ext cx="6449375" cy="6858000"/>
+          </a:xfrm>
+          <a:prstGeom prst="rect">
+            <a:avLst/>
+          </a:prstGeom>
+          <a:ln>
+            <a:noFill/>
+          </a:ln>
+        </p:spPr>
+        <p:style>
+          <a:lnRef idx="2">
+            <a:schemeClr val="accent1">
+              <a:shade val="50000"/>
+            </a:schemeClr>
+          </a:lnRef>
+          <a:fillRef idx="1">
+            <a:schemeClr val="accent1"/>
+          </a:fillRef>
+          <a:effectRef idx="0">
+            <a:schemeClr val="accent1"/>
+          </a:effectRef>
+          <a:fontRef idx="minor">
+            <a:schemeClr val="lt1"/>
+          </a:fontRef>
+        </p:style>
+        <p:txBody>
+          <a:bodyPr rtlCol="0" anchor="ctr"/>
+          <a:lstStyle/>
+          <a:p>
+            <a:pPr algn="ctr"/>
+            <a:endParaRPr lang="en-US"/>
+          </a:p>
+        </p:txBody>
+      </p:sp>
+      <p:graphicFrame>
+        <p:nvGraphicFramePr>
+          <p:cNvPr id="5" name="Espace réservé du contenu 2">
+            <a:extLst>
+              <a:ext uri="{FF2B5EF4-FFF2-40B4-BE49-F238E27FC236}">
+                <a16:creationId xmlns:a16="http://schemas.microsoft.com/office/drawing/2014/main" id="{116BFA84-ABED-49AF-B72A-52EB299801C4}"/>
+              </a:ext>
+            </a:extLst>
+          </p:cNvPr>
+          <p:cNvGraphicFramePr>
+            <a:graphicFrameLocks noGrp="1"/>
+          </p:cNvGraphicFramePr>
+          <p:nvPr>
+            <p:ph idx="1"/>
+            <p:extLst>
+              <p:ext uri="{D42A27DB-BD31-4B8C-83A1-F6EECF244321}">
+                <p14:modId xmlns:p14="http://schemas.microsoft.com/office/powerpoint/2010/main" val="3003673564"/>
+              </p:ext>
+            </p:extLst>
+          </p:nvPr>
+        </p:nvGraphicFramePr>
+        <p:xfrm>
+          <a:off x="4852543" y="944564"/>
+          <a:ext cx="6692814" cy="4823190"/>
+        </p:xfrm>
+        <a:graphic>
+          <a:graphicData uri="http://schemas.openxmlformats.org/drawingml/2006/diagram">
+            <dgm:relIds xmlns:dgm="http://schemas.openxmlformats.org/drawingml/2006/diagram" xmlns:r="http://schemas.openxmlformats.org/officeDocument/2006/relationships" r:dm="rId2" r:lo="rId3" r:qs="rId4" r:cs="rId5"/>
+          </a:graphicData>
+        </a:graphic>
+      </p:graphicFrame>
+    </p:spTree>
+    <p:extLst>
+      <p:ext uri="{BB962C8B-B14F-4D97-AF65-F5344CB8AC3E}">
+        <p14:creationId xmlns:p14="http://schemas.microsoft.com/office/powerpoint/2010/main" val="1546686650"/>
+      </p:ext>
+    </p:extLst>
+  </p:cSld>
+  <p:clrMapOvr>
+    <a:masterClrMapping/>
+  </p:clrMapOvr>
+</p:sld>
+</file>
+
+<file path=ppt/slides/slide3.xml><?xml version="1.0" encoding="utf-8"?>
+<p:sld xmlns:a="http://schemas.openxmlformats.org/drawingml/2006/main" xmlns:r="http://schemas.openxmlformats.org/officeDocument/2006/relationships" xmlns:p="http://schemas.openxmlformats.org/presentationml/2006/main">
+  <p:cSld>
     <p:spTree>
       <p:nvGrpSpPr>
         <p:cNvPr id="1" name=""/>
@@ -9804,7 +16016,7 @@
           <p:cNvPr id="2" name="Titre 1">
             <a:extLst>
               <a:ext uri="{FF2B5EF4-FFF2-40B4-BE49-F238E27FC236}">
-                <a16:creationId xmlns:a16="http://schemas.microsoft.com/office/drawing/2014/main" id="{BD4F84CA-B513-43F9-A376-3E4576C77736}"/>
+                <a16:creationId xmlns:a16="http://schemas.microsoft.com/office/drawing/2014/main" id="{0C69C6DC-8D8C-460F-92EB-F1D52FE719F9}"/>
               </a:ext>
             </a:extLst>
           </p:cNvPr>
@@ -9822,67 +16034,51 @@
           <a:p>
             <a:r>
               <a:rPr lang="fr-CH" dirty="0"/>
-              <a:t>Prototype</a:t>
+              <a:t>Motivations (Suite)</a:t>
             </a:r>
-          </a:p>
-        </p:txBody>
-      </p:sp>
-      <p:sp>
-        <p:nvSpPr>
-          <p:cNvPr id="3" name="Espace réservé du contenu 2">
-            <a:extLst>
-              <a:ext uri="{FF2B5EF4-FFF2-40B4-BE49-F238E27FC236}">
-                <a16:creationId xmlns:a16="http://schemas.microsoft.com/office/drawing/2014/main" id="{E4BA4A39-1F25-45C6-B5A8-59C317AF14B9}"/>
-              </a:ext>
-            </a:extLst>
-          </p:cNvPr>
-          <p:cNvSpPr>
-            <a:spLocks noGrp="1"/>
-          </p:cNvSpPr>
-          <p:nvPr>
-            <p:ph idx="1"/>
-          </p:nvPr>
-        </p:nvSpPr>
-        <p:spPr/>
-        <p:txBody>
-          <a:bodyPr/>
-          <a:lstStyle/>
-          <a:p>
-            <a:r>
+            <a:br>
               <a:rPr lang="fr-CH" dirty="0"/>
-              <a:t>Comme une fabrique</a:t>
-            </a:r>
-          </a:p>
-          <a:p>
-            <a:r>
-              <a:rPr lang="fr-CH" dirty="0"/>
-              <a:t>Classe abstraite avec méthode clone</a:t>
-            </a:r>
-          </a:p>
-          <a:p>
-            <a:r>
-              <a:rPr lang="fr-CH" dirty="0"/>
-              <a:t>Toutes classes dérivées d’un prototype</a:t>
-            </a:r>
-          </a:p>
-          <a:p>
-            <a:r>
-              <a:rPr lang="fr-CH" dirty="0"/>
-              <a:t>Objets personnalisés</a:t>
-            </a:r>
-          </a:p>
-          <a:p>
-            <a:endParaRPr lang="fr-CH" dirty="0"/>
-          </a:p>
-          <a:p>
+            </a:br>
             <a:endParaRPr lang="fr-CH" dirty="0"/>
           </a:p>
         </p:txBody>
       </p:sp>
+      <p:pic>
+        <p:nvPicPr>
+          <p:cNvPr id="4" name="Espace réservé du contenu 3">
+            <a:extLst>
+              <a:ext uri="{FF2B5EF4-FFF2-40B4-BE49-F238E27FC236}">
+                <a16:creationId xmlns:a16="http://schemas.microsoft.com/office/drawing/2014/main" id="{7A978F8A-0EBB-4D9D-9093-4843B68B506F}"/>
+              </a:ext>
+            </a:extLst>
+          </p:cNvPr>
+          <p:cNvPicPr>
+            <a:picLocks noGrp="1" noChangeAspect="1"/>
+          </p:cNvPicPr>
+          <p:nvPr>
+            <p:ph idx="1"/>
+          </p:nvPr>
+        </p:nvPicPr>
+        <p:blipFill>
+          <a:blip r:embed="rId2"/>
+          <a:stretch>
+            <a:fillRect/>
+          </a:stretch>
+        </p:blipFill>
+        <p:spPr>
+          <a:xfrm>
+            <a:off x="1368719" y="2160588"/>
+            <a:ext cx="7214599" cy="3881437"/>
+          </a:xfrm>
+          <a:prstGeom prst="rect">
+            <a:avLst/>
+          </a:prstGeom>
+        </p:spPr>
+      </p:pic>
     </p:spTree>
     <p:extLst>
       <p:ext uri="{BB962C8B-B14F-4D97-AF65-F5344CB8AC3E}">
-        <p14:creationId xmlns:p14="http://schemas.microsoft.com/office/powerpoint/2010/main" val="2178375035"/>
+        <p14:creationId xmlns:p14="http://schemas.microsoft.com/office/powerpoint/2010/main" val="1740464420"/>
       </p:ext>
     </p:extLst>
   </p:cSld>
@@ -9892,7 +16088,7 @@
 </p:sld>
 </file>
 
-<file path=ppt/slides/slide3.xml><?xml version="1.0" encoding="utf-8"?>
+<file path=ppt/slides/slide4.xml><?xml version="1.0" encoding="utf-8"?>
 <p:sld xmlns:a="http://schemas.openxmlformats.org/drawingml/2006/main" xmlns:r="http://schemas.openxmlformats.org/officeDocument/2006/relationships" xmlns:p="http://schemas.openxmlformats.org/presentationml/2006/main">
   <p:cSld>
     <p:bg>
@@ -10624,7 +16820,7 @@
           <p:cNvPr id="2" name="Titre 1">
             <a:extLst>
               <a:ext uri="{FF2B5EF4-FFF2-40B4-BE49-F238E27FC236}">
-                <a16:creationId xmlns:a16="http://schemas.microsoft.com/office/drawing/2014/main" id="{7C86D725-B6D6-4567-BA0D-8790D92703CC}"/>
+                <a16:creationId xmlns:a16="http://schemas.microsoft.com/office/drawing/2014/main" id="{A769AEA7-2E64-4F2B-AB28-F5294F20EF6F}"/>
               </a:ext>
             </a:extLst>
           </p:cNvPr>
@@ -10649,7 +16845,7 @@
           <a:p>
             <a:r>
               <a:rPr lang="fr-CH" sz="4400"/>
-              <a:t>Motivations</a:t>
+              <a:t>Avantages</a:t>
             </a:r>
             <a:br>
               <a:rPr lang="fr-CH" sz="4400"/>
@@ -10723,7 +16919,7 @@
           <p:cNvPr id="5" name="Espace réservé du contenu 2">
             <a:extLst>
               <a:ext uri="{FF2B5EF4-FFF2-40B4-BE49-F238E27FC236}">
-                <a16:creationId xmlns:a16="http://schemas.microsoft.com/office/drawing/2014/main" id="{116BFA84-ABED-49AF-B72A-52EB299801C4}"/>
+                <a16:creationId xmlns:a16="http://schemas.microsoft.com/office/drawing/2014/main" id="{933F9973-4915-4B57-B447-11AAB5C793DA}"/>
               </a:ext>
             </a:extLst>
           </p:cNvPr>
@@ -10734,7 +16930,7 @@
             <p:ph idx="1"/>
             <p:extLst>
               <p:ext uri="{D42A27DB-BD31-4B8C-83A1-F6EECF244321}">
-                <p14:modId xmlns:p14="http://schemas.microsoft.com/office/powerpoint/2010/main" val="3003673564"/>
+                <p14:modId xmlns:p14="http://schemas.microsoft.com/office/powerpoint/2010/main" val="23010543"/>
               </p:ext>
             </p:extLst>
           </p:nvPr>
@@ -10752,7 +16948,7 @@
     </p:spTree>
     <p:extLst>
       <p:ext uri="{BB962C8B-B14F-4D97-AF65-F5344CB8AC3E}">
-        <p14:creationId xmlns:p14="http://schemas.microsoft.com/office/powerpoint/2010/main" val="1546686650"/>
+        <p14:creationId xmlns:p14="http://schemas.microsoft.com/office/powerpoint/2010/main" val="2034278161"/>
       </p:ext>
     </p:extLst>
   </p:cSld>
@@ -10762,7 +16958,877 @@
 </p:sld>
 </file>
 
-<file path=ppt/slides/slide4.xml><?xml version="1.0" encoding="utf-8"?>
+<file path=ppt/slides/slide5.xml><?xml version="1.0" encoding="utf-8"?>
+<p:sld xmlns:a="http://schemas.openxmlformats.org/drawingml/2006/main" xmlns:r="http://schemas.openxmlformats.org/officeDocument/2006/relationships" xmlns:p="http://schemas.openxmlformats.org/presentationml/2006/main">
+  <p:cSld>
+    <p:bg>
+      <p:bgPr>
+        <a:solidFill>
+          <a:schemeClr val="bg1"/>
+        </a:solidFill>
+        <a:effectLst/>
+      </p:bgPr>
+    </p:bg>
+    <p:spTree>
+      <p:nvGrpSpPr>
+        <p:cNvPr id="1" name=""/>
+        <p:cNvGrpSpPr/>
+        <p:nvPr/>
+      </p:nvGrpSpPr>
+      <p:grpSpPr>
+        <a:xfrm>
+          <a:off x="0" y="0"/>
+          <a:ext cx="0" cy="0"/>
+          <a:chOff x="0" y="0"/>
+          <a:chExt cx="0" cy="0"/>
+        </a:xfrm>
+      </p:grpSpPr>
+      <p:sp useBgFill="1">
+        <p:nvSpPr>
+          <p:cNvPr id="28" name="Rectangle 27">
+            <a:extLst>
+              <a:ext uri="{FF2B5EF4-FFF2-40B4-BE49-F238E27FC236}">
+                <a16:creationId xmlns:a16="http://schemas.microsoft.com/office/drawing/2014/main" id="{80265050-FD84-47EF-A163-6A481836C14E}"/>
+              </a:ext>
+              <a:ext uri="{C183D7F6-B498-43B3-948B-1728B52AA6E4}">
+                <adec:decorative xmlns:adec="http://schemas.microsoft.com/office/drawing/2017/decorative" val="1"/>
+              </a:ext>
+            </a:extLst>
+          </p:cNvPr>
+          <p:cNvSpPr>
+            <a:spLocks noGrp="1" noRot="1" noChangeAspect="1" noMove="1" noResize="1" noEditPoints="1" noAdjustHandles="1" noChangeArrowheads="1" noChangeShapeType="1" noTextEdit="1"/>
+          </p:cNvSpPr>
+          <p:nvPr>
+            <p:extLst>
+              <p:ext uri="{386F3935-93C4-4BCD-93E2-E3B085C9AB24}">
+                <p16:designElem xmlns:p16="http://schemas.microsoft.com/office/powerpoint/2015/main" val="1"/>
+              </p:ext>
+            </p:extLst>
+          </p:nvPr>
+        </p:nvSpPr>
+        <p:spPr>
+          <a:xfrm>
+            <a:off x="0" y="0"/>
+            <a:ext cx="12192000" cy="6858000"/>
+          </a:xfrm>
+          <a:prstGeom prst="rect">
+            <a:avLst/>
+          </a:prstGeom>
+          <a:ln>
+            <a:noFill/>
+          </a:ln>
+        </p:spPr>
+        <p:style>
+          <a:lnRef idx="2">
+            <a:schemeClr val="accent1">
+              <a:shade val="50000"/>
+            </a:schemeClr>
+          </a:lnRef>
+          <a:fillRef idx="1">
+            <a:schemeClr val="accent1"/>
+          </a:fillRef>
+          <a:effectRef idx="0">
+            <a:schemeClr val="accent1"/>
+          </a:effectRef>
+          <a:fontRef idx="minor">
+            <a:schemeClr val="lt1"/>
+          </a:fontRef>
+        </p:style>
+        <p:txBody>
+          <a:bodyPr rtlCol="0" anchor="ctr"/>
+          <a:lstStyle/>
+          <a:p>
+            <a:pPr algn="ctr"/>
+            <a:endParaRPr lang="en-US"/>
+          </a:p>
+        </p:txBody>
+      </p:sp>
+      <p:grpSp>
+        <p:nvGrpSpPr>
+          <p:cNvPr id="30" name="Group 29">
+            <a:extLst>
+              <a:ext uri="{FF2B5EF4-FFF2-40B4-BE49-F238E27FC236}">
+                <a16:creationId xmlns:a16="http://schemas.microsoft.com/office/drawing/2014/main" id="{A11B064D-F4EB-4312-AEEA-6AFDB257E7C6}"/>
+              </a:ext>
+              <a:ext uri="{C183D7F6-B498-43B3-948B-1728B52AA6E4}">
+                <adec:decorative xmlns:adec="http://schemas.microsoft.com/office/drawing/2017/decorative" val="1"/>
+              </a:ext>
+            </a:extLst>
+          </p:cNvPr>
+          <p:cNvGrpSpPr>
+            <a:grpSpLocks noGrp="1" noUngrp="1" noRot="1" noChangeAspect="1" noMove="1" noResize="1"/>
+          </p:cNvGrpSpPr>
+          <p:nvPr>
+            <p:extLst>
+              <p:ext uri="{386F3935-93C4-4BCD-93E2-E3B085C9AB24}">
+                <p16:designElem xmlns:p16="http://schemas.microsoft.com/office/powerpoint/2015/main" val="1"/>
+              </p:ext>
+            </p:extLst>
+          </p:nvPr>
+        </p:nvGrpSpPr>
+        <p:grpSpPr>
+          <a:xfrm>
+            <a:off x="979068" y="-8467"/>
+            <a:ext cx="4766733" cy="6866467"/>
+            <a:chOff x="7425267" y="-8467"/>
+            <a:chExt cx="4766733" cy="6866467"/>
+          </a:xfrm>
+        </p:grpSpPr>
+        <p:cxnSp>
+          <p:nvCxnSpPr>
+            <p:cNvPr id="31" name="Straight Connector 30">
+              <a:extLst>
+                <a:ext uri="{FF2B5EF4-FFF2-40B4-BE49-F238E27FC236}">
+                  <a16:creationId xmlns:a16="http://schemas.microsoft.com/office/drawing/2014/main" id="{E7041201-C3DD-4181-B0E0-5C960FFE5358}"/>
+                </a:ext>
+                <a:ext uri="{C183D7F6-B498-43B3-948B-1728B52AA6E4}">
+                  <adec:decorative xmlns:adec="http://schemas.microsoft.com/office/drawing/2017/decorative" val="1"/>
+                </a:ext>
+              </a:extLst>
+            </p:cNvPr>
+            <p:cNvCxnSpPr/>
+            <p:nvPr>
+              <p:extLst>
+                <p:ext uri="{386F3935-93C4-4BCD-93E2-E3B085C9AB24}">
+                  <p16:designElem xmlns:p16="http://schemas.microsoft.com/office/powerpoint/2015/main" val="1"/>
+                </p:ext>
+              </p:extLst>
+            </p:nvPr>
+          </p:nvCxnSpPr>
+          <p:spPr>
+            <a:xfrm>
+              <a:off x="9371012" y="0"/>
+              <a:ext cx="1219200" cy="6858000"/>
+            </a:xfrm>
+            <a:prstGeom prst="line">
+              <a:avLst/>
+            </a:prstGeom>
+            <a:ln w="9525">
+              <a:solidFill>
+                <a:srgbClr val="BFBFBF">
+                  <a:alpha val="75000"/>
+                </a:srgbClr>
+              </a:solidFill>
+            </a:ln>
+          </p:spPr>
+          <p:style>
+            <a:lnRef idx="2">
+              <a:schemeClr val="accent1"/>
+            </a:lnRef>
+            <a:fillRef idx="0">
+              <a:schemeClr val="accent1"/>
+            </a:fillRef>
+            <a:effectRef idx="1">
+              <a:schemeClr val="accent1"/>
+            </a:effectRef>
+            <a:fontRef idx="minor">
+              <a:schemeClr val="tx1"/>
+            </a:fontRef>
+          </p:style>
+        </p:cxnSp>
+        <p:cxnSp>
+          <p:nvCxnSpPr>
+            <p:cNvPr id="32" name="Straight Connector 31">
+              <a:extLst>
+                <a:ext uri="{FF2B5EF4-FFF2-40B4-BE49-F238E27FC236}">
+                  <a16:creationId xmlns:a16="http://schemas.microsoft.com/office/drawing/2014/main" id="{929A678F-8D0F-4F98-85A6-797199C550FC}"/>
+                </a:ext>
+                <a:ext uri="{C183D7F6-B498-43B3-948B-1728B52AA6E4}">
+                  <adec:decorative xmlns:adec="http://schemas.microsoft.com/office/drawing/2017/decorative" val="1"/>
+                </a:ext>
+              </a:extLst>
+            </p:cNvPr>
+            <p:cNvCxnSpPr/>
+            <p:nvPr>
+              <p:extLst>
+                <p:ext uri="{386F3935-93C4-4BCD-93E2-E3B085C9AB24}">
+                  <p16:designElem xmlns:p16="http://schemas.microsoft.com/office/powerpoint/2015/main" val="1"/>
+                </p:ext>
+              </p:extLst>
+            </p:nvPr>
+          </p:nvCxnSpPr>
+          <p:spPr>
+            <a:xfrm flipH="1">
+              <a:off x="7425267" y="3681413"/>
+              <a:ext cx="4763558" cy="3176587"/>
+            </a:xfrm>
+            <a:prstGeom prst="line">
+              <a:avLst/>
+            </a:prstGeom>
+            <a:ln w="9525">
+              <a:solidFill>
+                <a:srgbClr val="BFBFBF">
+                  <a:alpha val="80000"/>
+                </a:srgbClr>
+              </a:solidFill>
+            </a:ln>
+          </p:spPr>
+          <p:style>
+            <a:lnRef idx="2">
+              <a:schemeClr val="accent1"/>
+            </a:lnRef>
+            <a:fillRef idx="0">
+              <a:schemeClr val="accent1"/>
+            </a:fillRef>
+            <a:effectRef idx="1">
+              <a:schemeClr val="accent1"/>
+            </a:effectRef>
+            <a:fontRef idx="minor">
+              <a:schemeClr val="tx1"/>
+            </a:fontRef>
+          </p:style>
+        </p:cxnSp>
+        <p:sp>
+          <p:nvSpPr>
+            <p:cNvPr id="33" name="Rectangle 23">
+              <a:extLst>
+                <a:ext uri="{FF2B5EF4-FFF2-40B4-BE49-F238E27FC236}">
+                  <a16:creationId xmlns:a16="http://schemas.microsoft.com/office/drawing/2014/main" id="{82463FFC-4B08-4AF2-AC5A-F681CE977261}"/>
+                </a:ext>
+                <a:ext uri="{C183D7F6-B498-43B3-948B-1728B52AA6E4}">
+                  <adec:decorative xmlns:adec="http://schemas.microsoft.com/office/drawing/2017/decorative" val="1"/>
+                </a:ext>
+              </a:extLst>
+            </p:cNvPr>
+            <p:cNvSpPr/>
+            <p:nvPr>
+              <p:extLst>
+                <p:ext uri="{386F3935-93C4-4BCD-93E2-E3B085C9AB24}">
+                  <p16:designElem xmlns:p16="http://schemas.microsoft.com/office/powerpoint/2015/main" val="1"/>
+                </p:ext>
+              </p:extLst>
+            </p:nvPr>
+          </p:nvSpPr>
+          <p:spPr>
+            <a:xfrm>
+              <a:off x="9181476" y="-8467"/>
+              <a:ext cx="3007349" cy="6866467"/>
+            </a:xfrm>
+            <a:custGeom>
+              <a:avLst/>
+              <a:gdLst/>
+              <a:ahLst/>
+              <a:cxnLst/>
+              <a:rect l="l" t="t" r="r" b="b"/>
+              <a:pathLst>
+                <a:path w="3007349" h="6866467">
+                  <a:moveTo>
+                    <a:pt x="2045532" y="0"/>
+                  </a:moveTo>
+                  <a:lnTo>
+                    <a:pt x="3007349" y="0"/>
+                  </a:lnTo>
+                  <a:lnTo>
+                    <a:pt x="3007349" y="6866467"/>
+                  </a:lnTo>
+                  <a:lnTo>
+                    <a:pt x="0" y="6866467"/>
+                  </a:lnTo>
+                  <a:lnTo>
+                    <a:pt x="2045532" y="0"/>
+                  </a:lnTo>
+                  <a:close/>
+                </a:path>
+              </a:pathLst>
+            </a:custGeom>
+            <a:solidFill>
+              <a:schemeClr val="accent1">
+                <a:alpha val="30000"/>
+              </a:schemeClr>
+            </a:solidFill>
+            <a:ln>
+              <a:noFill/>
+            </a:ln>
+            <a:effectLst/>
+          </p:spPr>
+          <p:style>
+            <a:lnRef idx="1">
+              <a:schemeClr val="accent1"/>
+            </a:lnRef>
+            <a:fillRef idx="3">
+              <a:schemeClr val="accent1"/>
+            </a:fillRef>
+            <a:effectRef idx="2">
+              <a:schemeClr val="accent1"/>
+            </a:effectRef>
+            <a:fontRef idx="minor">
+              <a:schemeClr val="lt1"/>
+            </a:fontRef>
+          </p:style>
+        </p:sp>
+        <p:sp>
+          <p:nvSpPr>
+            <p:cNvPr id="34" name="Rectangle 25">
+              <a:extLst>
+                <a:ext uri="{FF2B5EF4-FFF2-40B4-BE49-F238E27FC236}">
+                  <a16:creationId xmlns:a16="http://schemas.microsoft.com/office/drawing/2014/main" id="{87C110A9-8F54-42F4-9B19-8D33F94DE554}"/>
+                </a:ext>
+                <a:ext uri="{C183D7F6-B498-43B3-948B-1728B52AA6E4}">
+                  <adec:decorative xmlns:adec="http://schemas.microsoft.com/office/drawing/2017/decorative" val="1"/>
+                </a:ext>
+              </a:extLst>
+            </p:cNvPr>
+            <p:cNvSpPr/>
+            <p:nvPr>
+              <p:extLst>
+                <p:ext uri="{386F3935-93C4-4BCD-93E2-E3B085C9AB24}">
+                  <p16:designElem xmlns:p16="http://schemas.microsoft.com/office/powerpoint/2015/main" val="1"/>
+                </p:ext>
+              </p:extLst>
+            </p:nvPr>
+          </p:nvSpPr>
+          <p:spPr>
+            <a:xfrm>
+              <a:off x="9603442" y="-8467"/>
+              <a:ext cx="2588558" cy="6866467"/>
+            </a:xfrm>
+            <a:custGeom>
+              <a:avLst/>
+              <a:gdLst/>
+              <a:ahLst/>
+              <a:cxnLst/>
+              <a:rect l="l" t="t" r="r" b="b"/>
+              <a:pathLst>
+                <a:path w="2573311" h="6866467">
+                  <a:moveTo>
+                    <a:pt x="0" y="0"/>
+                  </a:moveTo>
+                  <a:lnTo>
+                    <a:pt x="2573311" y="0"/>
+                  </a:lnTo>
+                  <a:lnTo>
+                    <a:pt x="2573311" y="6866467"/>
+                  </a:lnTo>
+                  <a:lnTo>
+                    <a:pt x="1202336" y="6866467"/>
+                  </a:lnTo>
+                  <a:lnTo>
+                    <a:pt x="0" y="0"/>
+                  </a:lnTo>
+                  <a:close/>
+                </a:path>
+              </a:pathLst>
+            </a:custGeom>
+            <a:solidFill>
+              <a:schemeClr val="accent1">
+                <a:alpha val="20000"/>
+              </a:schemeClr>
+            </a:solidFill>
+            <a:ln>
+              <a:noFill/>
+            </a:ln>
+            <a:effectLst/>
+          </p:spPr>
+          <p:style>
+            <a:lnRef idx="1">
+              <a:schemeClr val="accent1"/>
+            </a:lnRef>
+            <a:fillRef idx="3">
+              <a:schemeClr val="accent1"/>
+            </a:fillRef>
+            <a:effectRef idx="2">
+              <a:schemeClr val="accent1"/>
+            </a:effectRef>
+            <a:fontRef idx="minor">
+              <a:schemeClr val="lt1"/>
+            </a:fontRef>
+          </p:style>
+        </p:sp>
+        <p:sp>
+          <p:nvSpPr>
+            <p:cNvPr id="35" name="Isosceles Triangle 34">
+              <a:extLst>
+                <a:ext uri="{FF2B5EF4-FFF2-40B4-BE49-F238E27FC236}">
+                  <a16:creationId xmlns:a16="http://schemas.microsoft.com/office/drawing/2014/main" id="{9F5AD5FC-19DB-4C66-BDDA-043A6AAC9448}"/>
+                </a:ext>
+                <a:ext uri="{C183D7F6-B498-43B3-948B-1728B52AA6E4}">
+                  <adec:decorative xmlns:adec="http://schemas.microsoft.com/office/drawing/2017/decorative" val="1"/>
+                </a:ext>
+              </a:extLst>
+            </p:cNvPr>
+            <p:cNvSpPr/>
+            <p:nvPr>
+              <p:extLst>
+                <p:ext uri="{386F3935-93C4-4BCD-93E2-E3B085C9AB24}">
+                  <p16:designElem xmlns:p16="http://schemas.microsoft.com/office/powerpoint/2015/main" val="1"/>
+                </p:ext>
+              </p:extLst>
+            </p:nvPr>
+          </p:nvSpPr>
+          <p:spPr>
+            <a:xfrm>
+              <a:off x="8932333" y="3048000"/>
+              <a:ext cx="3259667" cy="3810000"/>
+            </a:xfrm>
+            <a:prstGeom prst="triangle">
+              <a:avLst>
+                <a:gd name="adj" fmla="val 100000"/>
+              </a:avLst>
+            </a:prstGeom>
+            <a:solidFill>
+              <a:schemeClr val="accent1">
+                <a:lumMod val="75000"/>
+                <a:alpha val="72000"/>
+              </a:schemeClr>
+            </a:solidFill>
+            <a:ln>
+              <a:noFill/>
+            </a:ln>
+            <a:effectLst/>
+          </p:spPr>
+          <p:style>
+            <a:lnRef idx="1">
+              <a:schemeClr val="accent1"/>
+            </a:lnRef>
+            <a:fillRef idx="3">
+              <a:schemeClr val="accent1"/>
+            </a:fillRef>
+            <a:effectRef idx="2">
+              <a:schemeClr val="accent1"/>
+            </a:effectRef>
+            <a:fontRef idx="minor">
+              <a:schemeClr val="lt1"/>
+            </a:fontRef>
+          </p:style>
+        </p:sp>
+        <p:sp>
+          <p:nvSpPr>
+            <p:cNvPr id="36" name="Rectangle 27">
+              <a:extLst>
+                <a:ext uri="{FF2B5EF4-FFF2-40B4-BE49-F238E27FC236}">
+                  <a16:creationId xmlns:a16="http://schemas.microsoft.com/office/drawing/2014/main" id="{352A3EAD-426D-4399-B7E0-81D26F700399}"/>
+                </a:ext>
+                <a:ext uri="{C183D7F6-B498-43B3-948B-1728B52AA6E4}">
+                  <adec:decorative xmlns:adec="http://schemas.microsoft.com/office/drawing/2017/decorative" val="1"/>
+                </a:ext>
+              </a:extLst>
+            </p:cNvPr>
+            <p:cNvSpPr/>
+            <p:nvPr>
+              <p:extLst>
+                <p:ext uri="{386F3935-93C4-4BCD-93E2-E3B085C9AB24}">
+                  <p16:designElem xmlns:p16="http://schemas.microsoft.com/office/powerpoint/2015/main" val="1"/>
+                </p:ext>
+              </p:extLst>
+            </p:nvPr>
+          </p:nvSpPr>
+          <p:spPr>
+            <a:xfrm>
+              <a:off x="9334500" y="-8467"/>
+              <a:ext cx="2854326" cy="6866467"/>
+            </a:xfrm>
+            <a:custGeom>
+              <a:avLst/>
+              <a:gdLst/>
+              <a:ahLst/>
+              <a:cxnLst/>
+              <a:rect l="l" t="t" r="r" b="b"/>
+              <a:pathLst>
+                <a:path w="2858013" h="6866467">
+                  <a:moveTo>
+                    <a:pt x="0" y="0"/>
+                  </a:moveTo>
+                  <a:lnTo>
+                    <a:pt x="2858013" y="0"/>
+                  </a:lnTo>
+                  <a:lnTo>
+                    <a:pt x="2858013" y="6866467"/>
+                  </a:lnTo>
+                  <a:lnTo>
+                    <a:pt x="2473942" y="6866467"/>
+                  </a:lnTo>
+                  <a:lnTo>
+                    <a:pt x="0" y="0"/>
+                  </a:lnTo>
+                  <a:close/>
+                </a:path>
+              </a:pathLst>
+            </a:custGeom>
+            <a:solidFill>
+              <a:schemeClr val="accent1">
+                <a:lumMod val="75000"/>
+                <a:alpha val="60000"/>
+              </a:schemeClr>
+            </a:solidFill>
+            <a:ln>
+              <a:noFill/>
+            </a:ln>
+            <a:effectLst/>
+          </p:spPr>
+          <p:style>
+            <a:lnRef idx="1">
+              <a:schemeClr val="accent1"/>
+            </a:lnRef>
+            <a:fillRef idx="3">
+              <a:schemeClr val="accent1"/>
+            </a:fillRef>
+            <a:effectRef idx="2">
+              <a:schemeClr val="accent1"/>
+            </a:effectRef>
+            <a:fontRef idx="minor">
+              <a:schemeClr val="lt1"/>
+            </a:fontRef>
+          </p:style>
+        </p:sp>
+        <p:sp>
+          <p:nvSpPr>
+            <p:cNvPr id="37" name="Rectangle 28">
+              <a:extLst>
+                <a:ext uri="{FF2B5EF4-FFF2-40B4-BE49-F238E27FC236}">
+                  <a16:creationId xmlns:a16="http://schemas.microsoft.com/office/drawing/2014/main" id="{F842EF93-A507-4796-A726-0D0A9B751C38}"/>
+                </a:ext>
+                <a:ext uri="{C183D7F6-B498-43B3-948B-1728B52AA6E4}">
+                  <adec:decorative xmlns:adec="http://schemas.microsoft.com/office/drawing/2017/decorative" val="1"/>
+                </a:ext>
+              </a:extLst>
+            </p:cNvPr>
+            <p:cNvSpPr/>
+            <p:nvPr>
+              <p:extLst>
+                <p:ext uri="{386F3935-93C4-4BCD-93E2-E3B085C9AB24}">
+                  <p16:designElem xmlns:p16="http://schemas.microsoft.com/office/powerpoint/2015/main" val="1"/>
+                </p:ext>
+              </p:extLst>
+            </p:nvPr>
+          </p:nvSpPr>
+          <p:spPr>
+            <a:xfrm>
+              <a:off x="10898730" y="-8467"/>
+              <a:ext cx="1290094" cy="6866467"/>
+            </a:xfrm>
+            <a:custGeom>
+              <a:avLst/>
+              <a:gdLst/>
+              <a:ahLst/>
+              <a:cxnLst/>
+              <a:rect l="l" t="t" r="r" b="b"/>
+              <a:pathLst>
+                <a:path w="1290094" h="6858000">
+                  <a:moveTo>
+                    <a:pt x="1019735" y="0"/>
+                  </a:moveTo>
+                  <a:lnTo>
+                    <a:pt x="1290094" y="0"/>
+                  </a:lnTo>
+                  <a:lnTo>
+                    <a:pt x="1290094" y="6858000"/>
+                  </a:lnTo>
+                  <a:lnTo>
+                    <a:pt x="0" y="6858000"/>
+                  </a:lnTo>
+                  <a:lnTo>
+                    <a:pt x="1019735" y="0"/>
+                  </a:lnTo>
+                  <a:close/>
+                </a:path>
+              </a:pathLst>
+            </a:custGeom>
+            <a:solidFill>
+              <a:schemeClr val="accent1">
+                <a:lumMod val="60000"/>
+                <a:lumOff val="40000"/>
+                <a:alpha val="70000"/>
+              </a:schemeClr>
+            </a:solidFill>
+            <a:ln>
+              <a:noFill/>
+            </a:ln>
+            <a:effectLst/>
+          </p:spPr>
+          <p:style>
+            <a:lnRef idx="1">
+              <a:schemeClr val="accent1"/>
+            </a:lnRef>
+            <a:fillRef idx="3">
+              <a:schemeClr val="accent1"/>
+            </a:fillRef>
+            <a:effectRef idx="2">
+              <a:schemeClr val="accent1"/>
+            </a:effectRef>
+            <a:fontRef idx="minor">
+              <a:schemeClr val="lt1"/>
+            </a:fontRef>
+          </p:style>
+        </p:sp>
+        <p:sp>
+          <p:nvSpPr>
+            <p:cNvPr id="38" name="Rectangle 29">
+              <a:extLst>
+                <a:ext uri="{FF2B5EF4-FFF2-40B4-BE49-F238E27FC236}">
+                  <a16:creationId xmlns:a16="http://schemas.microsoft.com/office/drawing/2014/main" id="{24F1410B-DBCE-471A-97C3-B96C0A7BBCE2}"/>
+                </a:ext>
+                <a:ext uri="{C183D7F6-B498-43B3-948B-1728B52AA6E4}">
+                  <adec:decorative xmlns:adec="http://schemas.microsoft.com/office/drawing/2017/decorative" val="1"/>
+                </a:ext>
+              </a:extLst>
+            </p:cNvPr>
+            <p:cNvSpPr/>
+            <p:nvPr>
+              <p:extLst>
+                <p:ext uri="{386F3935-93C4-4BCD-93E2-E3B085C9AB24}">
+                  <p16:designElem xmlns:p16="http://schemas.microsoft.com/office/powerpoint/2015/main" val="1"/>
+                </p:ext>
+              </p:extLst>
+            </p:nvPr>
+          </p:nvSpPr>
+          <p:spPr>
+            <a:xfrm>
+              <a:off x="10938999" y="-8467"/>
+              <a:ext cx="1249825" cy="6866467"/>
+            </a:xfrm>
+            <a:custGeom>
+              <a:avLst/>
+              <a:gdLst/>
+              <a:ahLst/>
+              <a:cxnLst/>
+              <a:rect l="l" t="t" r="r" b="b"/>
+              <a:pathLst>
+                <a:path w="1249825" h="6858000">
+                  <a:moveTo>
+                    <a:pt x="0" y="0"/>
+                  </a:moveTo>
+                  <a:lnTo>
+                    <a:pt x="1249825" y="0"/>
+                  </a:lnTo>
+                  <a:lnTo>
+                    <a:pt x="1249825" y="6858000"/>
+                  </a:lnTo>
+                  <a:lnTo>
+                    <a:pt x="1109382" y="6858000"/>
+                  </a:lnTo>
+                  <a:lnTo>
+                    <a:pt x="0" y="0"/>
+                  </a:lnTo>
+                  <a:close/>
+                </a:path>
+              </a:pathLst>
+            </a:custGeom>
+            <a:solidFill>
+              <a:schemeClr val="accent1">
+                <a:alpha val="65000"/>
+              </a:schemeClr>
+            </a:solidFill>
+            <a:ln>
+              <a:noFill/>
+            </a:ln>
+            <a:effectLst/>
+          </p:spPr>
+          <p:style>
+            <a:lnRef idx="1">
+              <a:schemeClr val="accent1"/>
+            </a:lnRef>
+            <a:fillRef idx="3">
+              <a:schemeClr val="accent1"/>
+            </a:fillRef>
+            <a:effectRef idx="2">
+              <a:schemeClr val="accent1"/>
+            </a:effectRef>
+            <a:fontRef idx="minor">
+              <a:schemeClr val="lt1"/>
+            </a:fontRef>
+          </p:style>
+        </p:sp>
+        <p:sp>
+          <p:nvSpPr>
+            <p:cNvPr id="39" name="Isosceles Triangle 38">
+              <a:extLst>
+                <a:ext uri="{FF2B5EF4-FFF2-40B4-BE49-F238E27FC236}">
+                  <a16:creationId xmlns:a16="http://schemas.microsoft.com/office/drawing/2014/main" id="{0BBC8502-8D68-4CE4-B690-2EBB6BCCDD1C}"/>
+                </a:ext>
+                <a:ext uri="{C183D7F6-B498-43B3-948B-1728B52AA6E4}">
+                  <adec:decorative xmlns:adec="http://schemas.microsoft.com/office/drawing/2017/decorative" val="1"/>
+                </a:ext>
+              </a:extLst>
+            </p:cNvPr>
+            <p:cNvSpPr/>
+            <p:nvPr>
+              <p:extLst>
+                <p:ext uri="{386F3935-93C4-4BCD-93E2-E3B085C9AB24}">
+                  <p16:designElem xmlns:p16="http://schemas.microsoft.com/office/powerpoint/2015/main" val="1"/>
+                </p:ext>
+              </p:extLst>
+            </p:nvPr>
+          </p:nvSpPr>
+          <p:spPr>
+            <a:xfrm>
+              <a:off x="10371666" y="3589867"/>
+              <a:ext cx="1817159" cy="3268133"/>
+            </a:xfrm>
+            <a:prstGeom prst="triangle">
+              <a:avLst>
+                <a:gd name="adj" fmla="val 100000"/>
+              </a:avLst>
+            </a:prstGeom>
+            <a:solidFill>
+              <a:schemeClr val="accent1">
+                <a:alpha val="80000"/>
+              </a:schemeClr>
+            </a:solidFill>
+            <a:ln>
+              <a:noFill/>
+            </a:ln>
+            <a:effectLst/>
+          </p:spPr>
+          <p:style>
+            <a:lnRef idx="1">
+              <a:schemeClr val="accent1"/>
+            </a:lnRef>
+            <a:fillRef idx="3">
+              <a:schemeClr val="accent1"/>
+            </a:fillRef>
+            <a:effectRef idx="2">
+              <a:schemeClr val="accent1"/>
+            </a:effectRef>
+            <a:fontRef idx="minor">
+              <a:schemeClr val="lt1"/>
+            </a:fontRef>
+          </p:style>
+        </p:sp>
+      </p:grpSp>
+      <p:sp>
+        <p:nvSpPr>
+          <p:cNvPr id="2" name="Titre 1">
+            <a:extLst>
+              <a:ext uri="{FF2B5EF4-FFF2-40B4-BE49-F238E27FC236}">
+                <a16:creationId xmlns:a16="http://schemas.microsoft.com/office/drawing/2014/main" id="{09B9B853-1A6E-45CC-BA7B-921C2864F3D0}"/>
+              </a:ext>
+            </a:extLst>
+          </p:cNvPr>
+          <p:cNvSpPr>
+            <a:spLocks noGrp="1"/>
+          </p:cNvSpPr>
+          <p:nvPr>
+            <p:ph type="title"/>
+          </p:nvPr>
+        </p:nvSpPr>
+        <p:spPr>
+          <a:xfrm>
+            <a:off x="652481" y="1382486"/>
+            <a:ext cx="3547581" cy="4093028"/>
+          </a:xfrm>
+        </p:spPr>
+        <p:txBody>
+          <a:bodyPr anchor="ctr">
+            <a:normAutofit/>
+          </a:bodyPr>
+          <a:lstStyle/>
+          <a:p>
+            <a:r>
+              <a:rPr lang="fr-CH" sz="4100"/>
+              <a:t>Désavantages</a:t>
+            </a:r>
+            <a:br>
+              <a:rPr lang="fr-CH" sz="4100"/>
+            </a:br>
+            <a:endParaRPr lang="fr-CH" sz="4100"/>
+          </a:p>
+        </p:txBody>
+      </p:sp>
+      <p:sp>
+        <p:nvSpPr>
+          <p:cNvPr id="41" name="Rectangle 40">
+            <a:extLst>
+              <a:ext uri="{FF2B5EF4-FFF2-40B4-BE49-F238E27FC236}">
+                <a16:creationId xmlns:a16="http://schemas.microsoft.com/office/drawing/2014/main" id="{DE77CD7A-FE9E-475D-BF9C-78183B0B1BAC}"/>
+              </a:ext>
+              <a:ext uri="{C183D7F6-B498-43B3-948B-1728B52AA6E4}">
+                <adec:decorative xmlns:adec="http://schemas.microsoft.com/office/drawing/2017/decorative" val="1"/>
+              </a:ext>
+            </a:extLst>
+          </p:cNvPr>
+          <p:cNvSpPr>
+            <a:spLocks noGrp="1" noRot="1" noChangeAspect="1" noMove="1" noResize="1" noEditPoints="1" noAdjustHandles="1" noChangeArrowheads="1" noChangeShapeType="1" noTextEdit="1"/>
+          </p:cNvSpPr>
+          <p:nvPr>
+            <p:extLst>
+              <p:ext uri="{386F3935-93C4-4BCD-93E2-E3B085C9AB24}">
+                <p16:designElem xmlns:p16="http://schemas.microsoft.com/office/powerpoint/2015/main" val="1"/>
+              </p:ext>
+            </p:extLst>
+          </p:nvPr>
+        </p:nvSpPr>
+        <p:spPr>
+          <a:xfrm>
+            <a:off x="5742625" y="0"/>
+            <a:ext cx="6449375" cy="6858000"/>
+          </a:xfrm>
+          <a:prstGeom prst="rect">
+            <a:avLst/>
+          </a:prstGeom>
+          <a:ln>
+            <a:noFill/>
+          </a:ln>
+        </p:spPr>
+        <p:style>
+          <a:lnRef idx="2">
+            <a:schemeClr val="accent1">
+              <a:shade val="50000"/>
+            </a:schemeClr>
+          </a:lnRef>
+          <a:fillRef idx="1">
+            <a:schemeClr val="accent1"/>
+          </a:fillRef>
+          <a:effectRef idx="0">
+            <a:schemeClr val="accent1"/>
+          </a:effectRef>
+          <a:fontRef idx="minor">
+            <a:schemeClr val="lt1"/>
+          </a:fontRef>
+        </p:style>
+        <p:txBody>
+          <a:bodyPr rtlCol="0" anchor="ctr"/>
+          <a:lstStyle/>
+          <a:p>
+            <a:pPr algn="ctr"/>
+            <a:endParaRPr lang="en-US"/>
+          </a:p>
+        </p:txBody>
+      </p:sp>
+      <p:graphicFrame>
+        <p:nvGraphicFramePr>
+          <p:cNvPr id="5" name="Espace réservé du contenu 2">
+            <a:extLst>
+              <a:ext uri="{FF2B5EF4-FFF2-40B4-BE49-F238E27FC236}">
+                <a16:creationId xmlns:a16="http://schemas.microsoft.com/office/drawing/2014/main" id="{2918C323-631B-4006-9A76-A398AEFF10B8}"/>
+              </a:ext>
+            </a:extLst>
+          </p:cNvPr>
+          <p:cNvGraphicFramePr>
+            <a:graphicFrameLocks noGrp="1"/>
+          </p:cNvGraphicFramePr>
+          <p:nvPr>
+            <p:ph idx="1"/>
+            <p:extLst>
+              <p:ext uri="{D42A27DB-BD31-4B8C-83A1-F6EECF244321}">
+                <p14:modId xmlns:p14="http://schemas.microsoft.com/office/powerpoint/2010/main" val="862908973"/>
+              </p:ext>
+            </p:extLst>
+          </p:nvPr>
+        </p:nvGraphicFramePr>
+        <p:xfrm>
+          <a:off x="4852543" y="944564"/>
+          <a:ext cx="6692814" cy="4823190"/>
+        </p:xfrm>
+        <a:graphic>
+          <a:graphicData uri="http://schemas.openxmlformats.org/drawingml/2006/diagram">
+            <dgm:relIds xmlns:dgm="http://schemas.openxmlformats.org/drawingml/2006/diagram" xmlns:r="http://schemas.openxmlformats.org/officeDocument/2006/relationships" r:dm="rId2" r:lo="rId3" r:qs="rId4" r:cs="rId5"/>
+          </a:graphicData>
+        </a:graphic>
+      </p:graphicFrame>
+    </p:spTree>
+    <p:extLst>
+      <p:ext uri="{BB962C8B-B14F-4D97-AF65-F5344CB8AC3E}">
+        <p14:creationId xmlns:p14="http://schemas.microsoft.com/office/powerpoint/2010/main" val="4050028424"/>
+      </p:ext>
+    </p:extLst>
+  </p:cSld>
+  <p:clrMapOvr>
+    <a:masterClrMapping/>
+  </p:clrMapOvr>
+</p:sld>
+</file>
+
+<file path=ppt/slides/slide6.xml><?xml version="1.0" encoding="utf-8"?>
 <p:sld xmlns:a="http://schemas.openxmlformats.org/drawingml/2006/main" xmlns:r="http://schemas.openxmlformats.org/officeDocument/2006/relationships" xmlns:p="http://schemas.openxmlformats.org/presentationml/2006/main">
   <p:cSld>
     <p:spTree>
@@ -10784,7 +17850,7 @@
           <p:cNvPr id="2" name="Titre 1">
             <a:extLst>
               <a:ext uri="{FF2B5EF4-FFF2-40B4-BE49-F238E27FC236}">
-                <a16:creationId xmlns:a16="http://schemas.microsoft.com/office/drawing/2014/main" id="{0C69C6DC-8D8C-460F-92EB-F1D52FE719F9}"/>
+                <a16:creationId xmlns:a16="http://schemas.microsoft.com/office/drawing/2014/main" id="{BD4F84CA-B513-43F9-A376-3E4576C77736}"/>
               </a:ext>
             </a:extLst>
           </p:cNvPr>
@@ -10802,51 +17868,101 @@
           <a:p>
             <a:r>
               <a:rPr lang="fr-CH" dirty="0"/>
-              <a:t>Motivations (Suite)</a:t>
+              <a:t>Implémentation</a:t>
             </a:r>
-            <a:br>
+          </a:p>
+        </p:txBody>
+      </p:sp>
+      <p:sp>
+        <p:nvSpPr>
+          <p:cNvPr id="3" name="Espace réservé du contenu 2">
+            <a:extLst>
+              <a:ext uri="{FF2B5EF4-FFF2-40B4-BE49-F238E27FC236}">
+                <a16:creationId xmlns:a16="http://schemas.microsoft.com/office/drawing/2014/main" id="{E4BA4A39-1F25-45C6-B5A8-59C317AF14B9}"/>
+              </a:ext>
+            </a:extLst>
+          </p:cNvPr>
+          <p:cNvSpPr>
+            <a:spLocks noGrp="1"/>
+          </p:cNvSpPr>
+          <p:nvPr>
+            <p:ph idx="1"/>
+          </p:nvPr>
+        </p:nvSpPr>
+        <p:spPr/>
+        <p:txBody>
+          <a:bodyPr/>
+          <a:lstStyle/>
+          <a:p>
+            <a:r>
               <a:rPr lang="fr-CH" dirty="0"/>
-            </a:br>
+              <a:t>Comme une fabrique</a:t>
+            </a:r>
+          </a:p>
+          <a:p>
+            <a:r>
+              <a:rPr lang="fr-CH" dirty="0"/>
+              <a:t>Classe abstraite avec méthode clone</a:t>
+            </a:r>
+          </a:p>
+          <a:p>
+            <a:r>
+              <a:rPr lang="fr-CH" dirty="0"/>
+              <a:t>Toutes classes dérivées d’un prototype</a:t>
+            </a:r>
+          </a:p>
+          <a:p>
+            <a:r>
+              <a:rPr lang="fr-CH" dirty="0"/>
+              <a:t>Objets personnalisés</a:t>
+            </a:r>
+          </a:p>
+          <a:p>
+            <a:pPr marL="0" indent="0">
+              <a:buNone/>
+            </a:pPr>
+            <a:endParaRPr lang="fr-CH" dirty="0"/>
+          </a:p>
+          <a:p>
+            <a:pPr>
+              <a:buFont typeface="+mj-lt"/>
+              <a:buAutoNum type="arabicPeriod"/>
+            </a:pPr>
+            <a:r>
+              <a:rPr lang="fr-FR" dirty="0"/>
+              <a:t>Utiliser un prototype manager</a:t>
+            </a:r>
+          </a:p>
+          <a:p>
+            <a:pPr>
+              <a:buFont typeface="+mj-lt"/>
+              <a:buAutoNum type="arabicPeriod"/>
+            </a:pPr>
+            <a:r>
+              <a:rPr lang="fr-FR" dirty="0"/>
+              <a:t>Implémenter l'opération Clone</a:t>
+            </a:r>
+          </a:p>
+          <a:p>
+            <a:pPr>
+              <a:buFont typeface="+mj-lt"/>
+              <a:buAutoNum type="arabicPeriod"/>
+            </a:pPr>
+            <a:r>
+              <a:rPr lang="fr-FR" dirty="0"/>
+              <a:t>Initialiser les clones</a:t>
+            </a:r>
+            <a:endParaRPr lang="fr-CH" dirty="0"/>
+          </a:p>
+          <a:p>
             <a:endParaRPr lang="fr-CH" dirty="0"/>
           </a:p>
         </p:txBody>
       </p:sp>
-      <p:pic>
-        <p:nvPicPr>
-          <p:cNvPr id="4" name="Espace réservé du contenu 3">
-            <a:extLst>
-              <a:ext uri="{FF2B5EF4-FFF2-40B4-BE49-F238E27FC236}">
-                <a16:creationId xmlns:a16="http://schemas.microsoft.com/office/drawing/2014/main" id="{7A978F8A-0EBB-4D9D-9093-4843B68B506F}"/>
-              </a:ext>
-            </a:extLst>
-          </p:cNvPr>
-          <p:cNvPicPr>
-            <a:picLocks noGrp="1" noChangeAspect="1"/>
-          </p:cNvPicPr>
-          <p:nvPr>
-            <p:ph idx="1"/>
-          </p:nvPr>
-        </p:nvPicPr>
-        <p:blipFill>
-          <a:blip r:embed="rId2"/>
-          <a:stretch>
-            <a:fillRect/>
-          </a:stretch>
-        </p:blipFill>
-        <p:spPr>
-          <a:xfrm>
-            <a:off x="1368719" y="2160588"/>
-            <a:ext cx="7214599" cy="3881437"/>
-          </a:xfrm>
-          <a:prstGeom prst="rect">
-            <a:avLst/>
-          </a:prstGeom>
-        </p:spPr>
-      </p:pic>
     </p:spTree>
     <p:extLst>
       <p:ext uri="{BB962C8B-B14F-4D97-AF65-F5344CB8AC3E}">
-        <p14:creationId xmlns:p14="http://schemas.microsoft.com/office/powerpoint/2010/main" val="1740464420"/>
+        <p14:creationId xmlns:p14="http://schemas.microsoft.com/office/powerpoint/2010/main" val="2178375035"/>
       </p:ext>
     </p:extLst>
   </p:cSld>
@@ -10856,7 +17972,7 @@
 </p:sld>
 </file>
 
-<file path=ppt/slides/slide5.xml><?xml version="1.0" encoding="utf-8"?>
+<file path=ppt/slides/slide7.xml><?xml version="1.0" encoding="utf-8"?>
 <p:sld xmlns:a="http://schemas.openxmlformats.org/drawingml/2006/main" xmlns:r="http://schemas.openxmlformats.org/officeDocument/2006/relationships" xmlns:p="http://schemas.openxmlformats.org/presentationml/2006/main">
   <p:cSld>
     <p:spTree>
@@ -10896,7 +18012,7 @@
           <a:p>
             <a:r>
               <a:rPr lang="fr-CH" dirty="0"/>
-              <a:t>Implémentation</a:t>
+              <a:t>Projet</a:t>
             </a:r>
           </a:p>
         </p:txBody>
@@ -10948,7 +18064,7 @@
 </p:sld>
 </file>
 
-<file path=ppt/slides/slide6.xml><?xml version="1.0" encoding="utf-8"?>
+<file path=ppt/slides/slide8.xml><?xml version="1.0" encoding="utf-8"?>
 <p:sld xmlns:a="http://schemas.openxmlformats.org/drawingml/2006/main" xmlns:r="http://schemas.openxmlformats.org/officeDocument/2006/relationships" xmlns:p="http://schemas.openxmlformats.org/presentationml/2006/main">
   <p:cSld>
     <p:bg>
@@ -11689,8 +18805,8 @@
           </p:nvPr>
         </p:nvSpPr>
         <p:spPr>
-          <a:xfrm>
-            <a:off x="985969" y="4473227"/>
+          <a:xfrm rot="21392858">
+            <a:off x="1289987" y="4873630"/>
             <a:ext cx="8288032" cy="1096648"/>
           </a:xfrm>
         </p:spPr>
@@ -11701,37 +18817,13 @@
           <a:lstStyle/>
           <a:p>
             <a:r>
-              <a:rPr lang="en-US" sz="4800"/>
-              <a:t>Implémentation (Suite)</a:t>
+              <a:rPr lang="en-US" sz="4800" dirty="0" err="1"/>
+              <a:t>Implémentation</a:t>
             </a:r>
-          </a:p>
-        </p:txBody>
-      </p:sp>
-      <p:sp>
-        <p:nvSpPr>
-          <p:cNvPr id="6" name="Espace réservé du contenu 5">
-            <a:extLst>
-              <a:ext uri="{FF2B5EF4-FFF2-40B4-BE49-F238E27FC236}">
-                <a16:creationId xmlns:a16="http://schemas.microsoft.com/office/drawing/2014/main" id="{BF6B0FA5-07F0-4EF6-A109-3BBFB42DFF42}"/>
-              </a:ext>
-            </a:extLst>
-          </p:cNvPr>
-          <p:cNvSpPr>
-            <a:spLocks noGrp="1"/>
-          </p:cNvSpPr>
-          <p:nvPr>
-            <p:ph idx="1"/>
-          </p:nvPr>
-        </p:nvSpPr>
-        <p:spPr/>
-        <p:txBody>
-          <a:bodyPr/>
-          <a:lstStyle/>
-          <a:p>
-            <a:pPr marL="0" indent="0">
-              <a:buNone/>
-            </a:pPr>
-            <a:endParaRPr lang="fr-CH" dirty="0"/>
+            <a:r>
+              <a:rPr lang="en-US" sz="4800" dirty="0"/>
+              <a:t> (Suite)</a:t>
+            </a:r>
           </a:p>
         </p:txBody>
       </p:sp>
@@ -11757,7 +18849,7 @@
         </p:blipFill>
         <p:spPr>
           <a:xfrm>
-            <a:off x="813790" y="879662"/>
+            <a:off x="840152" y="682108"/>
             <a:ext cx="8729251" cy="3997138"/>
           </a:xfrm>
           <a:prstGeom prst="rect">
@@ -12033,4 +19125,299 @@
     </a:ext>
   </a:extLst>
 </a:theme>
+</file>
+
+<file path=ppt/theme/theme2.xml><?xml version="1.0" encoding="utf-8"?>
+<a:theme xmlns:a="http://schemas.openxmlformats.org/drawingml/2006/main" name="Thème Office">
+  <a:themeElements>
+    <a:clrScheme name="Office">
+      <a:dk1>
+        <a:sysClr val="windowText" lastClr="000000"/>
+      </a:dk1>
+      <a:lt1>
+        <a:sysClr val="window" lastClr="FFFFFF"/>
+      </a:lt1>
+      <a:dk2>
+        <a:srgbClr val="44546A"/>
+      </a:dk2>
+      <a:lt2>
+        <a:srgbClr val="E7E6E6"/>
+      </a:lt2>
+      <a:accent1>
+        <a:srgbClr val="4472C4"/>
+      </a:accent1>
+      <a:accent2>
+        <a:srgbClr val="ED7D31"/>
+      </a:accent2>
+      <a:accent3>
+        <a:srgbClr val="A5A5A5"/>
+      </a:accent3>
+      <a:accent4>
+        <a:srgbClr val="FFC000"/>
+      </a:accent4>
+      <a:accent5>
+        <a:srgbClr val="5B9BD5"/>
+      </a:accent5>
+      <a:accent6>
+        <a:srgbClr val="70AD47"/>
+      </a:accent6>
+      <a:hlink>
+        <a:srgbClr val="0563C1"/>
+      </a:hlink>
+      <a:folHlink>
+        <a:srgbClr val="954F72"/>
+      </a:folHlink>
+    </a:clrScheme>
+    <a:fontScheme name="Office">
+      <a:majorFont>
+        <a:latin typeface="Calibri Light" panose="020F0302020204030204"/>
+        <a:ea typeface=""/>
+        <a:cs typeface=""/>
+        <a:font script="Jpan" typeface="游ゴシック Light"/>
+        <a:font script="Hang" typeface="맑은 고딕"/>
+        <a:font script="Hans" typeface="等线 Light"/>
+        <a:font script="Hant" typeface="新細明體"/>
+        <a:font script="Arab" typeface="Times New Roman"/>
+        <a:font script="Hebr" typeface="Times New Roman"/>
+        <a:font script="Thai" typeface="Angsana New"/>
+        <a:font script="Ethi" typeface="Nyala"/>
+        <a:font script="Beng" typeface="Vrinda"/>
+        <a:font script="Gujr" typeface="Shruti"/>
+        <a:font script="Khmr" typeface="MoolBoran"/>
+        <a:font script="Knda" typeface="Tunga"/>
+        <a:font script="Guru" typeface="Raavi"/>
+        <a:font script="Cans" typeface="Euphemia"/>
+        <a:font script="Cher" typeface="Plantagenet Cherokee"/>
+        <a:font script="Yiii" typeface="Microsoft Yi Baiti"/>
+        <a:font script="Tibt" typeface="Microsoft Himalaya"/>
+        <a:font script="Thaa" typeface="MV Boli"/>
+        <a:font script="Deva" typeface="Mangal"/>
+        <a:font script="Telu" typeface="Gautami"/>
+        <a:font script="Taml" typeface="Latha"/>
+        <a:font script="Syrc" typeface="Estrangelo Edessa"/>
+        <a:font script="Orya" typeface="Kalinga"/>
+        <a:font script="Mlym" typeface="Kartika"/>
+        <a:font script="Laoo" typeface="DokChampa"/>
+        <a:font script="Sinh" typeface="Iskoola Pota"/>
+        <a:font script="Mong" typeface="Mongolian Baiti"/>
+        <a:font script="Viet" typeface="Times New Roman"/>
+        <a:font script="Uigh" typeface="Microsoft Uighur"/>
+        <a:font script="Geor" typeface="Sylfaen"/>
+        <a:font script="Armn" typeface="Arial"/>
+        <a:font script="Bugi" typeface="Leelawadee UI"/>
+        <a:font script="Bopo" typeface="Microsoft JhengHei"/>
+        <a:font script="Java" typeface="Javanese Text"/>
+        <a:font script="Lisu" typeface="Segoe UI"/>
+        <a:font script="Mymr" typeface="Myanmar Text"/>
+        <a:font script="Nkoo" typeface="Ebrima"/>
+        <a:font script="Olck" typeface="Nirmala UI"/>
+        <a:font script="Osma" typeface="Ebrima"/>
+        <a:font script="Phag" typeface="Phagspa"/>
+        <a:font script="Syrn" typeface="Estrangelo Edessa"/>
+        <a:font script="Syrj" typeface="Estrangelo Edessa"/>
+        <a:font script="Syre" typeface="Estrangelo Edessa"/>
+        <a:font script="Sora" typeface="Nirmala UI"/>
+        <a:font script="Tale" typeface="Microsoft Tai Le"/>
+        <a:font script="Talu" typeface="Microsoft New Tai Lue"/>
+        <a:font script="Tfng" typeface="Ebrima"/>
+      </a:majorFont>
+      <a:minorFont>
+        <a:latin typeface="Calibri" panose="020F0502020204030204"/>
+        <a:ea typeface=""/>
+        <a:cs typeface=""/>
+        <a:font script="Jpan" typeface="游ゴシック"/>
+        <a:font script="Hang" typeface="맑은 고딕"/>
+        <a:font script="Hans" typeface="等线"/>
+        <a:font script="Hant" typeface="新細明體"/>
+        <a:font script="Arab" typeface="Arial"/>
+        <a:font script="Hebr" typeface="Arial"/>
+        <a:font script="Thai" typeface="Cordia New"/>
+        <a:font script="Ethi" typeface="Nyala"/>
+        <a:font script="Beng" typeface="Vrinda"/>
+        <a:font script="Gujr" typeface="Shruti"/>
+        <a:font script="Khmr" typeface="DaunPenh"/>
+        <a:font script="Knda" typeface="Tunga"/>
+        <a:font script="Guru" typeface="Raavi"/>
+        <a:font script="Cans" typeface="Euphemia"/>
+        <a:font script="Cher" typeface="Plantagenet Cherokee"/>
+        <a:font script="Yiii" typeface="Microsoft Yi Baiti"/>
+        <a:font script="Tibt" typeface="Microsoft Himalaya"/>
+        <a:font script="Thaa" typeface="MV Boli"/>
+        <a:font script="Deva" typeface="Mangal"/>
+        <a:font script="Telu" typeface="Gautami"/>
+        <a:font script="Taml" typeface="Latha"/>
+        <a:font script="Syrc" typeface="Estrangelo Edessa"/>
+        <a:font script="Orya" typeface="Kalinga"/>
+        <a:font script="Mlym" typeface="Kartika"/>
+        <a:font script="Laoo" typeface="DokChampa"/>
+        <a:font script="Sinh" typeface="Iskoola Pota"/>
+        <a:font script="Mong" typeface="Mongolian Baiti"/>
+        <a:font script="Viet" typeface="Arial"/>
+        <a:font script="Uigh" typeface="Microsoft Uighur"/>
+        <a:font script="Geor" typeface="Sylfaen"/>
+        <a:font script="Armn" typeface="Arial"/>
+        <a:font script="Bugi" typeface="Leelawadee UI"/>
+        <a:font script="Bopo" typeface="Microsoft JhengHei"/>
+        <a:font script="Java" typeface="Javanese Text"/>
+        <a:font script="Lisu" typeface="Segoe UI"/>
+        <a:font script="Mymr" typeface="Myanmar Text"/>
+        <a:font script="Nkoo" typeface="Ebrima"/>
+        <a:font script="Olck" typeface="Nirmala UI"/>
+        <a:font script="Osma" typeface="Ebrima"/>
+        <a:font script="Phag" typeface="Phagspa"/>
+        <a:font script="Syrn" typeface="Estrangelo Edessa"/>
+        <a:font script="Syrj" typeface="Estrangelo Edessa"/>
+        <a:font script="Syre" typeface="Estrangelo Edessa"/>
+        <a:font script="Sora" typeface="Nirmala UI"/>
+        <a:font script="Tale" typeface="Microsoft Tai Le"/>
+        <a:font script="Talu" typeface="Microsoft New Tai Lue"/>
+        <a:font script="Tfng" typeface="Ebrima"/>
+      </a:minorFont>
+    </a:fontScheme>
+    <a:fmtScheme name="Office">
+      <a:fillStyleLst>
+        <a:solidFill>
+          <a:schemeClr val="phClr"/>
+        </a:solidFill>
+        <a:gradFill rotWithShape="1">
+          <a:gsLst>
+            <a:gs pos="0">
+              <a:schemeClr val="phClr">
+                <a:lumMod val="110000"/>
+                <a:satMod val="105000"/>
+                <a:tint val="67000"/>
+              </a:schemeClr>
+            </a:gs>
+            <a:gs pos="50000">
+              <a:schemeClr val="phClr">
+                <a:lumMod val="105000"/>
+                <a:satMod val="103000"/>
+                <a:tint val="73000"/>
+              </a:schemeClr>
+            </a:gs>
+            <a:gs pos="100000">
+              <a:schemeClr val="phClr">
+                <a:lumMod val="105000"/>
+                <a:satMod val="109000"/>
+                <a:tint val="81000"/>
+              </a:schemeClr>
+            </a:gs>
+          </a:gsLst>
+          <a:lin ang="5400000" scaled="0"/>
+        </a:gradFill>
+        <a:gradFill rotWithShape="1">
+          <a:gsLst>
+            <a:gs pos="0">
+              <a:schemeClr val="phClr">
+                <a:satMod val="103000"/>
+                <a:lumMod val="102000"/>
+                <a:tint val="94000"/>
+              </a:schemeClr>
+            </a:gs>
+            <a:gs pos="50000">
+              <a:schemeClr val="phClr">
+                <a:satMod val="110000"/>
+                <a:lumMod val="100000"/>
+                <a:shade val="100000"/>
+              </a:schemeClr>
+            </a:gs>
+            <a:gs pos="100000">
+              <a:schemeClr val="phClr">
+                <a:lumMod val="99000"/>
+                <a:satMod val="120000"/>
+                <a:shade val="78000"/>
+              </a:schemeClr>
+            </a:gs>
+          </a:gsLst>
+          <a:lin ang="5400000" scaled="0"/>
+        </a:gradFill>
+      </a:fillStyleLst>
+      <a:lnStyleLst>
+        <a:ln w="6350" cap="flat" cmpd="sng" algn="ctr">
+          <a:solidFill>
+            <a:schemeClr val="phClr"/>
+          </a:solidFill>
+          <a:prstDash val="solid"/>
+          <a:miter lim="800000"/>
+        </a:ln>
+        <a:ln w="12700" cap="flat" cmpd="sng" algn="ctr">
+          <a:solidFill>
+            <a:schemeClr val="phClr"/>
+          </a:solidFill>
+          <a:prstDash val="solid"/>
+          <a:miter lim="800000"/>
+        </a:ln>
+        <a:ln w="19050" cap="flat" cmpd="sng" algn="ctr">
+          <a:solidFill>
+            <a:schemeClr val="phClr"/>
+          </a:solidFill>
+          <a:prstDash val="solid"/>
+          <a:miter lim="800000"/>
+        </a:ln>
+      </a:lnStyleLst>
+      <a:effectStyleLst>
+        <a:effectStyle>
+          <a:effectLst/>
+        </a:effectStyle>
+        <a:effectStyle>
+          <a:effectLst/>
+        </a:effectStyle>
+        <a:effectStyle>
+          <a:effectLst>
+            <a:outerShdw blurRad="57150" dist="19050" dir="5400000" algn="ctr" rotWithShape="0">
+              <a:srgbClr val="000000">
+                <a:alpha val="63000"/>
+              </a:srgbClr>
+            </a:outerShdw>
+          </a:effectLst>
+        </a:effectStyle>
+      </a:effectStyleLst>
+      <a:bgFillStyleLst>
+        <a:solidFill>
+          <a:schemeClr val="phClr"/>
+        </a:solidFill>
+        <a:solidFill>
+          <a:schemeClr val="phClr">
+            <a:tint val="95000"/>
+            <a:satMod val="170000"/>
+          </a:schemeClr>
+        </a:solidFill>
+        <a:gradFill rotWithShape="1">
+          <a:gsLst>
+            <a:gs pos="0">
+              <a:schemeClr val="phClr">
+                <a:tint val="93000"/>
+                <a:satMod val="150000"/>
+                <a:shade val="98000"/>
+                <a:lumMod val="102000"/>
+              </a:schemeClr>
+            </a:gs>
+            <a:gs pos="50000">
+              <a:schemeClr val="phClr">
+                <a:tint val="98000"/>
+                <a:satMod val="130000"/>
+                <a:shade val="90000"/>
+                <a:lumMod val="103000"/>
+              </a:schemeClr>
+            </a:gs>
+            <a:gs pos="100000">
+              <a:schemeClr val="phClr">
+                <a:shade val="63000"/>
+                <a:satMod val="120000"/>
+              </a:schemeClr>
+            </a:gs>
+          </a:gsLst>
+          <a:lin ang="5400000" scaled="0"/>
+        </a:gradFill>
+      </a:bgFillStyleLst>
+    </a:fmtScheme>
+  </a:themeElements>
+  <a:objectDefaults/>
+  <a:extraClrSchemeLst/>
+  <a:extLst>
+    <a:ext uri="{05A4C25C-085E-4340-85A3-A5531E510DB2}">
+      <thm15:themeFamily xmlns:thm15="http://schemas.microsoft.com/office/thememl/2012/main" name="Office Theme" id="{62F939B6-93AF-4DB8-9C6B-D6C7DFDC589F}" vid="{4A3C46E8-61CC-4603-A589-7422A47A8E4A}"/>
+    </a:ext>
+  </a:extLst>
+</a:theme>
 </file>